--- a/slides/03-Closures.pptx
+++ b/slides/03-Closures.pptx
@@ -209,7 +209,7 @@
           <a:p>
             <a:fld id="{27CEEA13-23F5-194B-B1CF-CF175090CBFA}" type="datetimeFigureOut">
               <a:rPr lang="en-US" smtClean="0"/>
-              <a:t>7/30/18</a:t>
+              <a:t>9/21/18</a:t>
             </a:fld>
             <a:endParaRPr lang="en-US"/>
           </a:p>
@@ -637,7 +637,7 @@
           <a:p>
             <a:fld id="{2DD5D53E-635E-BD41-B5CC-A796D6DD661B}" type="datetimeFigureOut">
               <a:rPr lang="en-US" smtClean="0"/>
-              <a:t>7/30/18</a:t>
+              <a:t>9/21/18</a:t>
             </a:fld>
             <a:endParaRPr lang="en-US"/>
           </a:p>
@@ -967,7 +967,7 @@
           <a:p>
             <a:fld id="{2DD5D53E-635E-BD41-B5CC-A796D6DD661B}" type="datetimeFigureOut">
               <a:rPr lang="en-US" smtClean="0"/>
-              <a:t>7/30/18</a:t>
+              <a:t>9/21/18</a:t>
             </a:fld>
             <a:endParaRPr lang="en-US"/>
           </a:p>
@@ -1147,7 +1147,7 @@
           <a:p>
             <a:fld id="{2DD5D53E-635E-BD41-B5CC-A796D6DD661B}" type="datetimeFigureOut">
               <a:rPr lang="en-US" smtClean="0"/>
-              <a:t>7/30/18</a:t>
+              <a:t>9/21/18</a:t>
             </a:fld>
             <a:endParaRPr lang="en-US"/>
           </a:p>
@@ -1317,7 +1317,7 @@
           <a:p>
             <a:fld id="{2DD5D53E-635E-BD41-B5CC-A796D6DD661B}" type="datetimeFigureOut">
               <a:rPr lang="en-US" smtClean="0"/>
-              <a:t>7/30/18</a:t>
+              <a:t>9/21/18</a:t>
             </a:fld>
             <a:endParaRPr lang="en-US"/>
           </a:p>
@@ -1589,7 +1589,7 @@
           <a:p>
             <a:fld id="{2DD5D53E-635E-BD41-B5CC-A796D6DD661B}" type="datetimeFigureOut">
               <a:rPr lang="en-US" smtClean="0"/>
-              <a:t>7/30/18</a:t>
+              <a:t>9/21/18</a:t>
             </a:fld>
             <a:endParaRPr lang="en-US"/>
           </a:p>
@@ -1983,7 +1983,7 @@
           <a:p>
             <a:fld id="{2DD5D53E-635E-BD41-B5CC-A796D6DD661B}" type="datetimeFigureOut">
               <a:rPr lang="en-US" smtClean="0"/>
-              <a:t>7/30/18</a:t>
+              <a:t>9/21/18</a:t>
             </a:fld>
             <a:endParaRPr lang="en-US"/>
           </a:p>
@@ -2460,7 +2460,7 @@
           <a:p>
             <a:fld id="{2DD5D53E-635E-BD41-B5CC-A796D6DD661B}" type="datetimeFigureOut">
               <a:rPr lang="en-US" smtClean="0"/>
-              <a:t>7/30/18</a:t>
+              <a:t>9/21/18</a:t>
             </a:fld>
             <a:endParaRPr lang="en-US"/>
           </a:p>
@@ -2578,7 +2578,7 @@
           <a:p>
             <a:fld id="{2DD5D53E-635E-BD41-B5CC-A796D6DD661B}" type="datetimeFigureOut">
               <a:rPr lang="en-US" smtClean="0"/>
-              <a:t>7/30/18</a:t>
+              <a:t>9/21/18</a:t>
             </a:fld>
             <a:endParaRPr lang="en-US"/>
           </a:p>
@@ -2673,7 +2673,7 @@
           <a:p>
             <a:fld id="{2DD5D53E-635E-BD41-B5CC-A796D6DD661B}" type="datetimeFigureOut">
               <a:rPr lang="en-US" smtClean="0"/>
-              <a:t>7/30/18</a:t>
+              <a:t>9/21/18</a:t>
             </a:fld>
             <a:endParaRPr lang="en-US"/>
           </a:p>
@@ -3019,7 +3019,7 @@
           <a:p>
             <a:fld id="{2DD5D53E-635E-BD41-B5CC-A796D6DD661B}" type="datetimeFigureOut">
               <a:rPr lang="en-US" smtClean="0"/>
-              <a:t>7/30/18</a:t>
+              <a:t>9/21/18</a:t>
             </a:fld>
             <a:endParaRPr lang="en-US"/>
           </a:p>
@@ -3407,7 +3407,7 @@
           <a:p>
             <a:fld id="{2DD5D53E-635E-BD41-B5CC-A796D6DD661B}" type="datetimeFigureOut">
               <a:rPr lang="en-US" smtClean="0"/>
-              <a:t>7/30/18</a:t>
+              <a:t>9/21/18</a:t>
             </a:fld>
             <a:endParaRPr lang="en-US"/>
           </a:p>
@@ -3682,7 +3682,7 @@
           <a:p>
             <a:fld id="{2DD5D53E-635E-BD41-B5CC-A796D6DD661B}" type="datetimeFigureOut">
               <a:rPr lang="en-US" smtClean="0"/>
-              <a:t>7/30/18</a:t>
+              <a:t>9/21/18</a:t>
             </a:fld>
             <a:endParaRPr lang="en-US"/>
           </a:p>
@@ -15094,7 +15094,7 @@
         <p:spPr>
           <a:xfrm>
             <a:off x="946230" y="1377070"/>
-            <a:ext cx="5587679" cy="5012474"/>
+            <a:ext cx="5587679" cy="5172586"/>
           </a:xfrm>
           <a:prstGeom prst="rect">
             <a:avLst/>
@@ -15321,7 +15321,7 @@
                 <a:ea typeface="Menlo" panose="020B0609030804020204" pitchFamily="49" charset="0"/>
                 <a:cs typeface="Menlo" panose="020B0609030804020204" pitchFamily="49" charset="0"/>
               </a:rPr>
-              <a:t>def math(base, exponent, </a:t>
+              <a:t>def math(</a:t>
             </a:r>
             <a:r>
               <a:rPr lang="en-US" dirty="0" err="1">
@@ -15343,7 +15343,7 @@
                 <a:ea typeface="Menlo" panose="020B0609030804020204" pitchFamily="49" charset="0"/>
                 <a:cs typeface="Menlo" panose="020B0609030804020204" pitchFamily="49" charset="0"/>
               </a:rPr>
-              <a:t>):</a:t>
+              <a:t>, base, exponent):</a:t>
             </a:r>
           </a:p>
           <a:p>
@@ -15389,7 +15389,7 @@
                 <a:ea typeface="Menlo" panose="020B0609030804020204" pitchFamily="49" charset="0"/>
                 <a:cs typeface="Menlo" panose="020B0609030804020204" pitchFamily="49" charset="0"/>
               </a:rPr>
-              <a:t>*base**exponent</a:t>
+              <a:t> * base ** exponent</a:t>
             </a:r>
           </a:p>
           <a:p>
@@ -15413,7 +15413,7 @@
                 <a:ea typeface="Menlo" panose="020B0609030804020204" pitchFamily="49" charset="0"/>
                 <a:cs typeface="Menlo" panose="020B0609030804020204" pitchFamily="49" charset="0"/>
               </a:rPr>
-              <a:t>math(2, 3, 10)</a:t>
+              <a:t>math(10, 2, 3)</a:t>
             </a:r>
           </a:p>
           <a:p>
@@ -15450,7 +15450,7 @@
                 <a:ea typeface="Menlo" panose="020B0609030804020204" pitchFamily="49" charset="0"/>
                 <a:cs typeface="Menlo" panose="020B0609030804020204" pitchFamily="49" charset="0"/>
               </a:rPr>
-              <a:t>def math(base, exponent, </a:t>
+              <a:t>def math(</a:t>
             </a:r>
             <a:r>
               <a:rPr lang="en-US" dirty="0" err="1">
@@ -15472,7 +15472,7 @@
                 <a:ea typeface="Menlo" panose="020B0609030804020204" pitchFamily="49" charset="0"/>
                 <a:cs typeface="Menlo" panose="020B0609030804020204" pitchFamily="49" charset="0"/>
               </a:rPr>
-              <a:t>=1):</a:t>
+              <a:t>, base, exponent=1):</a:t>
             </a:r>
           </a:p>
           <a:p>
@@ -15518,7 +15518,7 @@
                 <a:ea typeface="Menlo" panose="020B0609030804020204" pitchFamily="49" charset="0"/>
                 <a:cs typeface="Menlo" panose="020B0609030804020204" pitchFamily="49" charset="0"/>
               </a:rPr>
-              <a:t>*base**exponent</a:t>
+              <a:t> * base ** exponent</a:t>
             </a:r>
           </a:p>
           <a:p>
@@ -15542,7 +15542,7 @@
                 <a:ea typeface="Menlo" panose="020B0609030804020204" pitchFamily="49" charset="0"/>
                 <a:cs typeface="Menlo" panose="020B0609030804020204" pitchFamily="49" charset="0"/>
               </a:rPr>
-              <a:t>math(2, 3)</a:t>
+              <a:t>math(10, 2)</a:t>
             </a:r>
           </a:p>
           <a:p>
@@ -15555,7 +15555,7 @@
                 <a:ea typeface="Menlo" panose="020B0609030804020204" pitchFamily="49" charset="0"/>
                 <a:cs typeface="Menlo" panose="020B0609030804020204" pitchFamily="49" charset="0"/>
               </a:rPr>
-              <a:t>8</a:t>
+              <a:t>20</a:t>
             </a:r>
           </a:p>
           <a:p>
@@ -15579,7 +15579,29 @@
                 <a:ea typeface="Menlo" panose="020B0609030804020204" pitchFamily="49" charset="0"/>
                 <a:cs typeface="Menlo" panose="020B0609030804020204" pitchFamily="49" charset="0"/>
               </a:rPr>
-              <a:t>math(exponent=2, base=3)</a:t>
+              <a:t>math(exponent=2, base=2, </a:t>
+            </a:r>
+            <a:r>
+              <a:rPr lang="en-US" dirty="0" err="1">
+                <a:solidFill>
+                  <a:schemeClr val="accent6"/>
+                </a:solidFill>
+                <a:latin typeface="Menlo" panose="020B0609030804020204" pitchFamily="49" charset="0"/>
+                <a:ea typeface="Menlo" panose="020B0609030804020204" pitchFamily="49" charset="0"/>
+                <a:cs typeface="Menlo" panose="020B0609030804020204" pitchFamily="49" charset="0"/>
+              </a:rPr>
+              <a:t>coef</a:t>
+            </a:r>
+            <a:r>
+              <a:rPr lang="en-US" dirty="0">
+                <a:solidFill>
+                  <a:schemeClr val="accent6"/>
+                </a:solidFill>
+                <a:latin typeface="Menlo" panose="020B0609030804020204" pitchFamily="49" charset="0"/>
+                <a:ea typeface="Menlo" panose="020B0609030804020204" pitchFamily="49" charset="0"/>
+                <a:cs typeface="Menlo" panose="020B0609030804020204" pitchFamily="49" charset="0"/>
+              </a:rPr>
+              <a:t>=1)</a:t>
             </a:r>
           </a:p>
           <a:p>
@@ -15592,7 +15614,7 @@
                 <a:ea typeface="Menlo" panose="020B0609030804020204" pitchFamily="49" charset="0"/>
                 <a:cs typeface="Menlo" panose="020B0609030804020204" pitchFamily="49" charset="0"/>
               </a:rPr>
-              <a:t>9</a:t>
+              <a:t>4</a:t>
             </a:r>
           </a:p>
           <a:p>
@@ -15616,7 +15638,7 @@
                 <a:ea typeface="Menlo" panose="020B0609030804020204" pitchFamily="49" charset="0"/>
                 <a:cs typeface="Menlo" panose="020B0609030804020204" pitchFamily="49" charset="0"/>
               </a:rPr>
-              <a:t>def math(base=2, exponent, </a:t>
+              <a:t>def math(</a:t>
             </a:r>
             <a:r>
               <a:rPr lang="en-US" dirty="0" err="1">
@@ -15638,7 +15660,7 @@
                 <a:ea typeface="Menlo" panose="020B0609030804020204" pitchFamily="49" charset="0"/>
                 <a:cs typeface="Menlo" panose="020B0609030804020204" pitchFamily="49" charset="0"/>
               </a:rPr>
-              <a:t>=1):</a:t>
+              <a:t>=1, base, exponent=1):</a:t>
             </a:r>
           </a:p>
           <a:p>
@@ -15684,7 +15706,7 @@
                 <a:ea typeface="Menlo" panose="020B0609030804020204" pitchFamily="49" charset="0"/>
                 <a:cs typeface="Menlo" panose="020B0609030804020204" pitchFamily="49" charset="0"/>
               </a:rPr>
-              <a:t>*base**exponent</a:t>
+              <a:t> * base ** exponent</a:t>
             </a:r>
           </a:p>
           <a:p>
@@ -15700,7 +15722,7 @@
                 <a:ea typeface="Menlo" panose="020B0609030804020204" pitchFamily="49" charset="0"/>
                 <a:cs typeface="Menlo" panose="020B0609030804020204" pitchFamily="49" charset="0"/>
               </a:rPr>
-              <a:t>  File "&lt;stdin&gt;", line 1</a:t>
+              <a:t>File "&lt;stdin&gt;", line 1</a:t>
             </a:r>
           </a:p>
           <a:p>
@@ -15727,7 +15749,23 @@
                 <a:ea typeface="Menlo" panose="020B0609030804020204" pitchFamily="49" charset="0"/>
                 <a:cs typeface="Menlo" panose="020B0609030804020204" pitchFamily="49" charset="0"/>
               </a:rPr>
-              <a:t>: non-default argument follows default argument</a:t>
+              <a:t>: non-default argument follows</a:t>
+            </a:r>
+          </a:p>
+          <a:p>
+            <a:pPr marL="0" indent="0">
+              <a:buNone/>
+            </a:pPr>
+            <a:r>
+              <a:rPr lang="en-US" dirty="0">
+                <a:solidFill>
+                  <a:srgbClr val="FF0000"/>
+                </a:solidFill>
+                <a:latin typeface="Menlo" panose="020B0609030804020204" pitchFamily="49" charset="0"/>
+                <a:ea typeface="Menlo" panose="020B0609030804020204" pitchFamily="49" charset="0"/>
+                <a:cs typeface="Menlo" panose="020B0609030804020204" pitchFamily="49" charset="0"/>
+              </a:rPr>
+              <a:t> default argument</a:t>
             </a:r>
           </a:p>
           <a:p>
@@ -16502,7 +16540,7 @@
                             </p:stCondLst>
                             <p:childTnLst>
                               <p:par>
-                                <p:cTn id="61" presetID="2" presetClass="entr" presetSubtype="4" fill="hold" grpId="0" nodeType="clickEffect">
+                                <p:cTn id="61" presetID="22" presetClass="entr" presetSubtype="8" fill="hold" grpId="1" nodeType="clickEffect">
                                   <p:stCondLst>
                                     <p:cond delay="0"/>
                                   </p:stCondLst>
@@ -16510,6 +16548,67 @@
                                     <p:set>
                                       <p:cBhvr>
                                         <p:cTn id="62" dur="1" fill="hold">
+                                          <p:stCondLst>
+                                            <p:cond delay="0"/>
+                                          </p:stCondLst>
+                                        </p:cTn>
+                                        <p:tgtEl>
+                                          <p:spTgt spid="4">
+                                            <p:txEl>
+                                              <p:pRg st="9" end="9"/>
+                                            </p:txEl>
+                                          </p:spTgt>
+                                        </p:tgtEl>
+                                        <p:attrNameLst>
+                                          <p:attrName>style.visibility</p:attrName>
+                                        </p:attrNameLst>
+                                      </p:cBhvr>
+                                      <p:to>
+                                        <p:strVal val="visible"/>
+                                      </p:to>
+                                    </p:set>
+                                    <p:animEffect transition="in" filter="wipe(left)">
+                                      <p:cBhvr>
+                                        <p:cTn id="63" dur="500"/>
+                                        <p:tgtEl>
+                                          <p:spTgt spid="4">
+                                            <p:txEl>
+                                              <p:pRg st="9" end="9"/>
+                                            </p:txEl>
+                                          </p:spTgt>
+                                        </p:tgtEl>
+                                      </p:cBhvr>
+                                    </p:animEffect>
+                                  </p:childTnLst>
+                                </p:cTn>
+                              </p:par>
+                            </p:childTnLst>
+                          </p:cTn>
+                        </p:par>
+                      </p:childTnLst>
+                    </p:cTn>
+                  </p:par>
+                  <p:par>
+                    <p:cTn id="64" fill="hold">
+                      <p:stCondLst>
+                        <p:cond delay="indefinite"/>
+                      </p:stCondLst>
+                      <p:childTnLst>
+                        <p:par>
+                          <p:cTn id="65" fill="hold">
+                            <p:stCondLst>
+                              <p:cond delay="0"/>
+                            </p:stCondLst>
+                            <p:childTnLst>
+                              <p:par>
+                                <p:cTn id="66" presetID="2" presetClass="entr" presetSubtype="4" fill="hold" grpId="0" nodeType="clickEffect">
+                                  <p:stCondLst>
+                                    <p:cond delay="0"/>
+                                  </p:stCondLst>
+                                  <p:childTnLst>
+                                    <p:set>
+                                      <p:cBhvr>
+                                        <p:cTn id="67" dur="1" fill="hold">
                                           <p:stCondLst>
                                             <p:cond delay="0"/>
                                           </p:stCondLst>
@@ -16531,7 +16630,7 @@
                                     </p:set>
                                     <p:anim calcmode="lin" valueType="num">
                                       <p:cBhvr additive="base">
-                                        <p:cTn id="63" dur="500" fill="hold"/>
+                                        <p:cTn id="68" dur="500" fill="hold"/>
                                         <p:tgtEl>
                                           <p:spTgt spid="3">
                                             <p:txEl>
@@ -16558,7 +16657,7 @@
                                     </p:anim>
                                     <p:anim calcmode="lin" valueType="num">
                                       <p:cBhvr additive="base">
-                                        <p:cTn id="64" dur="500" fill="hold"/>
+                                        <p:cTn id="69" dur="500" fill="hold"/>
                                         <p:tgtEl>
                                           <p:spTgt spid="3">
                                             <p:txEl>
@@ -16583,67 +16682,6 @@
                                         </p:tav>
                                       </p:tavLst>
                                     </p:anim>
-                                  </p:childTnLst>
-                                </p:cTn>
-                              </p:par>
-                            </p:childTnLst>
-                          </p:cTn>
-                        </p:par>
-                      </p:childTnLst>
-                    </p:cTn>
-                  </p:par>
-                  <p:par>
-                    <p:cTn id="65" fill="hold">
-                      <p:stCondLst>
-                        <p:cond delay="indefinite"/>
-                      </p:stCondLst>
-                      <p:childTnLst>
-                        <p:par>
-                          <p:cTn id="66" fill="hold">
-                            <p:stCondLst>
-                              <p:cond delay="0"/>
-                            </p:stCondLst>
-                            <p:childTnLst>
-                              <p:par>
-                                <p:cTn id="67" presetID="22" presetClass="entr" presetSubtype="8" fill="hold" grpId="1" nodeType="clickEffect">
-                                  <p:stCondLst>
-                                    <p:cond delay="0"/>
-                                  </p:stCondLst>
-                                  <p:childTnLst>
-                                    <p:set>
-                                      <p:cBhvr>
-                                        <p:cTn id="68" dur="1" fill="hold">
-                                          <p:stCondLst>
-                                            <p:cond delay="0"/>
-                                          </p:stCondLst>
-                                        </p:cTn>
-                                        <p:tgtEl>
-                                          <p:spTgt spid="4">
-                                            <p:txEl>
-                                              <p:pRg st="9" end="9"/>
-                                            </p:txEl>
-                                          </p:spTgt>
-                                        </p:tgtEl>
-                                        <p:attrNameLst>
-                                          <p:attrName>style.visibility</p:attrName>
-                                        </p:attrNameLst>
-                                      </p:cBhvr>
-                                      <p:to>
-                                        <p:strVal val="visible"/>
-                                      </p:to>
-                                    </p:set>
-                                    <p:animEffect transition="in" filter="wipe(left)">
-                                      <p:cBhvr>
-                                        <p:cTn id="69" dur="500"/>
-                                        <p:tgtEl>
-                                          <p:spTgt spid="4">
-                                            <p:txEl>
-                                              <p:pRg st="9" end="9"/>
-                                            </p:txEl>
-                                          </p:spTgt>
-                                        </p:tgtEl>
-                                      </p:cBhvr>
-                                    </p:animEffect>
                                   </p:childTnLst>
                                 </p:cTn>
                               </p:par>
@@ -17483,6 +17521,49 @@
                                           <p:spTgt spid="4">
                                             <p:txEl>
                                               <p:pRg st="13" end="13"/>
+                                            </p:txEl>
+                                          </p:spTgt>
+                                        </p:tgtEl>
+                                      </p:cBhvr>
+                                    </p:animEffect>
+                                  </p:childTnLst>
+                                </p:cTn>
+                              </p:par>
+                              <p:par>
+                                <p:cTn id="124" presetID="22" presetClass="entr" presetSubtype="8" fill="hold" grpId="1" nodeType="withEffect">
+                                  <p:stCondLst>
+                                    <p:cond delay="0"/>
+                                  </p:stCondLst>
+                                  <p:childTnLst>
+                                    <p:set>
+                                      <p:cBhvr>
+                                        <p:cTn id="125" dur="1" fill="hold">
+                                          <p:stCondLst>
+                                            <p:cond delay="0"/>
+                                          </p:stCondLst>
+                                        </p:cTn>
+                                        <p:tgtEl>
+                                          <p:spTgt spid="4">
+                                            <p:txEl>
+                                              <p:pRg st="14" end="14"/>
+                                            </p:txEl>
+                                          </p:spTgt>
+                                        </p:tgtEl>
+                                        <p:attrNameLst>
+                                          <p:attrName>style.visibility</p:attrName>
+                                        </p:attrNameLst>
+                                      </p:cBhvr>
+                                      <p:to>
+                                        <p:strVal val="visible"/>
+                                      </p:to>
+                                    </p:set>
+                                    <p:animEffect transition="in" filter="wipe(left)">
+                                      <p:cBhvr>
+                                        <p:cTn id="126" dur="500"/>
+                                        <p:tgtEl>
+                                          <p:spTgt spid="4">
+                                            <p:txEl>
+                                              <p:pRg st="14" end="14"/>
                                             </p:txEl>
                                           </p:spTgt>
                                         </p:tgtEl>

--- a/slides/03-Closures.pptx
+++ b/slides/03-Closures.pptx
@@ -209,7 +209,7 @@
           <a:p>
             <a:fld id="{27CEEA13-23F5-194B-B1CF-CF175090CBFA}" type="datetimeFigureOut">
               <a:rPr lang="en-US" smtClean="0"/>
-              <a:t>9/21/18</a:t>
+              <a:t>2/5/20</a:t>
             </a:fld>
             <a:endParaRPr lang="en-US"/>
           </a:p>
@@ -637,7 +637,7 @@
           <a:p>
             <a:fld id="{2DD5D53E-635E-BD41-B5CC-A796D6DD661B}" type="datetimeFigureOut">
               <a:rPr lang="en-US" smtClean="0"/>
-              <a:t>9/21/18</a:t>
+              <a:t>2/5/20</a:t>
             </a:fld>
             <a:endParaRPr lang="en-US"/>
           </a:p>
@@ -967,7 +967,7 @@
           <a:p>
             <a:fld id="{2DD5D53E-635E-BD41-B5CC-A796D6DD661B}" type="datetimeFigureOut">
               <a:rPr lang="en-US" smtClean="0"/>
-              <a:t>9/21/18</a:t>
+              <a:t>2/5/20</a:t>
             </a:fld>
             <a:endParaRPr lang="en-US"/>
           </a:p>
@@ -1147,7 +1147,7 @@
           <a:p>
             <a:fld id="{2DD5D53E-635E-BD41-B5CC-A796D6DD661B}" type="datetimeFigureOut">
               <a:rPr lang="en-US" smtClean="0"/>
-              <a:t>9/21/18</a:t>
+              <a:t>2/5/20</a:t>
             </a:fld>
             <a:endParaRPr lang="en-US"/>
           </a:p>
@@ -1317,7 +1317,7 @@
           <a:p>
             <a:fld id="{2DD5D53E-635E-BD41-B5CC-A796D6DD661B}" type="datetimeFigureOut">
               <a:rPr lang="en-US" smtClean="0"/>
-              <a:t>9/21/18</a:t>
+              <a:t>2/5/20</a:t>
             </a:fld>
             <a:endParaRPr lang="en-US"/>
           </a:p>
@@ -1589,7 +1589,7 @@
           <a:p>
             <a:fld id="{2DD5D53E-635E-BD41-B5CC-A796D6DD661B}" type="datetimeFigureOut">
               <a:rPr lang="en-US" smtClean="0"/>
-              <a:t>9/21/18</a:t>
+              <a:t>2/5/20</a:t>
             </a:fld>
             <a:endParaRPr lang="en-US"/>
           </a:p>
@@ -1983,7 +1983,7 @@
           <a:p>
             <a:fld id="{2DD5D53E-635E-BD41-B5CC-A796D6DD661B}" type="datetimeFigureOut">
               <a:rPr lang="en-US" smtClean="0"/>
-              <a:t>9/21/18</a:t>
+              <a:t>2/5/20</a:t>
             </a:fld>
             <a:endParaRPr lang="en-US"/>
           </a:p>
@@ -2460,7 +2460,7 @@
           <a:p>
             <a:fld id="{2DD5D53E-635E-BD41-B5CC-A796D6DD661B}" type="datetimeFigureOut">
               <a:rPr lang="en-US" smtClean="0"/>
-              <a:t>9/21/18</a:t>
+              <a:t>2/5/20</a:t>
             </a:fld>
             <a:endParaRPr lang="en-US"/>
           </a:p>
@@ -2578,7 +2578,7 @@
           <a:p>
             <a:fld id="{2DD5D53E-635E-BD41-B5CC-A796D6DD661B}" type="datetimeFigureOut">
               <a:rPr lang="en-US" smtClean="0"/>
-              <a:t>9/21/18</a:t>
+              <a:t>2/5/20</a:t>
             </a:fld>
             <a:endParaRPr lang="en-US"/>
           </a:p>
@@ -2673,7 +2673,7 @@
           <a:p>
             <a:fld id="{2DD5D53E-635E-BD41-B5CC-A796D6DD661B}" type="datetimeFigureOut">
               <a:rPr lang="en-US" smtClean="0"/>
-              <a:t>9/21/18</a:t>
+              <a:t>2/5/20</a:t>
             </a:fld>
             <a:endParaRPr lang="en-US"/>
           </a:p>
@@ -3019,7 +3019,7 @@
           <a:p>
             <a:fld id="{2DD5D53E-635E-BD41-B5CC-A796D6DD661B}" type="datetimeFigureOut">
               <a:rPr lang="en-US" smtClean="0"/>
-              <a:t>9/21/18</a:t>
+              <a:t>2/5/20</a:t>
             </a:fld>
             <a:endParaRPr lang="en-US"/>
           </a:p>
@@ -3407,7 +3407,7 @@
           <a:p>
             <a:fld id="{2DD5D53E-635E-BD41-B5CC-A796D6DD661B}" type="datetimeFigureOut">
               <a:rPr lang="en-US" smtClean="0"/>
-              <a:t>9/21/18</a:t>
+              <a:t>2/5/20</a:t>
             </a:fld>
             <a:endParaRPr lang="en-US"/>
           </a:p>
@@ -3682,7 +3682,7 @@
           <a:p>
             <a:fld id="{2DD5D53E-635E-BD41-B5CC-A796D6DD661B}" type="datetimeFigureOut">
               <a:rPr lang="en-US" smtClean="0"/>
-              <a:t>9/21/18</a:t>
+              <a:t>2/5/20</a:t>
             </a:fld>
             <a:endParaRPr lang="en-US"/>
           </a:p>
@@ -4128,7 +4128,7 @@
       </a:lvl9pPr>
     </p:otherStyle>
   </p:txStyles>
-  <p:extLst mod="1">
+  <p:extLst>
     <p:ext uri="{27BBF7A9-308A-43DC-89C8-2F10F3537804}">
       <p15:sldGuideLst xmlns:p15="http://schemas.microsoft.com/office/powerpoint/2012/main">
         <p15:guide id="3" orient="horz" pos="1368">
@@ -4528,9 +4528,9 @@
             </a:pPr>
             <a:r>
               <a:rPr lang="en-US" dirty="0">
-                <a:latin typeface="Menlo" panose="020B0609030804020204" pitchFamily="49" charset="0"/>
-                <a:ea typeface="Menlo" panose="020B0609030804020204" pitchFamily="49" charset="0"/>
-                <a:cs typeface="Menlo" panose="020B0609030804020204" pitchFamily="49" charset="0"/>
+                <a:latin typeface="Consolas" panose="020B0609020204030204" pitchFamily="49" charset="0"/>
+                <a:ea typeface="Menlo" panose="020B0609030804020204" pitchFamily="49" charset="0"/>
+                <a:cs typeface="Consolas" panose="020B0609020204030204" pitchFamily="49" charset="0"/>
               </a:rPr>
               <a:t>&gt;&gt;&gt; </a:t>
             </a:r>
@@ -4539,9 +4539,9 @@
                 <a:solidFill>
                   <a:schemeClr val="accent6"/>
                 </a:solidFill>
-                <a:latin typeface="Menlo" panose="020B0609030804020204" pitchFamily="49" charset="0"/>
-                <a:ea typeface="Menlo" panose="020B0609030804020204" pitchFamily="49" charset="0"/>
-                <a:cs typeface="Menlo" panose="020B0609030804020204" pitchFamily="49" charset="0"/>
+                <a:latin typeface="Consolas" panose="020B0609020204030204" pitchFamily="49" charset="0"/>
+                <a:ea typeface="Menlo" panose="020B0609030804020204" pitchFamily="49" charset="0"/>
+                <a:cs typeface="Consolas" panose="020B0609020204030204" pitchFamily="49" charset="0"/>
               </a:rPr>
               <a:t>x = 1</a:t>
             </a:r>
@@ -4552,9 +4552,9 @@
             </a:pPr>
             <a:r>
               <a:rPr lang="en-US" dirty="0">
-                <a:latin typeface="Menlo" panose="020B0609030804020204" pitchFamily="49" charset="0"/>
-                <a:ea typeface="Menlo" panose="020B0609030804020204" pitchFamily="49" charset="0"/>
-                <a:cs typeface="Menlo" panose="020B0609030804020204" pitchFamily="49" charset="0"/>
+                <a:latin typeface="Consolas" panose="020B0609020204030204" pitchFamily="49" charset="0"/>
+                <a:ea typeface="Menlo" panose="020B0609030804020204" pitchFamily="49" charset="0"/>
+                <a:cs typeface="Consolas" panose="020B0609020204030204" pitchFamily="49" charset="0"/>
               </a:rPr>
               <a:t>&gt;&gt;&gt; </a:t>
             </a:r>
@@ -4563,9 +4563,9 @@
                 <a:solidFill>
                   <a:schemeClr val="accent6"/>
                 </a:solidFill>
-                <a:latin typeface="Menlo" panose="020B0609030804020204" pitchFamily="49" charset="0"/>
-                <a:ea typeface="Menlo" panose="020B0609030804020204" pitchFamily="49" charset="0"/>
-                <a:cs typeface="Menlo" panose="020B0609030804020204" pitchFamily="49" charset="0"/>
+                <a:latin typeface="Consolas" panose="020B0609020204030204" pitchFamily="49" charset="0"/>
+                <a:ea typeface="Menlo" panose="020B0609030804020204" pitchFamily="49" charset="0"/>
+                <a:cs typeface="Consolas" panose="020B0609020204030204" pitchFamily="49" charset="0"/>
               </a:rPr>
               <a:t>def </a:t>
             </a:r>
@@ -4574,9 +4574,9 @@
                 <a:solidFill>
                   <a:schemeClr val="accent6"/>
                 </a:solidFill>
-                <a:latin typeface="Menlo" panose="020B0609030804020204" pitchFamily="49" charset="0"/>
-                <a:ea typeface="Menlo" panose="020B0609030804020204" pitchFamily="49" charset="0"/>
-                <a:cs typeface="Menlo" panose="020B0609030804020204" pitchFamily="49" charset="0"/>
+                <a:latin typeface="Consolas" panose="020B0609020204030204" pitchFamily="49" charset="0"/>
+                <a:ea typeface="Menlo" panose="020B0609030804020204" pitchFamily="49" charset="0"/>
+                <a:cs typeface="Consolas" panose="020B0609020204030204" pitchFamily="49" charset="0"/>
               </a:rPr>
               <a:t>make_closure</a:t>
             </a:r>
@@ -4585,9 +4585,9 @@
                 <a:solidFill>
                   <a:schemeClr val="accent6"/>
                 </a:solidFill>
-                <a:latin typeface="Menlo" panose="020B0609030804020204" pitchFamily="49" charset="0"/>
-                <a:ea typeface="Menlo" panose="020B0609030804020204" pitchFamily="49" charset="0"/>
-                <a:cs typeface="Menlo" panose="020B0609030804020204" pitchFamily="49" charset="0"/>
+                <a:latin typeface="Consolas" panose="020B0609020204030204" pitchFamily="49" charset="0"/>
+                <a:ea typeface="Menlo" panose="020B0609030804020204" pitchFamily="49" charset="0"/>
+                <a:cs typeface="Consolas" panose="020B0609020204030204" pitchFamily="49" charset="0"/>
               </a:rPr>
               <a:t>():</a:t>
             </a:r>
@@ -4598,9 +4598,9 @@
             </a:pPr>
             <a:r>
               <a:rPr lang="en-US" dirty="0">
-                <a:latin typeface="Menlo" panose="020B0609030804020204" pitchFamily="49" charset="0"/>
-                <a:ea typeface="Menlo" panose="020B0609030804020204" pitchFamily="49" charset="0"/>
-                <a:cs typeface="Menlo" panose="020B0609030804020204" pitchFamily="49" charset="0"/>
+                <a:latin typeface="Consolas" panose="020B0609020204030204" pitchFamily="49" charset="0"/>
+                <a:ea typeface="Menlo" panose="020B0609030804020204" pitchFamily="49" charset="0"/>
+                <a:cs typeface="Consolas" panose="020B0609020204030204" pitchFamily="49" charset="0"/>
               </a:rPr>
               <a:t>...    </a:t>
             </a:r>
@@ -4609,9 +4609,9 @@
                 <a:solidFill>
                   <a:schemeClr val="accent6"/>
                 </a:solidFill>
-                <a:latin typeface="Menlo" panose="020B0609030804020204" pitchFamily="49" charset="0"/>
-                <a:ea typeface="Menlo" panose="020B0609030804020204" pitchFamily="49" charset="0"/>
-                <a:cs typeface="Menlo" panose="020B0609030804020204" pitchFamily="49" charset="0"/>
+                <a:latin typeface="Consolas" panose="020B0609020204030204" pitchFamily="49" charset="0"/>
+                <a:ea typeface="Menlo" panose="020B0609030804020204" pitchFamily="49" charset="0"/>
+                <a:cs typeface="Consolas" panose="020B0609020204030204" pitchFamily="49" charset="0"/>
               </a:rPr>
               <a:t> x = 2</a:t>
             </a:r>
@@ -4622,9 +4622,9 @@
             </a:pPr>
             <a:r>
               <a:rPr lang="en-US" dirty="0">
-                <a:latin typeface="Menlo" panose="020B0609030804020204" pitchFamily="49" charset="0"/>
-                <a:ea typeface="Menlo" panose="020B0609030804020204" pitchFamily="49" charset="0"/>
-                <a:cs typeface="Menlo" panose="020B0609030804020204" pitchFamily="49" charset="0"/>
+                <a:latin typeface="Consolas" panose="020B0609020204030204" pitchFamily="49" charset="0"/>
+                <a:ea typeface="Menlo" panose="020B0609030804020204" pitchFamily="49" charset="0"/>
+                <a:cs typeface="Consolas" panose="020B0609020204030204" pitchFamily="49" charset="0"/>
               </a:rPr>
               <a:t>...    </a:t>
             </a:r>
@@ -4633,9 +4633,9 @@
                 <a:solidFill>
                   <a:schemeClr val="accent6"/>
                 </a:solidFill>
-                <a:latin typeface="Menlo" panose="020B0609030804020204" pitchFamily="49" charset="0"/>
-                <a:ea typeface="Menlo" panose="020B0609030804020204" pitchFamily="49" charset="0"/>
-                <a:cs typeface="Menlo" panose="020B0609030804020204" pitchFamily="49" charset="0"/>
+                <a:latin typeface="Consolas" panose="020B0609020204030204" pitchFamily="49" charset="0"/>
+                <a:ea typeface="Menlo" panose="020B0609030804020204" pitchFamily="49" charset="0"/>
+                <a:cs typeface="Consolas" panose="020B0609020204030204" pitchFamily="49" charset="0"/>
               </a:rPr>
               <a:t> def close():</a:t>
             </a:r>
@@ -4646,9 +4646,9 @@
             </a:pPr>
             <a:r>
               <a:rPr lang="en-US" dirty="0">
-                <a:latin typeface="Menlo" panose="020B0609030804020204" pitchFamily="49" charset="0"/>
-                <a:ea typeface="Menlo" panose="020B0609030804020204" pitchFamily="49" charset="0"/>
-                <a:cs typeface="Menlo" panose="020B0609030804020204" pitchFamily="49" charset="0"/>
+                <a:latin typeface="Consolas" panose="020B0609020204030204" pitchFamily="49" charset="0"/>
+                <a:ea typeface="Menlo" panose="020B0609030804020204" pitchFamily="49" charset="0"/>
+                <a:cs typeface="Consolas" panose="020B0609020204030204" pitchFamily="49" charset="0"/>
               </a:rPr>
               <a:t>...         </a:t>
             </a:r>
@@ -4657,9 +4657,9 @@
                 <a:solidFill>
                   <a:schemeClr val="accent6"/>
                 </a:solidFill>
-                <a:latin typeface="Menlo" panose="020B0609030804020204" pitchFamily="49" charset="0"/>
-                <a:ea typeface="Menlo" panose="020B0609030804020204" pitchFamily="49" charset="0"/>
-                <a:cs typeface="Menlo" panose="020B0609030804020204" pitchFamily="49" charset="0"/>
+                <a:latin typeface="Consolas" panose="020B0609020204030204" pitchFamily="49" charset="0"/>
+                <a:ea typeface="Menlo" panose="020B0609030804020204" pitchFamily="49" charset="0"/>
+                <a:cs typeface="Consolas" panose="020B0609020204030204" pitchFamily="49" charset="0"/>
               </a:rPr>
               <a:t>print(x)</a:t>
             </a:r>
@@ -4670,9 +4670,9 @@
             </a:pPr>
             <a:r>
               <a:rPr lang="en-US" dirty="0">
-                <a:latin typeface="Menlo" panose="020B0609030804020204" pitchFamily="49" charset="0"/>
-                <a:ea typeface="Menlo" panose="020B0609030804020204" pitchFamily="49" charset="0"/>
-                <a:cs typeface="Menlo" panose="020B0609030804020204" pitchFamily="49" charset="0"/>
+                <a:latin typeface="Consolas" panose="020B0609020204030204" pitchFamily="49" charset="0"/>
+                <a:ea typeface="Menlo" panose="020B0609030804020204" pitchFamily="49" charset="0"/>
+                <a:cs typeface="Consolas" panose="020B0609020204030204" pitchFamily="49" charset="0"/>
               </a:rPr>
               <a:t>...    </a:t>
             </a:r>
@@ -4681,9 +4681,9 @@
                 <a:solidFill>
                   <a:schemeClr val="accent6"/>
                 </a:solidFill>
-                <a:latin typeface="Menlo" panose="020B0609030804020204" pitchFamily="49" charset="0"/>
-                <a:ea typeface="Menlo" panose="020B0609030804020204" pitchFamily="49" charset="0"/>
-                <a:cs typeface="Menlo" panose="020B0609030804020204" pitchFamily="49" charset="0"/>
+                <a:latin typeface="Consolas" panose="020B0609020204030204" pitchFamily="49" charset="0"/>
+                <a:ea typeface="Menlo" panose="020B0609030804020204" pitchFamily="49" charset="0"/>
+                <a:cs typeface="Consolas" panose="020B0609020204030204" pitchFamily="49" charset="0"/>
               </a:rPr>
               <a:t> return close</a:t>
             </a:r>
@@ -4694,9 +4694,9 @@
             </a:pPr>
             <a:r>
               <a:rPr lang="en-US" dirty="0">
-                <a:latin typeface="Menlo" panose="020B0609030804020204" pitchFamily="49" charset="0"/>
-                <a:ea typeface="Menlo" panose="020B0609030804020204" pitchFamily="49" charset="0"/>
-                <a:cs typeface="Menlo" panose="020B0609030804020204" pitchFamily="49" charset="0"/>
+                <a:latin typeface="Consolas" panose="020B0609020204030204" pitchFamily="49" charset="0"/>
+                <a:ea typeface="Menlo" panose="020B0609030804020204" pitchFamily="49" charset="0"/>
+                <a:cs typeface="Consolas" panose="020B0609020204030204" pitchFamily="49" charset="0"/>
               </a:rPr>
               <a:t>... </a:t>
             </a:r>
@@ -4707,9 +4707,9 @@
             </a:pPr>
             <a:r>
               <a:rPr lang="en-US" dirty="0">
-                <a:latin typeface="Menlo" panose="020B0609030804020204" pitchFamily="49" charset="0"/>
-                <a:ea typeface="Menlo" panose="020B0609030804020204" pitchFamily="49" charset="0"/>
-                <a:cs typeface="Menlo" panose="020B0609030804020204" pitchFamily="49" charset="0"/>
+                <a:latin typeface="Consolas" panose="020B0609020204030204" pitchFamily="49" charset="0"/>
+                <a:ea typeface="Menlo" panose="020B0609030804020204" pitchFamily="49" charset="0"/>
+                <a:cs typeface="Consolas" panose="020B0609020204030204" pitchFamily="49" charset="0"/>
               </a:rPr>
               <a:t>&gt;&gt;&gt; </a:t>
             </a:r>
@@ -4718,9 +4718,9 @@
                 <a:solidFill>
                   <a:schemeClr val="accent6"/>
                 </a:solidFill>
-                <a:latin typeface="Menlo" panose="020B0609030804020204" pitchFamily="49" charset="0"/>
-                <a:ea typeface="Menlo" panose="020B0609030804020204" pitchFamily="49" charset="0"/>
-                <a:cs typeface="Menlo" panose="020B0609030804020204" pitchFamily="49" charset="0"/>
+                <a:latin typeface="Consolas" panose="020B0609020204030204" pitchFamily="49" charset="0"/>
+                <a:ea typeface="Menlo" panose="020B0609030804020204" pitchFamily="49" charset="0"/>
+                <a:cs typeface="Consolas" panose="020B0609020204030204" pitchFamily="49" charset="0"/>
               </a:rPr>
               <a:t>c = </a:t>
             </a:r>
@@ -4729,9 +4729,9 @@
                 <a:solidFill>
                   <a:schemeClr val="accent6"/>
                 </a:solidFill>
-                <a:latin typeface="Menlo" panose="020B0609030804020204" pitchFamily="49" charset="0"/>
-                <a:ea typeface="Menlo" panose="020B0609030804020204" pitchFamily="49" charset="0"/>
-                <a:cs typeface="Menlo" panose="020B0609030804020204" pitchFamily="49" charset="0"/>
+                <a:latin typeface="Consolas" panose="020B0609020204030204" pitchFamily="49" charset="0"/>
+                <a:ea typeface="Menlo" panose="020B0609030804020204" pitchFamily="49" charset="0"/>
+                <a:cs typeface="Consolas" panose="020B0609020204030204" pitchFamily="49" charset="0"/>
               </a:rPr>
               <a:t>make_closure</a:t>
             </a:r>
@@ -4740,9 +4740,9 @@
                 <a:solidFill>
                   <a:schemeClr val="accent6"/>
                 </a:solidFill>
-                <a:latin typeface="Menlo" panose="020B0609030804020204" pitchFamily="49" charset="0"/>
-                <a:ea typeface="Menlo" panose="020B0609030804020204" pitchFamily="49" charset="0"/>
-                <a:cs typeface="Menlo" panose="020B0609030804020204" pitchFamily="49" charset="0"/>
+                <a:latin typeface="Consolas" panose="020B0609020204030204" pitchFamily="49" charset="0"/>
+                <a:ea typeface="Menlo" panose="020B0609030804020204" pitchFamily="49" charset="0"/>
+                <a:cs typeface="Consolas" panose="020B0609020204030204" pitchFamily="49" charset="0"/>
               </a:rPr>
               <a:t>()</a:t>
             </a:r>
@@ -4753,9 +4753,9 @@
             </a:pPr>
             <a:r>
               <a:rPr lang="en-US" dirty="0">
-                <a:latin typeface="Menlo" panose="020B0609030804020204" pitchFamily="49" charset="0"/>
-                <a:ea typeface="Menlo" panose="020B0609030804020204" pitchFamily="49" charset="0"/>
-                <a:cs typeface="Menlo" panose="020B0609030804020204" pitchFamily="49" charset="0"/>
+                <a:latin typeface="Consolas" panose="020B0609020204030204" pitchFamily="49" charset="0"/>
+                <a:ea typeface="Menlo" panose="020B0609030804020204" pitchFamily="49" charset="0"/>
+                <a:cs typeface="Consolas" panose="020B0609020204030204" pitchFamily="49" charset="0"/>
               </a:rPr>
               <a:t>&gt;&gt;&gt; </a:t>
             </a:r>
@@ -4764,9 +4764,9 @@
                 <a:solidFill>
                   <a:schemeClr val="accent6"/>
                 </a:solidFill>
-                <a:latin typeface="Menlo" panose="020B0609030804020204" pitchFamily="49" charset="0"/>
-                <a:ea typeface="Menlo" panose="020B0609030804020204" pitchFamily="49" charset="0"/>
-                <a:cs typeface="Menlo" panose="020B0609030804020204" pitchFamily="49" charset="0"/>
+                <a:latin typeface="Consolas" panose="020B0609020204030204" pitchFamily="49" charset="0"/>
+                <a:ea typeface="Menlo" panose="020B0609030804020204" pitchFamily="49" charset="0"/>
+                <a:cs typeface="Consolas" panose="020B0609020204030204" pitchFamily="49" charset="0"/>
               </a:rPr>
               <a:t>c()</a:t>
             </a:r>
@@ -4777,9 +4777,9 @@
             </a:pPr>
             <a:r>
               <a:rPr lang="en-US" dirty="0">
-                <a:latin typeface="Menlo" panose="020B0609030804020204" pitchFamily="49" charset="0"/>
-                <a:ea typeface="Menlo" panose="020B0609030804020204" pitchFamily="49" charset="0"/>
-                <a:cs typeface="Menlo" panose="020B0609030804020204" pitchFamily="49" charset="0"/>
+                <a:latin typeface="Consolas" panose="020B0609020204030204" pitchFamily="49" charset="0"/>
+                <a:ea typeface="Menlo" panose="020B0609030804020204" pitchFamily="49" charset="0"/>
+                <a:cs typeface="Consolas" panose="020B0609020204030204" pitchFamily="49" charset="0"/>
               </a:rPr>
               <a:t>2</a:t>
             </a:r>
@@ -4790,9 +4790,9 @@
             </a:pPr>
             <a:r>
               <a:rPr lang="en-US" dirty="0">
-                <a:latin typeface="Menlo" panose="020B0609030804020204" pitchFamily="49" charset="0"/>
-                <a:ea typeface="Menlo" panose="020B0609030804020204" pitchFamily="49" charset="0"/>
-                <a:cs typeface="Menlo" panose="020B0609030804020204" pitchFamily="49" charset="0"/>
+                <a:latin typeface="Consolas" panose="020B0609020204030204" pitchFamily="49" charset="0"/>
+                <a:ea typeface="Menlo" panose="020B0609030804020204" pitchFamily="49" charset="0"/>
+                <a:cs typeface="Consolas" panose="020B0609020204030204" pitchFamily="49" charset="0"/>
               </a:rPr>
               <a:t>&gt;&gt;&gt; </a:t>
             </a:r>
@@ -4801,9 +4801,9 @@
                 <a:solidFill>
                   <a:schemeClr val="accent6"/>
                 </a:solidFill>
-                <a:latin typeface="Menlo" panose="020B0609030804020204" pitchFamily="49" charset="0"/>
-                <a:ea typeface="Menlo" panose="020B0609030804020204" pitchFamily="49" charset="0"/>
-                <a:cs typeface="Menlo" panose="020B0609030804020204" pitchFamily="49" charset="0"/>
+                <a:latin typeface="Consolas" panose="020B0609020204030204" pitchFamily="49" charset="0"/>
+                <a:ea typeface="Menlo" panose="020B0609030804020204" pitchFamily="49" charset="0"/>
+                <a:cs typeface="Consolas" panose="020B0609020204030204" pitchFamily="49" charset="0"/>
               </a:rPr>
               <a:t>print(x)</a:t>
             </a:r>
@@ -4814,9 +4814,9 @@
             </a:pPr>
             <a:r>
               <a:rPr lang="en-US" dirty="0">
-                <a:latin typeface="Menlo" panose="020B0609030804020204" pitchFamily="49" charset="0"/>
-                <a:ea typeface="Menlo" panose="020B0609030804020204" pitchFamily="49" charset="0"/>
-                <a:cs typeface="Menlo" panose="020B0609030804020204" pitchFamily="49" charset="0"/>
+                <a:latin typeface="Consolas" panose="020B0609020204030204" pitchFamily="49" charset="0"/>
+                <a:ea typeface="Menlo" panose="020B0609030804020204" pitchFamily="49" charset="0"/>
+                <a:cs typeface="Consolas" panose="020B0609020204030204" pitchFamily="49" charset="0"/>
               </a:rPr>
               <a:t>1</a:t>
             </a:r>
@@ -4826,9 +4826,9 @@
               <a:buNone/>
             </a:pPr>
             <a:endParaRPr lang="en-US" dirty="0">
-              <a:latin typeface="Menlo" panose="020B0609030804020204" pitchFamily="49" charset="0"/>
+              <a:latin typeface="Consolas" panose="020B0609020204030204" pitchFamily="49" charset="0"/>
               <a:ea typeface="Menlo" panose="020B0609030804020204" pitchFamily="49" charset="0"/>
-              <a:cs typeface="Menlo" panose="020B0609030804020204" pitchFamily="49" charset="0"/>
+              <a:cs typeface="Consolas" panose="020B0609020204030204" pitchFamily="49" charset="0"/>
             </a:endParaRPr>
           </a:p>
         </p:txBody>
@@ -5095,9 +5095,9 @@
             </a:pPr>
             <a:r>
               <a:rPr lang="en-US" dirty="0">
-                <a:latin typeface="Menlo" panose="020B0609030804020204" pitchFamily="49" charset="0"/>
-                <a:ea typeface="Menlo" panose="020B0609030804020204" pitchFamily="49" charset="0"/>
-                <a:cs typeface="Menlo" panose="020B0609030804020204" pitchFamily="49" charset="0"/>
+                <a:latin typeface="Consolas" panose="020B0609020204030204" pitchFamily="49" charset="0"/>
+                <a:ea typeface="Menlo" panose="020B0609030804020204" pitchFamily="49" charset="0"/>
+                <a:cs typeface="Consolas" panose="020B0609020204030204" pitchFamily="49" charset="0"/>
               </a:rPr>
               <a:t>&gt;&gt;&gt; </a:t>
             </a:r>
@@ -5106,9 +5106,9 @@
                 <a:solidFill>
                   <a:schemeClr val="accent6"/>
                 </a:solidFill>
-                <a:latin typeface="Menlo" panose="020B0609030804020204" pitchFamily="49" charset="0"/>
-                <a:ea typeface="Menlo" panose="020B0609030804020204" pitchFamily="49" charset="0"/>
-                <a:cs typeface="Menlo" panose="020B0609030804020204" pitchFamily="49" charset="0"/>
+                <a:latin typeface="Consolas" panose="020B0609020204030204" pitchFamily="49" charset="0"/>
+                <a:ea typeface="Menlo" panose="020B0609030804020204" pitchFamily="49" charset="0"/>
+                <a:cs typeface="Consolas" panose="020B0609020204030204" pitchFamily="49" charset="0"/>
               </a:rPr>
               <a:t>c.__code__.</a:t>
             </a:r>
@@ -5117,9 +5117,9 @@
                 <a:solidFill>
                   <a:schemeClr val="accent6"/>
                 </a:solidFill>
-                <a:latin typeface="Menlo" panose="020B0609030804020204" pitchFamily="49" charset="0"/>
-                <a:ea typeface="Menlo" panose="020B0609030804020204" pitchFamily="49" charset="0"/>
-                <a:cs typeface="Menlo" panose="020B0609030804020204" pitchFamily="49" charset="0"/>
+                <a:latin typeface="Consolas" panose="020B0609020204030204" pitchFamily="49" charset="0"/>
+                <a:ea typeface="Menlo" panose="020B0609030804020204" pitchFamily="49" charset="0"/>
+                <a:cs typeface="Consolas" panose="020B0609020204030204" pitchFamily="49" charset="0"/>
               </a:rPr>
               <a:t>co_freevars</a:t>
             </a:r>
@@ -5127,9 +5127,9 @@
               <a:solidFill>
                 <a:schemeClr val="accent6"/>
               </a:solidFill>
-              <a:latin typeface="Menlo" panose="020B0609030804020204" pitchFamily="49" charset="0"/>
+              <a:latin typeface="Consolas" panose="020B0609020204030204" pitchFamily="49" charset="0"/>
               <a:ea typeface="Menlo" panose="020B0609030804020204" pitchFamily="49" charset="0"/>
-              <a:cs typeface="Menlo" panose="020B0609030804020204" pitchFamily="49" charset="0"/>
+              <a:cs typeface="Consolas" panose="020B0609020204030204" pitchFamily="49" charset="0"/>
             </a:endParaRPr>
           </a:p>
           <a:p>
@@ -5138,9 +5138,9 @@
             </a:pPr>
             <a:r>
               <a:rPr lang="en-US" dirty="0">
-                <a:latin typeface="Menlo" panose="020B0609030804020204" pitchFamily="49" charset="0"/>
-                <a:ea typeface="Menlo" panose="020B0609030804020204" pitchFamily="49" charset="0"/>
-                <a:cs typeface="Menlo" panose="020B0609030804020204" pitchFamily="49" charset="0"/>
+                <a:latin typeface="Consolas" panose="020B0609020204030204" pitchFamily="49" charset="0"/>
+                <a:ea typeface="Menlo" panose="020B0609030804020204" pitchFamily="49" charset="0"/>
+                <a:cs typeface="Consolas" panose="020B0609020204030204" pitchFamily="49" charset="0"/>
               </a:rPr>
               <a:t>('x',)</a:t>
             </a:r>
@@ -5151,9 +5151,9 @@
             </a:pPr>
             <a:r>
               <a:rPr lang="en-US" dirty="0">
-                <a:latin typeface="Menlo" panose="020B0609030804020204" pitchFamily="49" charset="0"/>
-                <a:ea typeface="Menlo" panose="020B0609030804020204" pitchFamily="49" charset="0"/>
-                <a:cs typeface="Menlo" panose="020B0609030804020204" pitchFamily="49" charset="0"/>
+                <a:latin typeface="Consolas" panose="020B0609020204030204" pitchFamily="49" charset="0"/>
+                <a:ea typeface="Menlo" panose="020B0609030804020204" pitchFamily="49" charset="0"/>
+                <a:cs typeface="Consolas" panose="020B0609020204030204" pitchFamily="49" charset="0"/>
               </a:rPr>
               <a:t>&gt;&gt;&gt; </a:t>
             </a:r>
@@ -5162,9 +5162,9 @@
                 <a:solidFill>
                   <a:schemeClr val="accent6"/>
                 </a:solidFill>
-                <a:latin typeface="Menlo" panose="020B0609030804020204" pitchFamily="49" charset="0"/>
-                <a:ea typeface="Menlo" panose="020B0609030804020204" pitchFamily="49" charset="0"/>
-                <a:cs typeface="Menlo" panose="020B0609030804020204" pitchFamily="49" charset="0"/>
+                <a:latin typeface="Consolas" panose="020B0609020204030204" pitchFamily="49" charset="0"/>
+                <a:ea typeface="Menlo" panose="020B0609030804020204" pitchFamily="49" charset="0"/>
+                <a:cs typeface="Consolas" panose="020B0609020204030204" pitchFamily="49" charset="0"/>
               </a:rPr>
               <a:t>c.__code__.</a:t>
             </a:r>
@@ -5173,9 +5173,9 @@
                 <a:solidFill>
                   <a:schemeClr val="accent6"/>
                 </a:solidFill>
-                <a:latin typeface="Menlo" panose="020B0609030804020204" pitchFamily="49" charset="0"/>
-                <a:ea typeface="Menlo" panose="020B0609030804020204" pitchFamily="49" charset="0"/>
-                <a:cs typeface="Menlo" panose="020B0609030804020204" pitchFamily="49" charset="0"/>
+                <a:latin typeface="Consolas" panose="020B0609020204030204" pitchFamily="49" charset="0"/>
+                <a:ea typeface="Menlo" panose="020B0609030804020204" pitchFamily="49" charset="0"/>
+                <a:cs typeface="Consolas" panose="020B0609020204030204" pitchFamily="49" charset="0"/>
               </a:rPr>
               <a:t>co_cellvars</a:t>
             </a:r>
@@ -5183,9 +5183,9 @@
               <a:solidFill>
                 <a:schemeClr val="accent6"/>
               </a:solidFill>
-              <a:latin typeface="Menlo" panose="020B0609030804020204" pitchFamily="49" charset="0"/>
+              <a:latin typeface="Consolas" panose="020B0609020204030204" pitchFamily="49" charset="0"/>
               <a:ea typeface="Menlo" panose="020B0609030804020204" pitchFamily="49" charset="0"/>
-              <a:cs typeface="Menlo" panose="020B0609030804020204" pitchFamily="49" charset="0"/>
+              <a:cs typeface="Consolas" panose="020B0609020204030204" pitchFamily="49" charset="0"/>
             </a:endParaRPr>
           </a:p>
           <a:p>
@@ -5194,9 +5194,9 @@
             </a:pPr>
             <a:r>
               <a:rPr lang="en-US" dirty="0">
-                <a:latin typeface="Menlo" panose="020B0609030804020204" pitchFamily="49" charset="0"/>
-                <a:ea typeface="Menlo" panose="020B0609030804020204" pitchFamily="49" charset="0"/>
-                <a:cs typeface="Menlo" panose="020B0609030804020204" pitchFamily="49" charset="0"/>
+                <a:latin typeface="Consolas" panose="020B0609020204030204" pitchFamily="49" charset="0"/>
+                <a:ea typeface="Menlo" panose="020B0609030804020204" pitchFamily="49" charset="0"/>
+                <a:cs typeface="Consolas" panose="020B0609020204030204" pitchFamily="49" charset="0"/>
               </a:rPr>
               <a:t>()</a:t>
             </a:r>
@@ -5207,9 +5207,9 @@
             </a:pPr>
             <a:r>
               <a:rPr lang="en-US" dirty="0">
-                <a:latin typeface="Menlo" panose="020B0609030804020204" pitchFamily="49" charset="0"/>
-                <a:ea typeface="Menlo" panose="020B0609030804020204" pitchFamily="49" charset="0"/>
-                <a:cs typeface="Menlo" panose="020B0609030804020204" pitchFamily="49" charset="0"/>
+                <a:latin typeface="Consolas" panose="020B0609020204030204" pitchFamily="49" charset="0"/>
+                <a:ea typeface="Menlo" panose="020B0609030804020204" pitchFamily="49" charset="0"/>
+                <a:cs typeface="Consolas" panose="020B0609020204030204" pitchFamily="49" charset="0"/>
               </a:rPr>
               <a:t>&gt;&gt;&gt; </a:t>
             </a:r>
@@ -5218,9 +5218,9 @@
                 <a:solidFill>
                   <a:schemeClr val="accent6"/>
                 </a:solidFill>
-                <a:latin typeface="Menlo" panose="020B0609030804020204" pitchFamily="49" charset="0"/>
-                <a:ea typeface="Menlo" panose="020B0609030804020204" pitchFamily="49" charset="0"/>
-                <a:cs typeface="Menlo" panose="020B0609030804020204" pitchFamily="49" charset="0"/>
+                <a:latin typeface="Consolas" panose="020B0609020204030204" pitchFamily="49" charset="0"/>
+                <a:ea typeface="Menlo" panose="020B0609030804020204" pitchFamily="49" charset="0"/>
+                <a:cs typeface="Consolas" panose="020B0609020204030204" pitchFamily="49" charset="0"/>
               </a:rPr>
               <a:t>make_closure.__code__.</a:t>
             </a:r>
@@ -5229,9 +5229,9 @@
                 <a:solidFill>
                   <a:schemeClr val="accent6"/>
                 </a:solidFill>
-                <a:latin typeface="Menlo" panose="020B0609030804020204" pitchFamily="49" charset="0"/>
-                <a:ea typeface="Menlo" panose="020B0609030804020204" pitchFamily="49" charset="0"/>
-                <a:cs typeface="Menlo" panose="020B0609030804020204" pitchFamily="49" charset="0"/>
+                <a:latin typeface="Consolas" panose="020B0609020204030204" pitchFamily="49" charset="0"/>
+                <a:ea typeface="Menlo" panose="020B0609030804020204" pitchFamily="49" charset="0"/>
+                <a:cs typeface="Consolas" panose="020B0609020204030204" pitchFamily="49" charset="0"/>
               </a:rPr>
               <a:t>co_freevars</a:t>
             </a:r>
@@ -5239,9 +5239,9 @@
               <a:solidFill>
                 <a:schemeClr val="accent6"/>
               </a:solidFill>
-              <a:latin typeface="Menlo" panose="020B0609030804020204" pitchFamily="49" charset="0"/>
+              <a:latin typeface="Consolas" panose="020B0609020204030204" pitchFamily="49" charset="0"/>
               <a:ea typeface="Menlo" panose="020B0609030804020204" pitchFamily="49" charset="0"/>
-              <a:cs typeface="Menlo" panose="020B0609030804020204" pitchFamily="49" charset="0"/>
+              <a:cs typeface="Consolas" panose="020B0609020204030204" pitchFamily="49" charset="0"/>
             </a:endParaRPr>
           </a:p>
           <a:p>
@@ -5250,9 +5250,9 @@
             </a:pPr>
             <a:r>
               <a:rPr lang="en-US" dirty="0">
-                <a:latin typeface="Menlo" panose="020B0609030804020204" pitchFamily="49" charset="0"/>
-                <a:ea typeface="Menlo" panose="020B0609030804020204" pitchFamily="49" charset="0"/>
-                <a:cs typeface="Menlo" panose="020B0609030804020204" pitchFamily="49" charset="0"/>
+                <a:latin typeface="Consolas" panose="020B0609020204030204" pitchFamily="49" charset="0"/>
+                <a:ea typeface="Menlo" panose="020B0609030804020204" pitchFamily="49" charset="0"/>
+                <a:cs typeface="Consolas" panose="020B0609020204030204" pitchFamily="49" charset="0"/>
               </a:rPr>
               <a:t>()</a:t>
             </a:r>
@@ -5263,9 +5263,9 @@
             </a:pPr>
             <a:r>
               <a:rPr lang="en-US" dirty="0">
-                <a:latin typeface="Menlo" panose="020B0609030804020204" pitchFamily="49" charset="0"/>
-                <a:ea typeface="Menlo" panose="020B0609030804020204" pitchFamily="49" charset="0"/>
-                <a:cs typeface="Menlo" panose="020B0609030804020204" pitchFamily="49" charset="0"/>
+                <a:latin typeface="Consolas" panose="020B0609020204030204" pitchFamily="49" charset="0"/>
+                <a:ea typeface="Menlo" panose="020B0609030804020204" pitchFamily="49" charset="0"/>
+                <a:cs typeface="Consolas" panose="020B0609020204030204" pitchFamily="49" charset="0"/>
               </a:rPr>
               <a:t>&gt;&gt;&gt; </a:t>
             </a:r>
@@ -5274,9 +5274,9 @@
                 <a:solidFill>
                   <a:schemeClr val="accent6"/>
                 </a:solidFill>
-                <a:latin typeface="Menlo" panose="020B0609030804020204" pitchFamily="49" charset="0"/>
-                <a:ea typeface="Menlo" panose="020B0609030804020204" pitchFamily="49" charset="0"/>
-                <a:cs typeface="Menlo" panose="020B0609030804020204" pitchFamily="49" charset="0"/>
+                <a:latin typeface="Consolas" panose="020B0609020204030204" pitchFamily="49" charset="0"/>
+                <a:ea typeface="Menlo" panose="020B0609030804020204" pitchFamily="49" charset="0"/>
+                <a:cs typeface="Consolas" panose="020B0609020204030204" pitchFamily="49" charset="0"/>
               </a:rPr>
               <a:t>make_closure.__code__.</a:t>
             </a:r>
@@ -5285,9 +5285,9 @@
                 <a:solidFill>
                   <a:schemeClr val="accent6"/>
                 </a:solidFill>
-                <a:latin typeface="Menlo" panose="020B0609030804020204" pitchFamily="49" charset="0"/>
-                <a:ea typeface="Menlo" panose="020B0609030804020204" pitchFamily="49" charset="0"/>
-                <a:cs typeface="Menlo" panose="020B0609030804020204" pitchFamily="49" charset="0"/>
+                <a:latin typeface="Consolas" panose="020B0609020204030204" pitchFamily="49" charset="0"/>
+                <a:ea typeface="Menlo" panose="020B0609030804020204" pitchFamily="49" charset="0"/>
+                <a:cs typeface="Consolas" panose="020B0609020204030204" pitchFamily="49" charset="0"/>
               </a:rPr>
               <a:t>co_cellvars</a:t>
             </a:r>
@@ -5295,9 +5295,9 @@
               <a:solidFill>
                 <a:schemeClr val="accent6"/>
               </a:solidFill>
-              <a:latin typeface="Menlo" panose="020B0609030804020204" pitchFamily="49" charset="0"/>
+              <a:latin typeface="Consolas" panose="020B0609020204030204" pitchFamily="49" charset="0"/>
               <a:ea typeface="Menlo" panose="020B0609030804020204" pitchFamily="49" charset="0"/>
-              <a:cs typeface="Menlo" panose="020B0609030804020204" pitchFamily="49" charset="0"/>
+              <a:cs typeface="Consolas" panose="020B0609020204030204" pitchFamily="49" charset="0"/>
             </a:endParaRPr>
           </a:p>
           <a:p>
@@ -5306,9 +5306,9 @@
             </a:pPr>
             <a:r>
               <a:rPr lang="en-US" dirty="0">
-                <a:latin typeface="Menlo" panose="020B0609030804020204" pitchFamily="49" charset="0"/>
-                <a:ea typeface="Menlo" panose="020B0609030804020204" pitchFamily="49" charset="0"/>
-                <a:cs typeface="Menlo" panose="020B0609030804020204" pitchFamily="49" charset="0"/>
+                <a:latin typeface="Consolas" panose="020B0609020204030204" pitchFamily="49" charset="0"/>
+                <a:ea typeface="Menlo" panose="020B0609030804020204" pitchFamily="49" charset="0"/>
+                <a:cs typeface="Consolas" panose="020B0609020204030204" pitchFamily="49" charset="0"/>
               </a:rPr>
               <a:t>('x',)</a:t>
             </a:r>
@@ -5319,9 +5319,9 @@
             </a:pPr>
             <a:r>
               <a:rPr lang="en-US" dirty="0">
-                <a:latin typeface="Menlo" panose="020B0609030804020204" pitchFamily="49" charset="0"/>
-                <a:ea typeface="Menlo" panose="020B0609030804020204" pitchFamily="49" charset="0"/>
-                <a:cs typeface="Menlo" panose="020B0609030804020204" pitchFamily="49" charset="0"/>
+                <a:latin typeface="Consolas" panose="020B0609020204030204" pitchFamily="49" charset="0"/>
+                <a:ea typeface="Menlo" panose="020B0609030804020204" pitchFamily="49" charset="0"/>
+                <a:cs typeface="Consolas" panose="020B0609020204030204" pitchFamily="49" charset="0"/>
               </a:rPr>
               <a:t>&gt;&gt;&gt; </a:t>
             </a:r>
@@ -5330,9 +5330,9 @@
                 <a:solidFill>
                   <a:schemeClr val="accent6"/>
                 </a:solidFill>
-                <a:latin typeface="Menlo" panose="020B0609030804020204" pitchFamily="49" charset="0"/>
-                <a:ea typeface="Menlo" panose="020B0609030804020204" pitchFamily="49" charset="0"/>
-                <a:cs typeface="Menlo" panose="020B0609030804020204" pitchFamily="49" charset="0"/>
+                <a:latin typeface="Consolas" panose="020B0609020204030204" pitchFamily="49" charset="0"/>
+                <a:ea typeface="Menlo" panose="020B0609030804020204" pitchFamily="49" charset="0"/>
+                <a:cs typeface="Consolas" panose="020B0609020204030204" pitchFamily="49" charset="0"/>
               </a:rPr>
               <a:t>c.__closure</a:t>
             </a:r>
@@ -5341,9 +5341,9 @@
                 <a:solidFill>
                   <a:schemeClr val="accent6"/>
                 </a:solidFill>
-                <a:latin typeface="Menlo" panose="020B0609030804020204" pitchFamily="49" charset="0"/>
-                <a:ea typeface="Menlo" panose="020B0609030804020204" pitchFamily="49" charset="0"/>
-                <a:cs typeface="Menlo" panose="020B0609030804020204" pitchFamily="49" charset="0"/>
+                <a:latin typeface="Consolas" panose="020B0609020204030204" pitchFamily="49" charset="0"/>
+                <a:ea typeface="Menlo" panose="020B0609030804020204" pitchFamily="49" charset="0"/>
+                <a:cs typeface="Consolas" panose="020B0609020204030204" pitchFamily="49" charset="0"/>
               </a:rPr>
               <a:t>__</a:t>
             </a:r>
@@ -5354,25 +5354,25 @@
             </a:pPr>
             <a:r>
               <a:rPr lang="en-US" dirty="0">
-                <a:latin typeface="Menlo" panose="020B0609030804020204" pitchFamily="49" charset="0"/>
-                <a:ea typeface="Menlo" panose="020B0609030804020204" pitchFamily="49" charset="0"/>
-                <a:cs typeface="Menlo" panose="020B0609030804020204" pitchFamily="49" charset="0"/>
+                <a:latin typeface="Consolas" panose="020B0609020204030204" pitchFamily="49" charset="0"/>
+                <a:ea typeface="Menlo" panose="020B0609030804020204" pitchFamily="49" charset="0"/>
+                <a:cs typeface="Consolas" panose="020B0609020204030204" pitchFamily="49" charset="0"/>
               </a:rPr>
               <a:t>(&lt;cell at 0x103911af8: </a:t>
             </a:r>
             <a:r>
               <a:rPr lang="en-US" dirty="0" err="1">
-                <a:latin typeface="Menlo" panose="020B0609030804020204" pitchFamily="49" charset="0"/>
-                <a:ea typeface="Menlo" panose="020B0609030804020204" pitchFamily="49" charset="0"/>
-                <a:cs typeface="Menlo" panose="020B0609030804020204" pitchFamily="49" charset="0"/>
+                <a:latin typeface="Consolas" panose="020B0609020204030204" pitchFamily="49" charset="0"/>
+                <a:ea typeface="Menlo" panose="020B0609030804020204" pitchFamily="49" charset="0"/>
+                <a:cs typeface="Consolas" panose="020B0609020204030204" pitchFamily="49" charset="0"/>
               </a:rPr>
               <a:t>int</a:t>
             </a:r>
             <a:r>
               <a:rPr lang="en-US" dirty="0">
-                <a:latin typeface="Menlo" panose="020B0609030804020204" pitchFamily="49" charset="0"/>
-                <a:ea typeface="Menlo" panose="020B0609030804020204" pitchFamily="49" charset="0"/>
-                <a:cs typeface="Menlo" panose="020B0609030804020204" pitchFamily="49" charset="0"/>
+                <a:latin typeface="Consolas" panose="020B0609020204030204" pitchFamily="49" charset="0"/>
+                <a:ea typeface="Menlo" panose="020B0609030804020204" pitchFamily="49" charset="0"/>
+                <a:cs typeface="Consolas" panose="020B0609020204030204" pitchFamily="49" charset="0"/>
               </a:rPr>
               <a:t> object at 0x1009e0ca0&gt;,)</a:t>
             </a:r>
@@ -5382,9 +5382,9 @@
               <a:buNone/>
             </a:pPr>
             <a:endParaRPr lang="en-US" dirty="0">
-              <a:latin typeface="Menlo" panose="020B0609030804020204" pitchFamily="49" charset="0"/>
+              <a:latin typeface="Consolas" panose="020B0609020204030204" pitchFamily="49" charset="0"/>
               <a:ea typeface="Menlo" panose="020B0609030804020204" pitchFamily="49" charset="0"/>
-              <a:cs typeface="Menlo" panose="020B0609030804020204" pitchFamily="49" charset="0"/>
+              <a:cs typeface="Consolas" panose="020B0609020204030204" pitchFamily="49" charset="0"/>
             </a:endParaRPr>
           </a:p>
           <a:p>
@@ -5392,9 +5392,9 @@
               <a:buNone/>
             </a:pPr>
             <a:endParaRPr lang="en-US" dirty="0">
-              <a:latin typeface="Menlo" panose="020B0609030804020204" pitchFamily="49" charset="0"/>
+              <a:latin typeface="Consolas" panose="020B0609020204030204" pitchFamily="49" charset="0"/>
               <a:ea typeface="Menlo" panose="020B0609030804020204" pitchFamily="49" charset="0"/>
-              <a:cs typeface="Menlo" panose="020B0609030804020204" pitchFamily="49" charset="0"/>
+              <a:cs typeface="Consolas" panose="020B0609020204030204" pitchFamily="49" charset="0"/>
             </a:endParaRPr>
           </a:p>
         </p:txBody>
@@ -5415,12 +5415,12 @@
         </p:nvCxnSpPr>
         <p:spPr>
           <a:xfrm rot="16200000" flipV="1">
-            <a:off x="2693408" y="2257846"/>
-            <a:ext cx="656822" cy="622977"/>
+            <a:off x="3249382" y="2237018"/>
+            <a:ext cx="729350" cy="609600"/>
           </a:xfrm>
           <a:prstGeom prst="curvedConnector3">
             <a:avLst>
-              <a:gd name="adj1" fmla="val 50000"/>
+              <a:gd name="adj1" fmla="val 102238"/>
             </a:avLst>
           </a:prstGeom>
           <a:ln w="60325">
@@ -5456,15 +5456,15 @@
         </p:nvSpPr>
         <p:spPr>
           <a:xfrm>
-            <a:off x="3608928" y="1942055"/>
+            <a:off x="4027910" y="1969752"/>
             <a:ext cx="1275008" cy="414779"/>
           </a:xfrm>
           <a:prstGeom prst="borderCallout1">
             <a:avLst>
               <a:gd name="adj1" fmla="val 53821"/>
               <a:gd name="adj2" fmla="val 2778"/>
-              <a:gd name="adj3" fmla="val 171495"/>
-              <a:gd name="adj4" fmla="val -36313"/>
+              <a:gd name="adj3" fmla="val 98010"/>
+              <a:gd name="adj4" fmla="val -20945"/>
             </a:avLst>
           </a:prstGeom>
           <a:noFill/>
@@ -7149,7 +7149,7 @@
         <p:spPr>
           <a:xfrm>
             <a:off x="818703" y="1259957"/>
-            <a:ext cx="5263119" cy="2046767"/>
+            <a:ext cx="5440583" cy="2046767"/>
           </a:xfrm>
           <a:prstGeom prst="rect">
             <a:avLst/>
@@ -7364,9 +7364,9 @@
                 <a:solidFill>
                   <a:schemeClr val="accent6"/>
                 </a:solidFill>
-                <a:latin typeface="Menlo" panose="020B0609030804020204" pitchFamily="49" charset="0"/>
-                <a:ea typeface="Menlo" panose="020B0609030804020204" pitchFamily="49" charset="0"/>
-                <a:cs typeface="Menlo" panose="020B0609030804020204" pitchFamily="49" charset="0"/>
+                <a:latin typeface="Consolas" panose="020B0609020204030204" pitchFamily="49" charset="0"/>
+                <a:ea typeface="Menlo" panose="020B0609030804020204" pitchFamily="49" charset="0"/>
+                <a:cs typeface="Consolas" panose="020B0609020204030204" pitchFamily="49" charset="0"/>
               </a:rPr>
               <a:t>class ball:</a:t>
             </a:r>
@@ -7380,9 +7380,9 @@
                 <a:solidFill>
                   <a:schemeClr val="accent6"/>
                 </a:solidFill>
-                <a:latin typeface="Menlo" panose="020B0609030804020204" pitchFamily="49" charset="0"/>
-                <a:ea typeface="Menlo" panose="020B0609030804020204" pitchFamily="49" charset="0"/>
-                <a:cs typeface="Menlo" panose="020B0609030804020204" pitchFamily="49" charset="0"/>
+                <a:latin typeface="Consolas" panose="020B0609020204030204" pitchFamily="49" charset="0"/>
+                <a:ea typeface="Menlo" panose="020B0609030804020204" pitchFamily="49" charset="0"/>
+                <a:cs typeface="Consolas" panose="020B0609020204030204" pitchFamily="49" charset="0"/>
               </a:rPr>
               <a:t>    def __</a:t>
             </a:r>
@@ -7391,9 +7391,9 @@
                 <a:solidFill>
                   <a:schemeClr val="accent6"/>
                 </a:solidFill>
-                <a:latin typeface="Menlo" panose="020B0609030804020204" pitchFamily="49" charset="0"/>
-                <a:ea typeface="Menlo" panose="020B0609030804020204" pitchFamily="49" charset="0"/>
-                <a:cs typeface="Menlo" panose="020B0609030804020204" pitchFamily="49" charset="0"/>
+                <a:latin typeface="Consolas" panose="020B0609020204030204" pitchFamily="49" charset="0"/>
+                <a:ea typeface="Menlo" panose="020B0609030804020204" pitchFamily="49" charset="0"/>
+                <a:cs typeface="Consolas" panose="020B0609020204030204" pitchFamily="49" charset="0"/>
               </a:rPr>
               <a:t>init</a:t>
             </a:r>
@@ -7402,9 +7402,9 @@
                 <a:solidFill>
                   <a:schemeClr val="accent6"/>
                 </a:solidFill>
-                <a:latin typeface="Menlo" panose="020B0609030804020204" pitchFamily="49" charset="0"/>
-                <a:ea typeface="Menlo" panose="020B0609030804020204" pitchFamily="49" charset="0"/>
-                <a:cs typeface="Menlo" panose="020B0609030804020204" pitchFamily="49" charset="0"/>
+                <a:latin typeface="Consolas" panose="020B0609020204030204" pitchFamily="49" charset="0"/>
+                <a:ea typeface="Menlo" panose="020B0609030804020204" pitchFamily="49" charset="0"/>
+                <a:cs typeface="Consolas" panose="020B0609020204030204" pitchFamily="49" charset="0"/>
               </a:rPr>
               <a:t>__(self, </a:t>
             </a:r>
@@ -7413,9 +7413,9 @@
                 <a:solidFill>
                   <a:schemeClr val="accent6"/>
                 </a:solidFill>
-                <a:latin typeface="Menlo" panose="020B0609030804020204" pitchFamily="49" charset="0"/>
-                <a:ea typeface="Menlo" panose="020B0609030804020204" pitchFamily="49" charset="0"/>
-                <a:cs typeface="Menlo" panose="020B0609030804020204" pitchFamily="49" charset="0"/>
+                <a:latin typeface="Consolas" panose="020B0609020204030204" pitchFamily="49" charset="0"/>
+                <a:ea typeface="Menlo" panose="020B0609030804020204" pitchFamily="49" charset="0"/>
+                <a:cs typeface="Consolas" panose="020B0609020204030204" pitchFamily="49" charset="0"/>
               </a:rPr>
               <a:t>pos</a:t>
             </a:r>
@@ -7424,9 +7424,9 @@
                 <a:solidFill>
                   <a:schemeClr val="accent6"/>
                 </a:solidFill>
-                <a:latin typeface="Menlo" panose="020B0609030804020204" pitchFamily="49" charset="0"/>
-                <a:ea typeface="Menlo" panose="020B0609030804020204" pitchFamily="49" charset="0"/>
-                <a:cs typeface="Menlo" panose="020B0609030804020204" pitchFamily="49" charset="0"/>
+                <a:latin typeface="Consolas" panose="020B0609020204030204" pitchFamily="49" charset="0"/>
+                <a:ea typeface="Menlo" panose="020B0609030804020204" pitchFamily="49" charset="0"/>
+                <a:cs typeface="Consolas" panose="020B0609020204030204" pitchFamily="49" charset="0"/>
               </a:rPr>
               <a:t>):</a:t>
             </a:r>
@@ -7440,9 +7440,9 @@
                 <a:solidFill>
                   <a:schemeClr val="accent6"/>
                 </a:solidFill>
-                <a:latin typeface="Menlo" panose="020B0609030804020204" pitchFamily="49" charset="0"/>
-                <a:ea typeface="Menlo" panose="020B0609030804020204" pitchFamily="49" charset="0"/>
-                <a:cs typeface="Menlo" panose="020B0609030804020204" pitchFamily="49" charset="0"/>
+                <a:latin typeface="Consolas" panose="020B0609020204030204" pitchFamily="49" charset="0"/>
+                <a:ea typeface="Menlo" panose="020B0609030804020204" pitchFamily="49" charset="0"/>
+                <a:cs typeface="Consolas" panose="020B0609020204030204" pitchFamily="49" charset="0"/>
               </a:rPr>
               <a:t>        </a:t>
             </a:r>
@@ -7451,9 +7451,9 @@
                 <a:solidFill>
                   <a:schemeClr val="accent6"/>
                 </a:solidFill>
-                <a:latin typeface="Menlo" panose="020B0609030804020204" pitchFamily="49" charset="0"/>
-                <a:ea typeface="Menlo" panose="020B0609030804020204" pitchFamily="49" charset="0"/>
-                <a:cs typeface="Menlo" panose="020B0609030804020204" pitchFamily="49" charset="0"/>
+                <a:latin typeface="Consolas" panose="020B0609020204030204" pitchFamily="49" charset="0"/>
+                <a:ea typeface="Menlo" panose="020B0609030804020204" pitchFamily="49" charset="0"/>
+                <a:cs typeface="Consolas" panose="020B0609020204030204" pitchFamily="49" charset="0"/>
               </a:rPr>
               <a:t>self.pos</a:t>
             </a:r>
@@ -7462,9 +7462,9 @@
                 <a:solidFill>
                   <a:schemeClr val="accent6"/>
                 </a:solidFill>
-                <a:latin typeface="Menlo" panose="020B0609030804020204" pitchFamily="49" charset="0"/>
-                <a:ea typeface="Menlo" panose="020B0609030804020204" pitchFamily="49" charset="0"/>
-                <a:cs typeface="Menlo" panose="020B0609030804020204" pitchFamily="49" charset="0"/>
+                <a:latin typeface="Consolas" panose="020B0609020204030204" pitchFamily="49" charset="0"/>
+                <a:ea typeface="Menlo" panose="020B0609030804020204" pitchFamily="49" charset="0"/>
+                <a:cs typeface="Consolas" panose="020B0609020204030204" pitchFamily="49" charset="0"/>
               </a:rPr>
               <a:t> = </a:t>
             </a:r>
@@ -7473,9 +7473,9 @@
                 <a:solidFill>
                   <a:schemeClr val="accent6"/>
                 </a:solidFill>
-                <a:latin typeface="Menlo" panose="020B0609030804020204" pitchFamily="49" charset="0"/>
-                <a:ea typeface="Menlo" panose="020B0609030804020204" pitchFamily="49" charset="0"/>
-                <a:cs typeface="Menlo" panose="020B0609030804020204" pitchFamily="49" charset="0"/>
+                <a:latin typeface="Consolas" panose="020B0609020204030204" pitchFamily="49" charset="0"/>
+                <a:ea typeface="Menlo" panose="020B0609030804020204" pitchFamily="49" charset="0"/>
+                <a:cs typeface="Consolas" panose="020B0609020204030204" pitchFamily="49" charset="0"/>
               </a:rPr>
               <a:t>pos</a:t>
             </a:r>
@@ -7483,9 +7483,9 @@
               <a:solidFill>
                 <a:schemeClr val="accent6"/>
               </a:solidFill>
-              <a:latin typeface="Menlo" panose="020B0609030804020204" pitchFamily="49" charset="0"/>
+              <a:latin typeface="Consolas" panose="020B0609020204030204" pitchFamily="49" charset="0"/>
               <a:ea typeface="Menlo" panose="020B0609030804020204" pitchFamily="49" charset="0"/>
-              <a:cs typeface="Menlo" panose="020B0609030804020204" pitchFamily="49" charset="0"/>
+              <a:cs typeface="Consolas" panose="020B0609020204030204" pitchFamily="49" charset="0"/>
             </a:endParaRPr>
           </a:p>
           <a:p>
@@ -7497,9 +7497,9 @@
                 <a:solidFill>
                   <a:schemeClr val="accent6"/>
                 </a:solidFill>
-                <a:latin typeface="Menlo" panose="020B0609030804020204" pitchFamily="49" charset="0"/>
-                <a:ea typeface="Menlo" panose="020B0609030804020204" pitchFamily="49" charset="0"/>
-                <a:cs typeface="Menlo" panose="020B0609030804020204" pitchFamily="49" charset="0"/>
+                <a:latin typeface="Consolas" panose="020B0609020204030204" pitchFamily="49" charset="0"/>
+                <a:ea typeface="Menlo" panose="020B0609030804020204" pitchFamily="49" charset="0"/>
+                <a:cs typeface="Consolas" panose="020B0609020204030204" pitchFamily="49" charset="0"/>
               </a:rPr>
               <a:t>    def fly(self, </a:t>
             </a:r>
@@ -7508,9 +7508,9 @@
                 <a:solidFill>
                   <a:schemeClr val="accent6"/>
                 </a:solidFill>
-                <a:latin typeface="Menlo" panose="020B0609030804020204" pitchFamily="49" charset="0"/>
-                <a:ea typeface="Menlo" panose="020B0609030804020204" pitchFamily="49" charset="0"/>
-                <a:cs typeface="Menlo" panose="020B0609030804020204" pitchFamily="49" charset="0"/>
+                <a:latin typeface="Consolas" panose="020B0609020204030204" pitchFamily="49" charset="0"/>
+                <a:ea typeface="Menlo" panose="020B0609030804020204" pitchFamily="49" charset="0"/>
+                <a:cs typeface="Consolas" panose="020B0609020204030204" pitchFamily="49" charset="0"/>
               </a:rPr>
               <a:t>vel</a:t>
             </a:r>
@@ -7519,9 +7519,9 @@
                 <a:solidFill>
                   <a:schemeClr val="accent6"/>
                 </a:solidFill>
-                <a:latin typeface="Menlo" panose="020B0609030804020204" pitchFamily="49" charset="0"/>
-                <a:ea typeface="Menlo" panose="020B0609030804020204" pitchFamily="49" charset="0"/>
-                <a:cs typeface="Menlo" panose="020B0609030804020204" pitchFamily="49" charset="0"/>
+                <a:latin typeface="Consolas" panose="020B0609020204030204" pitchFamily="49" charset="0"/>
+                <a:ea typeface="Menlo" panose="020B0609030804020204" pitchFamily="49" charset="0"/>
+                <a:cs typeface="Consolas" panose="020B0609020204030204" pitchFamily="49" charset="0"/>
               </a:rPr>
               <a:t>, limit):</a:t>
             </a:r>
@@ -7535,9 +7535,9 @@
                 <a:solidFill>
                   <a:schemeClr val="accent6"/>
                 </a:solidFill>
-                <a:latin typeface="Menlo" panose="020B0609030804020204" pitchFamily="49" charset="0"/>
-                <a:ea typeface="Menlo" panose="020B0609030804020204" pitchFamily="49" charset="0"/>
-                <a:cs typeface="Menlo" panose="020B0609030804020204" pitchFamily="49" charset="0"/>
+                <a:latin typeface="Consolas" panose="020B0609020204030204" pitchFamily="49" charset="0"/>
+                <a:ea typeface="Menlo" panose="020B0609030804020204" pitchFamily="49" charset="0"/>
+                <a:cs typeface="Consolas" panose="020B0609020204030204" pitchFamily="49" charset="0"/>
               </a:rPr>
               <a:t>        </a:t>
             </a:r>
@@ -7546,9 +7546,9 @@
                 <a:solidFill>
                   <a:schemeClr val="accent6"/>
                 </a:solidFill>
-                <a:latin typeface="Menlo" panose="020B0609030804020204" pitchFamily="49" charset="0"/>
-                <a:ea typeface="Menlo" panose="020B0609030804020204" pitchFamily="49" charset="0"/>
-                <a:cs typeface="Menlo" panose="020B0609030804020204" pitchFamily="49" charset="0"/>
+                <a:latin typeface="Consolas" panose="020B0609020204030204" pitchFamily="49" charset="0"/>
+                <a:ea typeface="Menlo" panose="020B0609030804020204" pitchFamily="49" charset="0"/>
+                <a:cs typeface="Consolas" panose="020B0609020204030204" pitchFamily="49" charset="0"/>
               </a:rPr>
               <a:t>vel</a:t>
             </a:r>
@@ -7557,9 +7557,9 @@
                 <a:solidFill>
                   <a:schemeClr val="accent6"/>
                 </a:solidFill>
-                <a:latin typeface="Menlo" panose="020B0609030804020204" pitchFamily="49" charset="0"/>
-                <a:ea typeface="Menlo" panose="020B0609030804020204" pitchFamily="49" charset="0"/>
-                <a:cs typeface="Menlo" panose="020B0609030804020204" pitchFamily="49" charset="0"/>
+                <a:latin typeface="Consolas" panose="020B0609020204030204" pitchFamily="49" charset="0"/>
+                <a:ea typeface="Menlo" panose="020B0609030804020204" pitchFamily="49" charset="0"/>
+                <a:cs typeface="Consolas" panose="020B0609020204030204" pitchFamily="49" charset="0"/>
               </a:rPr>
               <a:t> = regulate(</a:t>
             </a:r>
@@ -7568,9 +7568,9 @@
                 <a:solidFill>
                   <a:schemeClr val="accent6"/>
                 </a:solidFill>
-                <a:latin typeface="Menlo" panose="020B0609030804020204" pitchFamily="49" charset="0"/>
-                <a:ea typeface="Menlo" panose="020B0609030804020204" pitchFamily="49" charset="0"/>
-                <a:cs typeface="Menlo" panose="020B0609030804020204" pitchFamily="49" charset="0"/>
+                <a:latin typeface="Consolas" panose="020B0609020204030204" pitchFamily="49" charset="0"/>
+                <a:ea typeface="Menlo" panose="020B0609030804020204" pitchFamily="49" charset="0"/>
+                <a:cs typeface="Consolas" panose="020B0609020204030204" pitchFamily="49" charset="0"/>
               </a:rPr>
               <a:t>vel</a:t>
             </a:r>
@@ -7579,9 +7579,9 @@
                 <a:solidFill>
                   <a:schemeClr val="accent6"/>
                 </a:solidFill>
-                <a:latin typeface="Menlo" panose="020B0609030804020204" pitchFamily="49" charset="0"/>
-                <a:ea typeface="Menlo" panose="020B0609030804020204" pitchFamily="49" charset="0"/>
-                <a:cs typeface="Menlo" panose="020B0609030804020204" pitchFamily="49" charset="0"/>
+                <a:latin typeface="Consolas" panose="020B0609020204030204" pitchFamily="49" charset="0"/>
+                <a:ea typeface="Menlo" panose="020B0609030804020204" pitchFamily="49" charset="0"/>
+                <a:cs typeface="Consolas" panose="020B0609020204030204" pitchFamily="49" charset="0"/>
               </a:rPr>
               <a:t>, limit)</a:t>
             </a:r>
@@ -7595,9 +7595,9 @@
                 <a:solidFill>
                   <a:schemeClr val="accent6"/>
                 </a:solidFill>
-                <a:latin typeface="Menlo" panose="020B0609030804020204" pitchFamily="49" charset="0"/>
-                <a:ea typeface="Menlo" panose="020B0609030804020204" pitchFamily="49" charset="0"/>
-                <a:cs typeface="Menlo" panose="020B0609030804020204" pitchFamily="49" charset="0"/>
+                <a:latin typeface="Consolas" panose="020B0609020204030204" pitchFamily="49" charset="0"/>
+                <a:ea typeface="Menlo" panose="020B0609030804020204" pitchFamily="49" charset="0"/>
+                <a:cs typeface="Consolas" panose="020B0609020204030204" pitchFamily="49" charset="0"/>
               </a:rPr>
               <a:t>        </a:t>
             </a:r>
@@ -7606,9 +7606,9 @@
                 <a:solidFill>
                   <a:schemeClr val="accent6"/>
                 </a:solidFill>
-                <a:latin typeface="Menlo" panose="020B0609030804020204" pitchFamily="49" charset="0"/>
-                <a:ea typeface="Menlo" panose="020B0609030804020204" pitchFamily="49" charset="0"/>
-                <a:cs typeface="Menlo" panose="020B0609030804020204" pitchFamily="49" charset="0"/>
+                <a:latin typeface="Consolas" panose="020B0609020204030204" pitchFamily="49" charset="0"/>
+                <a:ea typeface="Menlo" panose="020B0609030804020204" pitchFamily="49" charset="0"/>
+                <a:cs typeface="Consolas" panose="020B0609020204030204" pitchFamily="49" charset="0"/>
               </a:rPr>
               <a:t>self.pos</a:t>
             </a:r>
@@ -7617,9 +7617,9 @@
                 <a:solidFill>
                   <a:schemeClr val="accent6"/>
                 </a:solidFill>
-                <a:latin typeface="Menlo" panose="020B0609030804020204" pitchFamily="49" charset="0"/>
-                <a:ea typeface="Menlo" panose="020B0609030804020204" pitchFamily="49" charset="0"/>
-                <a:cs typeface="Menlo" panose="020B0609030804020204" pitchFamily="49" charset="0"/>
+                <a:latin typeface="Consolas" panose="020B0609020204030204" pitchFamily="49" charset="0"/>
+                <a:ea typeface="Menlo" panose="020B0609030804020204" pitchFamily="49" charset="0"/>
+                <a:cs typeface="Consolas" panose="020B0609020204030204" pitchFamily="49" charset="0"/>
               </a:rPr>
               <a:t> += </a:t>
             </a:r>
@@ -7628,9 +7628,9 @@
                 <a:solidFill>
                   <a:schemeClr val="accent6"/>
                 </a:solidFill>
-                <a:latin typeface="Menlo" panose="020B0609030804020204" pitchFamily="49" charset="0"/>
-                <a:ea typeface="Menlo" panose="020B0609030804020204" pitchFamily="49" charset="0"/>
-                <a:cs typeface="Menlo" panose="020B0609030804020204" pitchFamily="49" charset="0"/>
+                <a:latin typeface="Consolas" panose="020B0609020204030204" pitchFamily="49" charset="0"/>
+                <a:ea typeface="Menlo" panose="020B0609030804020204" pitchFamily="49" charset="0"/>
+                <a:cs typeface="Consolas" panose="020B0609020204030204" pitchFamily="49" charset="0"/>
               </a:rPr>
               <a:t>vel</a:t>
             </a:r>
@@ -7638,9 +7638,9 @@
               <a:solidFill>
                 <a:schemeClr val="accent6"/>
               </a:solidFill>
-              <a:latin typeface="Menlo" panose="020B0609030804020204" pitchFamily="49" charset="0"/>
+              <a:latin typeface="Consolas" panose="020B0609020204030204" pitchFamily="49" charset="0"/>
               <a:ea typeface="Menlo" panose="020B0609030804020204" pitchFamily="49" charset="0"/>
-              <a:cs typeface="Menlo" panose="020B0609030804020204" pitchFamily="49" charset="0"/>
+              <a:cs typeface="Consolas" panose="020B0609020204030204" pitchFamily="49" charset="0"/>
             </a:endParaRPr>
           </a:p>
         </p:txBody>
@@ -7662,7 +7662,7 @@
         <p:spPr>
           <a:xfrm>
             <a:off x="818703" y="3476847"/>
-            <a:ext cx="5263119" cy="2838893"/>
+            <a:ext cx="5440583" cy="2838893"/>
           </a:xfrm>
           <a:prstGeom prst="rect">
             <a:avLst/>
@@ -7675,7 +7675,7 @@
         </p:spPr>
         <p:txBody>
           <a:bodyPr vert="horz" lIns="91440" tIns="45720" rIns="91440" bIns="45720" rtlCol="0">
-            <a:normAutofit fontScale="85000" lnSpcReduction="10000"/>
+            <a:normAutofit fontScale="92500" lnSpcReduction="10000"/>
           </a:bodyPr>
           <a:lstStyle>
             <a:lvl1pPr marL="384048" indent="-384048" algn="l" defTabSz="914400" rtl="0" eaLnBrk="1" latinLnBrk="0" hangingPunct="1">
@@ -7877,9 +7877,9 @@
                 <a:solidFill>
                   <a:schemeClr val="accent6"/>
                 </a:solidFill>
-                <a:latin typeface="Menlo" panose="020B0609030804020204" pitchFamily="49" charset="0"/>
-                <a:ea typeface="Menlo" panose="020B0609030804020204" pitchFamily="49" charset="0"/>
-                <a:cs typeface="Menlo" panose="020B0609030804020204" pitchFamily="49" charset="0"/>
+                <a:latin typeface="Consolas" panose="020B0609020204030204" pitchFamily="49" charset="0"/>
+                <a:ea typeface="Menlo" panose="020B0609030804020204" pitchFamily="49" charset="0"/>
+                <a:cs typeface="Consolas" panose="020B0609020204030204" pitchFamily="49" charset="0"/>
               </a:rPr>
               <a:t>class ball:</a:t>
             </a:r>
@@ -7893,9 +7893,9 @@
                 <a:solidFill>
                   <a:schemeClr val="accent6"/>
                 </a:solidFill>
-                <a:latin typeface="Menlo" panose="020B0609030804020204" pitchFamily="49" charset="0"/>
-                <a:ea typeface="Menlo" panose="020B0609030804020204" pitchFamily="49" charset="0"/>
-                <a:cs typeface="Menlo" panose="020B0609030804020204" pitchFamily="49" charset="0"/>
+                <a:latin typeface="Consolas" panose="020B0609020204030204" pitchFamily="49" charset="0"/>
+                <a:ea typeface="Menlo" panose="020B0609030804020204" pitchFamily="49" charset="0"/>
+                <a:cs typeface="Consolas" panose="020B0609020204030204" pitchFamily="49" charset="0"/>
               </a:rPr>
               <a:t>    def __</a:t>
             </a:r>
@@ -7904,9 +7904,9 @@
                 <a:solidFill>
                   <a:schemeClr val="accent6"/>
                 </a:solidFill>
-                <a:latin typeface="Menlo" panose="020B0609030804020204" pitchFamily="49" charset="0"/>
-                <a:ea typeface="Menlo" panose="020B0609030804020204" pitchFamily="49" charset="0"/>
-                <a:cs typeface="Menlo" panose="020B0609030804020204" pitchFamily="49" charset="0"/>
+                <a:latin typeface="Consolas" panose="020B0609020204030204" pitchFamily="49" charset="0"/>
+                <a:ea typeface="Menlo" panose="020B0609030804020204" pitchFamily="49" charset="0"/>
+                <a:cs typeface="Consolas" panose="020B0609020204030204" pitchFamily="49" charset="0"/>
               </a:rPr>
               <a:t>init</a:t>
             </a:r>
@@ -7915,9 +7915,9 @@
                 <a:solidFill>
                   <a:schemeClr val="accent6"/>
                 </a:solidFill>
-                <a:latin typeface="Menlo" panose="020B0609030804020204" pitchFamily="49" charset="0"/>
-                <a:ea typeface="Menlo" panose="020B0609030804020204" pitchFamily="49" charset="0"/>
-                <a:cs typeface="Menlo" panose="020B0609030804020204" pitchFamily="49" charset="0"/>
+                <a:latin typeface="Consolas" panose="020B0609020204030204" pitchFamily="49" charset="0"/>
+                <a:ea typeface="Menlo" panose="020B0609030804020204" pitchFamily="49" charset="0"/>
+                <a:cs typeface="Consolas" panose="020B0609020204030204" pitchFamily="49" charset="0"/>
               </a:rPr>
               <a:t>__(self, </a:t>
             </a:r>
@@ -7926,9 +7926,9 @@
                 <a:solidFill>
                   <a:schemeClr val="accent6"/>
                 </a:solidFill>
-                <a:latin typeface="Menlo" panose="020B0609030804020204" pitchFamily="49" charset="0"/>
-                <a:ea typeface="Menlo" panose="020B0609030804020204" pitchFamily="49" charset="0"/>
-                <a:cs typeface="Menlo" panose="020B0609030804020204" pitchFamily="49" charset="0"/>
+                <a:latin typeface="Consolas" panose="020B0609020204030204" pitchFamily="49" charset="0"/>
+                <a:ea typeface="Menlo" panose="020B0609030804020204" pitchFamily="49" charset="0"/>
+                <a:cs typeface="Consolas" panose="020B0609020204030204" pitchFamily="49" charset="0"/>
               </a:rPr>
               <a:t>pos</a:t>
             </a:r>
@@ -7937,9 +7937,9 @@
                 <a:solidFill>
                   <a:schemeClr val="accent6"/>
                 </a:solidFill>
-                <a:latin typeface="Menlo" panose="020B0609030804020204" pitchFamily="49" charset="0"/>
-                <a:ea typeface="Menlo" panose="020B0609030804020204" pitchFamily="49" charset="0"/>
-                <a:cs typeface="Menlo" panose="020B0609030804020204" pitchFamily="49" charset="0"/>
+                <a:latin typeface="Consolas" panose="020B0609020204030204" pitchFamily="49" charset="0"/>
+                <a:ea typeface="Menlo" panose="020B0609030804020204" pitchFamily="49" charset="0"/>
+                <a:cs typeface="Consolas" panose="020B0609020204030204" pitchFamily="49" charset="0"/>
               </a:rPr>
               <a:t>, limit):</a:t>
             </a:r>
@@ -7953,9 +7953,9 @@
                 <a:solidFill>
                   <a:schemeClr val="accent6"/>
                 </a:solidFill>
-                <a:latin typeface="Menlo" panose="020B0609030804020204" pitchFamily="49" charset="0"/>
-                <a:ea typeface="Menlo" panose="020B0609030804020204" pitchFamily="49" charset="0"/>
-                <a:cs typeface="Menlo" panose="020B0609030804020204" pitchFamily="49" charset="0"/>
+                <a:latin typeface="Consolas" panose="020B0609020204030204" pitchFamily="49" charset="0"/>
+                <a:ea typeface="Menlo" panose="020B0609030804020204" pitchFamily="49" charset="0"/>
+                <a:cs typeface="Consolas" panose="020B0609020204030204" pitchFamily="49" charset="0"/>
               </a:rPr>
               <a:t>        </a:t>
             </a:r>
@@ -7964,9 +7964,9 @@
                 <a:solidFill>
                   <a:schemeClr val="accent6"/>
                 </a:solidFill>
-                <a:latin typeface="Menlo" panose="020B0609030804020204" pitchFamily="49" charset="0"/>
-                <a:ea typeface="Menlo" panose="020B0609030804020204" pitchFamily="49" charset="0"/>
-                <a:cs typeface="Menlo" panose="020B0609030804020204" pitchFamily="49" charset="0"/>
+                <a:latin typeface="Consolas" panose="020B0609020204030204" pitchFamily="49" charset="0"/>
+                <a:ea typeface="Menlo" panose="020B0609030804020204" pitchFamily="49" charset="0"/>
+                <a:cs typeface="Consolas" panose="020B0609020204030204" pitchFamily="49" charset="0"/>
               </a:rPr>
               <a:t>self.pos</a:t>
             </a:r>
@@ -7975,9 +7975,9 @@
                 <a:solidFill>
                   <a:schemeClr val="accent6"/>
                 </a:solidFill>
-                <a:latin typeface="Menlo" panose="020B0609030804020204" pitchFamily="49" charset="0"/>
-                <a:ea typeface="Menlo" panose="020B0609030804020204" pitchFamily="49" charset="0"/>
-                <a:cs typeface="Menlo" panose="020B0609030804020204" pitchFamily="49" charset="0"/>
+                <a:latin typeface="Consolas" panose="020B0609020204030204" pitchFamily="49" charset="0"/>
+                <a:ea typeface="Menlo" panose="020B0609030804020204" pitchFamily="49" charset="0"/>
+                <a:cs typeface="Consolas" panose="020B0609020204030204" pitchFamily="49" charset="0"/>
               </a:rPr>
               <a:t> = </a:t>
             </a:r>
@@ -7986,9 +7986,9 @@
                 <a:solidFill>
                   <a:schemeClr val="accent6"/>
                 </a:solidFill>
-                <a:latin typeface="Menlo" panose="020B0609030804020204" pitchFamily="49" charset="0"/>
-                <a:ea typeface="Menlo" panose="020B0609030804020204" pitchFamily="49" charset="0"/>
-                <a:cs typeface="Menlo" panose="020B0609030804020204" pitchFamily="49" charset="0"/>
+                <a:latin typeface="Consolas" panose="020B0609020204030204" pitchFamily="49" charset="0"/>
+                <a:ea typeface="Menlo" panose="020B0609030804020204" pitchFamily="49" charset="0"/>
+                <a:cs typeface="Consolas" panose="020B0609020204030204" pitchFamily="49" charset="0"/>
               </a:rPr>
               <a:t>pos</a:t>
             </a:r>
@@ -7996,9 +7996,9 @@
               <a:solidFill>
                 <a:schemeClr val="accent6"/>
               </a:solidFill>
-              <a:latin typeface="Menlo" panose="020B0609030804020204" pitchFamily="49" charset="0"/>
+              <a:latin typeface="Consolas" panose="020B0609020204030204" pitchFamily="49" charset="0"/>
               <a:ea typeface="Menlo" panose="020B0609030804020204" pitchFamily="49" charset="0"/>
-              <a:cs typeface="Menlo" panose="020B0609030804020204" pitchFamily="49" charset="0"/>
+              <a:cs typeface="Consolas" panose="020B0609020204030204" pitchFamily="49" charset="0"/>
             </a:endParaRPr>
           </a:p>
           <a:p>
@@ -8010,9 +8010,9 @@
                 <a:solidFill>
                   <a:schemeClr val="accent6"/>
                 </a:solidFill>
-                <a:latin typeface="Menlo" panose="020B0609030804020204" pitchFamily="49" charset="0"/>
-                <a:ea typeface="Menlo" panose="020B0609030804020204" pitchFamily="49" charset="0"/>
-                <a:cs typeface="Menlo" panose="020B0609030804020204" pitchFamily="49" charset="0"/>
+                <a:latin typeface="Consolas" panose="020B0609020204030204" pitchFamily="49" charset="0"/>
+                <a:ea typeface="Menlo" panose="020B0609030804020204" pitchFamily="49" charset="0"/>
+                <a:cs typeface="Consolas" panose="020B0609020204030204" pitchFamily="49" charset="0"/>
               </a:rPr>
               <a:t>        </a:t>
             </a:r>
@@ -8021,9 +8021,9 @@
                 <a:solidFill>
                   <a:schemeClr val="accent6"/>
                 </a:solidFill>
-                <a:latin typeface="Menlo" panose="020B0609030804020204" pitchFamily="49" charset="0"/>
-                <a:ea typeface="Menlo" panose="020B0609030804020204" pitchFamily="49" charset="0"/>
-                <a:cs typeface="Menlo" panose="020B0609030804020204" pitchFamily="49" charset="0"/>
+                <a:latin typeface="Consolas" panose="020B0609020204030204" pitchFamily="49" charset="0"/>
+                <a:ea typeface="Menlo" panose="020B0609030804020204" pitchFamily="49" charset="0"/>
+                <a:cs typeface="Consolas" panose="020B0609020204030204" pitchFamily="49" charset="0"/>
               </a:rPr>
               <a:t>self.limit</a:t>
             </a:r>
@@ -8032,9 +8032,9 @@
                 <a:solidFill>
                   <a:schemeClr val="accent6"/>
                 </a:solidFill>
-                <a:latin typeface="Menlo" panose="020B0609030804020204" pitchFamily="49" charset="0"/>
-                <a:ea typeface="Menlo" panose="020B0609030804020204" pitchFamily="49" charset="0"/>
-                <a:cs typeface="Menlo" panose="020B0609030804020204" pitchFamily="49" charset="0"/>
+                <a:latin typeface="Consolas" panose="020B0609020204030204" pitchFamily="49" charset="0"/>
+                <a:ea typeface="Menlo" panose="020B0609030804020204" pitchFamily="49" charset="0"/>
+                <a:cs typeface="Consolas" panose="020B0609020204030204" pitchFamily="49" charset="0"/>
               </a:rPr>
               <a:t> = limit</a:t>
             </a:r>
@@ -8048,9 +8048,9 @@
                 <a:solidFill>
                   <a:schemeClr val="accent6"/>
                 </a:solidFill>
-                <a:latin typeface="Menlo" panose="020B0609030804020204" pitchFamily="49" charset="0"/>
-                <a:ea typeface="Menlo" panose="020B0609030804020204" pitchFamily="49" charset="0"/>
-                <a:cs typeface="Menlo" panose="020B0609030804020204" pitchFamily="49" charset="0"/>
+                <a:latin typeface="Consolas" panose="020B0609020204030204" pitchFamily="49" charset="0"/>
+                <a:ea typeface="Menlo" panose="020B0609030804020204" pitchFamily="49" charset="0"/>
+                <a:cs typeface="Consolas" panose="020B0609020204030204" pitchFamily="49" charset="0"/>
               </a:rPr>
               <a:t>    def fly(self, </a:t>
             </a:r>
@@ -8059,9 +8059,9 @@
                 <a:solidFill>
                   <a:schemeClr val="accent6"/>
                 </a:solidFill>
-                <a:latin typeface="Menlo" panose="020B0609030804020204" pitchFamily="49" charset="0"/>
-                <a:ea typeface="Menlo" panose="020B0609030804020204" pitchFamily="49" charset="0"/>
-                <a:cs typeface="Menlo" panose="020B0609030804020204" pitchFamily="49" charset="0"/>
+                <a:latin typeface="Consolas" panose="020B0609020204030204" pitchFamily="49" charset="0"/>
+                <a:ea typeface="Menlo" panose="020B0609030804020204" pitchFamily="49" charset="0"/>
+                <a:cs typeface="Consolas" panose="020B0609020204030204" pitchFamily="49" charset="0"/>
               </a:rPr>
               <a:t>vel</a:t>
             </a:r>
@@ -8070,9 +8070,9 @@
                 <a:solidFill>
                   <a:schemeClr val="accent6"/>
                 </a:solidFill>
-                <a:latin typeface="Menlo" panose="020B0609030804020204" pitchFamily="49" charset="0"/>
-                <a:ea typeface="Menlo" panose="020B0609030804020204" pitchFamily="49" charset="0"/>
-                <a:cs typeface="Menlo" panose="020B0609030804020204" pitchFamily="49" charset="0"/>
+                <a:latin typeface="Consolas" panose="020B0609020204030204" pitchFamily="49" charset="0"/>
+                <a:ea typeface="Menlo" panose="020B0609030804020204" pitchFamily="49" charset="0"/>
+                <a:cs typeface="Consolas" panose="020B0609020204030204" pitchFamily="49" charset="0"/>
               </a:rPr>
               <a:t>):</a:t>
             </a:r>
@@ -8086,9 +8086,9 @@
                 <a:solidFill>
                   <a:schemeClr val="accent6"/>
                 </a:solidFill>
-                <a:latin typeface="Menlo" panose="020B0609030804020204" pitchFamily="49" charset="0"/>
-                <a:ea typeface="Menlo" panose="020B0609030804020204" pitchFamily="49" charset="0"/>
-                <a:cs typeface="Menlo" panose="020B0609030804020204" pitchFamily="49" charset="0"/>
+                <a:latin typeface="Consolas" panose="020B0609020204030204" pitchFamily="49" charset="0"/>
+                <a:ea typeface="Menlo" panose="020B0609030804020204" pitchFamily="49" charset="0"/>
+                <a:cs typeface="Consolas" panose="020B0609020204030204" pitchFamily="49" charset="0"/>
               </a:rPr>
               <a:t>        </a:t>
             </a:r>
@@ -8097,9 +8097,9 @@
                 <a:solidFill>
                   <a:schemeClr val="accent6"/>
                 </a:solidFill>
-                <a:latin typeface="Menlo" panose="020B0609030804020204" pitchFamily="49" charset="0"/>
-                <a:ea typeface="Menlo" panose="020B0609030804020204" pitchFamily="49" charset="0"/>
-                <a:cs typeface="Menlo" panose="020B0609030804020204" pitchFamily="49" charset="0"/>
+                <a:latin typeface="Consolas" panose="020B0609020204030204" pitchFamily="49" charset="0"/>
+                <a:ea typeface="Menlo" panose="020B0609030804020204" pitchFamily="49" charset="0"/>
+                <a:cs typeface="Consolas" panose="020B0609020204030204" pitchFamily="49" charset="0"/>
               </a:rPr>
               <a:t>vel</a:t>
             </a:r>
@@ -8108,9 +8108,9 @@
                 <a:solidFill>
                   <a:schemeClr val="accent6"/>
                 </a:solidFill>
-                <a:latin typeface="Menlo" panose="020B0609030804020204" pitchFamily="49" charset="0"/>
-                <a:ea typeface="Menlo" panose="020B0609030804020204" pitchFamily="49" charset="0"/>
-                <a:cs typeface="Menlo" panose="020B0609030804020204" pitchFamily="49" charset="0"/>
+                <a:latin typeface="Consolas" panose="020B0609020204030204" pitchFamily="49" charset="0"/>
+                <a:ea typeface="Menlo" panose="020B0609030804020204" pitchFamily="49" charset="0"/>
+                <a:cs typeface="Consolas" panose="020B0609020204030204" pitchFamily="49" charset="0"/>
               </a:rPr>
               <a:t> = regulate(</a:t>
             </a:r>
@@ -8119,9 +8119,9 @@
                 <a:solidFill>
                   <a:schemeClr val="accent6"/>
                 </a:solidFill>
-                <a:latin typeface="Menlo" panose="020B0609030804020204" pitchFamily="49" charset="0"/>
-                <a:ea typeface="Menlo" panose="020B0609030804020204" pitchFamily="49" charset="0"/>
-                <a:cs typeface="Menlo" panose="020B0609030804020204" pitchFamily="49" charset="0"/>
+                <a:latin typeface="Consolas" panose="020B0609020204030204" pitchFamily="49" charset="0"/>
+                <a:ea typeface="Menlo" panose="020B0609030804020204" pitchFamily="49" charset="0"/>
+                <a:cs typeface="Consolas" panose="020B0609020204030204" pitchFamily="49" charset="0"/>
               </a:rPr>
               <a:t>vel</a:t>
             </a:r>
@@ -8130,9 +8130,9 @@
                 <a:solidFill>
                   <a:schemeClr val="accent6"/>
                 </a:solidFill>
-                <a:latin typeface="Menlo" panose="020B0609030804020204" pitchFamily="49" charset="0"/>
-                <a:ea typeface="Menlo" panose="020B0609030804020204" pitchFamily="49" charset="0"/>
-                <a:cs typeface="Menlo" panose="020B0609030804020204" pitchFamily="49" charset="0"/>
+                <a:latin typeface="Consolas" panose="020B0609020204030204" pitchFamily="49" charset="0"/>
+                <a:ea typeface="Menlo" panose="020B0609030804020204" pitchFamily="49" charset="0"/>
+                <a:cs typeface="Consolas" panose="020B0609020204030204" pitchFamily="49" charset="0"/>
               </a:rPr>
               <a:t>, </a:t>
             </a:r>
@@ -8141,9 +8141,9 @@
                 <a:solidFill>
                   <a:schemeClr val="accent6"/>
                 </a:solidFill>
-                <a:latin typeface="Menlo" panose="020B0609030804020204" pitchFamily="49" charset="0"/>
-                <a:ea typeface="Menlo" panose="020B0609030804020204" pitchFamily="49" charset="0"/>
-                <a:cs typeface="Menlo" panose="020B0609030804020204" pitchFamily="49" charset="0"/>
+                <a:latin typeface="Consolas" panose="020B0609020204030204" pitchFamily="49" charset="0"/>
+                <a:ea typeface="Menlo" panose="020B0609030804020204" pitchFamily="49" charset="0"/>
+                <a:cs typeface="Consolas" panose="020B0609020204030204" pitchFamily="49" charset="0"/>
               </a:rPr>
               <a:t>self.limit</a:t>
             </a:r>
@@ -8152,9 +8152,9 @@
                 <a:solidFill>
                   <a:schemeClr val="accent6"/>
                 </a:solidFill>
-                <a:latin typeface="Menlo" panose="020B0609030804020204" pitchFamily="49" charset="0"/>
-                <a:ea typeface="Menlo" panose="020B0609030804020204" pitchFamily="49" charset="0"/>
-                <a:cs typeface="Menlo" panose="020B0609030804020204" pitchFamily="49" charset="0"/>
+                <a:latin typeface="Consolas" panose="020B0609020204030204" pitchFamily="49" charset="0"/>
+                <a:ea typeface="Menlo" panose="020B0609030804020204" pitchFamily="49" charset="0"/>
+                <a:cs typeface="Consolas" panose="020B0609020204030204" pitchFamily="49" charset="0"/>
               </a:rPr>
               <a:t>)</a:t>
             </a:r>
@@ -8168,9 +8168,9 @@
                 <a:solidFill>
                   <a:schemeClr val="accent6"/>
                 </a:solidFill>
-                <a:latin typeface="Menlo" panose="020B0609030804020204" pitchFamily="49" charset="0"/>
-                <a:ea typeface="Menlo" panose="020B0609030804020204" pitchFamily="49" charset="0"/>
-                <a:cs typeface="Menlo" panose="020B0609030804020204" pitchFamily="49" charset="0"/>
+                <a:latin typeface="Consolas" panose="020B0609020204030204" pitchFamily="49" charset="0"/>
+                <a:ea typeface="Menlo" panose="020B0609030804020204" pitchFamily="49" charset="0"/>
+                <a:cs typeface="Consolas" panose="020B0609020204030204" pitchFamily="49" charset="0"/>
               </a:rPr>
               <a:t>        </a:t>
             </a:r>
@@ -8179,9 +8179,9 @@
                 <a:solidFill>
                   <a:schemeClr val="accent6"/>
                 </a:solidFill>
-                <a:latin typeface="Menlo" panose="020B0609030804020204" pitchFamily="49" charset="0"/>
-                <a:ea typeface="Menlo" panose="020B0609030804020204" pitchFamily="49" charset="0"/>
-                <a:cs typeface="Menlo" panose="020B0609030804020204" pitchFamily="49" charset="0"/>
+                <a:latin typeface="Consolas" panose="020B0609020204030204" pitchFamily="49" charset="0"/>
+                <a:ea typeface="Menlo" panose="020B0609030804020204" pitchFamily="49" charset="0"/>
+                <a:cs typeface="Consolas" panose="020B0609020204030204" pitchFamily="49" charset="0"/>
               </a:rPr>
               <a:t>self.pos</a:t>
             </a:r>
@@ -8190,9 +8190,9 @@
                 <a:solidFill>
                   <a:schemeClr val="accent6"/>
                 </a:solidFill>
-                <a:latin typeface="Menlo" panose="020B0609030804020204" pitchFamily="49" charset="0"/>
-                <a:ea typeface="Menlo" panose="020B0609030804020204" pitchFamily="49" charset="0"/>
-                <a:cs typeface="Menlo" panose="020B0609030804020204" pitchFamily="49" charset="0"/>
+                <a:latin typeface="Consolas" panose="020B0609020204030204" pitchFamily="49" charset="0"/>
+                <a:ea typeface="Menlo" panose="020B0609030804020204" pitchFamily="49" charset="0"/>
+                <a:cs typeface="Consolas" panose="020B0609020204030204" pitchFamily="49" charset="0"/>
               </a:rPr>
               <a:t> += </a:t>
             </a:r>
@@ -8201,9 +8201,9 @@
                 <a:solidFill>
                   <a:schemeClr val="accent6"/>
                 </a:solidFill>
-                <a:latin typeface="Menlo" panose="020B0609030804020204" pitchFamily="49" charset="0"/>
-                <a:ea typeface="Menlo" panose="020B0609030804020204" pitchFamily="49" charset="0"/>
-                <a:cs typeface="Menlo" panose="020B0609030804020204" pitchFamily="49" charset="0"/>
+                <a:latin typeface="Consolas" panose="020B0609020204030204" pitchFamily="49" charset="0"/>
+                <a:ea typeface="Menlo" panose="020B0609030804020204" pitchFamily="49" charset="0"/>
+                <a:cs typeface="Consolas" panose="020B0609020204030204" pitchFamily="49" charset="0"/>
               </a:rPr>
               <a:t>vel</a:t>
             </a:r>
@@ -8211,9 +8211,9 @@
               <a:solidFill>
                 <a:schemeClr val="accent6"/>
               </a:solidFill>
-              <a:latin typeface="Menlo" panose="020B0609030804020204" pitchFamily="49" charset="0"/>
+              <a:latin typeface="Consolas" panose="020B0609020204030204" pitchFamily="49" charset="0"/>
               <a:ea typeface="Menlo" panose="020B0609030804020204" pitchFamily="49" charset="0"/>
-              <a:cs typeface="Menlo" panose="020B0609030804020204" pitchFamily="49" charset="0"/>
+              <a:cs typeface="Consolas" panose="020B0609020204030204" pitchFamily="49" charset="0"/>
             </a:endParaRPr>
           </a:p>
         </p:txBody>
@@ -8234,8 +8234,8 @@
         </p:nvSpPr>
         <p:spPr>
           <a:xfrm>
-            <a:off x="6181057" y="1259957"/>
-            <a:ext cx="5263119" cy="5055783"/>
+            <a:off x="6574971" y="1259957"/>
+            <a:ext cx="4869205" cy="5055783"/>
           </a:xfrm>
           <a:prstGeom prst="rect">
             <a:avLst/>
@@ -8450,9 +8450,9 @@
                 <a:solidFill>
                   <a:schemeClr val="accent6"/>
                 </a:solidFill>
-                <a:latin typeface="Menlo" panose="020B0609030804020204" pitchFamily="49" charset="0"/>
-                <a:ea typeface="Menlo" panose="020B0609030804020204" pitchFamily="49" charset="0"/>
-                <a:cs typeface="Menlo" panose="020B0609030804020204" pitchFamily="49" charset="0"/>
+                <a:latin typeface="Consolas" panose="020B0609020204030204" pitchFamily="49" charset="0"/>
+                <a:ea typeface="Menlo" panose="020B0609030804020204" pitchFamily="49" charset="0"/>
+                <a:cs typeface="Consolas" panose="020B0609020204030204" pitchFamily="49" charset="0"/>
               </a:rPr>
               <a:t>def </a:t>
             </a:r>
@@ -8461,9 +8461,9 @@
                 <a:solidFill>
                   <a:schemeClr val="accent6"/>
                 </a:solidFill>
-                <a:latin typeface="Menlo" panose="020B0609030804020204" pitchFamily="49" charset="0"/>
-                <a:ea typeface="Menlo" panose="020B0609030804020204" pitchFamily="49" charset="0"/>
-                <a:cs typeface="Menlo" panose="020B0609030804020204" pitchFamily="49" charset="0"/>
+                <a:latin typeface="Consolas" panose="020B0609020204030204" pitchFamily="49" charset="0"/>
+                <a:ea typeface="Menlo" panose="020B0609030804020204" pitchFamily="49" charset="0"/>
+                <a:cs typeface="Consolas" panose="020B0609020204030204" pitchFamily="49" charset="0"/>
               </a:rPr>
               <a:t>limited_ball</a:t>
             </a:r>
@@ -8472,9 +8472,9 @@
                 <a:solidFill>
                   <a:schemeClr val="accent6"/>
                 </a:solidFill>
-                <a:latin typeface="Menlo" panose="020B0609030804020204" pitchFamily="49" charset="0"/>
-                <a:ea typeface="Menlo" panose="020B0609030804020204" pitchFamily="49" charset="0"/>
-                <a:cs typeface="Menlo" panose="020B0609030804020204" pitchFamily="49" charset="0"/>
+                <a:latin typeface="Consolas" panose="020B0609020204030204" pitchFamily="49" charset="0"/>
+                <a:ea typeface="Menlo" panose="020B0609030804020204" pitchFamily="49" charset="0"/>
+                <a:cs typeface="Consolas" panose="020B0609020204030204" pitchFamily="49" charset="0"/>
               </a:rPr>
               <a:t>(limit):</a:t>
             </a:r>
@@ -8488,9 +8488,9 @@
                 <a:solidFill>
                   <a:schemeClr val="accent6"/>
                 </a:solidFill>
-                <a:latin typeface="Menlo" panose="020B0609030804020204" pitchFamily="49" charset="0"/>
-                <a:ea typeface="Menlo" panose="020B0609030804020204" pitchFamily="49" charset="0"/>
-                <a:cs typeface="Menlo" panose="020B0609030804020204" pitchFamily="49" charset="0"/>
+                <a:latin typeface="Consolas" panose="020B0609020204030204" pitchFamily="49" charset="0"/>
+                <a:ea typeface="Menlo" panose="020B0609030804020204" pitchFamily="49" charset="0"/>
+                <a:cs typeface="Consolas" panose="020B0609020204030204" pitchFamily="49" charset="0"/>
               </a:rPr>
               <a:t>    class ball:</a:t>
             </a:r>
@@ -8504,9 +8504,9 @@
                 <a:solidFill>
                   <a:schemeClr val="accent6"/>
                 </a:solidFill>
-                <a:latin typeface="Menlo" panose="020B0609030804020204" pitchFamily="49" charset="0"/>
-                <a:ea typeface="Menlo" panose="020B0609030804020204" pitchFamily="49" charset="0"/>
-                <a:cs typeface="Menlo" panose="020B0609030804020204" pitchFamily="49" charset="0"/>
+                <a:latin typeface="Consolas" panose="020B0609020204030204" pitchFamily="49" charset="0"/>
+                <a:ea typeface="Menlo" panose="020B0609030804020204" pitchFamily="49" charset="0"/>
+                <a:cs typeface="Consolas" panose="020B0609020204030204" pitchFamily="49" charset="0"/>
               </a:rPr>
               <a:t>        def __</a:t>
             </a:r>
@@ -8515,9 +8515,9 @@
                 <a:solidFill>
                   <a:schemeClr val="accent6"/>
                 </a:solidFill>
-                <a:latin typeface="Menlo" panose="020B0609030804020204" pitchFamily="49" charset="0"/>
-                <a:ea typeface="Menlo" panose="020B0609030804020204" pitchFamily="49" charset="0"/>
-                <a:cs typeface="Menlo" panose="020B0609030804020204" pitchFamily="49" charset="0"/>
+                <a:latin typeface="Consolas" panose="020B0609020204030204" pitchFamily="49" charset="0"/>
+                <a:ea typeface="Menlo" panose="020B0609030804020204" pitchFamily="49" charset="0"/>
+                <a:cs typeface="Consolas" panose="020B0609020204030204" pitchFamily="49" charset="0"/>
               </a:rPr>
               <a:t>init</a:t>
             </a:r>
@@ -8526,9 +8526,9 @@
                 <a:solidFill>
                   <a:schemeClr val="accent6"/>
                 </a:solidFill>
-                <a:latin typeface="Menlo" panose="020B0609030804020204" pitchFamily="49" charset="0"/>
-                <a:ea typeface="Menlo" panose="020B0609030804020204" pitchFamily="49" charset="0"/>
-                <a:cs typeface="Menlo" panose="020B0609030804020204" pitchFamily="49" charset="0"/>
+                <a:latin typeface="Consolas" panose="020B0609020204030204" pitchFamily="49" charset="0"/>
+                <a:ea typeface="Menlo" panose="020B0609030804020204" pitchFamily="49" charset="0"/>
+                <a:cs typeface="Consolas" panose="020B0609020204030204" pitchFamily="49" charset="0"/>
               </a:rPr>
               <a:t>__(self, </a:t>
             </a:r>
@@ -8537,9 +8537,9 @@
                 <a:solidFill>
                   <a:schemeClr val="accent6"/>
                 </a:solidFill>
-                <a:latin typeface="Menlo" panose="020B0609030804020204" pitchFamily="49" charset="0"/>
-                <a:ea typeface="Menlo" panose="020B0609030804020204" pitchFamily="49" charset="0"/>
-                <a:cs typeface="Menlo" panose="020B0609030804020204" pitchFamily="49" charset="0"/>
+                <a:latin typeface="Consolas" panose="020B0609020204030204" pitchFamily="49" charset="0"/>
+                <a:ea typeface="Menlo" panose="020B0609030804020204" pitchFamily="49" charset="0"/>
+                <a:cs typeface="Consolas" panose="020B0609020204030204" pitchFamily="49" charset="0"/>
               </a:rPr>
               <a:t>pos</a:t>
             </a:r>
@@ -8548,9 +8548,9 @@
                 <a:solidFill>
                   <a:schemeClr val="accent6"/>
                 </a:solidFill>
-                <a:latin typeface="Menlo" panose="020B0609030804020204" pitchFamily="49" charset="0"/>
-                <a:ea typeface="Menlo" panose="020B0609030804020204" pitchFamily="49" charset="0"/>
-                <a:cs typeface="Menlo" panose="020B0609030804020204" pitchFamily="49" charset="0"/>
+                <a:latin typeface="Consolas" panose="020B0609020204030204" pitchFamily="49" charset="0"/>
+                <a:ea typeface="Menlo" panose="020B0609030804020204" pitchFamily="49" charset="0"/>
+                <a:cs typeface="Consolas" panose="020B0609020204030204" pitchFamily="49" charset="0"/>
               </a:rPr>
               <a:t>):</a:t>
             </a:r>
@@ -8564,9 +8564,9 @@
                 <a:solidFill>
                   <a:schemeClr val="accent6"/>
                 </a:solidFill>
-                <a:latin typeface="Menlo" panose="020B0609030804020204" pitchFamily="49" charset="0"/>
-                <a:ea typeface="Menlo" panose="020B0609030804020204" pitchFamily="49" charset="0"/>
-                <a:cs typeface="Menlo" panose="020B0609030804020204" pitchFamily="49" charset="0"/>
+                <a:latin typeface="Consolas" panose="020B0609020204030204" pitchFamily="49" charset="0"/>
+                <a:ea typeface="Menlo" panose="020B0609030804020204" pitchFamily="49" charset="0"/>
+                <a:cs typeface="Consolas" panose="020B0609020204030204" pitchFamily="49" charset="0"/>
               </a:rPr>
               <a:t>            </a:t>
             </a:r>
@@ -8575,9 +8575,9 @@
                 <a:solidFill>
                   <a:schemeClr val="accent6"/>
                 </a:solidFill>
-                <a:latin typeface="Menlo" panose="020B0609030804020204" pitchFamily="49" charset="0"/>
-                <a:ea typeface="Menlo" panose="020B0609030804020204" pitchFamily="49" charset="0"/>
-                <a:cs typeface="Menlo" panose="020B0609030804020204" pitchFamily="49" charset="0"/>
+                <a:latin typeface="Consolas" panose="020B0609020204030204" pitchFamily="49" charset="0"/>
+                <a:ea typeface="Menlo" panose="020B0609030804020204" pitchFamily="49" charset="0"/>
+                <a:cs typeface="Consolas" panose="020B0609020204030204" pitchFamily="49" charset="0"/>
               </a:rPr>
               <a:t>self.pos</a:t>
             </a:r>
@@ -8586,9 +8586,9 @@
                 <a:solidFill>
                   <a:schemeClr val="accent6"/>
                 </a:solidFill>
-                <a:latin typeface="Menlo" panose="020B0609030804020204" pitchFamily="49" charset="0"/>
-                <a:ea typeface="Menlo" panose="020B0609030804020204" pitchFamily="49" charset="0"/>
-                <a:cs typeface="Menlo" panose="020B0609030804020204" pitchFamily="49" charset="0"/>
+                <a:latin typeface="Consolas" panose="020B0609020204030204" pitchFamily="49" charset="0"/>
+                <a:ea typeface="Menlo" panose="020B0609030804020204" pitchFamily="49" charset="0"/>
+                <a:cs typeface="Consolas" panose="020B0609020204030204" pitchFamily="49" charset="0"/>
               </a:rPr>
               <a:t> = </a:t>
             </a:r>
@@ -8597,9 +8597,9 @@
                 <a:solidFill>
                   <a:schemeClr val="accent6"/>
                 </a:solidFill>
-                <a:latin typeface="Menlo" panose="020B0609030804020204" pitchFamily="49" charset="0"/>
-                <a:ea typeface="Menlo" panose="020B0609030804020204" pitchFamily="49" charset="0"/>
-                <a:cs typeface="Menlo" panose="020B0609030804020204" pitchFamily="49" charset="0"/>
+                <a:latin typeface="Consolas" panose="020B0609020204030204" pitchFamily="49" charset="0"/>
+                <a:ea typeface="Menlo" panose="020B0609030804020204" pitchFamily="49" charset="0"/>
+                <a:cs typeface="Consolas" panose="020B0609020204030204" pitchFamily="49" charset="0"/>
               </a:rPr>
               <a:t>pos</a:t>
             </a:r>
@@ -8607,9 +8607,9 @@
               <a:solidFill>
                 <a:schemeClr val="accent6"/>
               </a:solidFill>
-              <a:latin typeface="Menlo" panose="020B0609030804020204" pitchFamily="49" charset="0"/>
+              <a:latin typeface="Consolas" panose="020B0609020204030204" pitchFamily="49" charset="0"/>
               <a:ea typeface="Menlo" panose="020B0609030804020204" pitchFamily="49" charset="0"/>
-              <a:cs typeface="Menlo" panose="020B0609030804020204" pitchFamily="49" charset="0"/>
+              <a:cs typeface="Consolas" panose="020B0609020204030204" pitchFamily="49" charset="0"/>
             </a:endParaRPr>
           </a:p>
           <a:p>
@@ -8621,9 +8621,9 @@
                 <a:solidFill>
                   <a:schemeClr val="accent6"/>
                 </a:solidFill>
-                <a:latin typeface="Menlo" panose="020B0609030804020204" pitchFamily="49" charset="0"/>
-                <a:ea typeface="Menlo" panose="020B0609030804020204" pitchFamily="49" charset="0"/>
-                <a:cs typeface="Menlo" panose="020B0609030804020204" pitchFamily="49" charset="0"/>
+                <a:latin typeface="Consolas" panose="020B0609020204030204" pitchFamily="49" charset="0"/>
+                <a:ea typeface="Menlo" panose="020B0609030804020204" pitchFamily="49" charset="0"/>
+                <a:cs typeface="Consolas" panose="020B0609020204030204" pitchFamily="49" charset="0"/>
               </a:rPr>
               <a:t>        def fly(self, </a:t>
             </a:r>
@@ -8632,9 +8632,9 @@
                 <a:solidFill>
                   <a:schemeClr val="accent6"/>
                 </a:solidFill>
-                <a:latin typeface="Menlo" panose="020B0609030804020204" pitchFamily="49" charset="0"/>
-                <a:ea typeface="Menlo" panose="020B0609030804020204" pitchFamily="49" charset="0"/>
-                <a:cs typeface="Menlo" panose="020B0609030804020204" pitchFamily="49" charset="0"/>
+                <a:latin typeface="Consolas" panose="020B0609020204030204" pitchFamily="49" charset="0"/>
+                <a:ea typeface="Menlo" panose="020B0609030804020204" pitchFamily="49" charset="0"/>
+                <a:cs typeface="Consolas" panose="020B0609020204030204" pitchFamily="49" charset="0"/>
               </a:rPr>
               <a:t>vel</a:t>
             </a:r>
@@ -8643,9 +8643,9 @@
                 <a:solidFill>
                   <a:schemeClr val="accent6"/>
                 </a:solidFill>
-                <a:latin typeface="Menlo" panose="020B0609030804020204" pitchFamily="49" charset="0"/>
-                <a:ea typeface="Menlo" panose="020B0609030804020204" pitchFamily="49" charset="0"/>
-                <a:cs typeface="Menlo" panose="020B0609030804020204" pitchFamily="49" charset="0"/>
+                <a:latin typeface="Consolas" panose="020B0609020204030204" pitchFamily="49" charset="0"/>
+                <a:ea typeface="Menlo" panose="020B0609030804020204" pitchFamily="49" charset="0"/>
+                <a:cs typeface="Consolas" panose="020B0609020204030204" pitchFamily="49" charset="0"/>
               </a:rPr>
               <a:t>):</a:t>
             </a:r>
@@ -8659,9 +8659,9 @@
                 <a:solidFill>
                   <a:schemeClr val="accent6"/>
                 </a:solidFill>
-                <a:latin typeface="Menlo" panose="020B0609030804020204" pitchFamily="49" charset="0"/>
-                <a:ea typeface="Menlo" panose="020B0609030804020204" pitchFamily="49" charset="0"/>
-                <a:cs typeface="Menlo" panose="020B0609030804020204" pitchFamily="49" charset="0"/>
+                <a:latin typeface="Consolas" panose="020B0609020204030204" pitchFamily="49" charset="0"/>
+                <a:ea typeface="Menlo" panose="020B0609030804020204" pitchFamily="49" charset="0"/>
+                <a:cs typeface="Consolas" panose="020B0609020204030204" pitchFamily="49" charset="0"/>
               </a:rPr>
               <a:t>            </a:t>
             </a:r>
@@ -8670,9 +8670,9 @@
                 <a:solidFill>
                   <a:schemeClr val="accent6"/>
                 </a:solidFill>
-                <a:latin typeface="Menlo" panose="020B0609030804020204" pitchFamily="49" charset="0"/>
-                <a:ea typeface="Menlo" panose="020B0609030804020204" pitchFamily="49" charset="0"/>
-                <a:cs typeface="Menlo" panose="020B0609030804020204" pitchFamily="49" charset="0"/>
+                <a:latin typeface="Consolas" panose="020B0609020204030204" pitchFamily="49" charset="0"/>
+                <a:ea typeface="Menlo" panose="020B0609030804020204" pitchFamily="49" charset="0"/>
+                <a:cs typeface="Consolas" panose="020B0609020204030204" pitchFamily="49" charset="0"/>
               </a:rPr>
               <a:t>vel</a:t>
             </a:r>
@@ -8681,9 +8681,9 @@
                 <a:solidFill>
                   <a:schemeClr val="accent6"/>
                 </a:solidFill>
-                <a:latin typeface="Menlo" panose="020B0609030804020204" pitchFamily="49" charset="0"/>
-                <a:ea typeface="Menlo" panose="020B0609030804020204" pitchFamily="49" charset="0"/>
-                <a:cs typeface="Menlo" panose="020B0609030804020204" pitchFamily="49" charset="0"/>
+                <a:latin typeface="Consolas" panose="020B0609020204030204" pitchFamily="49" charset="0"/>
+                <a:ea typeface="Menlo" panose="020B0609030804020204" pitchFamily="49" charset="0"/>
+                <a:cs typeface="Consolas" panose="020B0609020204030204" pitchFamily="49" charset="0"/>
               </a:rPr>
               <a:t> = regulate(</a:t>
             </a:r>
@@ -8692,9 +8692,9 @@
                 <a:solidFill>
                   <a:schemeClr val="accent6"/>
                 </a:solidFill>
-                <a:latin typeface="Menlo" panose="020B0609030804020204" pitchFamily="49" charset="0"/>
-                <a:ea typeface="Menlo" panose="020B0609030804020204" pitchFamily="49" charset="0"/>
-                <a:cs typeface="Menlo" panose="020B0609030804020204" pitchFamily="49" charset="0"/>
+                <a:latin typeface="Consolas" panose="020B0609020204030204" pitchFamily="49" charset="0"/>
+                <a:ea typeface="Menlo" panose="020B0609030804020204" pitchFamily="49" charset="0"/>
+                <a:cs typeface="Consolas" panose="020B0609020204030204" pitchFamily="49" charset="0"/>
               </a:rPr>
               <a:t>vel</a:t>
             </a:r>
@@ -8703,9 +8703,9 @@
                 <a:solidFill>
                   <a:schemeClr val="accent6"/>
                 </a:solidFill>
-                <a:latin typeface="Menlo" panose="020B0609030804020204" pitchFamily="49" charset="0"/>
-                <a:ea typeface="Menlo" panose="020B0609030804020204" pitchFamily="49" charset="0"/>
-                <a:cs typeface="Menlo" panose="020B0609030804020204" pitchFamily="49" charset="0"/>
+                <a:latin typeface="Consolas" panose="020B0609020204030204" pitchFamily="49" charset="0"/>
+                <a:ea typeface="Menlo" panose="020B0609030804020204" pitchFamily="49" charset="0"/>
+                <a:cs typeface="Consolas" panose="020B0609020204030204" pitchFamily="49" charset="0"/>
               </a:rPr>
               <a:t>, limit)</a:t>
             </a:r>
@@ -8719,9 +8719,9 @@
                 <a:solidFill>
                   <a:schemeClr val="accent6"/>
                 </a:solidFill>
-                <a:latin typeface="Menlo" panose="020B0609030804020204" pitchFamily="49" charset="0"/>
-                <a:ea typeface="Menlo" panose="020B0609030804020204" pitchFamily="49" charset="0"/>
-                <a:cs typeface="Menlo" panose="020B0609030804020204" pitchFamily="49" charset="0"/>
+                <a:latin typeface="Consolas" panose="020B0609020204030204" pitchFamily="49" charset="0"/>
+                <a:ea typeface="Menlo" panose="020B0609030804020204" pitchFamily="49" charset="0"/>
+                <a:cs typeface="Consolas" panose="020B0609020204030204" pitchFamily="49" charset="0"/>
               </a:rPr>
               <a:t>            </a:t>
             </a:r>
@@ -8730,9 +8730,9 @@
                 <a:solidFill>
                   <a:schemeClr val="accent6"/>
                 </a:solidFill>
-                <a:latin typeface="Menlo" panose="020B0609030804020204" pitchFamily="49" charset="0"/>
-                <a:ea typeface="Menlo" panose="020B0609030804020204" pitchFamily="49" charset="0"/>
-                <a:cs typeface="Menlo" panose="020B0609030804020204" pitchFamily="49" charset="0"/>
+                <a:latin typeface="Consolas" panose="020B0609020204030204" pitchFamily="49" charset="0"/>
+                <a:ea typeface="Menlo" panose="020B0609030804020204" pitchFamily="49" charset="0"/>
+                <a:cs typeface="Consolas" panose="020B0609020204030204" pitchFamily="49" charset="0"/>
               </a:rPr>
               <a:t>self.pos</a:t>
             </a:r>
@@ -8741,9 +8741,9 @@
                 <a:solidFill>
                   <a:schemeClr val="accent6"/>
                 </a:solidFill>
-                <a:latin typeface="Menlo" panose="020B0609030804020204" pitchFamily="49" charset="0"/>
-                <a:ea typeface="Menlo" panose="020B0609030804020204" pitchFamily="49" charset="0"/>
-                <a:cs typeface="Menlo" panose="020B0609030804020204" pitchFamily="49" charset="0"/>
+                <a:latin typeface="Consolas" panose="020B0609020204030204" pitchFamily="49" charset="0"/>
+                <a:ea typeface="Menlo" panose="020B0609030804020204" pitchFamily="49" charset="0"/>
+                <a:cs typeface="Consolas" panose="020B0609020204030204" pitchFamily="49" charset="0"/>
               </a:rPr>
               <a:t> += </a:t>
             </a:r>
@@ -8752,9 +8752,9 @@
                 <a:solidFill>
                   <a:schemeClr val="accent6"/>
                 </a:solidFill>
-                <a:latin typeface="Menlo" panose="020B0609030804020204" pitchFamily="49" charset="0"/>
-                <a:ea typeface="Menlo" panose="020B0609030804020204" pitchFamily="49" charset="0"/>
-                <a:cs typeface="Menlo" panose="020B0609030804020204" pitchFamily="49" charset="0"/>
+                <a:latin typeface="Consolas" panose="020B0609020204030204" pitchFamily="49" charset="0"/>
+                <a:ea typeface="Menlo" panose="020B0609030804020204" pitchFamily="49" charset="0"/>
+                <a:cs typeface="Consolas" panose="020B0609020204030204" pitchFamily="49" charset="0"/>
               </a:rPr>
               <a:t>vel</a:t>
             </a:r>
@@ -8762,9 +8762,9 @@
               <a:solidFill>
                 <a:schemeClr val="accent6"/>
               </a:solidFill>
-              <a:latin typeface="Menlo" panose="020B0609030804020204" pitchFamily="49" charset="0"/>
+              <a:latin typeface="Consolas" panose="020B0609020204030204" pitchFamily="49" charset="0"/>
               <a:ea typeface="Menlo" panose="020B0609030804020204" pitchFamily="49" charset="0"/>
-              <a:cs typeface="Menlo" panose="020B0609030804020204" pitchFamily="49" charset="0"/>
+              <a:cs typeface="Consolas" panose="020B0609020204030204" pitchFamily="49" charset="0"/>
             </a:endParaRPr>
           </a:p>
           <a:p>
@@ -8776,9 +8776,9 @@
                 <a:solidFill>
                   <a:schemeClr val="accent6"/>
                 </a:solidFill>
-                <a:latin typeface="Menlo" panose="020B0609030804020204" pitchFamily="49" charset="0"/>
-                <a:ea typeface="Menlo" panose="020B0609030804020204" pitchFamily="49" charset="0"/>
-                <a:cs typeface="Menlo" panose="020B0609030804020204" pitchFamily="49" charset="0"/>
+                <a:latin typeface="Consolas" panose="020B0609020204030204" pitchFamily="49" charset="0"/>
+                <a:ea typeface="Menlo" panose="020B0609030804020204" pitchFamily="49" charset="0"/>
+                <a:cs typeface="Consolas" panose="020B0609020204030204" pitchFamily="49" charset="0"/>
               </a:rPr>
               <a:t>    return ball</a:t>
             </a:r>
@@ -8792,9 +8792,9 @@
                 <a:solidFill>
                   <a:schemeClr val="accent6"/>
                 </a:solidFill>
-                <a:latin typeface="Menlo" panose="020B0609030804020204" pitchFamily="49" charset="0"/>
-                <a:ea typeface="Menlo" panose="020B0609030804020204" pitchFamily="49" charset="0"/>
-                <a:cs typeface="Menlo" panose="020B0609030804020204" pitchFamily="49" charset="0"/>
+                <a:latin typeface="Consolas" panose="020B0609020204030204" pitchFamily="49" charset="0"/>
+                <a:ea typeface="Menlo" panose="020B0609030804020204" pitchFamily="49" charset="0"/>
+                <a:cs typeface="Consolas" panose="020B0609020204030204" pitchFamily="49" charset="0"/>
               </a:rPr>
               <a:t>fast_ball</a:t>
             </a:r>
@@ -8803,9 +8803,9 @@
                 <a:solidFill>
                   <a:schemeClr val="accent6"/>
                 </a:solidFill>
-                <a:latin typeface="Menlo" panose="020B0609030804020204" pitchFamily="49" charset="0"/>
-                <a:ea typeface="Menlo" panose="020B0609030804020204" pitchFamily="49" charset="0"/>
-                <a:cs typeface="Menlo" panose="020B0609030804020204" pitchFamily="49" charset="0"/>
+                <a:latin typeface="Consolas" panose="020B0609020204030204" pitchFamily="49" charset="0"/>
+                <a:ea typeface="Menlo" panose="020B0609030804020204" pitchFamily="49" charset="0"/>
+                <a:cs typeface="Consolas" panose="020B0609020204030204" pitchFamily="49" charset="0"/>
               </a:rPr>
               <a:t> = </a:t>
             </a:r>
@@ -8814,9 +8814,9 @@
                 <a:solidFill>
                   <a:schemeClr val="accent6"/>
                 </a:solidFill>
-                <a:latin typeface="Menlo" panose="020B0609030804020204" pitchFamily="49" charset="0"/>
-                <a:ea typeface="Menlo" panose="020B0609030804020204" pitchFamily="49" charset="0"/>
-                <a:cs typeface="Menlo" panose="020B0609030804020204" pitchFamily="49" charset="0"/>
+                <a:latin typeface="Consolas" panose="020B0609020204030204" pitchFamily="49" charset="0"/>
+                <a:ea typeface="Menlo" panose="020B0609030804020204" pitchFamily="49" charset="0"/>
+                <a:cs typeface="Consolas" panose="020B0609020204030204" pitchFamily="49" charset="0"/>
               </a:rPr>
               <a:t>limited_ball</a:t>
             </a:r>
@@ -8825,9 +8825,9 @@
                 <a:solidFill>
                   <a:schemeClr val="accent6"/>
                 </a:solidFill>
-                <a:latin typeface="Menlo" panose="020B0609030804020204" pitchFamily="49" charset="0"/>
-                <a:ea typeface="Menlo" panose="020B0609030804020204" pitchFamily="49" charset="0"/>
-                <a:cs typeface="Menlo" panose="020B0609030804020204" pitchFamily="49" charset="0"/>
+                <a:latin typeface="Consolas" panose="020B0609020204030204" pitchFamily="49" charset="0"/>
+                <a:ea typeface="Menlo" panose="020B0609030804020204" pitchFamily="49" charset="0"/>
+                <a:cs typeface="Consolas" panose="020B0609020204030204" pitchFamily="49" charset="0"/>
               </a:rPr>
               <a:t>(10)</a:t>
             </a:r>
@@ -8841,9 +8841,9 @@
                 <a:solidFill>
                   <a:schemeClr val="accent6"/>
                 </a:solidFill>
-                <a:latin typeface="Menlo" panose="020B0609030804020204" pitchFamily="49" charset="0"/>
-                <a:ea typeface="Menlo" panose="020B0609030804020204" pitchFamily="49" charset="0"/>
-                <a:cs typeface="Menlo" panose="020B0609030804020204" pitchFamily="49" charset="0"/>
+                <a:latin typeface="Consolas" panose="020B0609020204030204" pitchFamily="49" charset="0"/>
+                <a:ea typeface="Menlo" panose="020B0609030804020204" pitchFamily="49" charset="0"/>
+                <a:cs typeface="Consolas" panose="020B0609020204030204" pitchFamily="49" charset="0"/>
               </a:rPr>
               <a:t>slow_ball</a:t>
             </a:r>
@@ -8852,9 +8852,9 @@
                 <a:solidFill>
                   <a:schemeClr val="accent6"/>
                 </a:solidFill>
-                <a:latin typeface="Menlo" panose="020B0609030804020204" pitchFamily="49" charset="0"/>
-                <a:ea typeface="Menlo" panose="020B0609030804020204" pitchFamily="49" charset="0"/>
-                <a:cs typeface="Menlo" panose="020B0609030804020204" pitchFamily="49" charset="0"/>
+                <a:latin typeface="Consolas" panose="020B0609020204030204" pitchFamily="49" charset="0"/>
+                <a:ea typeface="Menlo" panose="020B0609030804020204" pitchFamily="49" charset="0"/>
+                <a:cs typeface="Consolas" panose="020B0609020204030204" pitchFamily="49" charset="0"/>
               </a:rPr>
               <a:t> = </a:t>
             </a:r>
@@ -8863,9 +8863,9 @@
                 <a:solidFill>
                   <a:schemeClr val="accent6"/>
                 </a:solidFill>
-                <a:latin typeface="Menlo" panose="020B0609030804020204" pitchFamily="49" charset="0"/>
-                <a:ea typeface="Menlo" panose="020B0609030804020204" pitchFamily="49" charset="0"/>
-                <a:cs typeface="Menlo" panose="020B0609030804020204" pitchFamily="49" charset="0"/>
+                <a:latin typeface="Consolas" panose="020B0609020204030204" pitchFamily="49" charset="0"/>
+                <a:ea typeface="Menlo" panose="020B0609030804020204" pitchFamily="49" charset="0"/>
+                <a:cs typeface="Consolas" panose="020B0609020204030204" pitchFamily="49" charset="0"/>
               </a:rPr>
               <a:t>limited_ball</a:t>
             </a:r>
@@ -8874,9 +8874,9 @@
                 <a:solidFill>
                   <a:schemeClr val="accent6"/>
                 </a:solidFill>
-                <a:latin typeface="Menlo" panose="020B0609030804020204" pitchFamily="49" charset="0"/>
-                <a:ea typeface="Menlo" panose="020B0609030804020204" pitchFamily="49" charset="0"/>
-                <a:cs typeface="Menlo" panose="020B0609030804020204" pitchFamily="49" charset="0"/>
+                <a:latin typeface="Consolas" panose="020B0609020204030204" pitchFamily="49" charset="0"/>
+                <a:ea typeface="Menlo" panose="020B0609030804020204" pitchFamily="49" charset="0"/>
+                <a:cs typeface="Consolas" panose="020B0609020204030204" pitchFamily="49" charset="0"/>
               </a:rPr>
               <a:t>(1)</a:t>
             </a:r>
@@ -8890,9 +8890,9 @@
                 <a:solidFill>
                   <a:schemeClr val="accent6"/>
                 </a:solidFill>
-                <a:latin typeface="Menlo" panose="020B0609030804020204" pitchFamily="49" charset="0"/>
-                <a:ea typeface="Menlo" panose="020B0609030804020204" pitchFamily="49" charset="0"/>
-                <a:cs typeface="Menlo" panose="020B0609030804020204" pitchFamily="49" charset="0"/>
+                <a:latin typeface="Consolas" panose="020B0609020204030204" pitchFamily="49" charset="0"/>
+                <a:ea typeface="Menlo" panose="020B0609030804020204" pitchFamily="49" charset="0"/>
+                <a:cs typeface="Consolas" panose="020B0609020204030204" pitchFamily="49" charset="0"/>
               </a:rPr>
               <a:t>b1 = </a:t>
             </a:r>
@@ -8901,9 +8901,9 @@
                 <a:solidFill>
                   <a:schemeClr val="accent6"/>
                 </a:solidFill>
-                <a:latin typeface="Menlo" panose="020B0609030804020204" pitchFamily="49" charset="0"/>
-                <a:ea typeface="Menlo" panose="020B0609030804020204" pitchFamily="49" charset="0"/>
-                <a:cs typeface="Menlo" panose="020B0609030804020204" pitchFamily="49" charset="0"/>
+                <a:latin typeface="Consolas" panose="020B0609020204030204" pitchFamily="49" charset="0"/>
+                <a:ea typeface="Menlo" panose="020B0609030804020204" pitchFamily="49" charset="0"/>
+                <a:cs typeface="Consolas" panose="020B0609020204030204" pitchFamily="49" charset="0"/>
               </a:rPr>
               <a:t>fast_ball</a:t>
             </a:r>
@@ -8912,9 +8912,9 @@
                 <a:solidFill>
                   <a:schemeClr val="accent6"/>
                 </a:solidFill>
-                <a:latin typeface="Menlo" panose="020B0609030804020204" pitchFamily="49" charset="0"/>
-                <a:ea typeface="Menlo" panose="020B0609030804020204" pitchFamily="49" charset="0"/>
-                <a:cs typeface="Menlo" panose="020B0609030804020204" pitchFamily="49" charset="0"/>
+                <a:latin typeface="Consolas" panose="020B0609020204030204" pitchFamily="49" charset="0"/>
+                <a:ea typeface="Menlo" panose="020B0609030804020204" pitchFamily="49" charset="0"/>
+                <a:cs typeface="Consolas" panose="020B0609020204030204" pitchFamily="49" charset="0"/>
               </a:rPr>
               <a:t>(Point(0, 0))</a:t>
             </a:r>
@@ -8928,9 +8928,9 @@
                 <a:solidFill>
                   <a:schemeClr val="accent6"/>
                 </a:solidFill>
-                <a:latin typeface="Menlo" panose="020B0609030804020204" pitchFamily="49" charset="0"/>
-                <a:ea typeface="Menlo" panose="020B0609030804020204" pitchFamily="49" charset="0"/>
-                <a:cs typeface="Menlo" panose="020B0609030804020204" pitchFamily="49" charset="0"/>
+                <a:latin typeface="Consolas" panose="020B0609020204030204" pitchFamily="49" charset="0"/>
+                <a:ea typeface="Menlo" panose="020B0609030804020204" pitchFamily="49" charset="0"/>
+                <a:cs typeface="Consolas" panose="020B0609020204030204" pitchFamily="49" charset="0"/>
               </a:rPr>
               <a:t>b1.fly(100) # will fly 10</a:t>
             </a:r>
@@ -8944,9 +8944,9 @@
                 <a:solidFill>
                   <a:schemeClr val="accent6"/>
                 </a:solidFill>
-                <a:latin typeface="Menlo" panose="020B0609030804020204" pitchFamily="49" charset="0"/>
-                <a:ea typeface="Menlo" panose="020B0609030804020204" pitchFamily="49" charset="0"/>
-                <a:cs typeface="Menlo" panose="020B0609030804020204" pitchFamily="49" charset="0"/>
+                <a:latin typeface="Consolas" panose="020B0609020204030204" pitchFamily="49" charset="0"/>
+                <a:ea typeface="Menlo" panose="020B0609030804020204" pitchFamily="49" charset="0"/>
+                <a:cs typeface="Consolas" panose="020B0609020204030204" pitchFamily="49" charset="0"/>
               </a:rPr>
               <a:t>b2 = </a:t>
             </a:r>
@@ -8955,9 +8955,9 @@
                 <a:solidFill>
                   <a:schemeClr val="accent6"/>
                 </a:solidFill>
-                <a:latin typeface="Menlo" panose="020B0609030804020204" pitchFamily="49" charset="0"/>
-                <a:ea typeface="Menlo" panose="020B0609030804020204" pitchFamily="49" charset="0"/>
-                <a:cs typeface="Menlo" panose="020B0609030804020204" pitchFamily="49" charset="0"/>
+                <a:latin typeface="Consolas" panose="020B0609020204030204" pitchFamily="49" charset="0"/>
+                <a:ea typeface="Menlo" panose="020B0609030804020204" pitchFamily="49" charset="0"/>
+                <a:cs typeface="Consolas" panose="020B0609020204030204" pitchFamily="49" charset="0"/>
               </a:rPr>
               <a:t>slow_ball</a:t>
             </a:r>
@@ -8966,9 +8966,9 @@
                 <a:solidFill>
                   <a:schemeClr val="accent6"/>
                 </a:solidFill>
-                <a:latin typeface="Menlo" panose="020B0609030804020204" pitchFamily="49" charset="0"/>
-                <a:ea typeface="Menlo" panose="020B0609030804020204" pitchFamily="49" charset="0"/>
-                <a:cs typeface="Menlo" panose="020B0609030804020204" pitchFamily="49" charset="0"/>
+                <a:latin typeface="Consolas" panose="020B0609020204030204" pitchFamily="49" charset="0"/>
+                <a:ea typeface="Menlo" panose="020B0609030804020204" pitchFamily="49" charset="0"/>
+                <a:cs typeface="Consolas" panose="020B0609020204030204" pitchFamily="49" charset="0"/>
               </a:rPr>
               <a:t>(Point(0, 0))</a:t>
             </a:r>
@@ -8982,9 +8982,9 @@
                 <a:solidFill>
                   <a:schemeClr val="accent6"/>
                 </a:solidFill>
-                <a:latin typeface="Menlo" panose="020B0609030804020204" pitchFamily="49" charset="0"/>
-                <a:ea typeface="Menlo" panose="020B0609030804020204" pitchFamily="49" charset="0"/>
-                <a:cs typeface="Menlo" panose="020B0609030804020204" pitchFamily="49" charset="0"/>
+                <a:latin typeface="Consolas" panose="020B0609020204030204" pitchFamily="49" charset="0"/>
+                <a:ea typeface="Menlo" panose="020B0609030804020204" pitchFamily="49" charset="0"/>
+                <a:cs typeface="Consolas" panose="020B0609020204030204" pitchFamily="49" charset="0"/>
               </a:rPr>
               <a:t>b2.fly(100) # will fly 1</a:t>
             </a:r>
@@ -9008,13 +9008,13 @@
         </p:nvCxnSpPr>
         <p:spPr>
           <a:xfrm rot="10800000">
-            <a:off x="8812618" y="1259958"/>
-            <a:ext cx="1954121" cy="1637789"/>
+            <a:off x="9009574" y="1259958"/>
+            <a:ext cx="1757170" cy="1637797"/>
           </a:xfrm>
           <a:prstGeom prst="curvedConnector4">
             <a:avLst>
-              <a:gd name="adj1" fmla="val -123"/>
-              <a:gd name="adj2" fmla="val 124967"/>
+              <a:gd name="adj1" fmla="val 3141"/>
+              <a:gd name="adj2" fmla="val 129245"/>
             </a:avLst>
           </a:prstGeom>
           <a:ln w="60325">
@@ -9057,8 +9057,8 @@
             <a:avLst>
               <a:gd name="adj1" fmla="val 53821"/>
               <a:gd name="adj2" fmla="val 2778"/>
-              <a:gd name="adj3" fmla="val 171495"/>
-              <a:gd name="adj4" fmla="val -36313"/>
+              <a:gd name="adj3" fmla="val 155748"/>
+              <a:gd name="adj4" fmla="val -33752"/>
             </a:avLst>
           </a:prstGeom>
           <a:noFill/>
@@ -11341,9 +11341,9 @@
             </a:pPr>
             <a:r>
               <a:rPr lang="en-US" dirty="0">
-                <a:latin typeface="Menlo" panose="020B0609030804020204" pitchFamily="49" charset="0"/>
-                <a:ea typeface="Menlo" panose="020B0609030804020204" pitchFamily="49" charset="0"/>
-                <a:cs typeface="Menlo" panose="020B0609030804020204" pitchFamily="49" charset="0"/>
+                <a:latin typeface="Consolas" panose="020B0609020204030204" pitchFamily="49" charset="0"/>
+                <a:ea typeface="Menlo" panose="020B0609030804020204" pitchFamily="49" charset="0"/>
+                <a:cs typeface="Consolas" panose="020B0609020204030204" pitchFamily="49" charset="0"/>
               </a:rPr>
               <a:t>&gt;&gt;&gt; </a:t>
             </a:r>
@@ -11352,9 +11352,9 @@
                 <a:solidFill>
                   <a:schemeClr val="accent6"/>
                 </a:solidFill>
-                <a:latin typeface="Menlo" panose="020B0609030804020204" pitchFamily="49" charset="0"/>
-                <a:ea typeface="Menlo" panose="020B0609030804020204" pitchFamily="49" charset="0"/>
-                <a:cs typeface="Menlo" panose="020B0609030804020204" pitchFamily="49" charset="0"/>
+                <a:latin typeface="Consolas" panose="020B0609020204030204" pitchFamily="49" charset="0"/>
+                <a:ea typeface="Menlo" panose="020B0609030804020204" pitchFamily="49" charset="0"/>
+                <a:cs typeface="Consolas" panose="020B0609020204030204" pitchFamily="49" charset="0"/>
               </a:rPr>
               <a:t>def </a:t>
             </a:r>
@@ -11363,9 +11363,9 @@
                 <a:solidFill>
                   <a:schemeClr val="accent6"/>
                 </a:solidFill>
-                <a:latin typeface="Menlo" panose="020B0609030804020204" pitchFamily="49" charset="0"/>
-                <a:ea typeface="Menlo" panose="020B0609030804020204" pitchFamily="49" charset="0"/>
-                <a:cs typeface="Menlo" panose="020B0609030804020204" pitchFamily="49" charset="0"/>
+                <a:latin typeface="Consolas" panose="020B0609020204030204" pitchFamily="49" charset="0"/>
+                <a:ea typeface="Menlo" panose="020B0609030804020204" pitchFamily="49" charset="0"/>
+                <a:cs typeface="Consolas" panose="020B0609020204030204" pitchFamily="49" charset="0"/>
               </a:rPr>
               <a:t>inc_generator</a:t>
             </a:r>
@@ -11374,9 +11374,9 @@
                 <a:solidFill>
                   <a:schemeClr val="accent6"/>
                 </a:solidFill>
-                <a:latin typeface="Menlo" panose="020B0609030804020204" pitchFamily="49" charset="0"/>
-                <a:ea typeface="Menlo" panose="020B0609030804020204" pitchFamily="49" charset="0"/>
-                <a:cs typeface="Menlo" panose="020B0609030804020204" pitchFamily="49" charset="0"/>
+                <a:latin typeface="Consolas" panose="020B0609020204030204" pitchFamily="49" charset="0"/>
+                <a:ea typeface="Menlo" panose="020B0609030804020204" pitchFamily="49" charset="0"/>
+                <a:cs typeface="Consolas" panose="020B0609020204030204" pitchFamily="49" charset="0"/>
               </a:rPr>
               <a:t>(start=0):</a:t>
             </a:r>
@@ -11387,9 +11387,9 @@
             </a:pPr>
             <a:r>
               <a:rPr lang="en-US" dirty="0">
-                <a:latin typeface="Menlo" panose="020B0609030804020204" pitchFamily="49" charset="0"/>
-                <a:ea typeface="Menlo" panose="020B0609030804020204" pitchFamily="49" charset="0"/>
-                <a:cs typeface="Menlo" panose="020B0609030804020204" pitchFamily="49" charset="0"/>
+                <a:latin typeface="Consolas" panose="020B0609020204030204" pitchFamily="49" charset="0"/>
+                <a:ea typeface="Menlo" panose="020B0609030804020204" pitchFamily="49" charset="0"/>
+                <a:cs typeface="Consolas" panose="020B0609020204030204" pitchFamily="49" charset="0"/>
               </a:rPr>
               <a:t>...    </a:t>
             </a:r>
@@ -11398,9 +11398,9 @@
                 <a:solidFill>
                   <a:schemeClr val="accent6"/>
                 </a:solidFill>
-                <a:latin typeface="Menlo" panose="020B0609030804020204" pitchFamily="49" charset="0"/>
-                <a:ea typeface="Menlo" panose="020B0609030804020204" pitchFamily="49" charset="0"/>
-                <a:cs typeface="Menlo" panose="020B0609030804020204" pitchFamily="49" charset="0"/>
+                <a:latin typeface="Consolas" panose="020B0609020204030204" pitchFamily="49" charset="0"/>
+                <a:ea typeface="Menlo" panose="020B0609030804020204" pitchFamily="49" charset="0"/>
+                <a:cs typeface="Consolas" panose="020B0609020204030204" pitchFamily="49" charset="0"/>
               </a:rPr>
               <a:t> def </a:t>
             </a:r>
@@ -11409,9 +11409,9 @@
                 <a:solidFill>
                   <a:schemeClr val="accent6"/>
                 </a:solidFill>
-                <a:latin typeface="Menlo" panose="020B0609030804020204" pitchFamily="49" charset="0"/>
-                <a:ea typeface="Menlo" panose="020B0609030804020204" pitchFamily="49" charset="0"/>
-                <a:cs typeface="Menlo" panose="020B0609030804020204" pitchFamily="49" charset="0"/>
+                <a:latin typeface="Consolas" panose="020B0609020204030204" pitchFamily="49" charset="0"/>
+                <a:ea typeface="Menlo" panose="020B0609030804020204" pitchFamily="49" charset="0"/>
+                <a:cs typeface="Consolas" panose="020B0609020204030204" pitchFamily="49" charset="0"/>
               </a:rPr>
               <a:t>inc</a:t>
             </a:r>
@@ -11420,9 +11420,9 @@
                 <a:solidFill>
                   <a:schemeClr val="accent6"/>
                 </a:solidFill>
-                <a:latin typeface="Menlo" panose="020B0609030804020204" pitchFamily="49" charset="0"/>
-                <a:ea typeface="Menlo" panose="020B0609030804020204" pitchFamily="49" charset="0"/>
-                <a:cs typeface="Menlo" panose="020B0609030804020204" pitchFamily="49" charset="0"/>
+                <a:latin typeface="Consolas" panose="020B0609020204030204" pitchFamily="49" charset="0"/>
+                <a:ea typeface="Menlo" panose="020B0609030804020204" pitchFamily="49" charset="0"/>
+                <a:cs typeface="Consolas" panose="020B0609020204030204" pitchFamily="49" charset="0"/>
               </a:rPr>
               <a:t>(</a:t>
             </a:r>
@@ -11431,9 +11431,9 @@
                 <a:solidFill>
                   <a:schemeClr val="accent6"/>
                 </a:solidFill>
-                <a:latin typeface="Menlo" panose="020B0609030804020204" pitchFamily="49" charset="0"/>
-                <a:ea typeface="Menlo" panose="020B0609030804020204" pitchFamily="49" charset="0"/>
-                <a:cs typeface="Menlo" panose="020B0609030804020204" pitchFamily="49" charset="0"/>
+                <a:latin typeface="Consolas" panose="020B0609020204030204" pitchFamily="49" charset="0"/>
+                <a:ea typeface="Menlo" panose="020B0609030804020204" pitchFamily="49" charset="0"/>
+                <a:cs typeface="Consolas" panose="020B0609020204030204" pitchFamily="49" charset="0"/>
               </a:rPr>
               <a:t>amnt</a:t>
             </a:r>
@@ -11442,9 +11442,9 @@
                 <a:solidFill>
                   <a:schemeClr val="accent6"/>
                 </a:solidFill>
-                <a:latin typeface="Menlo" panose="020B0609030804020204" pitchFamily="49" charset="0"/>
-                <a:ea typeface="Menlo" panose="020B0609030804020204" pitchFamily="49" charset="0"/>
-                <a:cs typeface="Menlo" panose="020B0609030804020204" pitchFamily="49" charset="0"/>
+                <a:latin typeface="Consolas" panose="020B0609020204030204" pitchFamily="49" charset="0"/>
+                <a:ea typeface="Menlo" panose="020B0609030804020204" pitchFamily="49" charset="0"/>
+                <a:cs typeface="Consolas" panose="020B0609020204030204" pitchFamily="49" charset="0"/>
               </a:rPr>
               <a:t>=1):</a:t>
             </a:r>
@@ -11455,9 +11455,9 @@
             </a:pPr>
             <a:r>
               <a:rPr lang="en-US" dirty="0">
-                <a:latin typeface="Menlo" panose="020B0609030804020204" pitchFamily="49" charset="0"/>
-                <a:ea typeface="Menlo" panose="020B0609030804020204" pitchFamily="49" charset="0"/>
-                <a:cs typeface="Menlo" panose="020B0609030804020204" pitchFamily="49" charset="0"/>
+                <a:latin typeface="Consolas" panose="020B0609020204030204" pitchFamily="49" charset="0"/>
+                <a:ea typeface="Menlo" panose="020B0609030804020204" pitchFamily="49" charset="0"/>
+                <a:cs typeface="Consolas" panose="020B0609020204030204" pitchFamily="49" charset="0"/>
               </a:rPr>
               <a:t>...      </a:t>
             </a:r>
@@ -11466,9 +11466,9 @@
                 <a:solidFill>
                   <a:schemeClr val="accent6"/>
                 </a:solidFill>
-                <a:latin typeface="Menlo" panose="020B0609030804020204" pitchFamily="49" charset="0"/>
-                <a:ea typeface="Menlo" panose="020B0609030804020204" pitchFamily="49" charset="0"/>
-                <a:cs typeface="Menlo" panose="020B0609030804020204" pitchFamily="49" charset="0"/>
+                <a:latin typeface="Consolas" panose="020B0609020204030204" pitchFamily="49" charset="0"/>
+                <a:ea typeface="Menlo" panose="020B0609030804020204" pitchFamily="49" charset="0"/>
+                <a:cs typeface="Consolas" panose="020B0609020204030204" pitchFamily="49" charset="0"/>
               </a:rPr>
               <a:t>       </a:t>
             </a:r>
@@ -11477,9 +11477,9 @@
                 <a:solidFill>
                   <a:srgbClr val="EF00FF"/>
                 </a:solidFill>
-                <a:latin typeface="Menlo" panose="020B0609030804020204" pitchFamily="49" charset="0"/>
-                <a:ea typeface="Menlo" panose="020B0609030804020204" pitchFamily="49" charset="0"/>
-                <a:cs typeface="Menlo" panose="020B0609030804020204" pitchFamily="49" charset="0"/>
+                <a:latin typeface="Consolas" panose="020B0609020204030204" pitchFamily="49" charset="0"/>
+                <a:ea typeface="Menlo" panose="020B0609030804020204" pitchFamily="49" charset="0"/>
+                <a:cs typeface="Consolas" panose="020B0609020204030204" pitchFamily="49" charset="0"/>
               </a:rPr>
               <a:t>nonlocal</a:t>
             </a:r>
@@ -11488,9 +11488,9 @@
                 <a:solidFill>
                   <a:schemeClr val="accent6"/>
                 </a:solidFill>
-                <a:latin typeface="Menlo" panose="020B0609030804020204" pitchFamily="49" charset="0"/>
-                <a:ea typeface="Menlo" panose="020B0609030804020204" pitchFamily="49" charset="0"/>
-                <a:cs typeface="Menlo" panose="020B0609030804020204" pitchFamily="49" charset="0"/>
+                <a:latin typeface="Consolas" panose="020B0609020204030204" pitchFamily="49" charset="0"/>
+                <a:ea typeface="Menlo" panose="020B0609030804020204" pitchFamily="49" charset="0"/>
+                <a:cs typeface="Consolas" panose="020B0609020204030204" pitchFamily="49" charset="0"/>
               </a:rPr>
               <a:t> start</a:t>
             </a:r>
@@ -11501,9 +11501,9 @@
             </a:pPr>
             <a:r>
               <a:rPr lang="en-US" dirty="0">
-                <a:latin typeface="Menlo" panose="020B0609030804020204" pitchFamily="49" charset="0"/>
-                <a:ea typeface="Menlo" panose="020B0609030804020204" pitchFamily="49" charset="0"/>
-                <a:cs typeface="Menlo" panose="020B0609030804020204" pitchFamily="49" charset="0"/>
+                <a:latin typeface="Consolas" panose="020B0609020204030204" pitchFamily="49" charset="0"/>
+                <a:ea typeface="Menlo" panose="020B0609030804020204" pitchFamily="49" charset="0"/>
+                <a:cs typeface="Consolas" panose="020B0609020204030204" pitchFamily="49" charset="0"/>
               </a:rPr>
               <a:t>...       </a:t>
             </a:r>
@@ -11512,9 +11512,9 @@
                 <a:solidFill>
                   <a:schemeClr val="accent6"/>
                 </a:solidFill>
-                <a:latin typeface="Menlo" panose="020B0609030804020204" pitchFamily="49" charset="0"/>
-                <a:ea typeface="Menlo" panose="020B0609030804020204" pitchFamily="49" charset="0"/>
-                <a:cs typeface="Menlo" panose="020B0609030804020204" pitchFamily="49" charset="0"/>
+                <a:latin typeface="Consolas" panose="020B0609020204030204" pitchFamily="49" charset="0"/>
+                <a:ea typeface="Menlo" panose="020B0609030804020204" pitchFamily="49" charset="0"/>
+                <a:cs typeface="Consolas" panose="020B0609020204030204" pitchFamily="49" charset="0"/>
               </a:rPr>
               <a:t>      start += </a:t>
             </a:r>
@@ -11523,9 +11523,9 @@
                 <a:solidFill>
                   <a:schemeClr val="accent6"/>
                 </a:solidFill>
-                <a:latin typeface="Menlo" panose="020B0609030804020204" pitchFamily="49" charset="0"/>
-                <a:ea typeface="Menlo" panose="020B0609030804020204" pitchFamily="49" charset="0"/>
-                <a:cs typeface="Menlo" panose="020B0609030804020204" pitchFamily="49" charset="0"/>
+                <a:latin typeface="Consolas" panose="020B0609020204030204" pitchFamily="49" charset="0"/>
+                <a:ea typeface="Menlo" panose="020B0609030804020204" pitchFamily="49" charset="0"/>
+                <a:cs typeface="Consolas" panose="020B0609020204030204" pitchFamily="49" charset="0"/>
               </a:rPr>
               <a:t>amnt</a:t>
             </a:r>
@@ -11533,9 +11533,9 @@
               <a:solidFill>
                 <a:schemeClr val="accent6"/>
               </a:solidFill>
-              <a:latin typeface="Menlo" panose="020B0609030804020204" pitchFamily="49" charset="0"/>
+              <a:latin typeface="Consolas" panose="020B0609020204030204" pitchFamily="49" charset="0"/>
               <a:ea typeface="Menlo" panose="020B0609030804020204" pitchFamily="49" charset="0"/>
-              <a:cs typeface="Menlo" panose="020B0609030804020204" pitchFamily="49" charset="0"/>
+              <a:cs typeface="Consolas" panose="020B0609020204030204" pitchFamily="49" charset="0"/>
             </a:endParaRPr>
           </a:p>
           <a:p>
@@ -11544,9 +11544,9 @@
             </a:pPr>
             <a:r>
               <a:rPr lang="en-US" dirty="0">
-                <a:latin typeface="Menlo" panose="020B0609030804020204" pitchFamily="49" charset="0"/>
-                <a:ea typeface="Menlo" panose="020B0609030804020204" pitchFamily="49" charset="0"/>
-                <a:cs typeface="Menlo" panose="020B0609030804020204" pitchFamily="49" charset="0"/>
+                <a:latin typeface="Consolas" panose="020B0609020204030204" pitchFamily="49" charset="0"/>
+                <a:ea typeface="Menlo" panose="020B0609030804020204" pitchFamily="49" charset="0"/>
+                <a:cs typeface="Consolas" panose="020B0609020204030204" pitchFamily="49" charset="0"/>
               </a:rPr>
               <a:t>...       </a:t>
             </a:r>
@@ -11555,9 +11555,9 @@
                 <a:solidFill>
                   <a:schemeClr val="accent6"/>
                 </a:solidFill>
-                <a:latin typeface="Menlo" panose="020B0609030804020204" pitchFamily="49" charset="0"/>
-                <a:ea typeface="Menlo" panose="020B0609030804020204" pitchFamily="49" charset="0"/>
-                <a:cs typeface="Menlo" panose="020B0609030804020204" pitchFamily="49" charset="0"/>
+                <a:latin typeface="Consolas" panose="020B0609020204030204" pitchFamily="49" charset="0"/>
+                <a:ea typeface="Menlo" panose="020B0609030804020204" pitchFamily="49" charset="0"/>
+                <a:cs typeface="Consolas" panose="020B0609020204030204" pitchFamily="49" charset="0"/>
               </a:rPr>
               <a:t>      return start</a:t>
             </a:r>
@@ -11568,9 +11568,9 @@
             </a:pPr>
             <a:r>
               <a:rPr lang="en-US" dirty="0">
-                <a:latin typeface="Menlo" panose="020B0609030804020204" pitchFamily="49" charset="0"/>
-                <a:ea typeface="Menlo" panose="020B0609030804020204" pitchFamily="49" charset="0"/>
-                <a:cs typeface="Menlo" panose="020B0609030804020204" pitchFamily="49" charset="0"/>
+                <a:latin typeface="Consolas" panose="020B0609020204030204" pitchFamily="49" charset="0"/>
+                <a:ea typeface="Menlo" panose="020B0609030804020204" pitchFamily="49" charset="0"/>
+                <a:cs typeface="Consolas" panose="020B0609020204030204" pitchFamily="49" charset="0"/>
               </a:rPr>
               <a:t>...    </a:t>
             </a:r>
@@ -11579,9 +11579,9 @@
                 <a:solidFill>
                   <a:schemeClr val="accent6"/>
                 </a:solidFill>
-                <a:latin typeface="Menlo" panose="020B0609030804020204" pitchFamily="49" charset="0"/>
-                <a:ea typeface="Menlo" panose="020B0609030804020204" pitchFamily="49" charset="0"/>
-                <a:cs typeface="Menlo" panose="020B0609030804020204" pitchFamily="49" charset="0"/>
+                <a:latin typeface="Consolas" panose="020B0609020204030204" pitchFamily="49" charset="0"/>
+                <a:ea typeface="Menlo" panose="020B0609030804020204" pitchFamily="49" charset="0"/>
+                <a:cs typeface="Consolas" panose="020B0609020204030204" pitchFamily="49" charset="0"/>
               </a:rPr>
               <a:t> return </a:t>
             </a:r>
@@ -11590,9 +11590,9 @@
                 <a:solidFill>
                   <a:schemeClr val="accent6"/>
                 </a:solidFill>
-                <a:latin typeface="Menlo" panose="020B0609030804020204" pitchFamily="49" charset="0"/>
-                <a:ea typeface="Menlo" panose="020B0609030804020204" pitchFamily="49" charset="0"/>
-                <a:cs typeface="Menlo" panose="020B0609030804020204" pitchFamily="49" charset="0"/>
+                <a:latin typeface="Consolas" panose="020B0609020204030204" pitchFamily="49" charset="0"/>
+                <a:ea typeface="Menlo" panose="020B0609030804020204" pitchFamily="49" charset="0"/>
+                <a:cs typeface="Consolas" panose="020B0609020204030204" pitchFamily="49" charset="0"/>
               </a:rPr>
               <a:t>inc</a:t>
             </a:r>
@@ -11600,9 +11600,9 @@
               <a:solidFill>
                 <a:schemeClr val="accent6"/>
               </a:solidFill>
-              <a:latin typeface="Menlo" panose="020B0609030804020204" pitchFamily="49" charset="0"/>
+              <a:latin typeface="Consolas" panose="020B0609020204030204" pitchFamily="49" charset="0"/>
               <a:ea typeface="Menlo" panose="020B0609030804020204" pitchFamily="49" charset="0"/>
-              <a:cs typeface="Menlo" panose="020B0609030804020204" pitchFamily="49" charset="0"/>
+              <a:cs typeface="Consolas" panose="020B0609020204030204" pitchFamily="49" charset="0"/>
             </a:endParaRPr>
           </a:p>
           <a:p>
@@ -11611,9 +11611,9 @@
             </a:pPr>
             <a:r>
               <a:rPr lang="en-US" dirty="0">
-                <a:latin typeface="Menlo" panose="020B0609030804020204" pitchFamily="49" charset="0"/>
-                <a:ea typeface="Menlo" panose="020B0609030804020204" pitchFamily="49" charset="0"/>
-                <a:cs typeface="Menlo" panose="020B0609030804020204" pitchFamily="49" charset="0"/>
+                <a:latin typeface="Consolas" panose="020B0609020204030204" pitchFamily="49" charset="0"/>
+                <a:ea typeface="Menlo" panose="020B0609030804020204" pitchFamily="49" charset="0"/>
+                <a:cs typeface="Consolas" panose="020B0609020204030204" pitchFamily="49" charset="0"/>
               </a:rPr>
               <a:t>... </a:t>
             </a:r>
@@ -11624,9 +11624,9 @@
             </a:pPr>
             <a:r>
               <a:rPr lang="en-US" dirty="0">
-                <a:latin typeface="Menlo" panose="020B0609030804020204" pitchFamily="49" charset="0"/>
-                <a:ea typeface="Menlo" panose="020B0609030804020204" pitchFamily="49" charset="0"/>
-                <a:cs typeface="Menlo" panose="020B0609030804020204" pitchFamily="49" charset="0"/>
+                <a:latin typeface="Consolas" panose="020B0609020204030204" pitchFamily="49" charset="0"/>
+                <a:ea typeface="Menlo" panose="020B0609030804020204" pitchFamily="49" charset="0"/>
+                <a:cs typeface="Consolas" panose="020B0609020204030204" pitchFamily="49" charset="0"/>
               </a:rPr>
               <a:t>&gt;&gt;&gt; </a:t>
             </a:r>
@@ -11635,9 +11635,9 @@
                 <a:solidFill>
                   <a:schemeClr val="accent6"/>
                 </a:solidFill>
-                <a:latin typeface="Menlo" panose="020B0609030804020204" pitchFamily="49" charset="0"/>
-                <a:ea typeface="Menlo" panose="020B0609030804020204" pitchFamily="49" charset="0"/>
-                <a:cs typeface="Menlo" panose="020B0609030804020204" pitchFamily="49" charset="0"/>
+                <a:latin typeface="Consolas" panose="020B0609020204030204" pitchFamily="49" charset="0"/>
+                <a:ea typeface="Menlo" panose="020B0609030804020204" pitchFamily="49" charset="0"/>
+                <a:cs typeface="Consolas" panose="020B0609020204030204" pitchFamily="49" charset="0"/>
               </a:rPr>
               <a:t>inc</a:t>
             </a:r>
@@ -11646,9 +11646,9 @@
                 <a:solidFill>
                   <a:schemeClr val="accent6"/>
                 </a:solidFill>
-                <a:latin typeface="Menlo" panose="020B0609030804020204" pitchFamily="49" charset="0"/>
-                <a:ea typeface="Menlo" panose="020B0609030804020204" pitchFamily="49" charset="0"/>
-                <a:cs typeface="Menlo" panose="020B0609030804020204" pitchFamily="49" charset="0"/>
+                <a:latin typeface="Consolas" panose="020B0609020204030204" pitchFamily="49" charset="0"/>
+                <a:ea typeface="Menlo" panose="020B0609030804020204" pitchFamily="49" charset="0"/>
+                <a:cs typeface="Consolas" panose="020B0609020204030204" pitchFamily="49" charset="0"/>
               </a:rPr>
               <a:t> = </a:t>
             </a:r>
@@ -11657,9 +11657,9 @@
                 <a:solidFill>
                   <a:schemeClr val="accent6"/>
                 </a:solidFill>
-                <a:latin typeface="Menlo" panose="020B0609030804020204" pitchFamily="49" charset="0"/>
-                <a:ea typeface="Menlo" panose="020B0609030804020204" pitchFamily="49" charset="0"/>
-                <a:cs typeface="Menlo" panose="020B0609030804020204" pitchFamily="49" charset="0"/>
+                <a:latin typeface="Consolas" panose="020B0609020204030204" pitchFamily="49" charset="0"/>
+                <a:ea typeface="Menlo" panose="020B0609030804020204" pitchFamily="49" charset="0"/>
+                <a:cs typeface="Consolas" panose="020B0609020204030204" pitchFamily="49" charset="0"/>
               </a:rPr>
               <a:t>inc_generator</a:t>
             </a:r>
@@ -11668,9 +11668,9 @@
                 <a:solidFill>
                   <a:schemeClr val="accent6"/>
                 </a:solidFill>
-                <a:latin typeface="Menlo" panose="020B0609030804020204" pitchFamily="49" charset="0"/>
-                <a:ea typeface="Menlo" panose="020B0609030804020204" pitchFamily="49" charset="0"/>
-                <a:cs typeface="Menlo" panose="020B0609030804020204" pitchFamily="49" charset="0"/>
+                <a:latin typeface="Consolas" panose="020B0609020204030204" pitchFamily="49" charset="0"/>
+                <a:ea typeface="Menlo" panose="020B0609030804020204" pitchFamily="49" charset="0"/>
+                <a:cs typeface="Consolas" panose="020B0609020204030204" pitchFamily="49" charset="0"/>
               </a:rPr>
               <a:t>()</a:t>
             </a:r>
@@ -11681,9 +11681,9 @@
             </a:pPr>
             <a:r>
               <a:rPr lang="en-US" dirty="0">
-                <a:latin typeface="Menlo" panose="020B0609030804020204" pitchFamily="49" charset="0"/>
-                <a:ea typeface="Menlo" panose="020B0609030804020204" pitchFamily="49" charset="0"/>
-                <a:cs typeface="Menlo" panose="020B0609030804020204" pitchFamily="49" charset="0"/>
+                <a:latin typeface="Consolas" panose="020B0609020204030204" pitchFamily="49" charset="0"/>
+                <a:ea typeface="Menlo" panose="020B0609030804020204" pitchFamily="49" charset="0"/>
+                <a:cs typeface="Consolas" panose="020B0609020204030204" pitchFamily="49" charset="0"/>
               </a:rPr>
               <a:t>&gt;&gt;&gt; </a:t>
             </a:r>
@@ -11692,9 +11692,9 @@
                 <a:solidFill>
                   <a:schemeClr val="accent6"/>
                 </a:solidFill>
-                <a:latin typeface="Menlo" panose="020B0609030804020204" pitchFamily="49" charset="0"/>
-                <a:ea typeface="Menlo" panose="020B0609030804020204" pitchFamily="49" charset="0"/>
-                <a:cs typeface="Menlo" panose="020B0609030804020204" pitchFamily="49" charset="0"/>
+                <a:latin typeface="Consolas" panose="020B0609020204030204" pitchFamily="49" charset="0"/>
+                <a:ea typeface="Menlo" panose="020B0609030804020204" pitchFamily="49" charset="0"/>
+                <a:cs typeface="Consolas" panose="020B0609020204030204" pitchFamily="49" charset="0"/>
               </a:rPr>
               <a:t>inc</a:t>
             </a:r>
@@ -11703,9 +11703,9 @@
                 <a:solidFill>
                   <a:schemeClr val="accent6"/>
                 </a:solidFill>
-                <a:latin typeface="Menlo" panose="020B0609030804020204" pitchFamily="49" charset="0"/>
-                <a:ea typeface="Menlo" panose="020B0609030804020204" pitchFamily="49" charset="0"/>
-                <a:cs typeface="Menlo" panose="020B0609030804020204" pitchFamily="49" charset="0"/>
+                <a:latin typeface="Consolas" panose="020B0609020204030204" pitchFamily="49" charset="0"/>
+                <a:ea typeface="Menlo" panose="020B0609030804020204" pitchFamily="49" charset="0"/>
+                <a:cs typeface="Consolas" panose="020B0609020204030204" pitchFamily="49" charset="0"/>
               </a:rPr>
               <a:t>()</a:t>
             </a:r>
@@ -11716,9 +11716,9 @@
             </a:pPr>
             <a:r>
               <a:rPr lang="en-US" dirty="0">
-                <a:latin typeface="Menlo" panose="020B0609030804020204" pitchFamily="49" charset="0"/>
-                <a:ea typeface="Menlo" panose="020B0609030804020204" pitchFamily="49" charset="0"/>
-                <a:cs typeface="Menlo" panose="020B0609030804020204" pitchFamily="49" charset="0"/>
+                <a:latin typeface="Consolas" panose="020B0609020204030204" pitchFamily="49" charset="0"/>
+                <a:ea typeface="Menlo" panose="020B0609030804020204" pitchFamily="49" charset="0"/>
+                <a:cs typeface="Consolas" panose="020B0609020204030204" pitchFamily="49" charset="0"/>
               </a:rPr>
               <a:t>1</a:t>
             </a:r>
@@ -11729,9 +11729,9 @@
             </a:pPr>
             <a:r>
               <a:rPr lang="en-US" dirty="0">
-                <a:latin typeface="Menlo" panose="020B0609030804020204" pitchFamily="49" charset="0"/>
-                <a:ea typeface="Menlo" panose="020B0609030804020204" pitchFamily="49" charset="0"/>
-                <a:cs typeface="Menlo" panose="020B0609030804020204" pitchFamily="49" charset="0"/>
+                <a:latin typeface="Consolas" panose="020B0609020204030204" pitchFamily="49" charset="0"/>
+                <a:ea typeface="Menlo" panose="020B0609030804020204" pitchFamily="49" charset="0"/>
+                <a:cs typeface="Consolas" panose="020B0609020204030204" pitchFamily="49" charset="0"/>
               </a:rPr>
               <a:t>&gt;&gt;&gt; </a:t>
             </a:r>
@@ -11740,9 +11740,9 @@
                 <a:solidFill>
                   <a:schemeClr val="accent6"/>
                 </a:solidFill>
-                <a:latin typeface="Menlo" panose="020B0609030804020204" pitchFamily="49" charset="0"/>
-                <a:ea typeface="Menlo" panose="020B0609030804020204" pitchFamily="49" charset="0"/>
-                <a:cs typeface="Menlo" panose="020B0609030804020204" pitchFamily="49" charset="0"/>
+                <a:latin typeface="Consolas" panose="020B0609020204030204" pitchFamily="49" charset="0"/>
+                <a:ea typeface="Menlo" panose="020B0609030804020204" pitchFamily="49" charset="0"/>
+                <a:cs typeface="Consolas" panose="020B0609020204030204" pitchFamily="49" charset="0"/>
               </a:rPr>
               <a:t>inc</a:t>
             </a:r>
@@ -11751,9 +11751,9 @@
                 <a:solidFill>
                   <a:schemeClr val="accent6"/>
                 </a:solidFill>
-                <a:latin typeface="Menlo" panose="020B0609030804020204" pitchFamily="49" charset="0"/>
-                <a:ea typeface="Menlo" panose="020B0609030804020204" pitchFamily="49" charset="0"/>
-                <a:cs typeface="Menlo" panose="020B0609030804020204" pitchFamily="49" charset="0"/>
+                <a:latin typeface="Consolas" panose="020B0609020204030204" pitchFamily="49" charset="0"/>
+                <a:ea typeface="Menlo" panose="020B0609030804020204" pitchFamily="49" charset="0"/>
+                <a:cs typeface="Consolas" panose="020B0609020204030204" pitchFamily="49" charset="0"/>
               </a:rPr>
               <a:t>()</a:t>
             </a:r>
@@ -11764,9 +11764,9 @@
             </a:pPr>
             <a:r>
               <a:rPr lang="en-US" dirty="0">
-                <a:latin typeface="Menlo" panose="020B0609030804020204" pitchFamily="49" charset="0"/>
-                <a:ea typeface="Menlo" panose="020B0609030804020204" pitchFamily="49" charset="0"/>
-                <a:cs typeface="Menlo" panose="020B0609030804020204" pitchFamily="49" charset="0"/>
+                <a:latin typeface="Consolas" panose="020B0609020204030204" pitchFamily="49" charset="0"/>
+                <a:ea typeface="Menlo" panose="020B0609030804020204" pitchFamily="49" charset="0"/>
+                <a:cs typeface="Consolas" panose="020B0609020204030204" pitchFamily="49" charset="0"/>
               </a:rPr>
               <a:t>2</a:t>
             </a:r>
@@ -11777,9 +11777,9 @@
             </a:pPr>
             <a:r>
               <a:rPr lang="en-US" dirty="0">
-                <a:latin typeface="Menlo" panose="020B0609030804020204" pitchFamily="49" charset="0"/>
-                <a:ea typeface="Menlo" panose="020B0609030804020204" pitchFamily="49" charset="0"/>
-                <a:cs typeface="Menlo" panose="020B0609030804020204" pitchFamily="49" charset="0"/>
+                <a:latin typeface="Consolas" panose="020B0609020204030204" pitchFamily="49" charset="0"/>
+                <a:ea typeface="Menlo" panose="020B0609030804020204" pitchFamily="49" charset="0"/>
+                <a:cs typeface="Consolas" panose="020B0609020204030204" pitchFamily="49" charset="0"/>
               </a:rPr>
               <a:t>&gt;&gt;&gt; </a:t>
             </a:r>
@@ -11788,9 +11788,9 @@
                 <a:solidFill>
                   <a:schemeClr val="accent6"/>
                 </a:solidFill>
-                <a:latin typeface="Menlo" panose="020B0609030804020204" pitchFamily="49" charset="0"/>
-                <a:ea typeface="Menlo" panose="020B0609030804020204" pitchFamily="49" charset="0"/>
-                <a:cs typeface="Menlo" panose="020B0609030804020204" pitchFamily="49" charset="0"/>
+                <a:latin typeface="Consolas" panose="020B0609020204030204" pitchFamily="49" charset="0"/>
+                <a:ea typeface="Menlo" panose="020B0609030804020204" pitchFamily="49" charset="0"/>
+                <a:cs typeface="Consolas" panose="020B0609020204030204" pitchFamily="49" charset="0"/>
               </a:rPr>
               <a:t>start</a:t>
             </a:r>
@@ -11804,9 +11804,9 @@
                 <a:solidFill>
                   <a:srgbClr val="FF0000"/>
                 </a:solidFill>
-                <a:latin typeface="Menlo" panose="020B0609030804020204" pitchFamily="49" charset="0"/>
-                <a:ea typeface="Menlo" panose="020B0609030804020204" pitchFamily="49" charset="0"/>
-                <a:cs typeface="Menlo" panose="020B0609030804020204" pitchFamily="49" charset="0"/>
+                <a:latin typeface="Consolas" panose="020B0609020204030204" pitchFamily="49" charset="0"/>
+                <a:ea typeface="Menlo" panose="020B0609030804020204" pitchFamily="49" charset="0"/>
+                <a:cs typeface="Consolas" panose="020B0609020204030204" pitchFamily="49" charset="0"/>
               </a:rPr>
               <a:t>NameError</a:t>
             </a:r>
@@ -11815,9 +11815,9 @@
                 <a:solidFill>
                   <a:srgbClr val="FF0000"/>
                 </a:solidFill>
-                <a:latin typeface="Menlo" panose="020B0609030804020204" pitchFamily="49" charset="0"/>
-                <a:ea typeface="Menlo" panose="020B0609030804020204" pitchFamily="49" charset="0"/>
-                <a:cs typeface="Menlo" panose="020B0609030804020204" pitchFamily="49" charset="0"/>
+                <a:latin typeface="Consolas" panose="020B0609020204030204" pitchFamily="49" charset="0"/>
+                <a:ea typeface="Menlo" panose="020B0609030804020204" pitchFamily="49" charset="0"/>
+                <a:cs typeface="Consolas" panose="020B0609020204030204" pitchFamily="49" charset="0"/>
               </a:rPr>
               <a:t>: name ‘start’ is not defined</a:t>
             </a:r>
@@ -11827,9 +11827,9 @@
               <a:buNone/>
             </a:pPr>
             <a:endParaRPr lang="en-US" dirty="0">
-              <a:latin typeface="Menlo" panose="020B0609030804020204" pitchFamily="49" charset="0"/>
+              <a:latin typeface="Consolas" panose="020B0609020204030204" pitchFamily="49" charset="0"/>
               <a:ea typeface="Menlo" panose="020B0609030804020204" pitchFamily="49" charset="0"/>
-              <a:cs typeface="Menlo" panose="020B0609030804020204" pitchFamily="49" charset="0"/>
+              <a:cs typeface="Consolas" panose="020B0609020204030204" pitchFamily="49" charset="0"/>
             </a:endParaRPr>
           </a:p>
         </p:txBody>
@@ -11941,8 +11941,8 @@
         </p:nvCxnSpPr>
         <p:spPr>
           <a:xfrm rot="5400000" flipH="1" flipV="1">
-            <a:off x="8722680" y="1326999"/>
-            <a:ext cx="857017" cy="564574"/>
+            <a:off x="8351905" y="1189105"/>
+            <a:ext cx="800422" cy="783769"/>
           </a:xfrm>
           <a:prstGeom prst="curvedConnector3">
             <a:avLst>
@@ -13433,9 +13433,9 @@
             </a:pPr>
             <a:r>
               <a:rPr lang="en-US" dirty="0">
-                <a:latin typeface="Menlo" panose="020B0609030804020204" pitchFamily="49" charset="0"/>
-                <a:ea typeface="Menlo" panose="020B0609030804020204" pitchFamily="49" charset="0"/>
-                <a:cs typeface="Menlo" panose="020B0609030804020204" pitchFamily="49" charset="0"/>
+                <a:latin typeface="Consolas" panose="020B0609020204030204" pitchFamily="49" charset="0"/>
+                <a:ea typeface="Menlo" panose="020B0609030804020204" pitchFamily="49" charset="0"/>
+                <a:cs typeface="Consolas" panose="020B0609020204030204" pitchFamily="49" charset="0"/>
               </a:rPr>
               <a:t>&gt;&gt;&gt; </a:t>
             </a:r>
@@ -13444,9 +13444,9 @@
                 <a:solidFill>
                   <a:schemeClr val="accent6"/>
                 </a:solidFill>
-                <a:latin typeface="Menlo" panose="020B0609030804020204" pitchFamily="49" charset="0"/>
-                <a:ea typeface="Menlo" panose="020B0609030804020204" pitchFamily="49" charset="0"/>
-                <a:cs typeface="Menlo" panose="020B0609030804020204" pitchFamily="49" charset="0"/>
+                <a:latin typeface="Consolas" panose="020B0609020204030204" pitchFamily="49" charset="0"/>
+                <a:ea typeface="Menlo" panose="020B0609030804020204" pitchFamily="49" charset="0"/>
+                <a:cs typeface="Consolas" panose="020B0609020204030204" pitchFamily="49" charset="0"/>
               </a:rPr>
               <a:t>class </a:t>
             </a:r>
@@ -13455,9 +13455,9 @@
                 <a:solidFill>
                   <a:schemeClr val="accent6"/>
                 </a:solidFill>
-                <a:latin typeface="Menlo" panose="020B0609030804020204" pitchFamily="49" charset="0"/>
-                <a:ea typeface="Menlo" panose="020B0609030804020204" pitchFamily="49" charset="0"/>
-                <a:cs typeface="Menlo" panose="020B0609030804020204" pitchFamily="49" charset="0"/>
+                <a:latin typeface="Consolas" panose="020B0609020204030204" pitchFamily="49" charset="0"/>
+                <a:ea typeface="Menlo" panose="020B0609030804020204" pitchFamily="49" charset="0"/>
+                <a:cs typeface="Consolas" panose="020B0609020204030204" pitchFamily="49" charset="0"/>
               </a:rPr>
               <a:t>inc_class</a:t>
             </a:r>
@@ -13466,9 +13466,9 @@
                 <a:solidFill>
                   <a:schemeClr val="accent6"/>
                 </a:solidFill>
-                <a:latin typeface="Menlo" panose="020B0609030804020204" pitchFamily="49" charset="0"/>
-                <a:ea typeface="Menlo" panose="020B0609030804020204" pitchFamily="49" charset="0"/>
-                <a:cs typeface="Menlo" panose="020B0609030804020204" pitchFamily="49" charset="0"/>
+                <a:latin typeface="Consolas" panose="020B0609020204030204" pitchFamily="49" charset="0"/>
+                <a:ea typeface="Menlo" panose="020B0609030804020204" pitchFamily="49" charset="0"/>
+                <a:cs typeface="Consolas" panose="020B0609020204030204" pitchFamily="49" charset="0"/>
               </a:rPr>
               <a:t>:</a:t>
             </a:r>
@@ -13479,9 +13479,9 @@
             </a:pPr>
             <a:r>
               <a:rPr lang="en-US" dirty="0">
-                <a:latin typeface="Menlo" panose="020B0609030804020204" pitchFamily="49" charset="0"/>
-                <a:ea typeface="Menlo" panose="020B0609030804020204" pitchFamily="49" charset="0"/>
-                <a:cs typeface="Menlo" panose="020B0609030804020204" pitchFamily="49" charset="0"/>
+                <a:latin typeface="Consolas" panose="020B0609020204030204" pitchFamily="49" charset="0"/>
+                <a:ea typeface="Menlo" panose="020B0609030804020204" pitchFamily="49" charset="0"/>
+                <a:cs typeface="Consolas" panose="020B0609020204030204" pitchFamily="49" charset="0"/>
               </a:rPr>
               <a:t>...    </a:t>
             </a:r>
@@ -13490,9 +13490,9 @@
                 <a:solidFill>
                   <a:schemeClr val="accent6"/>
                 </a:solidFill>
-                <a:latin typeface="Menlo" panose="020B0609030804020204" pitchFamily="49" charset="0"/>
-                <a:ea typeface="Menlo" panose="020B0609030804020204" pitchFamily="49" charset="0"/>
-                <a:cs typeface="Menlo" panose="020B0609030804020204" pitchFamily="49" charset="0"/>
+                <a:latin typeface="Consolas" panose="020B0609020204030204" pitchFamily="49" charset="0"/>
+                <a:ea typeface="Menlo" panose="020B0609030804020204" pitchFamily="49" charset="0"/>
+                <a:cs typeface="Consolas" panose="020B0609020204030204" pitchFamily="49" charset="0"/>
               </a:rPr>
               <a:t> def __</a:t>
             </a:r>
@@ -13501,9 +13501,9 @@
                 <a:solidFill>
                   <a:schemeClr val="accent6"/>
                 </a:solidFill>
-                <a:latin typeface="Menlo" panose="020B0609030804020204" pitchFamily="49" charset="0"/>
-                <a:ea typeface="Menlo" panose="020B0609030804020204" pitchFamily="49" charset="0"/>
-                <a:cs typeface="Menlo" panose="020B0609030804020204" pitchFamily="49" charset="0"/>
+                <a:latin typeface="Consolas" panose="020B0609020204030204" pitchFamily="49" charset="0"/>
+                <a:ea typeface="Menlo" panose="020B0609030804020204" pitchFamily="49" charset="0"/>
+                <a:cs typeface="Consolas" panose="020B0609020204030204" pitchFamily="49" charset="0"/>
               </a:rPr>
               <a:t>init</a:t>
             </a:r>
@@ -13512,9 +13512,9 @@
                 <a:solidFill>
                   <a:schemeClr val="accent6"/>
                 </a:solidFill>
-                <a:latin typeface="Menlo" panose="020B0609030804020204" pitchFamily="49" charset="0"/>
-                <a:ea typeface="Menlo" panose="020B0609030804020204" pitchFamily="49" charset="0"/>
-                <a:cs typeface="Menlo" panose="020B0609030804020204" pitchFamily="49" charset="0"/>
+                <a:latin typeface="Consolas" panose="020B0609020204030204" pitchFamily="49" charset="0"/>
+                <a:ea typeface="Menlo" panose="020B0609030804020204" pitchFamily="49" charset="0"/>
+                <a:cs typeface="Consolas" panose="020B0609020204030204" pitchFamily="49" charset="0"/>
               </a:rPr>
               <a:t>__(start=0):</a:t>
             </a:r>
@@ -13525,9 +13525,9 @@
             </a:pPr>
             <a:r>
               <a:rPr lang="en-US" dirty="0">
-                <a:latin typeface="Menlo" panose="020B0609030804020204" pitchFamily="49" charset="0"/>
-                <a:ea typeface="Menlo" panose="020B0609030804020204" pitchFamily="49" charset="0"/>
-                <a:cs typeface="Menlo" panose="020B0609030804020204" pitchFamily="49" charset="0"/>
+                <a:latin typeface="Consolas" panose="020B0609020204030204" pitchFamily="49" charset="0"/>
+                <a:ea typeface="Menlo" panose="020B0609030804020204" pitchFamily="49" charset="0"/>
+                <a:cs typeface="Consolas" panose="020B0609020204030204" pitchFamily="49" charset="0"/>
               </a:rPr>
               <a:t>...      </a:t>
             </a:r>
@@ -13536,9 +13536,9 @@
                 <a:solidFill>
                   <a:schemeClr val="accent6"/>
                 </a:solidFill>
-                <a:latin typeface="Menlo" panose="020B0609030804020204" pitchFamily="49" charset="0"/>
-                <a:ea typeface="Menlo" panose="020B0609030804020204" pitchFamily="49" charset="0"/>
-                <a:cs typeface="Menlo" panose="020B0609030804020204" pitchFamily="49" charset="0"/>
+                <a:latin typeface="Consolas" panose="020B0609020204030204" pitchFamily="49" charset="0"/>
+                <a:ea typeface="Menlo" panose="020B0609030804020204" pitchFamily="49" charset="0"/>
+                <a:cs typeface="Consolas" panose="020B0609020204030204" pitchFamily="49" charset="0"/>
               </a:rPr>
               <a:t>   </a:t>
             </a:r>
@@ -13547,9 +13547,9 @@
                 <a:solidFill>
                   <a:schemeClr val="accent6"/>
                 </a:solidFill>
-                <a:latin typeface="Menlo" panose="020B0609030804020204" pitchFamily="49" charset="0"/>
-                <a:ea typeface="Menlo" panose="020B0609030804020204" pitchFamily="49" charset="0"/>
-                <a:cs typeface="Menlo" panose="020B0609030804020204" pitchFamily="49" charset="0"/>
+                <a:latin typeface="Consolas" panose="020B0609020204030204" pitchFamily="49" charset="0"/>
+                <a:ea typeface="Menlo" panose="020B0609030804020204" pitchFamily="49" charset="0"/>
+                <a:cs typeface="Consolas" panose="020B0609020204030204" pitchFamily="49" charset="0"/>
               </a:rPr>
               <a:t>self.start</a:t>
             </a:r>
@@ -13558,9 +13558,9 @@
                 <a:solidFill>
                   <a:schemeClr val="accent6"/>
                 </a:solidFill>
-                <a:latin typeface="Menlo" panose="020B0609030804020204" pitchFamily="49" charset="0"/>
-                <a:ea typeface="Menlo" panose="020B0609030804020204" pitchFamily="49" charset="0"/>
-                <a:cs typeface="Menlo" panose="020B0609030804020204" pitchFamily="49" charset="0"/>
+                <a:latin typeface="Consolas" panose="020B0609020204030204" pitchFamily="49" charset="0"/>
+                <a:ea typeface="Menlo" panose="020B0609030804020204" pitchFamily="49" charset="0"/>
+                <a:cs typeface="Consolas" panose="020B0609020204030204" pitchFamily="49" charset="0"/>
               </a:rPr>
               <a:t> = start</a:t>
             </a:r>
@@ -13571,9 +13571,9 @@
             </a:pPr>
             <a:r>
               <a:rPr lang="en-US" dirty="0">
-                <a:latin typeface="Menlo" panose="020B0609030804020204" pitchFamily="49" charset="0"/>
-                <a:ea typeface="Menlo" panose="020B0609030804020204" pitchFamily="49" charset="0"/>
-                <a:cs typeface="Menlo" panose="020B0609030804020204" pitchFamily="49" charset="0"/>
+                <a:latin typeface="Consolas" panose="020B0609020204030204" pitchFamily="49" charset="0"/>
+                <a:ea typeface="Menlo" panose="020B0609030804020204" pitchFamily="49" charset="0"/>
+                <a:cs typeface="Consolas" panose="020B0609020204030204" pitchFamily="49" charset="0"/>
               </a:rPr>
               <a:t>...    </a:t>
             </a:r>
@@ -13582,9 +13582,9 @@
                 <a:solidFill>
                   <a:schemeClr val="accent6"/>
                 </a:solidFill>
-                <a:latin typeface="Menlo" panose="020B0609030804020204" pitchFamily="49" charset="0"/>
-                <a:ea typeface="Menlo" panose="020B0609030804020204" pitchFamily="49" charset="0"/>
-                <a:cs typeface="Menlo" panose="020B0609030804020204" pitchFamily="49" charset="0"/>
+                <a:latin typeface="Consolas" panose="020B0609020204030204" pitchFamily="49" charset="0"/>
+                <a:ea typeface="Menlo" panose="020B0609030804020204" pitchFamily="49" charset="0"/>
+                <a:cs typeface="Consolas" panose="020B0609020204030204" pitchFamily="49" charset="0"/>
               </a:rPr>
               <a:t> def __call__(</a:t>
             </a:r>
@@ -13593,9 +13593,9 @@
                 <a:solidFill>
                   <a:schemeClr val="accent6"/>
                 </a:solidFill>
-                <a:latin typeface="Menlo" panose="020B0609030804020204" pitchFamily="49" charset="0"/>
-                <a:ea typeface="Menlo" panose="020B0609030804020204" pitchFamily="49" charset="0"/>
-                <a:cs typeface="Menlo" panose="020B0609030804020204" pitchFamily="49" charset="0"/>
+                <a:latin typeface="Consolas" panose="020B0609020204030204" pitchFamily="49" charset="0"/>
+                <a:ea typeface="Menlo" panose="020B0609030804020204" pitchFamily="49" charset="0"/>
+                <a:cs typeface="Consolas" panose="020B0609020204030204" pitchFamily="49" charset="0"/>
               </a:rPr>
               <a:t>amnt</a:t>
             </a:r>
@@ -13604,9 +13604,9 @@
                 <a:solidFill>
                   <a:schemeClr val="accent6"/>
                 </a:solidFill>
-                <a:latin typeface="Menlo" panose="020B0609030804020204" pitchFamily="49" charset="0"/>
-                <a:ea typeface="Menlo" panose="020B0609030804020204" pitchFamily="49" charset="0"/>
-                <a:cs typeface="Menlo" panose="020B0609030804020204" pitchFamily="49" charset="0"/>
+                <a:latin typeface="Consolas" panose="020B0609020204030204" pitchFamily="49" charset="0"/>
+                <a:ea typeface="Menlo" panose="020B0609030804020204" pitchFamily="49" charset="0"/>
+                <a:cs typeface="Consolas" panose="020B0609020204030204" pitchFamily="49" charset="0"/>
               </a:rPr>
               <a:t>=1):</a:t>
             </a:r>
@@ -13617,9 +13617,9 @@
             </a:pPr>
             <a:r>
               <a:rPr lang="en-US" dirty="0">
-                <a:latin typeface="Menlo" panose="020B0609030804020204" pitchFamily="49" charset="0"/>
-                <a:ea typeface="Menlo" panose="020B0609030804020204" pitchFamily="49" charset="0"/>
-                <a:cs typeface="Menlo" panose="020B0609030804020204" pitchFamily="49" charset="0"/>
+                <a:latin typeface="Consolas" panose="020B0609020204030204" pitchFamily="49" charset="0"/>
+                <a:ea typeface="Menlo" panose="020B0609030804020204" pitchFamily="49" charset="0"/>
+                <a:cs typeface="Consolas" panose="020B0609020204030204" pitchFamily="49" charset="0"/>
               </a:rPr>
               <a:t>... </a:t>
             </a:r>
@@ -13628,9 +13628,9 @@
                 <a:solidFill>
                   <a:schemeClr val="accent6"/>
                 </a:solidFill>
-                <a:latin typeface="Menlo" panose="020B0609030804020204" pitchFamily="49" charset="0"/>
-                <a:ea typeface="Menlo" panose="020B0609030804020204" pitchFamily="49" charset="0"/>
-                <a:cs typeface="Menlo" panose="020B0609030804020204" pitchFamily="49" charset="0"/>
+                <a:latin typeface="Consolas" panose="020B0609020204030204" pitchFamily="49" charset="0"/>
+                <a:ea typeface="Menlo" panose="020B0609030804020204" pitchFamily="49" charset="0"/>
+                <a:cs typeface="Consolas" panose="020B0609020204030204" pitchFamily="49" charset="0"/>
               </a:rPr>
               <a:t>        </a:t>
             </a:r>
@@ -13639,9 +13639,9 @@
                 <a:solidFill>
                   <a:schemeClr val="accent6"/>
                 </a:solidFill>
-                <a:latin typeface="Menlo" panose="020B0609030804020204" pitchFamily="49" charset="0"/>
-                <a:ea typeface="Menlo" panose="020B0609030804020204" pitchFamily="49" charset="0"/>
-                <a:cs typeface="Menlo" panose="020B0609030804020204" pitchFamily="49" charset="0"/>
+                <a:latin typeface="Consolas" panose="020B0609020204030204" pitchFamily="49" charset="0"/>
+                <a:ea typeface="Menlo" panose="020B0609030804020204" pitchFamily="49" charset="0"/>
+                <a:cs typeface="Consolas" panose="020B0609020204030204" pitchFamily="49" charset="0"/>
               </a:rPr>
               <a:t>self.start</a:t>
             </a:r>
@@ -13650,9 +13650,9 @@
                 <a:solidFill>
                   <a:schemeClr val="accent6"/>
                 </a:solidFill>
-                <a:latin typeface="Menlo" panose="020B0609030804020204" pitchFamily="49" charset="0"/>
-                <a:ea typeface="Menlo" panose="020B0609030804020204" pitchFamily="49" charset="0"/>
-                <a:cs typeface="Menlo" panose="020B0609030804020204" pitchFamily="49" charset="0"/>
+                <a:latin typeface="Consolas" panose="020B0609020204030204" pitchFamily="49" charset="0"/>
+                <a:ea typeface="Menlo" panose="020B0609030804020204" pitchFamily="49" charset="0"/>
+                <a:cs typeface="Consolas" panose="020B0609020204030204" pitchFamily="49" charset="0"/>
               </a:rPr>
               <a:t> += </a:t>
             </a:r>
@@ -13661,9 +13661,9 @@
                 <a:solidFill>
                   <a:schemeClr val="accent6"/>
                 </a:solidFill>
-                <a:latin typeface="Menlo" panose="020B0609030804020204" pitchFamily="49" charset="0"/>
-                <a:ea typeface="Menlo" panose="020B0609030804020204" pitchFamily="49" charset="0"/>
-                <a:cs typeface="Menlo" panose="020B0609030804020204" pitchFamily="49" charset="0"/>
+                <a:latin typeface="Consolas" panose="020B0609020204030204" pitchFamily="49" charset="0"/>
+                <a:ea typeface="Menlo" panose="020B0609030804020204" pitchFamily="49" charset="0"/>
+                <a:cs typeface="Consolas" panose="020B0609020204030204" pitchFamily="49" charset="0"/>
               </a:rPr>
               <a:t>amnt</a:t>
             </a:r>
@@ -13671,9 +13671,9 @@
               <a:solidFill>
                 <a:schemeClr val="accent6"/>
               </a:solidFill>
-              <a:latin typeface="Menlo" panose="020B0609030804020204" pitchFamily="49" charset="0"/>
+              <a:latin typeface="Consolas" panose="020B0609020204030204" pitchFamily="49" charset="0"/>
               <a:ea typeface="Menlo" panose="020B0609030804020204" pitchFamily="49" charset="0"/>
-              <a:cs typeface="Menlo" panose="020B0609030804020204" pitchFamily="49" charset="0"/>
+              <a:cs typeface="Consolas" panose="020B0609020204030204" pitchFamily="49" charset="0"/>
             </a:endParaRPr>
           </a:p>
           <a:p>
@@ -13682,9 +13682,9 @@
             </a:pPr>
             <a:r>
               <a:rPr lang="en-US" dirty="0">
-                <a:latin typeface="Menlo" panose="020B0609030804020204" pitchFamily="49" charset="0"/>
-                <a:ea typeface="Menlo" panose="020B0609030804020204" pitchFamily="49" charset="0"/>
-                <a:cs typeface="Menlo" panose="020B0609030804020204" pitchFamily="49" charset="0"/>
+                <a:latin typeface="Consolas" panose="020B0609020204030204" pitchFamily="49" charset="0"/>
+                <a:ea typeface="Menlo" panose="020B0609030804020204" pitchFamily="49" charset="0"/>
+                <a:cs typeface="Consolas" panose="020B0609020204030204" pitchFamily="49" charset="0"/>
               </a:rPr>
               <a:t>... </a:t>
             </a:r>
@@ -13693,9 +13693,9 @@
                 <a:solidFill>
                   <a:schemeClr val="accent6"/>
                 </a:solidFill>
-                <a:latin typeface="Menlo" panose="020B0609030804020204" pitchFamily="49" charset="0"/>
-                <a:ea typeface="Menlo" panose="020B0609030804020204" pitchFamily="49" charset="0"/>
-                <a:cs typeface="Menlo" panose="020B0609030804020204" pitchFamily="49" charset="0"/>
+                <a:latin typeface="Consolas" panose="020B0609020204030204" pitchFamily="49" charset="0"/>
+                <a:ea typeface="Menlo" panose="020B0609030804020204" pitchFamily="49" charset="0"/>
+                <a:cs typeface="Consolas" panose="020B0609020204030204" pitchFamily="49" charset="0"/>
               </a:rPr>
               <a:t>        return </a:t>
             </a:r>
@@ -13704,9 +13704,9 @@
                 <a:solidFill>
                   <a:schemeClr val="accent6"/>
                 </a:solidFill>
-                <a:latin typeface="Menlo" panose="020B0609030804020204" pitchFamily="49" charset="0"/>
-                <a:ea typeface="Menlo" panose="020B0609030804020204" pitchFamily="49" charset="0"/>
-                <a:cs typeface="Menlo" panose="020B0609030804020204" pitchFamily="49" charset="0"/>
+                <a:latin typeface="Consolas" panose="020B0609020204030204" pitchFamily="49" charset="0"/>
+                <a:ea typeface="Menlo" panose="020B0609030804020204" pitchFamily="49" charset="0"/>
+                <a:cs typeface="Consolas" panose="020B0609020204030204" pitchFamily="49" charset="0"/>
               </a:rPr>
               <a:t>self.start</a:t>
             </a:r>
@@ -13714,9 +13714,9 @@
               <a:solidFill>
                 <a:schemeClr val="accent6"/>
               </a:solidFill>
-              <a:latin typeface="Menlo" panose="020B0609030804020204" pitchFamily="49" charset="0"/>
+              <a:latin typeface="Consolas" panose="020B0609020204030204" pitchFamily="49" charset="0"/>
               <a:ea typeface="Menlo" panose="020B0609030804020204" pitchFamily="49" charset="0"/>
-              <a:cs typeface="Menlo" panose="020B0609030804020204" pitchFamily="49" charset="0"/>
+              <a:cs typeface="Consolas" panose="020B0609020204030204" pitchFamily="49" charset="0"/>
             </a:endParaRPr>
           </a:p>
           <a:p>
@@ -13725,9 +13725,9 @@
             </a:pPr>
             <a:r>
               <a:rPr lang="en-US" dirty="0">
-                <a:latin typeface="Menlo" panose="020B0609030804020204" pitchFamily="49" charset="0"/>
-                <a:ea typeface="Menlo" panose="020B0609030804020204" pitchFamily="49" charset="0"/>
-                <a:cs typeface="Menlo" panose="020B0609030804020204" pitchFamily="49" charset="0"/>
+                <a:latin typeface="Consolas" panose="020B0609020204030204" pitchFamily="49" charset="0"/>
+                <a:ea typeface="Menlo" panose="020B0609030804020204" pitchFamily="49" charset="0"/>
+                <a:cs typeface="Consolas" panose="020B0609020204030204" pitchFamily="49" charset="0"/>
               </a:rPr>
               <a:t>... </a:t>
             </a:r>
@@ -13738,9 +13738,9 @@
             </a:pPr>
             <a:r>
               <a:rPr lang="en-US" dirty="0">
-                <a:latin typeface="Menlo" panose="020B0609030804020204" pitchFamily="49" charset="0"/>
-                <a:ea typeface="Menlo" panose="020B0609030804020204" pitchFamily="49" charset="0"/>
-                <a:cs typeface="Menlo" panose="020B0609030804020204" pitchFamily="49" charset="0"/>
+                <a:latin typeface="Consolas" panose="020B0609020204030204" pitchFamily="49" charset="0"/>
+                <a:ea typeface="Menlo" panose="020B0609030804020204" pitchFamily="49" charset="0"/>
+                <a:cs typeface="Consolas" panose="020B0609020204030204" pitchFamily="49" charset="0"/>
               </a:rPr>
               <a:t>&gt;&gt;&gt; </a:t>
             </a:r>
@@ -13749,9 +13749,9 @@
                 <a:solidFill>
                   <a:schemeClr val="accent6"/>
                 </a:solidFill>
-                <a:latin typeface="Menlo" panose="020B0609030804020204" pitchFamily="49" charset="0"/>
-                <a:ea typeface="Menlo" panose="020B0609030804020204" pitchFamily="49" charset="0"/>
-                <a:cs typeface="Menlo" panose="020B0609030804020204" pitchFamily="49" charset="0"/>
+                <a:latin typeface="Consolas" panose="020B0609020204030204" pitchFamily="49" charset="0"/>
+                <a:ea typeface="Menlo" panose="020B0609030804020204" pitchFamily="49" charset="0"/>
+                <a:cs typeface="Consolas" panose="020B0609020204030204" pitchFamily="49" charset="0"/>
               </a:rPr>
               <a:t>inc</a:t>
             </a:r>
@@ -13760,9 +13760,9 @@
                 <a:solidFill>
                   <a:schemeClr val="accent6"/>
                 </a:solidFill>
-                <a:latin typeface="Menlo" panose="020B0609030804020204" pitchFamily="49" charset="0"/>
-                <a:ea typeface="Menlo" panose="020B0609030804020204" pitchFamily="49" charset="0"/>
-                <a:cs typeface="Menlo" panose="020B0609030804020204" pitchFamily="49" charset="0"/>
+                <a:latin typeface="Consolas" panose="020B0609020204030204" pitchFamily="49" charset="0"/>
+                <a:ea typeface="Menlo" panose="020B0609030804020204" pitchFamily="49" charset="0"/>
+                <a:cs typeface="Consolas" panose="020B0609020204030204" pitchFamily="49" charset="0"/>
               </a:rPr>
               <a:t> = </a:t>
             </a:r>
@@ -13771,9 +13771,9 @@
                 <a:solidFill>
                   <a:schemeClr val="accent6"/>
                 </a:solidFill>
-                <a:latin typeface="Menlo" panose="020B0609030804020204" pitchFamily="49" charset="0"/>
-                <a:ea typeface="Menlo" panose="020B0609030804020204" pitchFamily="49" charset="0"/>
-                <a:cs typeface="Menlo" panose="020B0609030804020204" pitchFamily="49" charset="0"/>
+                <a:latin typeface="Consolas" panose="020B0609020204030204" pitchFamily="49" charset="0"/>
+                <a:ea typeface="Menlo" panose="020B0609030804020204" pitchFamily="49" charset="0"/>
+                <a:cs typeface="Consolas" panose="020B0609020204030204" pitchFamily="49" charset="0"/>
               </a:rPr>
               <a:t>inc_class</a:t>
             </a:r>
@@ -13782,9 +13782,9 @@
                 <a:solidFill>
                   <a:schemeClr val="accent6"/>
                 </a:solidFill>
-                <a:latin typeface="Menlo" panose="020B0609030804020204" pitchFamily="49" charset="0"/>
-                <a:ea typeface="Menlo" panose="020B0609030804020204" pitchFamily="49" charset="0"/>
-                <a:cs typeface="Menlo" panose="020B0609030804020204" pitchFamily="49" charset="0"/>
+                <a:latin typeface="Consolas" panose="020B0609020204030204" pitchFamily="49" charset="0"/>
+                <a:ea typeface="Menlo" panose="020B0609030804020204" pitchFamily="49" charset="0"/>
+                <a:cs typeface="Consolas" panose="020B0609020204030204" pitchFamily="49" charset="0"/>
               </a:rPr>
               <a:t>()</a:t>
             </a:r>
@@ -13795,9 +13795,9 @@
             </a:pPr>
             <a:r>
               <a:rPr lang="en-US" dirty="0">
-                <a:latin typeface="Menlo" panose="020B0609030804020204" pitchFamily="49" charset="0"/>
-                <a:ea typeface="Menlo" panose="020B0609030804020204" pitchFamily="49" charset="0"/>
-                <a:cs typeface="Menlo" panose="020B0609030804020204" pitchFamily="49" charset="0"/>
+                <a:latin typeface="Consolas" panose="020B0609020204030204" pitchFamily="49" charset="0"/>
+                <a:ea typeface="Menlo" panose="020B0609030804020204" pitchFamily="49" charset="0"/>
+                <a:cs typeface="Consolas" panose="020B0609020204030204" pitchFamily="49" charset="0"/>
               </a:rPr>
               <a:t>&gt;&gt;&gt; </a:t>
             </a:r>
@@ -13806,9 +13806,9 @@
                 <a:solidFill>
                   <a:schemeClr val="accent6"/>
                 </a:solidFill>
-                <a:latin typeface="Menlo" panose="020B0609030804020204" pitchFamily="49" charset="0"/>
-                <a:ea typeface="Menlo" panose="020B0609030804020204" pitchFamily="49" charset="0"/>
-                <a:cs typeface="Menlo" panose="020B0609030804020204" pitchFamily="49" charset="0"/>
+                <a:latin typeface="Consolas" panose="020B0609020204030204" pitchFamily="49" charset="0"/>
+                <a:ea typeface="Menlo" panose="020B0609030804020204" pitchFamily="49" charset="0"/>
+                <a:cs typeface="Consolas" panose="020B0609020204030204" pitchFamily="49" charset="0"/>
               </a:rPr>
               <a:t>inc</a:t>
             </a:r>
@@ -13817,9 +13817,9 @@
                 <a:solidFill>
                   <a:schemeClr val="accent6"/>
                 </a:solidFill>
-                <a:latin typeface="Menlo" panose="020B0609030804020204" pitchFamily="49" charset="0"/>
-                <a:ea typeface="Menlo" panose="020B0609030804020204" pitchFamily="49" charset="0"/>
-                <a:cs typeface="Menlo" panose="020B0609030804020204" pitchFamily="49" charset="0"/>
+                <a:latin typeface="Consolas" panose="020B0609020204030204" pitchFamily="49" charset="0"/>
+                <a:ea typeface="Menlo" panose="020B0609030804020204" pitchFamily="49" charset="0"/>
+                <a:cs typeface="Consolas" panose="020B0609020204030204" pitchFamily="49" charset="0"/>
               </a:rPr>
               <a:t>()</a:t>
             </a:r>
@@ -13830,9 +13830,9 @@
             </a:pPr>
             <a:r>
               <a:rPr lang="en-US" dirty="0">
-                <a:latin typeface="Menlo" panose="020B0609030804020204" pitchFamily="49" charset="0"/>
-                <a:ea typeface="Menlo" panose="020B0609030804020204" pitchFamily="49" charset="0"/>
-                <a:cs typeface="Menlo" panose="020B0609030804020204" pitchFamily="49" charset="0"/>
+                <a:latin typeface="Consolas" panose="020B0609020204030204" pitchFamily="49" charset="0"/>
+                <a:ea typeface="Menlo" panose="020B0609030804020204" pitchFamily="49" charset="0"/>
+                <a:cs typeface="Consolas" panose="020B0609020204030204" pitchFamily="49" charset="0"/>
               </a:rPr>
               <a:t>1</a:t>
             </a:r>
@@ -13843,9 +13843,9 @@
             </a:pPr>
             <a:r>
               <a:rPr lang="en-US" dirty="0">
-                <a:latin typeface="Menlo" panose="020B0609030804020204" pitchFamily="49" charset="0"/>
-                <a:ea typeface="Menlo" panose="020B0609030804020204" pitchFamily="49" charset="0"/>
-                <a:cs typeface="Menlo" panose="020B0609030804020204" pitchFamily="49" charset="0"/>
+                <a:latin typeface="Consolas" panose="020B0609020204030204" pitchFamily="49" charset="0"/>
+                <a:ea typeface="Menlo" panose="020B0609030804020204" pitchFamily="49" charset="0"/>
+                <a:cs typeface="Consolas" panose="020B0609020204030204" pitchFamily="49" charset="0"/>
               </a:rPr>
               <a:t>&gt;&gt;&gt; </a:t>
             </a:r>
@@ -13854,9 +13854,9 @@
                 <a:solidFill>
                   <a:schemeClr val="accent6"/>
                 </a:solidFill>
-                <a:latin typeface="Menlo" panose="020B0609030804020204" pitchFamily="49" charset="0"/>
-                <a:ea typeface="Menlo" panose="020B0609030804020204" pitchFamily="49" charset="0"/>
-                <a:cs typeface="Menlo" panose="020B0609030804020204" pitchFamily="49" charset="0"/>
+                <a:latin typeface="Consolas" panose="020B0609020204030204" pitchFamily="49" charset="0"/>
+                <a:ea typeface="Menlo" panose="020B0609030804020204" pitchFamily="49" charset="0"/>
+                <a:cs typeface="Consolas" panose="020B0609020204030204" pitchFamily="49" charset="0"/>
               </a:rPr>
               <a:t>inc</a:t>
             </a:r>
@@ -13865,9 +13865,9 @@
                 <a:solidFill>
                   <a:schemeClr val="accent6"/>
                 </a:solidFill>
-                <a:latin typeface="Menlo" panose="020B0609030804020204" pitchFamily="49" charset="0"/>
-                <a:ea typeface="Menlo" panose="020B0609030804020204" pitchFamily="49" charset="0"/>
-                <a:cs typeface="Menlo" panose="020B0609030804020204" pitchFamily="49" charset="0"/>
+                <a:latin typeface="Consolas" panose="020B0609020204030204" pitchFamily="49" charset="0"/>
+                <a:ea typeface="Menlo" panose="020B0609030804020204" pitchFamily="49" charset="0"/>
+                <a:cs typeface="Consolas" panose="020B0609020204030204" pitchFamily="49" charset="0"/>
               </a:rPr>
               <a:t>()</a:t>
             </a:r>
@@ -13878,9 +13878,9 @@
             </a:pPr>
             <a:r>
               <a:rPr lang="en-US" dirty="0">
-                <a:latin typeface="Menlo" panose="020B0609030804020204" pitchFamily="49" charset="0"/>
-                <a:ea typeface="Menlo" panose="020B0609030804020204" pitchFamily="49" charset="0"/>
-                <a:cs typeface="Menlo" panose="020B0609030804020204" pitchFamily="49" charset="0"/>
+                <a:latin typeface="Consolas" panose="020B0609020204030204" pitchFamily="49" charset="0"/>
+                <a:ea typeface="Menlo" panose="020B0609030804020204" pitchFamily="49" charset="0"/>
+                <a:cs typeface="Consolas" panose="020B0609020204030204" pitchFamily="49" charset="0"/>
               </a:rPr>
               <a:t>2</a:t>
             </a:r>
@@ -13891,9 +13891,9 @@
             </a:pPr>
             <a:r>
               <a:rPr lang="en-US" dirty="0">
-                <a:latin typeface="Menlo" panose="020B0609030804020204" pitchFamily="49" charset="0"/>
-                <a:ea typeface="Menlo" panose="020B0609030804020204" pitchFamily="49" charset="0"/>
-                <a:cs typeface="Menlo" panose="020B0609030804020204" pitchFamily="49" charset="0"/>
+                <a:latin typeface="Consolas" panose="020B0609020204030204" pitchFamily="49" charset="0"/>
+                <a:ea typeface="Menlo" panose="020B0609030804020204" pitchFamily="49" charset="0"/>
+                <a:cs typeface="Consolas" panose="020B0609020204030204" pitchFamily="49" charset="0"/>
               </a:rPr>
               <a:t>&gt;&gt;&gt; </a:t>
             </a:r>
@@ -13902,9 +13902,9 @@
                 <a:solidFill>
                   <a:schemeClr val="accent6"/>
                 </a:solidFill>
-                <a:latin typeface="Menlo" panose="020B0609030804020204" pitchFamily="49" charset="0"/>
-                <a:ea typeface="Menlo" panose="020B0609030804020204" pitchFamily="49" charset="0"/>
-                <a:cs typeface="Menlo" panose="020B0609030804020204" pitchFamily="49" charset="0"/>
+                <a:latin typeface="Consolas" panose="020B0609020204030204" pitchFamily="49" charset="0"/>
+                <a:ea typeface="Menlo" panose="020B0609030804020204" pitchFamily="49" charset="0"/>
+                <a:cs typeface="Consolas" panose="020B0609020204030204" pitchFamily="49" charset="0"/>
               </a:rPr>
               <a:t>start</a:t>
             </a:r>
@@ -13918,9 +13918,9 @@
                 <a:solidFill>
                   <a:srgbClr val="FF0000"/>
                 </a:solidFill>
-                <a:latin typeface="Menlo" panose="020B0609030804020204" pitchFamily="49" charset="0"/>
-                <a:ea typeface="Menlo" panose="020B0609030804020204" pitchFamily="49" charset="0"/>
-                <a:cs typeface="Menlo" panose="020B0609030804020204" pitchFamily="49" charset="0"/>
+                <a:latin typeface="Consolas" panose="020B0609020204030204" pitchFamily="49" charset="0"/>
+                <a:ea typeface="Menlo" panose="020B0609030804020204" pitchFamily="49" charset="0"/>
+                <a:cs typeface="Consolas" panose="020B0609020204030204" pitchFamily="49" charset="0"/>
               </a:rPr>
               <a:t>NameError</a:t>
             </a:r>
@@ -13929,9 +13929,9 @@
                 <a:solidFill>
                   <a:srgbClr val="FF0000"/>
                 </a:solidFill>
-                <a:latin typeface="Menlo" panose="020B0609030804020204" pitchFamily="49" charset="0"/>
-                <a:ea typeface="Menlo" panose="020B0609030804020204" pitchFamily="49" charset="0"/>
-                <a:cs typeface="Menlo" panose="020B0609030804020204" pitchFamily="49" charset="0"/>
+                <a:latin typeface="Consolas" panose="020B0609020204030204" pitchFamily="49" charset="0"/>
+                <a:ea typeface="Menlo" panose="020B0609030804020204" pitchFamily="49" charset="0"/>
+                <a:cs typeface="Consolas" panose="020B0609020204030204" pitchFamily="49" charset="0"/>
               </a:rPr>
               <a:t>: name ‘start’ is not defined</a:t>
             </a:r>
@@ -13941,9 +13941,9 @@
               <a:buNone/>
             </a:pPr>
             <a:endParaRPr lang="en-US" dirty="0">
-              <a:latin typeface="Menlo" panose="020B0609030804020204" pitchFamily="49" charset="0"/>
+              <a:latin typeface="Consolas" panose="020B0609020204030204" pitchFamily="49" charset="0"/>
               <a:ea typeface="Menlo" panose="020B0609030804020204" pitchFamily="49" charset="0"/>
-              <a:cs typeface="Menlo" panose="020B0609030804020204" pitchFamily="49" charset="0"/>
+              <a:cs typeface="Consolas" panose="020B0609020204030204" pitchFamily="49" charset="0"/>
             </a:endParaRPr>
           </a:p>
         </p:txBody>
@@ -15306,9 +15306,9 @@
             </a:pPr>
             <a:r>
               <a:rPr lang="en-US" dirty="0">
-                <a:latin typeface="Menlo" panose="020B0609030804020204" pitchFamily="49" charset="0"/>
-                <a:ea typeface="Menlo" panose="020B0609030804020204" pitchFamily="49" charset="0"/>
-                <a:cs typeface="Menlo" panose="020B0609030804020204" pitchFamily="49" charset="0"/>
+                <a:latin typeface="Consolas" panose="020B0609020204030204" pitchFamily="49" charset="0"/>
+                <a:ea typeface="Menlo" panose="020B0609030804020204" pitchFamily="49" charset="0"/>
+                <a:cs typeface="Consolas" panose="020B0609020204030204" pitchFamily="49" charset="0"/>
               </a:rPr>
               <a:t>&gt;&gt;&gt; </a:t>
             </a:r>
@@ -15317,9 +15317,9 @@
                 <a:solidFill>
                   <a:schemeClr val="accent6"/>
                 </a:solidFill>
-                <a:latin typeface="Menlo" panose="020B0609030804020204" pitchFamily="49" charset="0"/>
-                <a:ea typeface="Menlo" panose="020B0609030804020204" pitchFamily="49" charset="0"/>
-                <a:cs typeface="Menlo" panose="020B0609030804020204" pitchFamily="49" charset="0"/>
+                <a:latin typeface="Consolas" panose="020B0609020204030204" pitchFamily="49" charset="0"/>
+                <a:ea typeface="Menlo" panose="020B0609030804020204" pitchFamily="49" charset="0"/>
+                <a:cs typeface="Consolas" panose="020B0609020204030204" pitchFamily="49" charset="0"/>
               </a:rPr>
               <a:t>def math(</a:t>
             </a:r>
@@ -15328,9 +15328,9 @@
                 <a:solidFill>
                   <a:schemeClr val="accent6"/>
                 </a:solidFill>
-                <a:latin typeface="Menlo" panose="020B0609030804020204" pitchFamily="49" charset="0"/>
-                <a:ea typeface="Menlo" panose="020B0609030804020204" pitchFamily="49" charset="0"/>
-                <a:cs typeface="Menlo" panose="020B0609030804020204" pitchFamily="49" charset="0"/>
+                <a:latin typeface="Consolas" panose="020B0609020204030204" pitchFamily="49" charset="0"/>
+                <a:ea typeface="Menlo" panose="020B0609030804020204" pitchFamily="49" charset="0"/>
+                <a:cs typeface="Consolas" panose="020B0609020204030204" pitchFamily="49" charset="0"/>
               </a:rPr>
               <a:t>coef</a:t>
             </a:r>
@@ -15339,9 +15339,9 @@
                 <a:solidFill>
                   <a:schemeClr val="accent6"/>
                 </a:solidFill>
-                <a:latin typeface="Menlo" panose="020B0609030804020204" pitchFamily="49" charset="0"/>
-                <a:ea typeface="Menlo" panose="020B0609030804020204" pitchFamily="49" charset="0"/>
-                <a:cs typeface="Menlo" panose="020B0609030804020204" pitchFamily="49" charset="0"/>
+                <a:latin typeface="Consolas" panose="020B0609020204030204" pitchFamily="49" charset="0"/>
+                <a:ea typeface="Menlo" panose="020B0609030804020204" pitchFamily="49" charset="0"/>
+                <a:cs typeface="Consolas" panose="020B0609020204030204" pitchFamily="49" charset="0"/>
               </a:rPr>
               <a:t>, base, exponent):</a:t>
             </a:r>
@@ -15352,9 +15352,9 @@
             </a:pPr>
             <a:r>
               <a:rPr lang="en-US" dirty="0">
-                <a:latin typeface="Menlo" panose="020B0609030804020204" pitchFamily="49" charset="0"/>
-                <a:ea typeface="Menlo" panose="020B0609030804020204" pitchFamily="49" charset="0"/>
-                <a:cs typeface="Menlo" panose="020B0609030804020204" pitchFamily="49" charset="0"/>
+                <a:latin typeface="Consolas" panose="020B0609020204030204" pitchFamily="49" charset="0"/>
+                <a:ea typeface="Menlo" panose="020B0609030804020204" pitchFamily="49" charset="0"/>
+                <a:cs typeface="Consolas" panose="020B0609020204030204" pitchFamily="49" charset="0"/>
               </a:rPr>
               <a:t>...     </a:t>
             </a:r>
@@ -15363,9 +15363,9 @@
                 <a:solidFill>
                   <a:schemeClr val="accent6"/>
                 </a:solidFill>
-                <a:latin typeface="Menlo" panose="020B0609030804020204" pitchFamily="49" charset="0"/>
-                <a:ea typeface="Menlo" panose="020B0609030804020204" pitchFamily="49" charset="0"/>
-                <a:cs typeface="Menlo" panose="020B0609030804020204" pitchFamily="49" charset="0"/>
+                <a:latin typeface="Consolas" panose="020B0609020204030204" pitchFamily="49" charset="0"/>
+                <a:ea typeface="Menlo" panose="020B0609030804020204" pitchFamily="49" charset="0"/>
+                <a:cs typeface="Consolas" panose="020B0609020204030204" pitchFamily="49" charset="0"/>
               </a:rPr>
               <a:t>return </a:t>
             </a:r>
@@ -15374,9 +15374,9 @@
                 <a:solidFill>
                   <a:schemeClr val="accent6"/>
                 </a:solidFill>
-                <a:latin typeface="Menlo" panose="020B0609030804020204" pitchFamily="49" charset="0"/>
-                <a:ea typeface="Menlo" panose="020B0609030804020204" pitchFamily="49" charset="0"/>
-                <a:cs typeface="Menlo" panose="020B0609030804020204" pitchFamily="49" charset="0"/>
+                <a:latin typeface="Consolas" panose="020B0609020204030204" pitchFamily="49" charset="0"/>
+                <a:ea typeface="Menlo" panose="020B0609030804020204" pitchFamily="49" charset="0"/>
+                <a:cs typeface="Consolas" panose="020B0609020204030204" pitchFamily="49" charset="0"/>
               </a:rPr>
               <a:t>coef</a:t>
             </a:r>
@@ -15385,9 +15385,9 @@
                 <a:solidFill>
                   <a:schemeClr val="accent6"/>
                 </a:solidFill>
-                <a:latin typeface="Menlo" panose="020B0609030804020204" pitchFamily="49" charset="0"/>
-                <a:ea typeface="Menlo" panose="020B0609030804020204" pitchFamily="49" charset="0"/>
-                <a:cs typeface="Menlo" panose="020B0609030804020204" pitchFamily="49" charset="0"/>
+                <a:latin typeface="Consolas" panose="020B0609020204030204" pitchFamily="49" charset="0"/>
+                <a:ea typeface="Menlo" panose="020B0609030804020204" pitchFamily="49" charset="0"/>
+                <a:cs typeface="Consolas" panose="020B0609020204030204" pitchFamily="49" charset="0"/>
               </a:rPr>
               <a:t> * base ** exponent</a:t>
             </a:r>
@@ -15398,9 +15398,9 @@
             </a:pPr>
             <a:r>
               <a:rPr lang="en-US" dirty="0">
-                <a:latin typeface="Menlo" panose="020B0609030804020204" pitchFamily="49" charset="0"/>
-                <a:ea typeface="Menlo" panose="020B0609030804020204" pitchFamily="49" charset="0"/>
-                <a:cs typeface="Menlo" panose="020B0609030804020204" pitchFamily="49" charset="0"/>
+                <a:latin typeface="Consolas" panose="020B0609020204030204" pitchFamily="49" charset="0"/>
+                <a:ea typeface="Menlo" panose="020B0609030804020204" pitchFamily="49" charset="0"/>
+                <a:cs typeface="Consolas" panose="020B0609020204030204" pitchFamily="49" charset="0"/>
               </a:rPr>
               <a:t>&gt;&gt;&gt; </a:t>
             </a:r>
@@ -15409,9 +15409,9 @@
                 <a:solidFill>
                   <a:schemeClr val="accent6"/>
                 </a:solidFill>
-                <a:latin typeface="Menlo" panose="020B0609030804020204" pitchFamily="49" charset="0"/>
-                <a:ea typeface="Menlo" panose="020B0609030804020204" pitchFamily="49" charset="0"/>
-                <a:cs typeface="Menlo" panose="020B0609030804020204" pitchFamily="49" charset="0"/>
+                <a:latin typeface="Consolas" panose="020B0609020204030204" pitchFamily="49" charset="0"/>
+                <a:ea typeface="Menlo" panose="020B0609030804020204" pitchFamily="49" charset="0"/>
+                <a:cs typeface="Consolas" panose="020B0609020204030204" pitchFamily="49" charset="0"/>
               </a:rPr>
               <a:t>math(10, 2, 3)</a:t>
             </a:r>
@@ -15422,9 +15422,9 @@
             </a:pPr>
             <a:r>
               <a:rPr lang="en-US" dirty="0">
-                <a:latin typeface="Menlo" panose="020B0609030804020204" pitchFamily="49" charset="0"/>
-                <a:ea typeface="Menlo" panose="020B0609030804020204" pitchFamily="49" charset="0"/>
-                <a:cs typeface="Menlo" panose="020B0609030804020204" pitchFamily="49" charset="0"/>
+                <a:latin typeface="Consolas" panose="020B0609020204030204" pitchFamily="49" charset="0"/>
+                <a:ea typeface="Menlo" panose="020B0609030804020204" pitchFamily="49" charset="0"/>
+                <a:cs typeface="Consolas" panose="020B0609020204030204" pitchFamily="49" charset="0"/>
               </a:rPr>
               <a:t>80</a:t>
             </a:r>
@@ -15435,9 +15435,9 @@
             </a:pPr>
             <a:r>
               <a:rPr lang="en-US" dirty="0">
-                <a:latin typeface="Menlo" panose="020B0609030804020204" pitchFamily="49" charset="0"/>
-                <a:ea typeface="Menlo" panose="020B0609030804020204" pitchFamily="49" charset="0"/>
-                <a:cs typeface="Menlo" panose="020B0609030804020204" pitchFamily="49" charset="0"/>
+                <a:latin typeface="Consolas" panose="020B0609020204030204" pitchFamily="49" charset="0"/>
+                <a:ea typeface="Menlo" panose="020B0609030804020204" pitchFamily="49" charset="0"/>
+                <a:cs typeface="Consolas" panose="020B0609020204030204" pitchFamily="49" charset="0"/>
               </a:rPr>
               <a:t>&gt;&gt;&gt; </a:t>
             </a:r>
@@ -15446,9 +15446,9 @@
                 <a:solidFill>
                   <a:schemeClr val="accent6"/>
                 </a:solidFill>
-                <a:latin typeface="Menlo" panose="020B0609030804020204" pitchFamily="49" charset="0"/>
-                <a:ea typeface="Menlo" panose="020B0609030804020204" pitchFamily="49" charset="0"/>
-                <a:cs typeface="Menlo" panose="020B0609030804020204" pitchFamily="49" charset="0"/>
+                <a:latin typeface="Consolas" panose="020B0609020204030204" pitchFamily="49" charset="0"/>
+                <a:ea typeface="Menlo" panose="020B0609030804020204" pitchFamily="49" charset="0"/>
+                <a:cs typeface="Consolas" panose="020B0609020204030204" pitchFamily="49" charset="0"/>
               </a:rPr>
               <a:t>def math(</a:t>
             </a:r>
@@ -15457,9 +15457,9 @@
                 <a:solidFill>
                   <a:schemeClr val="accent6"/>
                 </a:solidFill>
-                <a:latin typeface="Menlo" panose="020B0609030804020204" pitchFamily="49" charset="0"/>
-                <a:ea typeface="Menlo" panose="020B0609030804020204" pitchFamily="49" charset="0"/>
-                <a:cs typeface="Menlo" panose="020B0609030804020204" pitchFamily="49" charset="0"/>
+                <a:latin typeface="Consolas" panose="020B0609020204030204" pitchFamily="49" charset="0"/>
+                <a:ea typeface="Menlo" panose="020B0609030804020204" pitchFamily="49" charset="0"/>
+                <a:cs typeface="Consolas" panose="020B0609020204030204" pitchFamily="49" charset="0"/>
               </a:rPr>
               <a:t>coef</a:t>
             </a:r>
@@ -15468,9 +15468,9 @@
                 <a:solidFill>
                   <a:schemeClr val="accent6"/>
                 </a:solidFill>
-                <a:latin typeface="Menlo" panose="020B0609030804020204" pitchFamily="49" charset="0"/>
-                <a:ea typeface="Menlo" panose="020B0609030804020204" pitchFamily="49" charset="0"/>
-                <a:cs typeface="Menlo" panose="020B0609030804020204" pitchFamily="49" charset="0"/>
+                <a:latin typeface="Consolas" panose="020B0609020204030204" pitchFamily="49" charset="0"/>
+                <a:ea typeface="Menlo" panose="020B0609030804020204" pitchFamily="49" charset="0"/>
+                <a:cs typeface="Consolas" panose="020B0609020204030204" pitchFamily="49" charset="0"/>
               </a:rPr>
               <a:t>, base, exponent=1):</a:t>
             </a:r>
@@ -15481,9 +15481,9 @@
             </a:pPr>
             <a:r>
               <a:rPr lang="en-US" dirty="0">
-                <a:latin typeface="Menlo" panose="020B0609030804020204" pitchFamily="49" charset="0"/>
-                <a:ea typeface="Menlo" panose="020B0609030804020204" pitchFamily="49" charset="0"/>
-                <a:cs typeface="Menlo" panose="020B0609030804020204" pitchFamily="49" charset="0"/>
+                <a:latin typeface="Consolas" panose="020B0609020204030204" pitchFamily="49" charset="0"/>
+                <a:ea typeface="Menlo" panose="020B0609030804020204" pitchFamily="49" charset="0"/>
+                <a:cs typeface="Consolas" panose="020B0609020204030204" pitchFamily="49" charset="0"/>
               </a:rPr>
               <a:t>...    </a:t>
             </a:r>
@@ -15492,9 +15492,9 @@
                 <a:solidFill>
                   <a:schemeClr val="accent6"/>
                 </a:solidFill>
-                <a:latin typeface="Menlo" panose="020B0609030804020204" pitchFamily="49" charset="0"/>
-                <a:ea typeface="Menlo" panose="020B0609030804020204" pitchFamily="49" charset="0"/>
-                <a:cs typeface="Menlo" panose="020B0609030804020204" pitchFamily="49" charset="0"/>
+                <a:latin typeface="Consolas" panose="020B0609020204030204" pitchFamily="49" charset="0"/>
+                <a:ea typeface="Menlo" panose="020B0609030804020204" pitchFamily="49" charset="0"/>
+                <a:cs typeface="Consolas" panose="020B0609020204030204" pitchFamily="49" charset="0"/>
               </a:rPr>
               <a:t> return </a:t>
             </a:r>
@@ -15503,9 +15503,9 @@
                 <a:solidFill>
                   <a:schemeClr val="accent6"/>
                 </a:solidFill>
-                <a:latin typeface="Menlo" panose="020B0609030804020204" pitchFamily="49" charset="0"/>
-                <a:ea typeface="Menlo" panose="020B0609030804020204" pitchFamily="49" charset="0"/>
-                <a:cs typeface="Menlo" panose="020B0609030804020204" pitchFamily="49" charset="0"/>
+                <a:latin typeface="Consolas" panose="020B0609020204030204" pitchFamily="49" charset="0"/>
+                <a:ea typeface="Menlo" panose="020B0609030804020204" pitchFamily="49" charset="0"/>
+                <a:cs typeface="Consolas" panose="020B0609020204030204" pitchFamily="49" charset="0"/>
               </a:rPr>
               <a:t>coef</a:t>
             </a:r>
@@ -15514,9 +15514,9 @@
                 <a:solidFill>
                   <a:schemeClr val="accent6"/>
                 </a:solidFill>
-                <a:latin typeface="Menlo" panose="020B0609030804020204" pitchFamily="49" charset="0"/>
-                <a:ea typeface="Menlo" panose="020B0609030804020204" pitchFamily="49" charset="0"/>
-                <a:cs typeface="Menlo" panose="020B0609030804020204" pitchFamily="49" charset="0"/>
+                <a:latin typeface="Consolas" panose="020B0609020204030204" pitchFamily="49" charset="0"/>
+                <a:ea typeface="Menlo" panose="020B0609030804020204" pitchFamily="49" charset="0"/>
+                <a:cs typeface="Consolas" panose="020B0609020204030204" pitchFamily="49" charset="0"/>
               </a:rPr>
               <a:t> * base ** exponent</a:t>
             </a:r>
@@ -15527,9 +15527,9 @@
             </a:pPr>
             <a:r>
               <a:rPr lang="en-US" dirty="0">
-                <a:latin typeface="Menlo" panose="020B0609030804020204" pitchFamily="49" charset="0"/>
-                <a:ea typeface="Menlo" panose="020B0609030804020204" pitchFamily="49" charset="0"/>
-                <a:cs typeface="Menlo" panose="020B0609030804020204" pitchFamily="49" charset="0"/>
+                <a:latin typeface="Consolas" panose="020B0609020204030204" pitchFamily="49" charset="0"/>
+                <a:ea typeface="Menlo" panose="020B0609030804020204" pitchFamily="49" charset="0"/>
+                <a:cs typeface="Consolas" panose="020B0609020204030204" pitchFamily="49" charset="0"/>
               </a:rPr>
               <a:t>&gt;&gt;&gt; </a:t>
             </a:r>
@@ -15538,9 +15538,9 @@
                 <a:solidFill>
                   <a:schemeClr val="accent6"/>
                 </a:solidFill>
-                <a:latin typeface="Menlo" panose="020B0609030804020204" pitchFamily="49" charset="0"/>
-                <a:ea typeface="Menlo" panose="020B0609030804020204" pitchFamily="49" charset="0"/>
-                <a:cs typeface="Menlo" panose="020B0609030804020204" pitchFamily="49" charset="0"/>
+                <a:latin typeface="Consolas" panose="020B0609020204030204" pitchFamily="49" charset="0"/>
+                <a:ea typeface="Menlo" panose="020B0609030804020204" pitchFamily="49" charset="0"/>
+                <a:cs typeface="Consolas" panose="020B0609020204030204" pitchFamily="49" charset="0"/>
               </a:rPr>
               <a:t>math(10, 2)</a:t>
             </a:r>
@@ -15551,9 +15551,9 @@
             </a:pPr>
             <a:r>
               <a:rPr lang="en-US" dirty="0">
-                <a:latin typeface="Menlo" panose="020B0609030804020204" pitchFamily="49" charset="0"/>
-                <a:ea typeface="Menlo" panose="020B0609030804020204" pitchFamily="49" charset="0"/>
-                <a:cs typeface="Menlo" panose="020B0609030804020204" pitchFamily="49" charset="0"/>
+                <a:latin typeface="Consolas" panose="020B0609020204030204" pitchFamily="49" charset="0"/>
+                <a:ea typeface="Menlo" panose="020B0609030804020204" pitchFamily="49" charset="0"/>
+                <a:cs typeface="Consolas" panose="020B0609020204030204" pitchFamily="49" charset="0"/>
               </a:rPr>
               <a:t>20</a:t>
             </a:r>
@@ -15564,9 +15564,9 @@
             </a:pPr>
             <a:r>
               <a:rPr lang="en-US" dirty="0">
-                <a:latin typeface="Menlo" panose="020B0609030804020204" pitchFamily="49" charset="0"/>
-                <a:ea typeface="Menlo" panose="020B0609030804020204" pitchFamily="49" charset="0"/>
-                <a:cs typeface="Menlo" panose="020B0609030804020204" pitchFamily="49" charset="0"/>
+                <a:latin typeface="Consolas" panose="020B0609020204030204" pitchFamily="49" charset="0"/>
+                <a:ea typeface="Menlo" panose="020B0609030804020204" pitchFamily="49" charset="0"/>
+                <a:cs typeface="Consolas" panose="020B0609020204030204" pitchFamily="49" charset="0"/>
               </a:rPr>
               <a:t>&gt;&gt;&gt; </a:t>
             </a:r>
@@ -15575,9 +15575,9 @@
                 <a:solidFill>
                   <a:schemeClr val="accent6"/>
                 </a:solidFill>
-                <a:latin typeface="Menlo" panose="020B0609030804020204" pitchFamily="49" charset="0"/>
-                <a:ea typeface="Menlo" panose="020B0609030804020204" pitchFamily="49" charset="0"/>
-                <a:cs typeface="Menlo" panose="020B0609030804020204" pitchFamily="49" charset="0"/>
+                <a:latin typeface="Consolas" panose="020B0609020204030204" pitchFamily="49" charset="0"/>
+                <a:ea typeface="Menlo" panose="020B0609030804020204" pitchFamily="49" charset="0"/>
+                <a:cs typeface="Consolas" panose="020B0609020204030204" pitchFamily="49" charset="0"/>
               </a:rPr>
               <a:t>math(exponent=2, base=2, </a:t>
             </a:r>
@@ -15586,9 +15586,9 @@
                 <a:solidFill>
                   <a:schemeClr val="accent6"/>
                 </a:solidFill>
-                <a:latin typeface="Menlo" panose="020B0609030804020204" pitchFamily="49" charset="0"/>
-                <a:ea typeface="Menlo" panose="020B0609030804020204" pitchFamily="49" charset="0"/>
-                <a:cs typeface="Menlo" panose="020B0609030804020204" pitchFamily="49" charset="0"/>
+                <a:latin typeface="Consolas" panose="020B0609020204030204" pitchFamily="49" charset="0"/>
+                <a:ea typeface="Menlo" panose="020B0609030804020204" pitchFamily="49" charset="0"/>
+                <a:cs typeface="Consolas" panose="020B0609020204030204" pitchFamily="49" charset="0"/>
               </a:rPr>
               <a:t>coef</a:t>
             </a:r>
@@ -15597,9 +15597,9 @@
                 <a:solidFill>
                   <a:schemeClr val="accent6"/>
                 </a:solidFill>
-                <a:latin typeface="Menlo" panose="020B0609030804020204" pitchFamily="49" charset="0"/>
-                <a:ea typeface="Menlo" panose="020B0609030804020204" pitchFamily="49" charset="0"/>
-                <a:cs typeface="Menlo" panose="020B0609030804020204" pitchFamily="49" charset="0"/>
+                <a:latin typeface="Consolas" panose="020B0609020204030204" pitchFamily="49" charset="0"/>
+                <a:ea typeface="Menlo" panose="020B0609030804020204" pitchFamily="49" charset="0"/>
+                <a:cs typeface="Consolas" panose="020B0609020204030204" pitchFamily="49" charset="0"/>
               </a:rPr>
               <a:t>=1)</a:t>
             </a:r>
@@ -15610,9 +15610,9 @@
             </a:pPr>
             <a:r>
               <a:rPr lang="en-US" dirty="0">
-                <a:latin typeface="Menlo" panose="020B0609030804020204" pitchFamily="49" charset="0"/>
-                <a:ea typeface="Menlo" panose="020B0609030804020204" pitchFamily="49" charset="0"/>
-                <a:cs typeface="Menlo" panose="020B0609030804020204" pitchFamily="49" charset="0"/>
+                <a:latin typeface="Consolas" panose="020B0609020204030204" pitchFamily="49" charset="0"/>
+                <a:ea typeface="Menlo" panose="020B0609030804020204" pitchFamily="49" charset="0"/>
+                <a:cs typeface="Consolas" panose="020B0609020204030204" pitchFamily="49" charset="0"/>
               </a:rPr>
               <a:t>4</a:t>
             </a:r>
@@ -15623,9 +15623,9 @@
             </a:pPr>
             <a:r>
               <a:rPr lang="en-US" dirty="0">
-                <a:latin typeface="Menlo" panose="020B0609030804020204" pitchFamily="49" charset="0"/>
-                <a:ea typeface="Menlo" panose="020B0609030804020204" pitchFamily="49" charset="0"/>
-                <a:cs typeface="Menlo" panose="020B0609030804020204" pitchFamily="49" charset="0"/>
+                <a:latin typeface="Consolas" panose="020B0609020204030204" pitchFamily="49" charset="0"/>
+                <a:ea typeface="Menlo" panose="020B0609030804020204" pitchFamily="49" charset="0"/>
+                <a:cs typeface="Consolas" panose="020B0609020204030204" pitchFamily="49" charset="0"/>
               </a:rPr>
               <a:t>&gt;&gt;&gt; </a:t>
             </a:r>
@@ -15634,9 +15634,9 @@
                 <a:solidFill>
                   <a:schemeClr val="accent6"/>
                 </a:solidFill>
-                <a:latin typeface="Menlo" panose="020B0609030804020204" pitchFamily="49" charset="0"/>
-                <a:ea typeface="Menlo" panose="020B0609030804020204" pitchFamily="49" charset="0"/>
-                <a:cs typeface="Menlo" panose="020B0609030804020204" pitchFamily="49" charset="0"/>
+                <a:latin typeface="Consolas" panose="020B0609020204030204" pitchFamily="49" charset="0"/>
+                <a:ea typeface="Menlo" panose="020B0609030804020204" pitchFamily="49" charset="0"/>
+                <a:cs typeface="Consolas" panose="020B0609020204030204" pitchFamily="49" charset="0"/>
               </a:rPr>
               <a:t>def math(</a:t>
             </a:r>
@@ -15645,9 +15645,9 @@
                 <a:solidFill>
                   <a:schemeClr val="accent6"/>
                 </a:solidFill>
-                <a:latin typeface="Menlo" panose="020B0609030804020204" pitchFamily="49" charset="0"/>
-                <a:ea typeface="Menlo" panose="020B0609030804020204" pitchFamily="49" charset="0"/>
-                <a:cs typeface="Menlo" panose="020B0609030804020204" pitchFamily="49" charset="0"/>
+                <a:latin typeface="Consolas" panose="020B0609020204030204" pitchFamily="49" charset="0"/>
+                <a:ea typeface="Menlo" panose="020B0609030804020204" pitchFamily="49" charset="0"/>
+                <a:cs typeface="Consolas" panose="020B0609020204030204" pitchFamily="49" charset="0"/>
               </a:rPr>
               <a:t>coef</a:t>
             </a:r>
@@ -15656,9 +15656,9 @@
                 <a:solidFill>
                   <a:schemeClr val="accent6"/>
                 </a:solidFill>
-                <a:latin typeface="Menlo" panose="020B0609030804020204" pitchFamily="49" charset="0"/>
-                <a:ea typeface="Menlo" panose="020B0609030804020204" pitchFamily="49" charset="0"/>
-                <a:cs typeface="Menlo" panose="020B0609030804020204" pitchFamily="49" charset="0"/>
+                <a:latin typeface="Consolas" panose="020B0609020204030204" pitchFamily="49" charset="0"/>
+                <a:ea typeface="Menlo" panose="020B0609030804020204" pitchFamily="49" charset="0"/>
+                <a:cs typeface="Consolas" panose="020B0609020204030204" pitchFamily="49" charset="0"/>
               </a:rPr>
               <a:t>=1, base, exponent=1):</a:t>
             </a:r>
@@ -15669,9 +15669,9 @@
             </a:pPr>
             <a:r>
               <a:rPr lang="en-US" dirty="0">
-                <a:latin typeface="Menlo" panose="020B0609030804020204" pitchFamily="49" charset="0"/>
-                <a:ea typeface="Menlo" panose="020B0609030804020204" pitchFamily="49" charset="0"/>
-                <a:cs typeface="Menlo" panose="020B0609030804020204" pitchFamily="49" charset="0"/>
+                <a:latin typeface="Consolas" panose="020B0609020204030204" pitchFamily="49" charset="0"/>
+                <a:ea typeface="Menlo" panose="020B0609030804020204" pitchFamily="49" charset="0"/>
+                <a:cs typeface="Consolas" panose="020B0609020204030204" pitchFamily="49" charset="0"/>
               </a:rPr>
               <a:t>...   </a:t>
             </a:r>
@@ -15680,9 +15680,9 @@
                 <a:solidFill>
                   <a:schemeClr val="accent6"/>
                 </a:solidFill>
-                <a:latin typeface="Menlo" panose="020B0609030804020204" pitchFamily="49" charset="0"/>
-                <a:ea typeface="Menlo" panose="020B0609030804020204" pitchFamily="49" charset="0"/>
-                <a:cs typeface="Menlo" panose="020B0609030804020204" pitchFamily="49" charset="0"/>
+                <a:latin typeface="Consolas" panose="020B0609020204030204" pitchFamily="49" charset="0"/>
+                <a:ea typeface="Menlo" panose="020B0609030804020204" pitchFamily="49" charset="0"/>
+                <a:cs typeface="Consolas" panose="020B0609020204030204" pitchFamily="49" charset="0"/>
               </a:rPr>
               <a:t>  return </a:t>
             </a:r>
@@ -15691,9 +15691,9 @@
                 <a:solidFill>
                   <a:schemeClr val="accent6"/>
                 </a:solidFill>
-                <a:latin typeface="Menlo" panose="020B0609030804020204" pitchFamily="49" charset="0"/>
-                <a:ea typeface="Menlo" panose="020B0609030804020204" pitchFamily="49" charset="0"/>
-                <a:cs typeface="Menlo" panose="020B0609030804020204" pitchFamily="49" charset="0"/>
+                <a:latin typeface="Consolas" panose="020B0609020204030204" pitchFamily="49" charset="0"/>
+                <a:ea typeface="Menlo" panose="020B0609030804020204" pitchFamily="49" charset="0"/>
+                <a:cs typeface="Consolas" panose="020B0609020204030204" pitchFamily="49" charset="0"/>
               </a:rPr>
               <a:t>coef</a:t>
             </a:r>
@@ -15702,9 +15702,9 @@
                 <a:solidFill>
                   <a:schemeClr val="accent6"/>
                 </a:solidFill>
-                <a:latin typeface="Menlo" panose="020B0609030804020204" pitchFamily="49" charset="0"/>
-                <a:ea typeface="Menlo" panose="020B0609030804020204" pitchFamily="49" charset="0"/>
-                <a:cs typeface="Menlo" panose="020B0609030804020204" pitchFamily="49" charset="0"/>
+                <a:latin typeface="Consolas" panose="020B0609020204030204" pitchFamily="49" charset="0"/>
+                <a:ea typeface="Menlo" panose="020B0609030804020204" pitchFamily="49" charset="0"/>
+                <a:cs typeface="Consolas" panose="020B0609020204030204" pitchFamily="49" charset="0"/>
               </a:rPr>
               <a:t> * base ** exponent</a:t>
             </a:r>
@@ -15718,9 +15718,9 @@
                 <a:solidFill>
                   <a:srgbClr val="FF0000"/>
                 </a:solidFill>
-                <a:latin typeface="Menlo" panose="020B0609030804020204" pitchFamily="49" charset="0"/>
-                <a:ea typeface="Menlo" panose="020B0609030804020204" pitchFamily="49" charset="0"/>
-                <a:cs typeface="Menlo" panose="020B0609030804020204" pitchFamily="49" charset="0"/>
+                <a:latin typeface="Consolas" panose="020B0609020204030204" pitchFamily="49" charset="0"/>
+                <a:ea typeface="Menlo" panose="020B0609030804020204" pitchFamily="49" charset="0"/>
+                <a:cs typeface="Consolas" panose="020B0609020204030204" pitchFamily="49" charset="0"/>
               </a:rPr>
               <a:t>File "&lt;stdin&gt;", line 1</a:t>
             </a:r>
@@ -15734,9 +15734,9 @@
                 <a:solidFill>
                   <a:srgbClr val="FF0000"/>
                 </a:solidFill>
-                <a:latin typeface="Menlo" panose="020B0609030804020204" pitchFamily="49" charset="0"/>
-                <a:ea typeface="Menlo" panose="020B0609030804020204" pitchFamily="49" charset="0"/>
-                <a:cs typeface="Menlo" panose="020B0609030804020204" pitchFamily="49" charset="0"/>
+                <a:latin typeface="Consolas" panose="020B0609020204030204" pitchFamily="49" charset="0"/>
+                <a:ea typeface="Menlo" panose="020B0609030804020204" pitchFamily="49" charset="0"/>
+                <a:cs typeface="Consolas" panose="020B0609020204030204" pitchFamily="49" charset="0"/>
               </a:rPr>
               <a:t>SyntaxError</a:t>
             </a:r>
@@ -15745,9 +15745,9 @@
                 <a:solidFill>
                   <a:srgbClr val="FF0000"/>
                 </a:solidFill>
-                <a:latin typeface="Menlo" panose="020B0609030804020204" pitchFamily="49" charset="0"/>
-                <a:ea typeface="Menlo" panose="020B0609030804020204" pitchFamily="49" charset="0"/>
-                <a:cs typeface="Menlo" panose="020B0609030804020204" pitchFamily="49" charset="0"/>
+                <a:latin typeface="Consolas" panose="020B0609020204030204" pitchFamily="49" charset="0"/>
+                <a:ea typeface="Menlo" panose="020B0609030804020204" pitchFamily="49" charset="0"/>
+                <a:cs typeface="Consolas" panose="020B0609020204030204" pitchFamily="49" charset="0"/>
               </a:rPr>
               <a:t>: non-default argument follows</a:t>
             </a:r>
@@ -15761,9 +15761,9 @@
                 <a:solidFill>
                   <a:srgbClr val="FF0000"/>
                 </a:solidFill>
-                <a:latin typeface="Menlo" panose="020B0609030804020204" pitchFamily="49" charset="0"/>
-                <a:ea typeface="Menlo" panose="020B0609030804020204" pitchFamily="49" charset="0"/>
-                <a:cs typeface="Menlo" panose="020B0609030804020204" pitchFamily="49" charset="0"/>
+                <a:latin typeface="Consolas" panose="020B0609020204030204" pitchFamily="49" charset="0"/>
+                <a:ea typeface="Menlo" panose="020B0609030804020204" pitchFamily="49" charset="0"/>
+                <a:cs typeface="Consolas" panose="020B0609020204030204" pitchFamily="49" charset="0"/>
               </a:rPr>
               <a:t> default argument</a:t>
             </a:r>
@@ -15773,9 +15773,9 @@
               <a:buNone/>
             </a:pPr>
             <a:endParaRPr lang="en-US" dirty="0">
-              <a:latin typeface="Menlo" panose="020B0609030804020204" pitchFamily="49" charset="0"/>
+              <a:latin typeface="Consolas" panose="020B0609020204030204" pitchFamily="49" charset="0"/>
               <a:ea typeface="Menlo" panose="020B0609030804020204" pitchFamily="49" charset="0"/>
-              <a:cs typeface="Menlo" panose="020B0609030804020204" pitchFamily="49" charset="0"/>
+              <a:cs typeface="Consolas" panose="020B0609020204030204" pitchFamily="49" charset="0"/>
             </a:endParaRPr>
           </a:p>
           <a:p>
@@ -15783,9 +15783,9 @@
               <a:buNone/>
             </a:pPr>
             <a:endParaRPr lang="en-US" dirty="0">
-              <a:latin typeface="Menlo" panose="020B0609030804020204" pitchFamily="49" charset="0"/>
+              <a:latin typeface="Consolas" panose="020B0609020204030204" pitchFamily="49" charset="0"/>
               <a:ea typeface="Menlo" panose="020B0609030804020204" pitchFamily="49" charset="0"/>
-              <a:cs typeface="Menlo" panose="020B0609030804020204" pitchFamily="49" charset="0"/>
+              <a:cs typeface="Consolas" panose="020B0609020204030204" pitchFamily="49" charset="0"/>
             </a:endParaRPr>
           </a:p>
           <a:p>
@@ -15793,9 +15793,9 @@
               <a:buNone/>
             </a:pPr>
             <a:endParaRPr lang="en-US" dirty="0">
-              <a:latin typeface="Menlo" panose="020B0609030804020204" pitchFamily="49" charset="0"/>
+              <a:latin typeface="Consolas" panose="020B0609020204030204" pitchFamily="49" charset="0"/>
               <a:ea typeface="Menlo" panose="020B0609030804020204" pitchFamily="49" charset="0"/>
-              <a:cs typeface="Menlo" panose="020B0609030804020204" pitchFamily="49" charset="0"/>
+              <a:cs typeface="Consolas" panose="020B0609020204030204" pitchFamily="49" charset="0"/>
             </a:endParaRPr>
           </a:p>
         </p:txBody>
@@ -17722,7 +17722,7 @@
         </p:spPr>
         <p:txBody>
           <a:bodyPr vert="horz" lIns="91440" tIns="45720" rIns="91440" bIns="45720" rtlCol="0">
-            <a:normAutofit fontScale="85000" lnSpcReduction="10000"/>
+            <a:normAutofit fontScale="92500" lnSpcReduction="20000"/>
           </a:bodyPr>
           <a:lstStyle>
             <a:lvl1pPr marL="384048" indent="-384048" algn="l" defTabSz="914400" rtl="0" eaLnBrk="1" latinLnBrk="0" hangingPunct="1">
@@ -17921,9 +17921,9 @@
             </a:pPr>
             <a:r>
               <a:rPr lang="en-US" dirty="0">
-                <a:latin typeface="Menlo" panose="020B0609030804020204" pitchFamily="49" charset="0"/>
-                <a:ea typeface="Menlo" panose="020B0609030804020204" pitchFamily="49" charset="0"/>
-                <a:cs typeface="Menlo" panose="020B0609030804020204" pitchFamily="49" charset="0"/>
+                <a:latin typeface="Consolas" panose="020B0609020204030204" pitchFamily="49" charset="0"/>
+                <a:ea typeface="Menlo" panose="020B0609030804020204" pitchFamily="49" charset="0"/>
+                <a:cs typeface="Consolas" panose="020B0609020204030204" pitchFamily="49" charset="0"/>
               </a:rPr>
               <a:t>&gt;&gt;&gt; </a:t>
             </a:r>
@@ -17932,9 +17932,9 @@
                 <a:solidFill>
                   <a:schemeClr val="accent6"/>
                 </a:solidFill>
-                <a:latin typeface="Menlo" panose="020B0609030804020204" pitchFamily="49" charset="0"/>
-                <a:ea typeface="Menlo" panose="020B0609030804020204" pitchFamily="49" charset="0"/>
-                <a:cs typeface="Menlo" panose="020B0609030804020204" pitchFamily="49" charset="0"/>
+                <a:latin typeface="Consolas" panose="020B0609020204030204" pitchFamily="49" charset="0"/>
+                <a:ea typeface="Menlo" panose="020B0609030804020204" pitchFamily="49" charset="0"/>
+                <a:cs typeface="Consolas" panose="020B0609020204030204" pitchFamily="49" charset="0"/>
               </a:rPr>
               <a:t>def </a:t>
             </a:r>
@@ -17943,9 +17943,9 @@
                 <a:solidFill>
                   <a:schemeClr val="accent6"/>
                 </a:solidFill>
-                <a:latin typeface="Menlo" panose="020B0609030804020204" pitchFamily="49" charset="0"/>
-                <a:ea typeface="Menlo" panose="020B0609030804020204" pitchFamily="49" charset="0"/>
-                <a:cs typeface="Menlo" panose="020B0609030804020204" pitchFamily="49" charset="0"/>
+                <a:latin typeface="Consolas" panose="020B0609020204030204" pitchFamily="49" charset="0"/>
+                <a:ea typeface="Menlo" panose="020B0609030804020204" pitchFamily="49" charset="0"/>
+                <a:cs typeface="Consolas" panose="020B0609020204030204" pitchFamily="49" charset="0"/>
               </a:rPr>
               <a:t>mult</a:t>
             </a:r>
@@ -17954,9 +17954,9 @@
                 <a:solidFill>
                   <a:schemeClr val="accent6"/>
                 </a:solidFill>
-                <a:latin typeface="Menlo" panose="020B0609030804020204" pitchFamily="49" charset="0"/>
-                <a:ea typeface="Menlo" panose="020B0609030804020204" pitchFamily="49" charset="0"/>
-                <a:cs typeface="Menlo" panose="020B0609030804020204" pitchFamily="49" charset="0"/>
+                <a:latin typeface="Consolas" panose="020B0609020204030204" pitchFamily="49" charset="0"/>
+                <a:ea typeface="Menlo" panose="020B0609030804020204" pitchFamily="49" charset="0"/>
+                <a:cs typeface="Consolas" panose="020B0609020204030204" pitchFamily="49" charset="0"/>
               </a:rPr>
               <a:t>(</a:t>
             </a:r>
@@ -17965,9 +17965,9 @@
                 <a:solidFill>
                   <a:schemeClr val="accent6"/>
                 </a:solidFill>
-                <a:latin typeface="Menlo" panose="020B0609030804020204" pitchFamily="49" charset="0"/>
-                <a:ea typeface="Menlo" panose="020B0609030804020204" pitchFamily="49" charset="0"/>
-                <a:cs typeface="Menlo" panose="020B0609030804020204" pitchFamily="49" charset="0"/>
+                <a:latin typeface="Consolas" panose="020B0609020204030204" pitchFamily="49" charset="0"/>
+                <a:ea typeface="Menlo" panose="020B0609030804020204" pitchFamily="49" charset="0"/>
+                <a:cs typeface="Consolas" panose="020B0609020204030204" pitchFamily="49" charset="0"/>
               </a:rPr>
               <a:t>num</a:t>
             </a:r>
@@ -17976,9 +17976,9 @@
                 <a:solidFill>
                   <a:schemeClr val="accent6"/>
                 </a:solidFill>
-                <a:latin typeface="Menlo" panose="020B0609030804020204" pitchFamily="49" charset="0"/>
-                <a:ea typeface="Menlo" panose="020B0609030804020204" pitchFamily="49" charset="0"/>
-                <a:cs typeface="Menlo" panose="020B0609030804020204" pitchFamily="49" charset="0"/>
+                <a:latin typeface="Consolas" panose="020B0609020204030204" pitchFamily="49" charset="0"/>
+                <a:ea typeface="Menlo" panose="020B0609030804020204" pitchFamily="49" charset="0"/>
+                <a:cs typeface="Consolas" panose="020B0609020204030204" pitchFamily="49" charset="0"/>
               </a:rPr>
               <a:t>, *</a:t>
             </a:r>
@@ -17987,9 +17987,9 @@
                 <a:solidFill>
                   <a:schemeClr val="accent6"/>
                 </a:solidFill>
-                <a:latin typeface="Menlo" panose="020B0609030804020204" pitchFamily="49" charset="0"/>
-                <a:ea typeface="Menlo" panose="020B0609030804020204" pitchFamily="49" charset="0"/>
-                <a:cs typeface="Menlo" panose="020B0609030804020204" pitchFamily="49" charset="0"/>
+                <a:latin typeface="Consolas" panose="020B0609020204030204" pitchFamily="49" charset="0"/>
+                <a:ea typeface="Menlo" panose="020B0609030804020204" pitchFamily="49" charset="0"/>
+                <a:cs typeface="Consolas" panose="020B0609020204030204" pitchFamily="49" charset="0"/>
               </a:rPr>
               <a:t>args</a:t>
             </a:r>
@@ -17998,9 +17998,9 @@
                 <a:solidFill>
                   <a:schemeClr val="accent6"/>
                 </a:solidFill>
-                <a:latin typeface="Menlo" panose="020B0609030804020204" pitchFamily="49" charset="0"/>
-                <a:ea typeface="Menlo" panose="020B0609030804020204" pitchFamily="49" charset="0"/>
-                <a:cs typeface="Menlo" panose="020B0609030804020204" pitchFamily="49" charset="0"/>
+                <a:latin typeface="Consolas" panose="020B0609020204030204" pitchFamily="49" charset="0"/>
+                <a:ea typeface="Menlo" panose="020B0609030804020204" pitchFamily="49" charset="0"/>
+                <a:cs typeface="Consolas" panose="020B0609020204030204" pitchFamily="49" charset="0"/>
               </a:rPr>
               <a:t>):</a:t>
             </a:r>
@@ -18011,9 +18011,9 @@
             </a:pPr>
             <a:r>
               <a:rPr lang="en-US" dirty="0">
-                <a:latin typeface="Menlo" panose="020B0609030804020204" pitchFamily="49" charset="0"/>
-                <a:ea typeface="Menlo" panose="020B0609030804020204" pitchFamily="49" charset="0"/>
-                <a:cs typeface="Menlo" panose="020B0609030804020204" pitchFamily="49" charset="0"/>
+                <a:latin typeface="Consolas" panose="020B0609020204030204" pitchFamily="49" charset="0"/>
+                <a:ea typeface="Menlo" panose="020B0609030804020204" pitchFamily="49" charset="0"/>
+                <a:cs typeface="Consolas" panose="020B0609020204030204" pitchFamily="49" charset="0"/>
               </a:rPr>
               <a:t>...    </a:t>
             </a:r>
@@ -18022,9 +18022,9 @@
                 <a:solidFill>
                   <a:schemeClr val="accent6"/>
                 </a:solidFill>
-                <a:latin typeface="Menlo" panose="020B0609030804020204" pitchFamily="49" charset="0"/>
-                <a:ea typeface="Menlo" panose="020B0609030804020204" pitchFamily="49" charset="0"/>
-                <a:cs typeface="Menlo" panose="020B0609030804020204" pitchFamily="49" charset="0"/>
+                <a:latin typeface="Consolas" panose="020B0609020204030204" pitchFamily="49" charset="0"/>
+                <a:ea typeface="Menlo" panose="020B0609030804020204" pitchFamily="49" charset="0"/>
+                <a:cs typeface="Consolas" panose="020B0609020204030204" pitchFamily="49" charset="0"/>
               </a:rPr>
               <a:t> for </a:t>
             </a:r>
@@ -18033,9 +18033,9 @@
                 <a:solidFill>
                   <a:schemeClr val="accent6"/>
                 </a:solidFill>
-                <a:latin typeface="Menlo" panose="020B0609030804020204" pitchFamily="49" charset="0"/>
-                <a:ea typeface="Menlo" panose="020B0609030804020204" pitchFamily="49" charset="0"/>
-                <a:cs typeface="Menlo" panose="020B0609030804020204" pitchFamily="49" charset="0"/>
+                <a:latin typeface="Consolas" panose="020B0609020204030204" pitchFamily="49" charset="0"/>
+                <a:ea typeface="Menlo" panose="020B0609030804020204" pitchFamily="49" charset="0"/>
+                <a:cs typeface="Consolas" panose="020B0609020204030204" pitchFamily="49" charset="0"/>
               </a:rPr>
               <a:t>i</a:t>
             </a:r>
@@ -18044,9 +18044,9 @@
                 <a:solidFill>
                   <a:schemeClr val="accent6"/>
                 </a:solidFill>
-                <a:latin typeface="Menlo" panose="020B0609030804020204" pitchFamily="49" charset="0"/>
-                <a:ea typeface="Menlo" panose="020B0609030804020204" pitchFamily="49" charset="0"/>
-                <a:cs typeface="Menlo" panose="020B0609030804020204" pitchFamily="49" charset="0"/>
+                <a:latin typeface="Consolas" panose="020B0609020204030204" pitchFamily="49" charset="0"/>
+                <a:ea typeface="Menlo" panose="020B0609030804020204" pitchFamily="49" charset="0"/>
+                <a:cs typeface="Consolas" panose="020B0609020204030204" pitchFamily="49" charset="0"/>
               </a:rPr>
               <a:t> in </a:t>
             </a:r>
@@ -18055,9 +18055,9 @@
                 <a:solidFill>
                   <a:schemeClr val="accent6"/>
                 </a:solidFill>
-                <a:latin typeface="Menlo" panose="020B0609030804020204" pitchFamily="49" charset="0"/>
-                <a:ea typeface="Menlo" panose="020B0609030804020204" pitchFamily="49" charset="0"/>
-                <a:cs typeface="Menlo" panose="020B0609030804020204" pitchFamily="49" charset="0"/>
+                <a:latin typeface="Consolas" panose="020B0609020204030204" pitchFamily="49" charset="0"/>
+                <a:ea typeface="Menlo" panose="020B0609030804020204" pitchFamily="49" charset="0"/>
+                <a:cs typeface="Consolas" panose="020B0609020204030204" pitchFamily="49" charset="0"/>
               </a:rPr>
               <a:t>args</a:t>
             </a:r>
@@ -18066,9 +18066,9 @@
                 <a:solidFill>
                   <a:schemeClr val="accent6"/>
                 </a:solidFill>
-                <a:latin typeface="Menlo" panose="020B0609030804020204" pitchFamily="49" charset="0"/>
-                <a:ea typeface="Menlo" panose="020B0609030804020204" pitchFamily="49" charset="0"/>
-                <a:cs typeface="Menlo" panose="020B0609030804020204" pitchFamily="49" charset="0"/>
+                <a:latin typeface="Consolas" panose="020B0609020204030204" pitchFamily="49" charset="0"/>
+                <a:ea typeface="Menlo" panose="020B0609030804020204" pitchFamily="49" charset="0"/>
+                <a:cs typeface="Consolas" panose="020B0609020204030204" pitchFamily="49" charset="0"/>
               </a:rPr>
               <a:t>:</a:t>
             </a:r>
@@ -18079,9 +18079,9 @@
             </a:pPr>
             <a:r>
               <a:rPr lang="en-US" dirty="0">
-                <a:latin typeface="Menlo" panose="020B0609030804020204" pitchFamily="49" charset="0"/>
-                <a:ea typeface="Menlo" panose="020B0609030804020204" pitchFamily="49" charset="0"/>
-                <a:cs typeface="Menlo" panose="020B0609030804020204" pitchFamily="49" charset="0"/>
+                <a:latin typeface="Consolas" panose="020B0609020204030204" pitchFamily="49" charset="0"/>
+                <a:ea typeface="Menlo" panose="020B0609030804020204" pitchFamily="49" charset="0"/>
+                <a:cs typeface="Consolas" panose="020B0609020204030204" pitchFamily="49" charset="0"/>
               </a:rPr>
               <a:t>...     </a:t>
             </a:r>
@@ -18090,9 +18090,9 @@
                 <a:solidFill>
                   <a:schemeClr val="accent6"/>
                 </a:solidFill>
-                <a:latin typeface="Menlo" panose="020B0609030804020204" pitchFamily="49" charset="0"/>
-                <a:ea typeface="Menlo" panose="020B0609030804020204" pitchFamily="49" charset="0"/>
-                <a:cs typeface="Menlo" panose="020B0609030804020204" pitchFamily="49" charset="0"/>
+                <a:latin typeface="Consolas" panose="020B0609020204030204" pitchFamily="49" charset="0"/>
+                <a:ea typeface="Menlo" panose="020B0609030804020204" pitchFamily="49" charset="0"/>
+                <a:cs typeface="Consolas" panose="020B0609020204030204" pitchFamily="49" charset="0"/>
               </a:rPr>
               <a:t>        </a:t>
             </a:r>
@@ -18101,9 +18101,9 @@
                 <a:solidFill>
                   <a:schemeClr val="accent6"/>
                 </a:solidFill>
-                <a:latin typeface="Menlo" panose="020B0609030804020204" pitchFamily="49" charset="0"/>
-                <a:ea typeface="Menlo" panose="020B0609030804020204" pitchFamily="49" charset="0"/>
-                <a:cs typeface="Menlo" panose="020B0609030804020204" pitchFamily="49" charset="0"/>
+                <a:latin typeface="Consolas" panose="020B0609020204030204" pitchFamily="49" charset="0"/>
+                <a:ea typeface="Menlo" panose="020B0609030804020204" pitchFamily="49" charset="0"/>
+                <a:cs typeface="Consolas" panose="020B0609020204030204" pitchFamily="49" charset="0"/>
               </a:rPr>
               <a:t>num</a:t>
             </a:r>
@@ -18112,9 +18112,9 @@
                 <a:solidFill>
                   <a:schemeClr val="accent6"/>
                 </a:solidFill>
-                <a:latin typeface="Menlo" panose="020B0609030804020204" pitchFamily="49" charset="0"/>
-                <a:ea typeface="Menlo" panose="020B0609030804020204" pitchFamily="49" charset="0"/>
-                <a:cs typeface="Menlo" panose="020B0609030804020204" pitchFamily="49" charset="0"/>
+                <a:latin typeface="Consolas" panose="020B0609020204030204" pitchFamily="49" charset="0"/>
+                <a:ea typeface="Menlo" panose="020B0609030804020204" pitchFamily="49" charset="0"/>
+                <a:cs typeface="Consolas" panose="020B0609020204030204" pitchFamily="49" charset="0"/>
               </a:rPr>
               <a:t> *= </a:t>
             </a:r>
@@ -18123,9 +18123,9 @@
                 <a:solidFill>
                   <a:schemeClr val="accent6"/>
                 </a:solidFill>
-                <a:latin typeface="Menlo" panose="020B0609030804020204" pitchFamily="49" charset="0"/>
-                <a:ea typeface="Menlo" panose="020B0609030804020204" pitchFamily="49" charset="0"/>
-                <a:cs typeface="Menlo" panose="020B0609030804020204" pitchFamily="49" charset="0"/>
+                <a:latin typeface="Consolas" panose="020B0609020204030204" pitchFamily="49" charset="0"/>
+                <a:ea typeface="Menlo" panose="020B0609030804020204" pitchFamily="49" charset="0"/>
+                <a:cs typeface="Consolas" panose="020B0609020204030204" pitchFamily="49" charset="0"/>
               </a:rPr>
               <a:t>i</a:t>
             </a:r>
@@ -18133,9 +18133,9 @@
               <a:solidFill>
                 <a:schemeClr val="accent6"/>
               </a:solidFill>
-              <a:latin typeface="Menlo" panose="020B0609030804020204" pitchFamily="49" charset="0"/>
+              <a:latin typeface="Consolas" panose="020B0609020204030204" pitchFamily="49" charset="0"/>
               <a:ea typeface="Menlo" panose="020B0609030804020204" pitchFamily="49" charset="0"/>
-              <a:cs typeface="Menlo" panose="020B0609030804020204" pitchFamily="49" charset="0"/>
+              <a:cs typeface="Consolas" panose="020B0609020204030204" pitchFamily="49" charset="0"/>
             </a:endParaRPr>
           </a:p>
           <a:p>
@@ -18144,9 +18144,9 @@
             </a:pPr>
             <a:r>
               <a:rPr lang="en-US" dirty="0">
-                <a:latin typeface="Menlo" panose="020B0609030804020204" pitchFamily="49" charset="0"/>
-                <a:ea typeface="Menlo" panose="020B0609030804020204" pitchFamily="49" charset="0"/>
-                <a:cs typeface="Menlo" panose="020B0609030804020204" pitchFamily="49" charset="0"/>
+                <a:latin typeface="Consolas" panose="020B0609020204030204" pitchFamily="49" charset="0"/>
+                <a:ea typeface="Menlo" panose="020B0609030804020204" pitchFamily="49" charset="0"/>
+                <a:cs typeface="Consolas" panose="020B0609020204030204" pitchFamily="49" charset="0"/>
               </a:rPr>
               <a:t>...     </a:t>
             </a:r>
@@ -18155,9 +18155,9 @@
                 <a:solidFill>
                   <a:schemeClr val="accent6"/>
                 </a:solidFill>
-                <a:latin typeface="Menlo" panose="020B0609030804020204" pitchFamily="49" charset="0"/>
-                <a:ea typeface="Menlo" panose="020B0609030804020204" pitchFamily="49" charset="0"/>
-                <a:cs typeface="Menlo" panose="020B0609030804020204" pitchFamily="49" charset="0"/>
+                <a:latin typeface="Consolas" panose="020B0609020204030204" pitchFamily="49" charset="0"/>
+                <a:ea typeface="Menlo" panose="020B0609030804020204" pitchFamily="49" charset="0"/>
+                <a:cs typeface="Consolas" panose="020B0609020204030204" pitchFamily="49" charset="0"/>
               </a:rPr>
               <a:t>return </a:t>
             </a:r>
@@ -18166,9 +18166,9 @@
                 <a:solidFill>
                   <a:schemeClr val="accent6"/>
                 </a:solidFill>
-                <a:latin typeface="Menlo" panose="020B0609030804020204" pitchFamily="49" charset="0"/>
-                <a:ea typeface="Menlo" panose="020B0609030804020204" pitchFamily="49" charset="0"/>
-                <a:cs typeface="Menlo" panose="020B0609030804020204" pitchFamily="49" charset="0"/>
+                <a:latin typeface="Consolas" panose="020B0609020204030204" pitchFamily="49" charset="0"/>
+                <a:ea typeface="Menlo" panose="020B0609030804020204" pitchFamily="49" charset="0"/>
+                <a:cs typeface="Consolas" panose="020B0609020204030204" pitchFamily="49" charset="0"/>
               </a:rPr>
               <a:t>num</a:t>
             </a:r>
@@ -18176,9 +18176,9 @@
               <a:solidFill>
                 <a:schemeClr val="accent6"/>
               </a:solidFill>
-              <a:latin typeface="Menlo" panose="020B0609030804020204" pitchFamily="49" charset="0"/>
+              <a:latin typeface="Consolas" panose="020B0609020204030204" pitchFamily="49" charset="0"/>
               <a:ea typeface="Menlo" panose="020B0609030804020204" pitchFamily="49" charset="0"/>
-              <a:cs typeface="Menlo" panose="020B0609030804020204" pitchFamily="49" charset="0"/>
+              <a:cs typeface="Consolas" panose="020B0609020204030204" pitchFamily="49" charset="0"/>
             </a:endParaRPr>
           </a:p>
           <a:p>
@@ -18187,9 +18187,9 @@
             </a:pPr>
             <a:r>
               <a:rPr lang="en-US" dirty="0">
-                <a:latin typeface="Menlo" panose="020B0609030804020204" pitchFamily="49" charset="0"/>
-                <a:ea typeface="Menlo" panose="020B0609030804020204" pitchFamily="49" charset="0"/>
-                <a:cs typeface="Menlo" panose="020B0609030804020204" pitchFamily="49" charset="0"/>
+                <a:latin typeface="Consolas" panose="020B0609020204030204" pitchFamily="49" charset="0"/>
+                <a:ea typeface="Menlo" panose="020B0609030804020204" pitchFamily="49" charset="0"/>
+                <a:cs typeface="Consolas" panose="020B0609020204030204" pitchFamily="49" charset="0"/>
               </a:rPr>
               <a:t>&gt;&gt;&gt; </a:t>
             </a:r>
@@ -18198,9 +18198,9 @@
                 <a:solidFill>
                   <a:schemeClr val="accent6"/>
                 </a:solidFill>
-                <a:latin typeface="Menlo" panose="020B0609030804020204" pitchFamily="49" charset="0"/>
-                <a:ea typeface="Menlo" panose="020B0609030804020204" pitchFamily="49" charset="0"/>
-                <a:cs typeface="Menlo" panose="020B0609030804020204" pitchFamily="49" charset="0"/>
+                <a:latin typeface="Consolas" panose="020B0609020204030204" pitchFamily="49" charset="0"/>
+                <a:ea typeface="Menlo" panose="020B0609030804020204" pitchFamily="49" charset="0"/>
+                <a:cs typeface="Consolas" panose="020B0609020204030204" pitchFamily="49" charset="0"/>
               </a:rPr>
               <a:t>mult</a:t>
             </a:r>
@@ -18209,9 +18209,9 @@
                 <a:solidFill>
                   <a:schemeClr val="accent6"/>
                 </a:solidFill>
-                <a:latin typeface="Menlo" panose="020B0609030804020204" pitchFamily="49" charset="0"/>
-                <a:ea typeface="Menlo" panose="020B0609030804020204" pitchFamily="49" charset="0"/>
-                <a:cs typeface="Menlo" panose="020B0609030804020204" pitchFamily="49" charset="0"/>
+                <a:latin typeface="Consolas" panose="020B0609020204030204" pitchFamily="49" charset="0"/>
+                <a:ea typeface="Menlo" panose="020B0609030804020204" pitchFamily="49" charset="0"/>
+                <a:cs typeface="Consolas" panose="020B0609020204030204" pitchFamily="49" charset="0"/>
               </a:rPr>
               <a:t>(2, 3, 5, 10)</a:t>
             </a:r>
@@ -18222,9 +18222,9 @@
             </a:pPr>
             <a:r>
               <a:rPr lang="en-US" dirty="0">
-                <a:latin typeface="Menlo" panose="020B0609030804020204" pitchFamily="49" charset="0"/>
-                <a:ea typeface="Menlo" panose="020B0609030804020204" pitchFamily="49" charset="0"/>
-                <a:cs typeface="Menlo" panose="020B0609030804020204" pitchFamily="49" charset="0"/>
+                <a:latin typeface="Consolas" panose="020B0609020204030204" pitchFamily="49" charset="0"/>
+                <a:ea typeface="Menlo" panose="020B0609030804020204" pitchFamily="49" charset="0"/>
+                <a:cs typeface="Consolas" panose="020B0609020204030204" pitchFamily="49" charset="0"/>
               </a:rPr>
               <a:t>300</a:t>
             </a:r>
@@ -18235,9 +18235,9 @@
             </a:pPr>
             <a:r>
               <a:rPr lang="en-US" dirty="0">
-                <a:latin typeface="Menlo" panose="020B0609030804020204" pitchFamily="49" charset="0"/>
-                <a:ea typeface="Menlo" panose="020B0609030804020204" pitchFamily="49" charset="0"/>
-                <a:cs typeface="Menlo" panose="020B0609030804020204" pitchFamily="49" charset="0"/>
+                <a:latin typeface="Consolas" panose="020B0609020204030204" pitchFamily="49" charset="0"/>
+                <a:ea typeface="Menlo" panose="020B0609030804020204" pitchFamily="49" charset="0"/>
+                <a:cs typeface="Consolas" panose="020B0609020204030204" pitchFamily="49" charset="0"/>
               </a:rPr>
               <a:t>&gt;&gt;&gt; </a:t>
             </a:r>
@@ -18246,9 +18246,9 @@
                 <a:solidFill>
                   <a:schemeClr val="accent6"/>
                 </a:solidFill>
-                <a:latin typeface="Menlo" panose="020B0609030804020204" pitchFamily="49" charset="0"/>
-                <a:ea typeface="Menlo" panose="020B0609030804020204" pitchFamily="49" charset="0"/>
-                <a:cs typeface="Menlo" panose="020B0609030804020204" pitchFamily="49" charset="0"/>
+                <a:latin typeface="Consolas" panose="020B0609020204030204" pitchFamily="49" charset="0"/>
+                <a:ea typeface="Menlo" panose="020B0609030804020204" pitchFamily="49" charset="0"/>
+                <a:cs typeface="Consolas" panose="020B0609020204030204" pitchFamily="49" charset="0"/>
               </a:rPr>
               <a:t>mult</a:t>
             </a:r>
@@ -18257,9 +18257,9 @@
                 <a:solidFill>
                   <a:schemeClr val="accent6"/>
                 </a:solidFill>
-                <a:latin typeface="Menlo" panose="020B0609030804020204" pitchFamily="49" charset="0"/>
-                <a:ea typeface="Menlo" panose="020B0609030804020204" pitchFamily="49" charset="0"/>
-                <a:cs typeface="Menlo" panose="020B0609030804020204" pitchFamily="49" charset="0"/>
+                <a:latin typeface="Consolas" panose="020B0609020204030204" pitchFamily="49" charset="0"/>
+                <a:ea typeface="Menlo" panose="020B0609030804020204" pitchFamily="49" charset="0"/>
+                <a:cs typeface="Consolas" panose="020B0609020204030204" pitchFamily="49" charset="0"/>
               </a:rPr>
               <a:t>()</a:t>
             </a:r>
@@ -18273,9 +18273,9 @@
                 <a:solidFill>
                   <a:srgbClr val="FF0000"/>
                 </a:solidFill>
-                <a:latin typeface="Menlo" panose="020B0609030804020204" pitchFamily="49" charset="0"/>
-                <a:ea typeface="Menlo" panose="020B0609030804020204" pitchFamily="49" charset="0"/>
-                <a:cs typeface="Menlo" panose="020B0609030804020204" pitchFamily="49" charset="0"/>
+                <a:latin typeface="Consolas" panose="020B0609020204030204" pitchFamily="49" charset="0"/>
+                <a:ea typeface="Menlo" panose="020B0609030804020204" pitchFamily="49" charset="0"/>
+                <a:cs typeface="Consolas" panose="020B0609020204030204" pitchFamily="49" charset="0"/>
               </a:rPr>
               <a:t>Traceback (most recent call last):</a:t>
             </a:r>
@@ -18289,9 +18289,9 @@
                 <a:solidFill>
                   <a:srgbClr val="FF0000"/>
                 </a:solidFill>
-                <a:latin typeface="Menlo" panose="020B0609030804020204" pitchFamily="49" charset="0"/>
-                <a:ea typeface="Menlo" panose="020B0609030804020204" pitchFamily="49" charset="0"/>
-                <a:cs typeface="Menlo" panose="020B0609030804020204" pitchFamily="49" charset="0"/>
+                <a:latin typeface="Consolas" panose="020B0609020204030204" pitchFamily="49" charset="0"/>
+                <a:ea typeface="Menlo" panose="020B0609030804020204" pitchFamily="49" charset="0"/>
+                <a:cs typeface="Consolas" panose="020B0609020204030204" pitchFamily="49" charset="0"/>
               </a:rPr>
               <a:t>  File "&lt;stdin&gt;", line 1, in &lt;module&gt;</a:t>
             </a:r>
@@ -18305,9 +18305,9 @@
                 <a:solidFill>
                   <a:srgbClr val="FF0000"/>
                 </a:solidFill>
-                <a:latin typeface="Menlo" panose="020B0609030804020204" pitchFamily="49" charset="0"/>
-                <a:ea typeface="Menlo" panose="020B0609030804020204" pitchFamily="49" charset="0"/>
-                <a:cs typeface="Menlo" panose="020B0609030804020204" pitchFamily="49" charset="0"/>
+                <a:latin typeface="Consolas" panose="020B0609020204030204" pitchFamily="49" charset="0"/>
+                <a:ea typeface="Menlo" panose="020B0609030804020204" pitchFamily="49" charset="0"/>
+                <a:cs typeface="Consolas" panose="020B0609020204030204" pitchFamily="49" charset="0"/>
               </a:rPr>
               <a:t>TypeError</a:t>
             </a:r>
@@ -18316,9 +18316,9 @@
                 <a:solidFill>
                   <a:srgbClr val="FF0000"/>
                 </a:solidFill>
-                <a:latin typeface="Menlo" panose="020B0609030804020204" pitchFamily="49" charset="0"/>
-                <a:ea typeface="Menlo" panose="020B0609030804020204" pitchFamily="49" charset="0"/>
-                <a:cs typeface="Menlo" panose="020B0609030804020204" pitchFamily="49" charset="0"/>
+                <a:latin typeface="Consolas" panose="020B0609020204030204" pitchFamily="49" charset="0"/>
+                <a:ea typeface="Menlo" panose="020B0609030804020204" pitchFamily="49" charset="0"/>
+                <a:cs typeface="Consolas" panose="020B0609020204030204" pitchFamily="49" charset="0"/>
               </a:rPr>
               <a:t>: </a:t>
             </a:r>
@@ -18327,9 +18327,9 @@
                 <a:solidFill>
                   <a:srgbClr val="FF0000"/>
                 </a:solidFill>
-                <a:latin typeface="Menlo" panose="020B0609030804020204" pitchFamily="49" charset="0"/>
-                <a:ea typeface="Menlo" panose="020B0609030804020204" pitchFamily="49" charset="0"/>
-                <a:cs typeface="Menlo" panose="020B0609030804020204" pitchFamily="49" charset="0"/>
+                <a:latin typeface="Consolas" panose="020B0609020204030204" pitchFamily="49" charset="0"/>
+                <a:ea typeface="Menlo" panose="020B0609030804020204" pitchFamily="49" charset="0"/>
+                <a:cs typeface="Consolas" panose="020B0609020204030204" pitchFamily="49" charset="0"/>
               </a:rPr>
               <a:t>mult</a:t>
             </a:r>
@@ -18338,9 +18338,9 @@
                 <a:solidFill>
                   <a:srgbClr val="FF0000"/>
                 </a:solidFill>
-                <a:latin typeface="Menlo" panose="020B0609030804020204" pitchFamily="49" charset="0"/>
-                <a:ea typeface="Menlo" panose="020B0609030804020204" pitchFamily="49" charset="0"/>
-                <a:cs typeface="Menlo" panose="020B0609030804020204" pitchFamily="49" charset="0"/>
+                <a:latin typeface="Consolas" panose="020B0609020204030204" pitchFamily="49" charset="0"/>
+                <a:ea typeface="Menlo" panose="020B0609030804020204" pitchFamily="49" charset="0"/>
+                <a:cs typeface="Consolas" panose="020B0609020204030204" pitchFamily="49" charset="0"/>
               </a:rPr>
               <a:t>() missing 1 required </a:t>
             </a:r>
@@ -18354,9 +18354,9 @@
                 <a:solidFill>
                   <a:srgbClr val="FF0000"/>
                 </a:solidFill>
-                <a:latin typeface="Menlo" panose="020B0609030804020204" pitchFamily="49" charset="0"/>
-                <a:ea typeface="Menlo" panose="020B0609030804020204" pitchFamily="49" charset="0"/>
-                <a:cs typeface="Menlo" panose="020B0609030804020204" pitchFamily="49" charset="0"/>
+                <a:latin typeface="Consolas" panose="020B0609020204030204" pitchFamily="49" charset="0"/>
+                <a:ea typeface="Menlo" panose="020B0609030804020204" pitchFamily="49" charset="0"/>
+                <a:cs typeface="Consolas" panose="020B0609020204030204" pitchFamily="49" charset="0"/>
               </a:rPr>
               <a:t>positional argument: '</a:t>
             </a:r>
@@ -18365,9 +18365,9 @@
                 <a:solidFill>
                   <a:srgbClr val="FF0000"/>
                 </a:solidFill>
-                <a:latin typeface="Menlo" panose="020B0609030804020204" pitchFamily="49" charset="0"/>
-                <a:ea typeface="Menlo" panose="020B0609030804020204" pitchFamily="49" charset="0"/>
-                <a:cs typeface="Menlo" panose="020B0609030804020204" pitchFamily="49" charset="0"/>
+                <a:latin typeface="Consolas" panose="020B0609020204030204" pitchFamily="49" charset="0"/>
+                <a:ea typeface="Menlo" panose="020B0609030804020204" pitchFamily="49" charset="0"/>
+                <a:cs typeface="Consolas" panose="020B0609020204030204" pitchFamily="49" charset="0"/>
               </a:rPr>
               <a:t>num</a:t>
             </a:r>
@@ -18376,9 +18376,9 @@
                 <a:solidFill>
                   <a:srgbClr val="FF0000"/>
                 </a:solidFill>
-                <a:latin typeface="Menlo" panose="020B0609030804020204" pitchFamily="49" charset="0"/>
-                <a:ea typeface="Menlo" panose="020B0609030804020204" pitchFamily="49" charset="0"/>
-                <a:cs typeface="Menlo" panose="020B0609030804020204" pitchFamily="49" charset="0"/>
+                <a:latin typeface="Consolas" panose="020B0609020204030204" pitchFamily="49" charset="0"/>
+                <a:ea typeface="Menlo" panose="020B0609030804020204" pitchFamily="49" charset="0"/>
+                <a:cs typeface="Consolas" panose="020B0609020204030204" pitchFamily="49" charset="0"/>
               </a:rPr>
               <a:t>'</a:t>
             </a:r>
@@ -18614,9 +18614,9 @@
             </a:pPr>
             <a:r>
               <a:rPr lang="en-US" dirty="0">
-                <a:latin typeface="Menlo" panose="020B0609030804020204" pitchFamily="49" charset="0"/>
-                <a:ea typeface="Menlo" panose="020B0609030804020204" pitchFamily="49" charset="0"/>
-                <a:cs typeface="Menlo" panose="020B0609030804020204" pitchFamily="49" charset="0"/>
+                <a:latin typeface="Consolas" panose="020B0609020204030204" pitchFamily="49" charset="0"/>
+                <a:ea typeface="Menlo" panose="020B0609030804020204" pitchFamily="49" charset="0"/>
+                <a:cs typeface="Consolas" panose="020B0609020204030204" pitchFamily="49" charset="0"/>
               </a:rPr>
               <a:t>&gt;&gt;&gt; </a:t>
             </a:r>
@@ -18625,9 +18625,9 @@
                 <a:solidFill>
                   <a:schemeClr val="accent6"/>
                 </a:solidFill>
-                <a:latin typeface="Menlo" panose="020B0609030804020204" pitchFamily="49" charset="0"/>
-                <a:ea typeface="Menlo" panose="020B0609030804020204" pitchFamily="49" charset="0"/>
-                <a:cs typeface="Menlo" panose="020B0609030804020204" pitchFamily="49" charset="0"/>
+                <a:latin typeface="Consolas" panose="020B0609020204030204" pitchFamily="49" charset="0"/>
+                <a:ea typeface="Menlo" panose="020B0609030804020204" pitchFamily="49" charset="0"/>
+                <a:cs typeface="Consolas" panose="020B0609020204030204" pitchFamily="49" charset="0"/>
               </a:rPr>
               <a:t>def </a:t>
             </a:r>
@@ -18636,9 +18636,9 @@
                 <a:solidFill>
                   <a:schemeClr val="accent6"/>
                 </a:solidFill>
-                <a:latin typeface="Menlo" panose="020B0609030804020204" pitchFamily="49" charset="0"/>
-                <a:ea typeface="Menlo" panose="020B0609030804020204" pitchFamily="49" charset="0"/>
-                <a:cs typeface="Menlo" panose="020B0609030804020204" pitchFamily="49" charset="0"/>
+                <a:latin typeface="Consolas" panose="020B0609020204030204" pitchFamily="49" charset="0"/>
+                <a:ea typeface="Menlo" panose="020B0609030804020204" pitchFamily="49" charset="0"/>
+                <a:cs typeface="Consolas" panose="020B0609020204030204" pitchFamily="49" charset="0"/>
               </a:rPr>
               <a:t>mult</a:t>
             </a:r>
@@ -18647,9 +18647,9 @@
                 <a:solidFill>
                   <a:schemeClr val="accent6"/>
                 </a:solidFill>
-                <a:latin typeface="Menlo" panose="020B0609030804020204" pitchFamily="49" charset="0"/>
-                <a:ea typeface="Menlo" panose="020B0609030804020204" pitchFamily="49" charset="0"/>
-                <a:cs typeface="Menlo" panose="020B0609030804020204" pitchFamily="49" charset="0"/>
+                <a:latin typeface="Consolas" panose="020B0609020204030204" pitchFamily="49" charset="0"/>
+                <a:ea typeface="Menlo" panose="020B0609030804020204" pitchFamily="49" charset="0"/>
+                <a:cs typeface="Consolas" panose="020B0609020204030204" pitchFamily="49" charset="0"/>
               </a:rPr>
               <a:t>(*</a:t>
             </a:r>
@@ -18658,9 +18658,9 @@
                 <a:solidFill>
                   <a:schemeClr val="accent6"/>
                 </a:solidFill>
-                <a:latin typeface="Menlo" panose="020B0609030804020204" pitchFamily="49" charset="0"/>
-                <a:ea typeface="Menlo" panose="020B0609030804020204" pitchFamily="49" charset="0"/>
-                <a:cs typeface="Menlo" panose="020B0609030804020204" pitchFamily="49" charset="0"/>
+                <a:latin typeface="Consolas" panose="020B0609020204030204" pitchFamily="49" charset="0"/>
+                <a:ea typeface="Menlo" panose="020B0609030804020204" pitchFamily="49" charset="0"/>
+                <a:cs typeface="Consolas" panose="020B0609020204030204" pitchFamily="49" charset="0"/>
               </a:rPr>
               <a:t>args</a:t>
             </a:r>
@@ -18669,9 +18669,9 @@
                 <a:solidFill>
                   <a:schemeClr val="accent6"/>
                 </a:solidFill>
-                <a:latin typeface="Menlo" panose="020B0609030804020204" pitchFamily="49" charset="0"/>
-                <a:ea typeface="Menlo" panose="020B0609030804020204" pitchFamily="49" charset="0"/>
-                <a:cs typeface="Menlo" panose="020B0609030804020204" pitchFamily="49" charset="0"/>
+                <a:latin typeface="Consolas" panose="020B0609020204030204" pitchFamily="49" charset="0"/>
+                <a:ea typeface="Menlo" panose="020B0609030804020204" pitchFamily="49" charset="0"/>
+                <a:cs typeface="Consolas" panose="020B0609020204030204" pitchFamily="49" charset="0"/>
               </a:rPr>
               <a:t>):</a:t>
             </a:r>
@@ -18682,9 +18682,9 @@
             </a:pPr>
             <a:r>
               <a:rPr lang="en-US" dirty="0">
-                <a:latin typeface="Menlo" panose="020B0609030804020204" pitchFamily="49" charset="0"/>
-                <a:ea typeface="Menlo" panose="020B0609030804020204" pitchFamily="49" charset="0"/>
-                <a:cs typeface="Menlo" panose="020B0609030804020204" pitchFamily="49" charset="0"/>
+                <a:latin typeface="Consolas" panose="020B0609020204030204" pitchFamily="49" charset="0"/>
+                <a:ea typeface="Menlo" panose="020B0609030804020204" pitchFamily="49" charset="0"/>
+                <a:cs typeface="Consolas" panose="020B0609020204030204" pitchFamily="49" charset="0"/>
               </a:rPr>
               <a:t>...    </a:t>
             </a:r>
@@ -18693,9 +18693,9 @@
                 <a:solidFill>
                   <a:schemeClr val="accent6"/>
                 </a:solidFill>
-                <a:latin typeface="Menlo" panose="020B0609030804020204" pitchFamily="49" charset="0"/>
-                <a:ea typeface="Menlo" panose="020B0609030804020204" pitchFamily="49" charset="0"/>
-                <a:cs typeface="Menlo" panose="020B0609030804020204" pitchFamily="49" charset="0"/>
+                <a:latin typeface="Consolas" panose="020B0609020204030204" pitchFamily="49" charset="0"/>
+                <a:ea typeface="Menlo" panose="020B0609030804020204" pitchFamily="49" charset="0"/>
+                <a:cs typeface="Consolas" panose="020B0609020204030204" pitchFamily="49" charset="0"/>
               </a:rPr>
               <a:t> out = 1</a:t>
             </a:r>
@@ -18706,9 +18706,9 @@
             </a:pPr>
             <a:r>
               <a:rPr lang="en-US" dirty="0">
-                <a:latin typeface="Menlo" panose="020B0609030804020204" pitchFamily="49" charset="0"/>
-                <a:ea typeface="Menlo" panose="020B0609030804020204" pitchFamily="49" charset="0"/>
-                <a:cs typeface="Menlo" panose="020B0609030804020204" pitchFamily="49" charset="0"/>
+                <a:latin typeface="Consolas" panose="020B0609020204030204" pitchFamily="49" charset="0"/>
+                <a:ea typeface="Menlo" panose="020B0609030804020204" pitchFamily="49" charset="0"/>
+                <a:cs typeface="Consolas" panose="020B0609020204030204" pitchFamily="49" charset="0"/>
               </a:rPr>
               <a:t>...     </a:t>
             </a:r>
@@ -18717,9 +18717,9 @@
                 <a:solidFill>
                   <a:schemeClr val="accent6"/>
                 </a:solidFill>
-                <a:latin typeface="Menlo" panose="020B0609030804020204" pitchFamily="49" charset="0"/>
-                <a:ea typeface="Menlo" panose="020B0609030804020204" pitchFamily="49" charset="0"/>
-                <a:cs typeface="Menlo" panose="020B0609030804020204" pitchFamily="49" charset="0"/>
+                <a:latin typeface="Consolas" panose="020B0609020204030204" pitchFamily="49" charset="0"/>
+                <a:ea typeface="Menlo" panose="020B0609030804020204" pitchFamily="49" charset="0"/>
+                <a:cs typeface="Consolas" panose="020B0609020204030204" pitchFamily="49" charset="0"/>
               </a:rPr>
               <a:t>for </a:t>
             </a:r>
@@ -18728,9 +18728,9 @@
                 <a:solidFill>
                   <a:schemeClr val="accent6"/>
                 </a:solidFill>
-                <a:latin typeface="Menlo" panose="020B0609030804020204" pitchFamily="49" charset="0"/>
-                <a:ea typeface="Menlo" panose="020B0609030804020204" pitchFamily="49" charset="0"/>
-                <a:cs typeface="Menlo" panose="020B0609030804020204" pitchFamily="49" charset="0"/>
+                <a:latin typeface="Consolas" panose="020B0609020204030204" pitchFamily="49" charset="0"/>
+                <a:ea typeface="Menlo" panose="020B0609030804020204" pitchFamily="49" charset="0"/>
+                <a:cs typeface="Consolas" panose="020B0609020204030204" pitchFamily="49" charset="0"/>
               </a:rPr>
               <a:t>i</a:t>
             </a:r>
@@ -18739,9 +18739,9 @@
                 <a:solidFill>
                   <a:schemeClr val="accent6"/>
                 </a:solidFill>
-                <a:latin typeface="Menlo" panose="020B0609030804020204" pitchFamily="49" charset="0"/>
-                <a:ea typeface="Menlo" panose="020B0609030804020204" pitchFamily="49" charset="0"/>
-                <a:cs typeface="Menlo" panose="020B0609030804020204" pitchFamily="49" charset="0"/>
+                <a:latin typeface="Consolas" panose="020B0609020204030204" pitchFamily="49" charset="0"/>
+                <a:ea typeface="Menlo" panose="020B0609030804020204" pitchFamily="49" charset="0"/>
+                <a:cs typeface="Consolas" panose="020B0609020204030204" pitchFamily="49" charset="0"/>
               </a:rPr>
               <a:t> in </a:t>
             </a:r>
@@ -18750,9 +18750,9 @@
                 <a:solidFill>
                   <a:schemeClr val="accent6"/>
                 </a:solidFill>
-                <a:latin typeface="Menlo" panose="020B0609030804020204" pitchFamily="49" charset="0"/>
-                <a:ea typeface="Menlo" panose="020B0609030804020204" pitchFamily="49" charset="0"/>
-                <a:cs typeface="Menlo" panose="020B0609030804020204" pitchFamily="49" charset="0"/>
+                <a:latin typeface="Consolas" panose="020B0609020204030204" pitchFamily="49" charset="0"/>
+                <a:ea typeface="Menlo" panose="020B0609030804020204" pitchFamily="49" charset="0"/>
+                <a:cs typeface="Consolas" panose="020B0609020204030204" pitchFamily="49" charset="0"/>
               </a:rPr>
               <a:t>args</a:t>
             </a:r>
@@ -18761,9 +18761,9 @@
                 <a:solidFill>
                   <a:schemeClr val="accent6"/>
                 </a:solidFill>
-                <a:latin typeface="Menlo" panose="020B0609030804020204" pitchFamily="49" charset="0"/>
-                <a:ea typeface="Menlo" panose="020B0609030804020204" pitchFamily="49" charset="0"/>
-                <a:cs typeface="Menlo" panose="020B0609030804020204" pitchFamily="49" charset="0"/>
+                <a:latin typeface="Consolas" panose="020B0609020204030204" pitchFamily="49" charset="0"/>
+                <a:ea typeface="Menlo" panose="020B0609030804020204" pitchFamily="49" charset="0"/>
+                <a:cs typeface="Consolas" panose="020B0609020204030204" pitchFamily="49" charset="0"/>
               </a:rPr>
               <a:t>:</a:t>
             </a:r>
@@ -18774,9 +18774,9 @@
             </a:pPr>
             <a:r>
               <a:rPr lang="en-US" dirty="0">
-                <a:latin typeface="Menlo" panose="020B0609030804020204" pitchFamily="49" charset="0"/>
-                <a:ea typeface="Menlo" panose="020B0609030804020204" pitchFamily="49" charset="0"/>
-                <a:cs typeface="Menlo" panose="020B0609030804020204" pitchFamily="49" charset="0"/>
+                <a:latin typeface="Consolas" panose="020B0609020204030204" pitchFamily="49" charset="0"/>
+                <a:ea typeface="Menlo" panose="020B0609030804020204" pitchFamily="49" charset="0"/>
+                <a:cs typeface="Consolas" panose="020B0609020204030204" pitchFamily="49" charset="0"/>
               </a:rPr>
               <a:t>...          </a:t>
             </a:r>
@@ -18785,9 +18785,9 @@
                 <a:solidFill>
                   <a:schemeClr val="accent6"/>
                 </a:solidFill>
-                <a:latin typeface="Menlo" panose="020B0609030804020204" pitchFamily="49" charset="0"/>
-                <a:ea typeface="Menlo" panose="020B0609030804020204" pitchFamily="49" charset="0"/>
-                <a:cs typeface="Menlo" panose="020B0609030804020204" pitchFamily="49" charset="0"/>
+                <a:latin typeface="Consolas" panose="020B0609020204030204" pitchFamily="49" charset="0"/>
+                <a:ea typeface="Menlo" panose="020B0609030804020204" pitchFamily="49" charset="0"/>
+                <a:cs typeface="Consolas" panose="020B0609020204030204" pitchFamily="49" charset="0"/>
               </a:rPr>
               <a:t>   out *= </a:t>
             </a:r>
@@ -18796,9 +18796,9 @@
                 <a:solidFill>
                   <a:schemeClr val="accent6"/>
                 </a:solidFill>
-                <a:latin typeface="Menlo" panose="020B0609030804020204" pitchFamily="49" charset="0"/>
-                <a:ea typeface="Menlo" panose="020B0609030804020204" pitchFamily="49" charset="0"/>
-                <a:cs typeface="Menlo" panose="020B0609030804020204" pitchFamily="49" charset="0"/>
+                <a:latin typeface="Consolas" panose="020B0609020204030204" pitchFamily="49" charset="0"/>
+                <a:ea typeface="Menlo" panose="020B0609030804020204" pitchFamily="49" charset="0"/>
+                <a:cs typeface="Consolas" panose="020B0609020204030204" pitchFamily="49" charset="0"/>
               </a:rPr>
               <a:t>i</a:t>
             </a:r>
@@ -18806,9 +18806,9 @@
               <a:solidFill>
                 <a:schemeClr val="accent6"/>
               </a:solidFill>
-              <a:latin typeface="Menlo" panose="020B0609030804020204" pitchFamily="49" charset="0"/>
+              <a:latin typeface="Consolas" panose="020B0609020204030204" pitchFamily="49" charset="0"/>
               <a:ea typeface="Menlo" panose="020B0609030804020204" pitchFamily="49" charset="0"/>
-              <a:cs typeface="Menlo" panose="020B0609030804020204" pitchFamily="49" charset="0"/>
+              <a:cs typeface="Consolas" panose="020B0609020204030204" pitchFamily="49" charset="0"/>
             </a:endParaRPr>
           </a:p>
           <a:p>
@@ -18817,9 +18817,9 @@
             </a:pPr>
             <a:r>
               <a:rPr lang="en-US" dirty="0">
-                <a:latin typeface="Menlo" panose="020B0609030804020204" pitchFamily="49" charset="0"/>
-                <a:ea typeface="Menlo" panose="020B0609030804020204" pitchFamily="49" charset="0"/>
-                <a:cs typeface="Menlo" panose="020B0609030804020204" pitchFamily="49" charset="0"/>
+                <a:latin typeface="Consolas" panose="020B0609020204030204" pitchFamily="49" charset="0"/>
+                <a:ea typeface="Menlo" panose="020B0609030804020204" pitchFamily="49" charset="0"/>
+                <a:cs typeface="Consolas" panose="020B0609020204030204" pitchFamily="49" charset="0"/>
               </a:rPr>
               <a:t>...    </a:t>
             </a:r>
@@ -18828,9 +18828,9 @@
                 <a:solidFill>
                   <a:schemeClr val="accent6"/>
                 </a:solidFill>
-                <a:latin typeface="Menlo" panose="020B0609030804020204" pitchFamily="49" charset="0"/>
-                <a:ea typeface="Menlo" panose="020B0609030804020204" pitchFamily="49" charset="0"/>
-                <a:cs typeface="Menlo" panose="020B0609030804020204" pitchFamily="49" charset="0"/>
+                <a:latin typeface="Consolas" panose="020B0609020204030204" pitchFamily="49" charset="0"/>
+                <a:ea typeface="Menlo" panose="020B0609030804020204" pitchFamily="49" charset="0"/>
+                <a:cs typeface="Consolas" panose="020B0609020204030204" pitchFamily="49" charset="0"/>
               </a:rPr>
               <a:t> return out</a:t>
             </a:r>
@@ -18841,9 +18841,9 @@
             </a:pPr>
             <a:r>
               <a:rPr lang="en-US" dirty="0">
-                <a:latin typeface="Menlo" panose="020B0609030804020204" pitchFamily="49" charset="0"/>
-                <a:ea typeface="Menlo" panose="020B0609030804020204" pitchFamily="49" charset="0"/>
-                <a:cs typeface="Menlo" panose="020B0609030804020204" pitchFamily="49" charset="0"/>
+                <a:latin typeface="Consolas" panose="020B0609020204030204" pitchFamily="49" charset="0"/>
+                <a:ea typeface="Menlo" panose="020B0609030804020204" pitchFamily="49" charset="0"/>
+                <a:cs typeface="Consolas" panose="020B0609020204030204" pitchFamily="49" charset="0"/>
               </a:rPr>
               <a:t>&gt;&gt;&gt; </a:t>
             </a:r>
@@ -18852,9 +18852,9 @@
                 <a:solidFill>
                   <a:schemeClr val="accent6"/>
                 </a:solidFill>
-                <a:latin typeface="Menlo" panose="020B0609030804020204" pitchFamily="49" charset="0"/>
-                <a:ea typeface="Menlo" panose="020B0609030804020204" pitchFamily="49" charset="0"/>
-                <a:cs typeface="Menlo" panose="020B0609030804020204" pitchFamily="49" charset="0"/>
+                <a:latin typeface="Consolas" panose="020B0609020204030204" pitchFamily="49" charset="0"/>
+                <a:ea typeface="Menlo" panose="020B0609030804020204" pitchFamily="49" charset="0"/>
+                <a:cs typeface="Consolas" panose="020B0609020204030204" pitchFamily="49" charset="0"/>
               </a:rPr>
               <a:t>mult</a:t>
             </a:r>
@@ -18863,9 +18863,9 @@
                 <a:solidFill>
                   <a:schemeClr val="accent6"/>
                 </a:solidFill>
-                <a:latin typeface="Menlo" panose="020B0609030804020204" pitchFamily="49" charset="0"/>
-                <a:ea typeface="Menlo" panose="020B0609030804020204" pitchFamily="49" charset="0"/>
-                <a:cs typeface="Menlo" panose="020B0609030804020204" pitchFamily="49" charset="0"/>
+                <a:latin typeface="Consolas" panose="020B0609020204030204" pitchFamily="49" charset="0"/>
+                <a:ea typeface="Menlo" panose="020B0609030804020204" pitchFamily="49" charset="0"/>
+                <a:cs typeface="Consolas" panose="020B0609020204030204" pitchFamily="49" charset="0"/>
               </a:rPr>
               <a:t>(2, 3, 5, 10)</a:t>
             </a:r>
@@ -18876,9 +18876,9 @@
             </a:pPr>
             <a:r>
               <a:rPr lang="en-US" dirty="0">
-                <a:latin typeface="Menlo" panose="020B0609030804020204" pitchFamily="49" charset="0"/>
-                <a:ea typeface="Menlo" panose="020B0609030804020204" pitchFamily="49" charset="0"/>
-                <a:cs typeface="Menlo" panose="020B0609030804020204" pitchFamily="49" charset="0"/>
+                <a:latin typeface="Consolas" panose="020B0609020204030204" pitchFamily="49" charset="0"/>
+                <a:ea typeface="Menlo" panose="020B0609030804020204" pitchFamily="49" charset="0"/>
+                <a:cs typeface="Consolas" panose="020B0609020204030204" pitchFamily="49" charset="0"/>
               </a:rPr>
               <a:t>300</a:t>
             </a:r>
@@ -18889,9 +18889,9 @@
             </a:pPr>
             <a:r>
               <a:rPr lang="en-US" dirty="0">
-                <a:latin typeface="Menlo" panose="020B0609030804020204" pitchFamily="49" charset="0"/>
-                <a:ea typeface="Menlo" panose="020B0609030804020204" pitchFamily="49" charset="0"/>
-                <a:cs typeface="Menlo" panose="020B0609030804020204" pitchFamily="49" charset="0"/>
+                <a:latin typeface="Consolas" panose="020B0609020204030204" pitchFamily="49" charset="0"/>
+                <a:ea typeface="Menlo" panose="020B0609030804020204" pitchFamily="49" charset="0"/>
+                <a:cs typeface="Consolas" panose="020B0609020204030204" pitchFamily="49" charset="0"/>
               </a:rPr>
               <a:t>&gt;&gt;&gt; </a:t>
             </a:r>
@@ -18900,9 +18900,9 @@
                 <a:solidFill>
                   <a:schemeClr val="accent6"/>
                 </a:solidFill>
-                <a:latin typeface="Menlo" panose="020B0609030804020204" pitchFamily="49" charset="0"/>
-                <a:ea typeface="Menlo" panose="020B0609030804020204" pitchFamily="49" charset="0"/>
-                <a:cs typeface="Menlo" panose="020B0609030804020204" pitchFamily="49" charset="0"/>
+                <a:latin typeface="Consolas" panose="020B0609020204030204" pitchFamily="49" charset="0"/>
+                <a:ea typeface="Menlo" panose="020B0609030804020204" pitchFamily="49" charset="0"/>
+                <a:cs typeface="Consolas" panose="020B0609020204030204" pitchFamily="49" charset="0"/>
               </a:rPr>
               <a:t>mult</a:t>
             </a:r>
@@ -18911,9 +18911,9 @@
                 <a:solidFill>
                   <a:schemeClr val="accent6"/>
                 </a:solidFill>
-                <a:latin typeface="Menlo" panose="020B0609030804020204" pitchFamily="49" charset="0"/>
-                <a:ea typeface="Menlo" panose="020B0609030804020204" pitchFamily="49" charset="0"/>
-                <a:cs typeface="Menlo" panose="020B0609030804020204" pitchFamily="49" charset="0"/>
+                <a:latin typeface="Consolas" panose="020B0609020204030204" pitchFamily="49" charset="0"/>
+                <a:ea typeface="Menlo" panose="020B0609030804020204" pitchFamily="49" charset="0"/>
+                <a:cs typeface="Consolas" panose="020B0609020204030204" pitchFamily="49" charset="0"/>
               </a:rPr>
               <a:t>()</a:t>
             </a:r>
@@ -18924,9 +18924,9 @@
             </a:pPr>
             <a:r>
               <a:rPr lang="en-US" dirty="0">
-                <a:latin typeface="Menlo" panose="020B0609030804020204" pitchFamily="49" charset="0"/>
-                <a:ea typeface="Menlo" panose="020B0609030804020204" pitchFamily="49" charset="0"/>
-                <a:cs typeface="Menlo" panose="020B0609030804020204" pitchFamily="49" charset="0"/>
+                <a:latin typeface="Consolas" panose="020B0609020204030204" pitchFamily="49" charset="0"/>
+                <a:ea typeface="Menlo" panose="020B0609030804020204" pitchFamily="49" charset="0"/>
+                <a:cs typeface="Consolas" panose="020B0609020204030204" pitchFamily="49" charset="0"/>
               </a:rPr>
               <a:t>1</a:t>
             </a:r>
@@ -20539,9 +20539,9 @@
             </a:pPr>
             <a:r>
               <a:rPr lang="en-US" dirty="0">
-                <a:latin typeface="Menlo" panose="020B0609030804020204" pitchFamily="49" charset="0"/>
-                <a:ea typeface="Menlo" panose="020B0609030804020204" pitchFamily="49" charset="0"/>
-                <a:cs typeface="Menlo" panose="020B0609030804020204" pitchFamily="49" charset="0"/>
+                <a:latin typeface="Consolas" panose="020B0609020204030204" pitchFamily="49" charset="0"/>
+                <a:ea typeface="Menlo" panose="020B0609030804020204" pitchFamily="49" charset="0"/>
+                <a:cs typeface="Consolas" panose="020B0609020204030204" pitchFamily="49" charset="0"/>
               </a:rPr>
               <a:t>&gt;&gt;&gt;</a:t>
             </a:r>
@@ -20550,9 +20550,9 @@
                 <a:solidFill>
                   <a:schemeClr val="accent6"/>
                 </a:solidFill>
-                <a:latin typeface="Menlo" panose="020B0609030804020204" pitchFamily="49" charset="0"/>
-                <a:ea typeface="Menlo" panose="020B0609030804020204" pitchFamily="49" charset="0"/>
-                <a:cs typeface="Menlo" panose="020B0609030804020204" pitchFamily="49" charset="0"/>
+                <a:latin typeface="Consolas" panose="020B0609020204030204" pitchFamily="49" charset="0"/>
+                <a:ea typeface="Menlo" panose="020B0609030804020204" pitchFamily="49" charset="0"/>
+                <a:cs typeface="Consolas" panose="020B0609020204030204" pitchFamily="49" charset="0"/>
               </a:rPr>
               <a:t> def power(*, base, exponent):</a:t>
             </a:r>
@@ -20563,9 +20563,9 @@
             </a:pPr>
             <a:r>
               <a:rPr lang="en-US" dirty="0">
-                <a:latin typeface="Menlo" panose="020B0609030804020204" pitchFamily="49" charset="0"/>
-                <a:ea typeface="Menlo" panose="020B0609030804020204" pitchFamily="49" charset="0"/>
-                <a:cs typeface="Menlo" panose="020B0609030804020204" pitchFamily="49" charset="0"/>
+                <a:latin typeface="Consolas" panose="020B0609020204030204" pitchFamily="49" charset="0"/>
+                <a:ea typeface="Menlo" panose="020B0609030804020204" pitchFamily="49" charset="0"/>
+                <a:cs typeface="Consolas" panose="020B0609020204030204" pitchFamily="49" charset="0"/>
               </a:rPr>
               <a:t>...</a:t>
             </a:r>
@@ -20574,9 +20574,9 @@
                 <a:solidFill>
                   <a:schemeClr val="accent6"/>
                 </a:solidFill>
-                <a:latin typeface="Menlo" panose="020B0609030804020204" pitchFamily="49" charset="0"/>
-                <a:ea typeface="Menlo" panose="020B0609030804020204" pitchFamily="49" charset="0"/>
-                <a:cs typeface="Menlo" panose="020B0609030804020204" pitchFamily="49" charset="0"/>
+                <a:latin typeface="Consolas" panose="020B0609020204030204" pitchFamily="49" charset="0"/>
+                <a:ea typeface="Menlo" panose="020B0609030804020204" pitchFamily="49" charset="0"/>
+                <a:cs typeface="Consolas" panose="020B0609020204030204" pitchFamily="49" charset="0"/>
               </a:rPr>
               <a:t>     return base**exponent</a:t>
             </a:r>
@@ -20587,9 +20587,9 @@
             </a:pPr>
             <a:r>
               <a:rPr lang="en-US" dirty="0">
-                <a:latin typeface="Menlo" panose="020B0609030804020204" pitchFamily="49" charset="0"/>
-                <a:ea typeface="Menlo" panose="020B0609030804020204" pitchFamily="49" charset="0"/>
-                <a:cs typeface="Menlo" panose="020B0609030804020204" pitchFamily="49" charset="0"/>
+                <a:latin typeface="Consolas" panose="020B0609020204030204" pitchFamily="49" charset="0"/>
+                <a:ea typeface="Menlo" panose="020B0609030804020204" pitchFamily="49" charset="0"/>
+                <a:cs typeface="Consolas" panose="020B0609020204030204" pitchFamily="49" charset="0"/>
               </a:rPr>
               <a:t>...</a:t>
             </a:r>
@@ -20598,9 +20598,9 @@
                 <a:solidFill>
                   <a:schemeClr val="accent6"/>
                 </a:solidFill>
-                <a:latin typeface="Menlo" panose="020B0609030804020204" pitchFamily="49" charset="0"/>
-                <a:ea typeface="Menlo" panose="020B0609030804020204" pitchFamily="49" charset="0"/>
-                <a:cs typeface="Menlo" panose="020B0609030804020204" pitchFamily="49" charset="0"/>
+                <a:latin typeface="Consolas" panose="020B0609020204030204" pitchFamily="49" charset="0"/>
+                <a:ea typeface="Menlo" panose="020B0609030804020204" pitchFamily="49" charset="0"/>
+                <a:cs typeface="Consolas" panose="020B0609020204030204" pitchFamily="49" charset="0"/>
               </a:rPr>
               <a:t> </a:t>
             </a:r>
@@ -20611,9 +20611,9 @@
             </a:pPr>
             <a:r>
               <a:rPr lang="en-US" dirty="0">
-                <a:latin typeface="Menlo" panose="020B0609030804020204" pitchFamily="49" charset="0"/>
-                <a:ea typeface="Menlo" panose="020B0609030804020204" pitchFamily="49" charset="0"/>
-                <a:cs typeface="Menlo" panose="020B0609030804020204" pitchFamily="49" charset="0"/>
+                <a:latin typeface="Consolas" panose="020B0609020204030204" pitchFamily="49" charset="0"/>
+                <a:ea typeface="Menlo" panose="020B0609030804020204" pitchFamily="49" charset="0"/>
+                <a:cs typeface="Consolas" panose="020B0609020204030204" pitchFamily="49" charset="0"/>
               </a:rPr>
               <a:t>&gt;&gt;&gt;</a:t>
             </a:r>
@@ -20622,9 +20622,9 @@
                 <a:solidFill>
                   <a:schemeClr val="accent6"/>
                 </a:solidFill>
-                <a:latin typeface="Menlo" panose="020B0609030804020204" pitchFamily="49" charset="0"/>
-                <a:ea typeface="Menlo" panose="020B0609030804020204" pitchFamily="49" charset="0"/>
-                <a:cs typeface="Menlo" panose="020B0609030804020204" pitchFamily="49" charset="0"/>
+                <a:latin typeface="Consolas" panose="020B0609020204030204" pitchFamily="49" charset="0"/>
+                <a:ea typeface="Menlo" panose="020B0609030804020204" pitchFamily="49" charset="0"/>
+                <a:cs typeface="Consolas" panose="020B0609020204030204" pitchFamily="49" charset="0"/>
               </a:rPr>
               <a:t> power(2, 3)</a:t>
             </a:r>
@@ -20638,9 +20638,9 @@
                 <a:solidFill>
                   <a:srgbClr val="FF0000"/>
                 </a:solidFill>
-                <a:latin typeface="Menlo" panose="020B0609030804020204" pitchFamily="49" charset="0"/>
-                <a:ea typeface="Menlo" panose="020B0609030804020204" pitchFamily="49" charset="0"/>
-                <a:cs typeface="Menlo" panose="020B0609030804020204" pitchFamily="49" charset="0"/>
+                <a:latin typeface="Consolas" panose="020B0609020204030204" pitchFamily="49" charset="0"/>
+                <a:ea typeface="Menlo" panose="020B0609030804020204" pitchFamily="49" charset="0"/>
+                <a:cs typeface="Consolas" panose="020B0609020204030204" pitchFamily="49" charset="0"/>
               </a:rPr>
               <a:t>Traceback (most recent call last):</a:t>
             </a:r>
@@ -20654,9 +20654,9 @@
                 <a:solidFill>
                   <a:srgbClr val="FF0000"/>
                 </a:solidFill>
-                <a:latin typeface="Menlo" panose="020B0609030804020204" pitchFamily="49" charset="0"/>
-                <a:ea typeface="Menlo" panose="020B0609030804020204" pitchFamily="49" charset="0"/>
-                <a:cs typeface="Menlo" panose="020B0609030804020204" pitchFamily="49" charset="0"/>
+                <a:latin typeface="Consolas" panose="020B0609020204030204" pitchFamily="49" charset="0"/>
+                <a:ea typeface="Menlo" panose="020B0609030804020204" pitchFamily="49" charset="0"/>
+                <a:cs typeface="Consolas" panose="020B0609020204030204" pitchFamily="49" charset="0"/>
               </a:rPr>
               <a:t>  File "&lt;stdin&gt;", line 1, in &lt;module&gt;</a:t>
             </a:r>
@@ -20670,9 +20670,9 @@
                 <a:solidFill>
                   <a:srgbClr val="FF0000"/>
                 </a:solidFill>
-                <a:latin typeface="Menlo" panose="020B0609030804020204" pitchFamily="49" charset="0"/>
-                <a:ea typeface="Menlo" panose="020B0609030804020204" pitchFamily="49" charset="0"/>
-                <a:cs typeface="Menlo" panose="020B0609030804020204" pitchFamily="49" charset="0"/>
+                <a:latin typeface="Consolas" panose="020B0609020204030204" pitchFamily="49" charset="0"/>
+                <a:ea typeface="Menlo" panose="020B0609030804020204" pitchFamily="49" charset="0"/>
+                <a:cs typeface="Consolas" panose="020B0609020204030204" pitchFamily="49" charset="0"/>
               </a:rPr>
               <a:t>TypeError</a:t>
             </a:r>
@@ -20681,9 +20681,9 @@
                 <a:solidFill>
                   <a:srgbClr val="FF0000"/>
                 </a:solidFill>
-                <a:latin typeface="Menlo" panose="020B0609030804020204" pitchFamily="49" charset="0"/>
-                <a:ea typeface="Menlo" panose="020B0609030804020204" pitchFamily="49" charset="0"/>
-                <a:cs typeface="Menlo" panose="020B0609030804020204" pitchFamily="49" charset="0"/>
+                <a:latin typeface="Consolas" panose="020B0609020204030204" pitchFamily="49" charset="0"/>
+                <a:ea typeface="Menlo" panose="020B0609030804020204" pitchFamily="49" charset="0"/>
+                <a:cs typeface="Consolas" panose="020B0609020204030204" pitchFamily="49" charset="0"/>
               </a:rPr>
               <a:t>: power() takes 0 positional</a:t>
             </a:r>
@@ -20697,9 +20697,9 @@
                 <a:solidFill>
                   <a:srgbClr val="FF0000"/>
                 </a:solidFill>
-                <a:latin typeface="Menlo" panose="020B0609030804020204" pitchFamily="49" charset="0"/>
-                <a:ea typeface="Menlo" panose="020B0609030804020204" pitchFamily="49" charset="0"/>
-                <a:cs typeface="Menlo" panose="020B0609030804020204" pitchFamily="49" charset="0"/>
+                <a:latin typeface="Consolas" panose="020B0609020204030204" pitchFamily="49" charset="0"/>
+                <a:ea typeface="Menlo" panose="020B0609030804020204" pitchFamily="49" charset="0"/>
+                <a:cs typeface="Consolas" panose="020B0609020204030204" pitchFamily="49" charset="0"/>
               </a:rPr>
               <a:t>arguments but 2 were given</a:t>
             </a:r>
@@ -20710,9 +20710,9 @@
             </a:pPr>
             <a:r>
               <a:rPr lang="en-US" dirty="0">
-                <a:latin typeface="Menlo" panose="020B0609030804020204" pitchFamily="49" charset="0"/>
-                <a:ea typeface="Menlo" panose="020B0609030804020204" pitchFamily="49" charset="0"/>
-                <a:cs typeface="Menlo" panose="020B0609030804020204" pitchFamily="49" charset="0"/>
+                <a:latin typeface="Consolas" panose="020B0609020204030204" pitchFamily="49" charset="0"/>
+                <a:ea typeface="Menlo" panose="020B0609030804020204" pitchFamily="49" charset="0"/>
+                <a:cs typeface="Consolas" panose="020B0609020204030204" pitchFamily="49" charset="0"/>
               </a:rPr>
               <a:t>&gt;&gt;&gt;</a:t>
             </a:r>
@@ -20721,9 +20721,9 @@
                 <a:solidFill>
                   <a:schemeClr val="accent6"/>
                 </a:solidFill>
-                <a:latin typeface="Menlo" panose="020B0609030804020204" pitchFamily="49" charset="0"/>
-                <a:ea typeface="Menlo" panose="020B0609030804020204" pitchFamily="49" charset="0"/>
-                <a:cs typeface="Menlo" panose="020B0609030804020204" pitchFamily="49" charset="0"/>
+                <a:latin typeface="Consolas" panose="020B0609020204030204" pitchFamily="49" charset="0"/>
+                <a:ea typeface="Menlo" panose="020B0609030804020204" pitchFamily="49" charset="0"/>
+                <a:cs typeface="Consolas" panose="020B0609020204030204" pitchFamily="49" charset="0"/>
               </a:rPr>
               <a:t> power(base=2, exponent=3)</a:t>
             </a:r>
@@ -20734,9 +20734,9 @@
             </a:pPr>
             <a:r>
               <a:rPr lang="en-US" dirty="0">
-                <a:latin typeface="Menlo" panose="020B0609030804020204" pitchFamily="49" charset="0"/>
-                <a:ea typeface="Menlo" panose="020B0609030804020204" pitchFamily="49" charset="0"/>
-                <a:cs typeface="Menlo" panose="020B0609030804020204" pitchFamily="49" charset="0"/>
+                <a:latin typeface="Consolas" panose="020B0609020204030204" pitchFamily="49" charset="0"/>
+                <a:ea typeface="Menlo" panose="020B0609030804020204" pitchFamily="49" charset="0"/>
+                <a:cs typeface="Consolas" panose="020B0609020204030204" pitchFamily="49" charset="0"/>
               </a:rPr>
               <a:t>8</a:t>
             </a:r>
@@ -20747,9 +20747,9 @@
             </a:pPr>
             <a:r>
               <a:rPr lang="en-US" dirty="0">
-                <a:latin typeface="Menlo" panose="020B0609030804020204" pitchFamily="49" charset="0"/>
-                <a:ea typeface="Menlo" panose="020B0609030804020204" pitchFamily="49" charset="0"/>
-                <a:cs typeface="Menlo" panose="020B0609030804020204" pitchFamily="49" charset="0"/>
+                <a:latin typeface="Consolas" panose="020B0609020204030204" pitchFamily="49" charset="0"/>
+                <a:ea typeface="Menlo" panose="020B0609030804020204" pitchFamily="49" charset="0"/>
+                <a:cs typeface="Consolas" panose="020B0609020204030204" pitchFamily="49" charset="0"/>
               </a:rPr>
               <a:t>&gt;&gt;&gt;</a:t>
             </a:r>
@@ -20758,9 +20758,9 @@
                 <a:solidFill>
                   <a:schemeClr val="accent6"/>
                 </a:solidFill>
-                <a:latin typeface="Menlo" panose="020B0609030804020204" pitchFamily="49" charset="0"/>
-                <a:ea typeface="Menlo" panose="020B0609030804020204" pitchFamily="49" charset="0"/>
-                <a:cs typeface="Menlo" panose="020B0609030804020204" pitchFamily="49" charset="0"/>
+                <a:latin typeface="Consolas" panose="020B0609020204030204" pitchFamily="49" charset="0"/>
+                <a:ea typeface="Menlo" panose="020B0609030804020204" pitchFamily="49" charset="0"/>
+                <a:cs typeface="Consolas" panose="020B0609020204030204" pitchFamily="49" charset="0"/>
               </a:rPr>
               <a:t> power(exponent=2, base=3)</a:t>
             </a:r>
@@ -20771,9 +20771,9 @@
             </a:pPr>
             <a:r>
               <a:rPr lang="en-US" dirty="0">
-                <a:latin typeface="Menlo" panose="020B0609030804020204" pitchFamily="49" charset="0"/>
-                <a:ea typeface="Menlo" panose="020B0609030804020204" pitchFamily="49" charset="0"/>
-                <a:cs typeface="Menlo" panose="020B0609030804020204" pitchFamily="49" charset="0"/>
+                <a:latin typeface="Consolas" panose="020B0609020204030204" pitchFamily="49" charset="0"/>
+                <a:ea typeface="Menlo" panose="020B0609030804020204" pitchFamily="49" charset="0"/>
+                <a:cs typeface="Consolas" panose="020B0609020204030204" pitchFamily="49" charset="0"/>
               </a:rPr>
               <a:t>9</a:t>
             </a:r>
@@ -20786,9 +20786,9 @@
               <a:solidFill>
                 <a:srgbClr val="FF0000"/>
               </a:solidFill>
-              <a:latin typeface="Menlo" panose="020B0609030804020204" pitchFamily="49" charset="0"/>
+              <a:latin typeface="Consolas" panose="020B0609020204030204" pitchFamily="49" charset="0"/>
               <a:ea typeface="Menlo" panose="020B0609030804020204" pitchFamily="49" charset="0"/>
-              <a:cs typeface="Menlo" panose="020B0609030804020204" pitchFamily="49" charset="0"/>
+              <a:cs typeface="Consolas" panose="020B0609020204030204" pitchFamily="49" charset="0"/>
             </a:endParaRPr>
           </a:p>
         </p:txBody>
@@ -20823,7 +20823,7 @@
         </p:spPr>
         <p:txBody>
           <a:bodyPr vert="horz" lIns="91440" tIns="45720" rIns="91440" bIns="45720" rtlCol="0">
-            <a:normAutofit fontScale="85000" lnSpcReduction="10000"/>
+            <a:normAutofit fontScale="92500" lnSpcReduction="10000"/>
           </a:bodyPr>
           <a:lstStyle>
             <a:lvl1pPr marL="384048" indent="-384048" algn="l" defTabSz="914400" rtl="0" eaLnBrk="1" latinLnBrk="0" hangingPunct="1">
@@ -21022,9 +21022,9 @@
             </a:pPr>
             <a:r>
               <a:rPr lang="en-US" dirty="0">
-                <a:latin typeface="Menlo" panose="020B0609030804020204" pitchFamily="49" charset="0"/>
-                <a:ea typeface="Menlo" panose="020B0609030804020204" pitchFamily="49" charset="0"/>
-                <a:cs typeface="Menlo" panose="020B0609030804020204" pitchFamily="49" charset="0"/>
+                <a:latin typeface="Consolas" panose="020B0609020204030204" pitchFamily="49" charset="0"/>
+                <a:ea typeface="Menlo" panose="020B0609030804020204" pitchFamily="49" charset="0"/>
+                <a:cs typeface="Consolas" panose="020B0609020204030204" pitchFamily="49" charset="0"/>
               </a:rPr>
               <a:t>&gt;&gt;&gt; </a:t>
             </a:r>
@@ -21033,9 +21033,9 @@
                 <a:solidFill>
                   <a:schemeClr val="accent6"/>
                 </a:solidFill>
-                <a:latin typeface="Menlo" panose="020B0609030804020204" pitchFamily="49" charset="0"/>
-                <a:ea typeface="Menlo" panose="020B0609030804020204" pitchFamily="49" charset="0"/>
-                <a:cs typeface="Menlo" panose="020B0609030804020204" pitchFamily="49" charset="0"/>
+                <a:latin typeface="Consolas" panose="020B0609020204030204" pitchFamily="49" charset="0"/>
+                <a:ea typeface="Menlo" panose="020B0609030804020204" pitchFamily="49" charset="0"/>
+                <a:cs typeface="Consolas" panose="020B0609020204030204" pitchFamily="49" charset="0"/>
               </a:rPr>
               <a:t>def </a:t>
             </a:r>
@@ -21044,9 +21044,9 @@
                 <a:solidFill>
                   <a:schemeClr val="accent6"/>
                 </a:solidFill>
-                <a:latin typeface="Menlo" panose="020B0609030804020204" pitchFamily="49" charset="0"/>
-                <a:ea typeface="Menlo" panose="020B0609030804020204" pitchFamily="49" charset="0"/>
-                <a:cs typeface="Menlo" panose="020B0609030804020204" pitchFamily="49" charset="0"/>
+                <a:latin typeface="Consolas" panose="020B0609020204030204" pitchFamily="49" charset="0"/>
+                <a:ea typeface="Menlo" panose="020B0609030804020204" pitchFamily="49" charset="0"/>
+                <a:cs typeface="Consolas" panose="020B0609020204030204" pitchFamily="49" charset="0"/>
               </a:rPr>
               <a:t>mult</a:t>
             </a:r>
@@ -21055,9 +21055,9 @@
                 <a:solidFill>
                   <a:schemeClr val="accent6"/>
                 </a:solidFill>
-                <a:latin typeface="Menlo" panose="020B0609030804020204" pitchFamily="49" charset="0"/>
-                <a:ea typeface="Menlo" panose="020B0609030804020204" pitchFamily="49" charset="0"/>
-                <a:cs typeface="Menlo" panose="020B0609030804020204" pitchFamily="49" charset="0"/>
+                <a:latin typeface="Consolas" panose="020B0609020204030204" pitchFamily="49" charset="0"/>
+                <a:ea typeface="Menlo" panose="020B0609030804020204" pitchFamily="49" charset="0"/>
+                <a:cs typeface="Consolas" panose="020B0609020204030204" pitchFamily="49" charset="0"/>
               </a:rPr>
               <a:t>(*</a:t>
             </a:r>
@@ -21066,9 +21066,9 @@
                 <a:solidFill>
                   <a:schemeClr val="accent6"/>
                 </a:solidFill>
-                <a:latin typeface="Menlo" panose="020B0609030804020204" pitchFamily="49" charset="0"/>
-                <a:ea typeface="Menlo" panose="020B0609030804020204" pitchFamily="49" charset="0"/>
-                <a:cs typeface="Menlo" panose="020B0609030804020204" pitchFamily="49" charset="0"/>
+                <a:latin typeface="Consolas" panose="020B0609020204030204" pitchFamily="49" charset="0"/>
+                <a:ea typeface="Menlo" panose="020B0609030804020204" pitchFamily="49" charset="0"/>
+                <a:cs typeface="Consolas" panose="020B0609020204030204" pitchFamily="49" charset="0"/>
               </a:rPr>
               <a:t>args</a:t>
             </a:r>
@@ -21077,9 +21077,9 @@
                 <a:solidFill>
                   <a:schemeClr val="accent6"/>
                 </a:solidFill>
-                <a:latin typeface="Menlo" panose="020B0609030804020204" pitchFamily="49" charset="0"/>
-                <a:ea typeface="Menlo" panose="020B0609030804020204" pitchFamily="49" charset="0"/>
-                <a:cs typeface="Menlo" panose="020B0609030804020204" pitchFamily="49" charset="0"/>
+                <a:latin typeface="Consolas" panose="020B0609020204030204" pitchFamily="49" charset="0"/>
+                <a:ea typeface="Menlo" panose="020B0609030804020204" pitchFamily="49" charset="0"/>
+                <a:cs typeface="Consolas" panose="020B0609020204030204" pitchFamily="49" charset="0"/>
               </a:rPr>
               <a:t>, </a:t>
             </a:r>
@@ -21088,9 +21088,9 @@
                 <a:solidFill>
                   <a:schemeClr val="accent6"/>
                 </a:solidFill>
-                <a:latin typeface="Menlo" panose="020B0609030804020204" pitchFamily="49" charset="0"/>
-                <a:ea typeface="Menlo" panose="020B0609030804020204" pitchFamily="49" charset="0"/>
-                <a:cs typeface="Menlo" panose="020B0609030804020204" pitchFamily="49" charset="0"/>
+                <a:latin typeface="Consolas" panose="020B0609020204030204" pitchFamily="49" charset="0"/>
+                <a:ea typeface="Menlo" panose="020B0609030804020204" pitchFamily="49" charset="0"/>
+                <a:cs typeface="Consolas" panose="020B0609020204030204" pitchFamily="49" charset="0"/>
               </a:rPr>
               <a:t>num</a:t>
             </a:r>
@@ -21099,9 +21099,9 @@
                 <a:solidFill>
                   <a:schemeClr val="accent6"/>
                 </a:solidFill>
-                <a:latin typeface="Menlo" panose="020B0609030804020204" pitchFamily="49" charset="0"/>
-                <a:ea typeface="Menlo" panose="020B0609030804020204" pitchFamily="49" charset="0"/>
-                <a:cs typeface="Menlo" panose="020B0609030804020204" pitchFamily="49" charset="0"/>
+                <a:latin typeface="Consolas" panose="020B0609020204030204" pitchFamily="49" charset="0"/>
+                <a:ea typeface="Menlo" panose="020B0609030804020204" pitchFamily="49" charset="0"/>
+                <a:cs typeface="Consolas" panose="020B0609020204030204" pitchFamily="49" charset="0"/>
               </a:rPr>
               <a:t>):</a:t>
             </a:r>
@@ -21112,9 +21112,9 @@
             </a:pPr>
             <a:r>
               <a:rPr lang="en-US" dirty="0">
-                <a:latin typeface="Menlo" panose="020B0609030804020204" pitchFamily="49" charset="0"/>
-                <a:ea typeface="Menlo" panose="020B0609030804020204" pitchFamily="49" charset="0"/>
-                <a:cs typeface="Menlo" panose="020B0609030804020204" pitchFamily="49" charset="0"/>
+                <a:latin typeface="Consolas" panose="020B0609020204030204" pitchFamily="49" charset="0"/>
+                <a:ea typeface="Menlo" panose="020B0609030804020204" pitchFamily="49" charset="0"/>
+                <a:cs typeface="Consolas" panose="020B0609020204030204" pitchFamily="49" charset="0"/>
               </a:rPr>
               <a:t>...    </a:t>
             </a:r>
@@ -21123,9 +21123,9 @@
                 <a:solidFill>
                   <a:schemeClr val="accent6"/>
                 </a:solidFill>
-                <a:latin typeface="Menlo" panose="020B0609030804020204" pitchFamily="49" charset="0"/>
-                <a:ea typeface="Menlo" panose="020B0609030804020204" pitchFamily="49" charset="0"/>
-                <a:cs typeface="Menlo" panose="020B0609030804020204" pitchFamily="49" charset="0"/>
+                <a:latin typeface="Consolas" panose="020B0609020204030204" pitchFamily="49" charset="0"/>
+                <a:ea typeface="Menlo" panose="020B0609030804020204" pitchFamily="49" charset="0"/>
+                <a:cs typeface="Consolas" panose="020B0609020204030204" pitchFamily="49" charset="0"/>
               </a:rPr>
               <a:t> for </a:t>
             </a:r>
@@ -21134,9 +21134,9 @@
                 <a:solidFill>
                   <a:schemeClr val="accent6"/>
                 </a:solidFill>
-                <a:latin typeface="Menlo" panose="020B0609030804020204" pitchFamily="49" charset="0"/>
-                <a:ea typeface="Menlo" panose="020B0609030804020204" pitchFamily="49" charset="0"/>
-                <a:cs typeface="Menlo" panose="020B0609030804020204" pitchFamily="49" charset="0"/>
+                <a:latin typeface="Consolas" panose="020B0609020204030204" pitchFamily="49" charset="0"/>
+                <a:ea typeface="Menlo" panose="020B0609030804020204" pitchFamily="49" charset="0"/>
+                <a:cs typeface="Consolas" panose="020B0609020204030204" pitchFamily="49" charset="0"/>
               </a:rPr>
               <a:t>i</a:t>
             </a:r>
@@ -21145,9 +21145,9 @@
                 <a:solidFill>
                   <a:schemeClr val="accent6"/>
                 </a:solidFill>
-                <a:latin typeface="Menlo" panose="020B0609030804020204" pitchFamily="49" charset="0"/>
-                <a:ea typeface="Menlo" panose="020B0609030804020204" pitchFamily="49" charset="0"/>
-                <a:cs typeface="Menlo" panose="020B0609030804020204" pitchFamily="49" charset="0"/>
+                <a:latin typeface="Consolas" panose="020B0609020204030204" pitchFamily="49" charset="0"/>
+                <a:ea typeface="Menlo" panose="020B0609030804020204" pitchFamily="49" charset="0"/>
+                <a:cs typeface="Consolas" panose="020B0609020204030204" pitchFamily="49" charset="0"/>
               </a:rPr>
               <a:t> in </a:t>
             </a:r>
@@ -21156,9 +21156,9 @@
                 <a:solidFill>
                   <a:schemeClr val="accent6"/>
                 </a:solidFill>
-                <a:latin typeface="Menlo" panose="020B0609030804020204" pitchFamily="49" charset="0"/>
-                <a:ea typeface="Menlo" panose="020B0609030804020204" pitchFamily="49" charset="0"/>
-                <a:cs typeface="Menlo" panose="020B0609030804020204" pitchFamily="49" charset="0"/>
+                <a:latin typeface="Consolas" panose="020B0609020204030204" pitchFamily="49" charset="0"/>
+                <a:ea typeface="Menlo" panose="020B0609030804020204" pitchFamily="49" charset="0"/>
+                <a:cs typeface="Consolas" panose="020B0609020204030204" pitchFamily="49" charset="0"/>
               </a:rPr>
               <a:t>args</a:t>
             </a:r>
@@ -21167,9 +21167,9 @@
                 <a:solidFill>
                   <a:schemeClr val="accent6"/>
                 </a:solidFill>
-                <a:latin typeface="Menlo" panose="020B0609030804020204" pitchFamily="49" charset="0"/>
-                <a:ea typeface="Menlo" panose="020B0609030804020204" pitchFamily="49" charset="0"/>
-                <a:cs typeface="Menlo" panose="020B0609030804020204" pitchFamily="49" charset="0"/>
+                <a:latin typeface="Consolas" panose="020B0609020204030204" pitchFamily="49" charset="0"/>
+                <a:ea typeface="Menlo" panose="020B0609030804020204" pitchFamily="49" charset="0"/>
+                <a:cs typeface="Consolas" panose="020B0609020204030204" pitchFamily="49" charset="0"/>
               </a:rPr>
               <a:t>:</a:t>
             </a:r>
@@ -21180,9 +21180,9 @@
             </a:pPr>
             <a:r>
               <a:rPr lang="en-US" dirty="0">
-                <a:latin typeface="Menlo" panose="020B0609030804020204" pitchFamily="49" charset="0"/>
-                <a:ea typeface="Menlo" panose="020B0609030804020204" pitchFamily="49" charset="0"/>
-                <a:cs typeface="Menlo" panose="020B0609030804020204" pitchFamily="49" charset="0"/>
+                <a:latin typeface="Consolas" panose="020B0609020204030204" pitchFamily="49" charset="0"/>
+                <a:ea typeface="Menlo" panose="020B0609030804020204" pitchFamily="49" charset="0"/>
+                <a:cs typeface="Consolas" panose="020B0609020204030204" pitchFamily="49" charset="0"/>
               </a:rPr>
               <a:t>...     </a:t>
             </a:r>
@@ -21191,9 +21191,9 @@
                 <a:solidFill>
                   <a:schemeClr val="accent6"/>
                 </a:solidFill>
-                <a:latin typeface="Menlo" panose="020B0609030804020204" pitchFamily="49" charset="0"/>
-                <a:ea typeface="Menlo" panose="020B0609030804020204" pitchFamily="49" charset="0"/>
-                <a:cs typeface="Menlo" panose="020B0609030804020204" pitchFamily="49" charset="0"/>
+                <a:latin typeface="Consolas" panose="020B0609020204030204" pitchFamily="49" charset="0"/>
+                <a:ea typeface="Menlo" panose="020B0609030804020204" pitchFamily="49" charset="0"/>
+                <a:cs typeface="Consolas" panose="020B0609020204030204" pitchFamily="49" charset="0"/>
               </a:rPr>
               <a:t>        </a:t>
             </a:r>
@@ -21202,9 +21202,9 @@
                 <a:solidFill>
                   <a:schemeClr val="accent6"/>
                 </a:solidFill>
-                <a:latin typeface="Menlo" panose="020B0609030804020204" pitchFamily="49" charset="0"/>
-                <a:ea typeface="Menlo" panose="020B0609030804020204" pitchFamily="49" charset="0"/>
-                <a:cs typeface="Menlo" panose="020B0609030804020204" pitchFamily="49" charset="0"/>
+                <a:latin typeface="Consolas" panose="020B0609020204030204" pitchFamily="49" charset="0"/>
+                <a:ea typeface="Menlo" panose="020B0609030804020204" pitchFamily="49" charset="0"/>
+                <a:cs typeface="Consolas" panose="020B0609020204030204" pitchFamily="49" charset="0"/>
               </a:rPr>
               <a:t>num</a:t>
             </a:r>
@@ -21213,9 +21213,9 @@
                 <a:solidFill>
                   <a:schemeClr val="accent6"/>
                 </a:solidFill>
-                <a:latin typeface="Menlo" panose="020B0609030804020204" pitchFamily="49" charset="0"/>
-                <a:ea typeface="Menlo" panose="020B0609030804020204" pitchFamily="49" charset="0"/>
-                <a:cs typeface="Menlo" panose="020B0609030804020204" pitchFamily="49" charset="0"/>
+                <a:latin typeface="Consolas" panose="020B0609020204030204" pitchFamily="49" charset="0"/>
+                <a:ea typeface="Menlo" panose="020B0609030804020204" pitchFamily="49" charset="0"/>
+                <a:cs typeface="Consolas" panose="020B0609020204030204" pitchFamily="49" charset="0"/>
               </a:rPr>
               <a:t> *= </a:t>
             </a:r>
@@ -21224,9 +21224,9 @@
                 <a:solidFill>
                   <a:schemeClr val="accent6"/>
                 </a:solidFill>
-                <a:latin typeface="Menlo" panose="020B0609030804020204" pitchFamily="49" charset="0"/>
-                <a:ea typeface="Menlo" panose="020B0609030804020204" pitchFamily="49" charset="0"/>
-                <a:cs typeface="Menlo" panose="020B0609030804020204" pitchFamily="49" charset="0"/>
+                <a:latin typeface="Consolas" panose="020B0609020204030204" pitchFamily="49" charset="0"/>
+                <a:ea typeface="Menlo" panose="020B0609030804020204" pitchFamily="49" charset="0"/>
+                <a:cs typeface="Consolas" panose="020B0609020204030204" pitchFamily="49" charset="0"/>
               </a:rPr>
               <a:t>i</a:t>
             </a:r>
@@ -21234,9 +21234,9 @@
               <a:solidFill>
                 <a:schemeClr val="accent6"/>
               </a:solidFill>
-              <a:latin typeface="Menlo" panose="020B0609030804020204" pitchFamily="49" charset="0"/>
+              <a:latin typeface="Consolas" panose="020B0609020204030204" pitchFamily="49" charset="0"/>
               <a:ea typeface="Menlo" panose="020B0609030804020204" pitchFamily="49" charset="0"/>
-              <a:cs typeface="Menlo" panose="020B0609030804020204" pitchFamily="49" charset="0"/>
+              <a:cs typeface="Consolas" panose="020B0609020204030204" pitchFamily="49" charset="0"/>
             </a:endParaRPr>
           </a:p>
           <a:p>
@@ -21245,9 +21245,9 @@
             </a:pPr>
             <a:r>
               <a:rPr lang="en-US" dirty="0">
-                <a:latin typeface="Menlo" panose="020B0609030804020204" pitchFamily="49" charset="0"/>
-                <a:ea typeface="Menlo" panose="020B0609030804020204" pitchFamily="49" charset="0"/>
-                <a:cs typeface="Menlo" panose="020B0609030804020204" pitchFamily="49" charset="0"/>
+                <a:latin typeface="Consolas" panose="020B0609020204030204" pitchFamily="49" charset="0"/>
+                <a:ea typeface="Menlo" panose="020B0609030804020204" pitchFamily="49" charset="0"/>
+                <a:cs typeface="Consolas" panose="020B0609020204030204" pitchFamily="49" charset="0"/>
               </a:rPr>
               <a:t>...     </a:t>
             </a:r>
@@ -21256,9 +21256,9 @@
                 <a:solidFill>
                   <a:schemeClr val="accent6"/>
                 </a:solidFill>
-                <a:latin typeface="Menlo" panose="020B0609030804020204" pitchFamily="49" charset="0"/>
-                <a:ea typeface="Menlo" panose="020B0609030804020204" pitchFamily="49" charset="0"/>
-                <a:cs typeface="Menlo" panose="020B0609030804020204" pitchFamily="49" charset="0"/>
+                <a:latin typeface="Consolas" panose="020B0609020204030204" pitchFamily="49" charset="0"/>
+                <a:ea typeface="Menlo" panose="020B0609030804020204" pitchFamily="49" charset="0"/>
+                <a:cs typeface="Consolas" panose="020B0609020204030204" pitchFamily="49" charset="0"/>
               </a:rPr>
               <a:t>return </a:t>
             </a:r>
@@ -21267,9 +21267,9 @@
                 <a:solidFill>
                   <a:schemeClr val="accent6"/>
                 </a:solidFill>
-                <a:latin typeface="Menlo" panose="020B0609030804020204" pitchFamily="49" charset="0"/>
-                <a:ea typeface="Menlo" panose="020B0609030804020204" pitchFamily="49" charset="0"/>
-                <a:cs typeface="Menlo" panose="020B0609030804020204" pitchFamily="49" charset="0"/>
+                <a:latin typeface="Consolas" panose="020B0609020204030204" pitchFamily="49" charset="0"/>
+                <a:ea typeface="Menlo" panose="020B0609030804020204" pitchFamily="49" charset="0"/>
+                <a:cs typeface="Consolas" panose="020B0609020204030204" pitchFamily="49" charset="0"/>
               </a:rPr>
               <a:t>num</a:t>
             </a:r>
@@ -21277,9 +21277,9 @@
               <a:solidFill>
                 <a:schemeClr val="accent6"/>
               </a:solidFill>
-              <a:latin typeface="Menlo" panose="020B0609030804020204" pitchFamily="49" charset="0"/>
+              <a:latin typeface="Consolas" panose="020B0609020204030204" pitchFamily="49" charset="0"/>
               <a:ea typeface="Menlo" panose="020B0609030804020204" pitchFamily="49" charset="0"/>
-              <a:cs typeface="Menlo" panose="020B0609030804020204" pitchFamily="49" charset="0"/>
+              <a:cs typeface="Consolas" panose="020B0609020204030204" pitchFamily="49" charset="0"/>
             </a:endParaRPr>
           </a:p>
           <a:p>
@@ -21288,9 +21288,9 @@
             </a:pPr>
             <a:r>
               <a:rPr lang="en-US" dirty="0">
-                <a:latin typeface="Menlo" panose="020B0609030804020204" pitchFamily="49" charset="0"/>
-                <a:ea typeface="Menlo" panose="020B0609030804020204" pitchFamily="49" charset="0"/>
-                <a:cs typeface="Menlo" panose="020B0609030804020204" pitchFamily="49" charset="0"/>
+                <a:latin typeface="Consolas" panose="020B0609020204030204" pitchFamily="49" charset="0"/>
+                <a:ea typeface="Menlo" panose="020B0609030804020204" pitchFamily="49" charset="0"/>
+                <a:cs typeface="Consolas" panose="020B0609020204030204" pitchFamily="49" charset="0"/>
               </a:rPr>
               <a:t>&gt;&gt;&gt; </a:t>
             </a:r>
@@ -21299,9 +21299,9 @@
                 <a:solidFill>
                   <a:schemeClr val="accent6"/>
                 </a:solidFill>
-                <a:latin typeface="Menlo" panose="020B0609030804020204" pitchFamily="49" charset="0"/>
-                <a:ea typeface="Menlo" panose="020B0609030804020204" pitchFamily="49" charset="0"/>
-                <a:cs typeface="Menlo" panose="020B0609030804020204" pitchFamily="49" charset="0"/>
+                <a:latin typeface="Consolas" panose="020B0609020204030204" pitchFamily="49" charset="0"/>
+                <a:ea typeface="Menlo" panose="020B0609030804020204" pitchFamily="49" charset="0"/>
+                <a:cs typeface="Consolas" panose="020B0609020204030204" pitchFamily="49" charset="0"/>
               </a:rPr>
               <a:t>mult</a:t>
             </a:r>
@@ -21310,9 +21310,9 @@
                 <a:solidFill>
                   <a:schemeClr val="accent6"/>
                 </a:solidFill>
-                <a:latin typeface="Menlo" panose="020B0609030804020204" pitchFamily="49" charset="0"/>
-                <a:ea typeface="Menlo" panose="020B0609030804020204" pitchFamily="49" charset="0"/>
-                <a:cs typeface="Menlo" panose="020B0609030804020204" pitchFamily="49" charset="0"/>
+                <a:latin typeface="Consolas" panose="020B0609020204030204" pitchFamily="49" charset="0"/>
+                <a:ea typeface="Menlo" panose="020B0609030804020204" pitchFamily="49" charset="0"/>
+                <a:cs typeface="Consolas" panose="020B0609020204030204" pitchFamily="49" charset="0"/>
               </a:rPr>
               <a:t>(2, 3, 5, 10)</a:t>
             </a:r>
@@ -21326,9 +21326,9 @@
                 <a:solidFill>
                   <a:srgbClr val="FF0000"/>
                 </a:solidFill>
-                <a:latin typeface="Menlo" panose="020B0609030804020204" pitchFamily="49" charset="0"/>
-                <a:ea typeface="Menlo" panose="020B0609030804020204" pitchFamily="49" charset="0"/>
-                <a:cs typeface="Menlo" panose="020B0609030804020204" pitchFamily="49" charset="0"/>
+                <a:latin typeface="Consolas" panose="020B0609020204030204" pitchFamily="49" charset="0"/>
+                <a:ea typeface="Menlo" panose="020B0609030804020204" pitchFamily="49" charset="0"/>
+                <a:cs typeface="Consolas" panose="020B0609020204030204" pitchFamily="49" charset="0"/>
               </a:rPr>
               <a:t>Traceback (most recent call last):</a:t>
             </a:r>
@@ -21342,9 +21342,9 @@
                 <a:solidFill>
                   <a:srgbClr val="FF0000"/>
                 </a:solidFill>
-                <a:latin typeface="Menlo" panose="020B0609030804020204" pitchFamily="49" charset="0"/>
-                <a:ea typeface="Menlo" panose="020B0609030804020204" pitchFamily="49" charset="0"/>
-                <a:cs typeface="Menlo" panose="020B0609030804020204" pitchFamily="49" charset="0"/>
+                <a:latin typeface="Consolas" panose="020B0609020204030204" pitchFamily="49" charset="0"/>
+                <a:ea typeface="Menlo" panose="020B0609030804020204" pitchFamily="49" charset="0"/>
+                <a:cs typeface="Consolas" panose="020B0609020204030204" pitchFamily="49" charset="0"/>
               </a:rPr>
               <a:t>  File "&lt;stdin&gt;", line 1, in &lt;module&gt;</a:t>
             </a:r>
@@ -21358,9 +21358,9 @@
                 <a:solidFill>
                   <a:srgbClr val="FF0000"/>
                 </a:solidFill>
-                <a:latin typeface="Menlo" panose="020B0609030804020204" pitchFamily="49" charset="0"/>
-                <a:ea typeface="Menlo" panose="020B0609030804020204" pitchFamily="49" charset="0"/>
-                <a:cs typeface="Menlo" panose="020B0609030804020204" pitchFamily="49" charset="0"/>
+                <a:latin typeface="Consolas" panose="020B0609020204030204" pitchFamily="49" charset="0"/>
+                <a:ea typeface="Menlo" panose="020B0609030804020204" pitchFamily="49" charset="0"/>
+                <a:cs typeface="Consolas" panose="020B0609020204030204" pitchFamily="49" charset="0"/>
               </a:rPr>
               <a:t>TypeError</a:t>
             </a:r>
@@ -21369,9 +21369,9 @@
                 <a:solidFill>
                   <a:srgbClr val="FF0000"/>
                 </a:solidFill>
-                <a:latin typeface="Menlo" panose="020B0609030804020204" pitchFamily="49" charset="0"/>
-                <a:ea typeface="Menlo" panose="020B0609030804020204" pitchFamily="49" charset="0"/>
-                <a:cs typeface="Menlo" panose="020B0609030804020204" pitchFamily="49" charset="0"/>
+                <a:latin typeface="Consolas" panose="020B0609020204030204" pitchFamily="49" charset="0"/>
+                <a:ea typeface="Menlo" panose="020B0609030804020204" pitchFamily="49" charset="0"/>
+                <a:cs typeface="Consolas" panose="020B0609020204030204" pitchFamily="49" charset="0"/>
               </a:rPr>
               <a:t>: </a:t>
             </a:r>
@@ -21380,9 +21380,9 @@
                 <a:solidFill>
                   <a:srgbClr val="FF0000"/>
                 </a:solidFill>
-                <a:latin typeface="Menlo" panose="020B0609030804020204" pitchFamily="49" charset="0"/>
-                <a:ea typeface="Menlo" panose="020B0609030804020204" pitchFamily="49" charset="0"/>
-                <a:cs typeface="Menlo" panose="020B0609030804020204" pitchFamily="49" charset="0"/>
+                <a:latin typeface="Consolas" panose="020B0609020204030204" pitchFamily="49" charset="0"/>
+                <a:ea typeface="Menlo" panose="020B0609030804020204" pitchFamily="49" charset="0"/>
+                <a:cs typeface="Consolas" panose="020B0609020204030204" pitchFamily="49" charset="0"/>
               </a:rPr>
               <a:t>mult</a:t>
             </a:r>
@@ -21391,9 +21391,9 @@
                 <a:solidFill>
                   <a:srgbClr val="FF0000"/>
                 </a:solidFill>
-                <a:latin typeface="Menlo" panose="020B0609030804020204" pitchFamily="49" charset="0"/>
-                <a:ea typeface="Menlo" panose="020B0609030804020204" pitchFamily="49" charset="0"/>
-                <a:cs typeface="Menlo" panose="020B0609030804020204" pitchFamily="49" charset="0"/>
+                <a:latin typeface="Consolas" panose="020B0609020204030204" pitchFamily="49" charset="0"/>
+                <a:ea typeface="Menlo" panose="020B0609030804020204" pitchFamily="49" charset="0"/>
+                <a:cs typeface="Consolas" panose="020B0609020204030204" pitchFamily="49" charset="0"/>
               </a:rPr>
               <a:t>() missing 1 required </a:t>
             </a:r>
@@ -21407,9 +21407,9 @@
                 <a:solidFill>
                   <a:srgbClr val="FF0000"/>
                 </a:solidFill>
-                <a:latin typeface="Menlo" panose="020B0609030804020204" pitchFamily="49" charset="0"/>
-                <a:ea typeface="Menlo" panose="020B0609030804020204" pitchFamily="49" charset="0"/>
-                <a:cs typeface="Menlo" panose="020B0609030804020204" pitchFamily="49" charset="0"/>
+                <a:latin typeface="Consolas" panose="020B0609020204030204" pitchFamily="49" charset="0"/>
+                <a:ea typeface="Menlo" panose="020B0609030804020204" pitchFamily="49" charset="0"/>
+                <a:cs typeface="Consolas" panose="020B0609020204030204" pitchFamily="49" charset="0"/>
               </a:rPr>
               <a:t>keyword-only argument: '</a:t>
             </a:r>
@@ -21418,9 +21418,9 @@
                 <a:solidFill>
                   <a:srgbClr val="FF0000"/>
                 </a:solidFill>
-                <a:latin typeface="Menlo" panose="020B0609030804020204" pitchFamily="49" charset="0"/>
-                <a:ea typeface="Menlo" panose="020B0609030804020204" pitchFamily="49" charset="0"/>
-                <a:cs typeface="Menlo" panose="020B0609030804020204" pitchFamily="49" charset="0"/>
+                <a:latin typeface="Consolas" panose="020B0609020204030204" pitchFamily="49" charset="0"/>
+                <a:ea typeface="Menlo" panose="020B0609030804020204" pitchFamily="49" charset="0"/>
+                <a:cs typeface="Consolas" panose="020B0609020204030204" pitchFamily="49" charset="0"/>
               </a:rPr>
               <a:t>num</a:t>
             </a:r>
@@ -21429,9 +21429,9 @@
                 <a:solidFill>
                   <a:srgbClr val="FF0000"/>
                 </a:solidFill>
-                <a:latin typeface="Menlo" panose="020B0609030804020204" pitchFamily="49" charset="0"/>
-                <a:ea typeface="Menlo" panose="020B0609030804020204" pitchFamily="49" charset="0"/>
-                <a:cs typeface="Menlo" panose="020B0609030804020204" pitchFamily="49" charset="0"/>
+                <a:latin typeface="Consolas" panose="020B0609020204030204" pitchFamily="49" charset="0"/>
+                <a:ea typeface="Menlo" panose="020B0609030804020204" pitchFamily="49" charset="0"/>
+                <a:cs typeface="Consolas" panose="020B0609020204030204" pitchFamily="49" charset="0"/>
               </a:rPr>
               <a:t>’</a:t>
             </a:r>
@@ -21444,9 +21444,9 @@
               <a:solidFill>
                 <a:srgbClr val="FF0000"/>
               </a:solidFill>
-              <a:latin typeface="Menlo" panose="020B0609030804020204" pitchFamily="49" charset="0"/>
+              <a:latin typeface="Consolas" panose="020B0609020204030204" pitchFamily="49" charset="0"/>
               <a:ea typeface="Menlo" panose="020B0609030804020204" pitchFamily="49" charset="0"/>
-              <a:cs typeface="Menlo" panose="020B0609030804020204" pitchFamily="49" charset="0"/>
+              <a:cs typeface="Consolas" panose="020B0609020204030204" pitchFamily="49" charset="0"/>
             </a:endParaRPr>
           </a:p>
         </p:txBody>
@@ -22830,24 +22830,24 @@
           <a:p>
             <a:r>
               <a:rPr lang="en-US" dirty="0">
-                <a:latin typeface="Menlo" panose="020B0609030804020204" pitchFamily="49" charset="0"/>
-                <a:ea typeface="Menlo" panose="020B0609030804020204" pitchFamily="49" charset="0"/>
-                <a:cs typeface="Menlo" panose="020B0609030804020204" pitchFamily="49" charset="0"/>
+                <a:latin typeface="Consolas" panose="020B0609020204030204" pitchFamily="49" charset="0"/>
+                <a:ea typeface="Menlo" panose="020B0609030804020204" pitchFamily="49" charset="0"/>
+                <a:cs typeface="Consolas" panose="020B0609020204030204" pitchFamily="49" charset="0"/>
               </a:rPr>
               <a:t>**</a:t>
             </a:r>
             <a:r>
               <a:rPr lang="en-US" dirty="0" err="1">
-                <a:latin typeface="Menlo" panose="020B0609030804020204" pitchFamily="49" charset="0"/>
-                <a:ea typeface="Menlo" panose="020B0609030804020204" pitchFamily="49" charset="0"/>
-                <a:cs typeface="Menlo" panose="020B0609030804020204" pitchFamily="49" charset="0"/>
+                <a:latin typeface="Consolas" panose="020B0609020204030204" pitchFamily="49" charset="0"/>
+                <a:ea typeface="Menlo" panose="020B0609030804020204" pitchFamily="49" charset="0"/>
+                <a:cs typeface="Consolas" panose="020B0609020204030204" pitchFamily="49" charset="0"/>
               </a:rPr>
               <a:t>kwargs</a:t>
             </a:r>
             <a:endParaRPr lang="en-US" dirty="0">
-              <a:latin typeface="Menlo" panose="020B0609030804020204" pitchFamily="49" charset="0"/>
+              <a:latin typeface="Consolas" panose="020B0609020204030204" pitchFamily="49" charset="0"/>
               <a:ea typeface="Menlo" panose="020B0609030804020204" pitchFamily="49" charset="0"/>
-              <a:cs typeface="Menlo" panose="020B0609030804020204" pitchFamily="49" charset="0"/>
+              <a:cs typeface="Consolas" panose="020B0609020204030204" pitchFamily="49" charset="0"/>
             </a:endParaRPr>
           </a:p>
         </p:txBody>
@@ -22886,33 +22886,33 @@
           <a:p>
             <a:pPr lvl="1"/>
             <a:r>
-              <a:rPr lang="en-US" dirty="0">
-                <a:latin typeface="Menlo" panose="020B0609030804020204" pitchFamily="49" charset="0"/>
-                <a:ea typeface="Menlo" panose="020B0609030804020204" pitchFamily="49" charset="0"/>
-                <a:cs typeface="Menlo" panose="020B0609030804020204" pitchFamily="49" charset="0"/>
+              <a:rPr lang="en-US" i="0" dirty="0">
+                <a:latin typeface="Consolas" panose="020B0609020204030204" pitchFamily="49" charset="0"/>
+                <a:ea typeface="Menlo" panose="020B0609030804020204" pitchFamily="49" charset="0"/>
+                <a:cs typeface="Consolas" panose="020B0609020204030204" pitchFamily="49" charset="0"/>
               </a:rPr>
               <a:t> </a:t>
             </a:r>
             <a:r>
-              <a:rPr lang="en-US" dirty="0">
-                <a:solidFill>
-                  <a:schemeClr val="accent6"/>
-                </a:solidFill>
-                <a:latin typeface="Menlo" panose="020B0609030804020204" pitchFamily="49" charset="0"/>
-                <a:ea typeface="Menlo" panose="020B0609030804020204" pitchFamily="49" charset="0"/>
-                <a:cs typeface="Menlo" panose="020B0609030804020204" pitchFamily="49" charset="0"/>
+              <a:rPr lang="en-US" i="0" dirty="0">
+                <a:solidFill>
+                  <a:schemeClr val="accent6"/>
+                </a:solidFill>
+                <a:latin typeface="Consolas" panose="020B0609020204030204" pitchFamily="49" charset="0"/>
+                <a:ea typeface="Menlo" panose="020B0609030804020204" pitchFamily="49" charset="0"/>
+                <a:cs typeface="Consolas" panose="020B0609020204030204" pitchFamily="49" charset="0"/>
               </a:rPr>
               <a:t>*</a:t>
             </a:r>
             <a:r>
-              <a:rPr lang="en-US" dirty="0">
-                <a:ea typeface="Menlo" panose="020B0609030804020204" pitchFamily="49" charset="0"/>
-                <a:cs typeface="Menlo" panose="020B0609030804020204" pitchFamily="49" charset="0"/>
+              <a:rPr lang="en-US" i="0" dirty="0">
+                <a:ea typeface="Menlo" panose="020B0609030804020204" pitchFamily="49" charset="0"/>
+                <a:cs typeface="Consolas" panose="020B0609020204030204" pitchFamily="49" charset="0"/>
               </a:rPr>
               <a:t> packs </a:t>
             </a:r>
             <a:r>
-              <a:rPr lang="en-US" dirty="0">
+              <a:rPr lang="en-US" i="0" dirty="0">
                 <a:solidFill>
                   <a:schemeClr val="accent6">
                     <a:lumMod val="20000"/>
@@ -22920,12 +22920,12 @@
                   </a:schemeClr>
                 </a:solidFill>
                 <a:ea typeface="Menlo" panose="020B0609030804020204" pitchFamily="49" charset="0"/>
-                <a:cs typeface="Menlo" panose="020B0609030804020204" pitchFamily="49" charset="0"/>
+                <a:cs typeface="Consolas" panose="020B0609020204030204" pitchFamily="49" charset="0"/>
               </a:rPr>
               <a:t>Positional </a:t>
             </a:r>
             <a:r>
-              <a:rPr lang="en-US" dirty="0" err="1">
+              <a:rPr lang="en-US" i="0" dirty="0" err="1">
                 <a:solidFill>
                   <a:schemeClr val="accent6">
                     <a:lumMod val="20000"/>
@@ -22933,48 +22933,48 @@
                   </a:schemeClr>
                 </a:solidFill>
                 <a:ea typeface="Menlo" panose="020B0609030804020204" pitchFamily="49" charset="0"/>
-                <a:cs typeface="Menlo" panose="020B0609030804020204" pitchFamily="49" charset="0"/>
+                <a:cs typeface="Consolas" panose="020B0609020204030204" pitchFamily="49" charset="0"/>
               </a:rPr>
               <a:t>Argumenents</a:t>
             </a:r>
             <a:r>
-              <a:rPr lang="en-US" dirty="0">
-                <a:ea typeface="Menlo" panose="020B0609030804020204" pitchFamily="49" charset="0"/>
-                <a:cs typeface="Menlo" panose="020B0609030804020204" pitchFamily="49" charset="0"/>
+              <a:rPr lang="en-US" i="0" dirty="0">
+                <a:ea typeface="Menlo" panose="020B0609030804020204" pitchFamily="49" charset="0"/>
+                <a:cs typeface="Consolas" panose="020B0609020204030204" pitchFamily="49" charset="0"/>
               </a:rPr>
               <a:t> into </a:t>
             </a:r>
             <a:r>
-              <a:rPr lang="en-US" dirty="0" err="1">
-                <a:solidFill>
-                  <a:schemeClr val="accent6"/>
-                </a:solidFill>
-                <a:latin typeface="Menlo" panose="020B0609030804020204" pitchFamily="49" charset="0"/>
-                <a:ea typeface="Menlo" panose="020B0609030804020204" pitchFamily="49" charset="0"/>
-                <a:cs typeface="Menlo" panose="020B0609030804020204" pitchFamily="49" charset="0"/>
+              <a:rPr lang="en-US" i="0" dirty="0" err="1">
+                <a:solidFill>
+                  <a:schemeClr val="accent6"/>
+                </a:solidFill>
+                <a:latin typeface="Consolas" panose="020B0609020204030204" pitchFamily="49" charset="0"/>
+                <a:ea typeface="Menlo" panose="020B0609030804020204" pitchFamily="49" charset="0"/>
+                <a:cs typeface="Consolas" panose="020B0609020204030204" pitchFamily="49" charset="0"/>
               </a:rPr>
               <a:t>args</a:t>
             </a:r>
-            <a:endParaRPr lang="en-US" dirty="0">
+            <a:endParaRPr lang="en-US" i="0" dirty="0">
               <a:solidFill>
                 <a:schemeClr val="accent6"/>
               </a:solidFill>
-              <a:latin typeface="Menlo" panose="020B0609030804020204" pitchFamily="49" charset="0"/>
+              <a:latin typeface="Consolas" panose="020B0609020204030204" pitchFamily="49" charset="0"/>
               <a:ea typeface="Menlo" panose="020B0609030804020204" pitchFamily="49" charset="0"/>
-              <a:cs typeface="Menlo" panose="020B0609030804020204" pitchFamily="49" charset="0"/>
+              <a:cs typeface="Consolas" panose="020B0609020204030204" pitchFamily="49" charset="0"/>
             </a:endParaRPr>
           </a:p>
           <a:p>
             <a:pPr lvl="1"/>
             <a:r>
-              <a:rPr lang="en-US" dirty="0">
-                <a:ea typeface="Menlo" panose="020B0609030804020204" pitchFamily="49" charset="0"/>
-                <a:cs typeface="Menlo" panose="020B0609030804020204" pitchFamily="49" charset="0"/>
+              <a:rPr lang="en-US" i="0" dirty="0">
+                <a:ea typeface="Menlo" panose="020B0609030804020204" pitchFamily="49" charset="0"/>
+                <a:cs typeface="Consolas" panose="020B0609020204030204" pitchFamily="49" charset="0"/>
               </a:rPr>
               <a:t>What about </a:t>
             </a:r>
             <a:r>
-              <a:rPr lang="en-US" dirty="0">
+              <a:rPr lang="en-US" i="0" dirty="0">
                 <a:solidFill>
                   <a:schemeClr val="accent6">
                     <a:lumMod val="20000"/>
@@ -22982,14 +22982,14 @@
                   </a:schemeClr>
                 </a:solidFill>
                 <a:ea typeface="Menlo" panose="020B0609030804020204" pitchFamily="49" charset="0"/>
-                <a:cs typeface="Menlo" panose="020B0609030804020204" pitchFamily="49" charset="0"/>
+                <a:cs typeface="Consolas" panose="020B0609020204030204" pitchFamily="49" charset="0"/>
               </a:rPr>
               <a:t>Keyword Arguments</a:t>
             </a:r>
             <a:r>
-              <a:rPr lang="en-US" dirty="0">
-                <a:ea typeface="Menlo" panose="020B0609030804020204" pitchFamily="49" charset="0"/>
-                <a:cs typeface="Menlo" panose="020B0609030804020204" pitchFamily="49" charset="0"/>
+              <a:rPr lang="en-US" i="0" dirty="0">
+                <a:ea typeface="Menlo" panose="020B0609030804020204" pitchFamily="49" charset="0"/>
+                <a:cs typeface="Consolas" panose="020B0609020204030204" pitchFamily="49" charset="0"/>
               </a:rPr>
               <a:t>?</a:t>
             </a:r>
@@ -23083,7 +23083,7 @@
         </p:spPr>
         <p:txBody>
           <a:bodyPr vert="horz" lIns="91440" tIns="45720" rIns="91440" bIns="45720" rtlCol="0">
-            <a:normAutofit fontScale="85000" lnSpcReduction="10000"/>
+            <a:normAutofit fontScale="92500" lnSpcReduction="20000"/>
           </a:bodyPr>
           <a:lstStyle>
             <a:lvl1pPr marL="384048" indent="-384048" algn="l" defTabSz="914400" rtl="0" eaLnBrk="1" latinLnBrk="0" hangingPunct="1">
@@ -23282,9 +23282,9 @@
             </a:pPr>
             <a:r>
               <a:rPr lang="en-US" dirty="0">
-                <a:latin typeface="Menlo" panose="020B0609030804020204" pitchFamily="49" charset="0"/>
-                <a:ea typeface="Menlo" panose="020B0609030804020204" pitchFamily="49" charset="0"/>
-                <a:cs typeface="Menlo" panose="020B0609030804020204" pitchFamily="49" charset="0"/>
+                <a:latin typeface="Consolas" panose="020B0609020204030204" pitchFamily="49" charset="0"/>
+                <a:ea typeface="Menlo" panose="020B0609030804020204" pitchFamily="49" charset="0"/>
+                <a:cs typeface="Consolas" panose="020B0609020204030204" pitchFamily="49" charset="0"/>
               </a:rPr>
               <a:t>&gt;&gt;&gt;</a:t>
             </a:r>
@@ -23293,9 +23293,9 @@
                 <a:solidFill>
                   <a:schemeClr val="accent6"/>
                 </a:solidFill>
-                <a:latin typeface="Menlo" panose="020B0609030804020204" pitchFamily="49" charset="0"/>
-                <a:ea typeface="Menlo" panose="020B0609030804020204" pitchFamily="49" charset="0"/>
-                <a:cs typeface="Menlo" panose="020B0609030804020204" pitchFamily="49" charset="0"/>
+                <a:latin typeface="Consolas" panose="020B0609020204030204" pitchFamily="49" charset="0"/>
+                <a:ea typeface="Menlo" panose="020B0609030804020204" pitchFamily="49" charset="0"/>
+                <a:cs typeface="Consolas" panose="020B0609020204030204" pitchFamily="49" charset="0"/>
               </a:rPr>
               <a:t> def packing(*</a:t>
             </a:r>
@@ -23304,9 +23304,9 @@
                 <a:solidFill>
                   <a:schemeClr val="accent6"/>
                 </a:solidFill>
-                <a:latin typeface="Menlo" panose="020B0609030804020204" pitchFamily="49" charset="0"/>
-                <a:ea typeface="Menlo" panose="020B0609030804020204" pitchFamily="49" charset="0"/>
-                <a:cs typeface="Menlo" panose="020B0609030804020204" pitchFamily="49" charset="0"/>
+                <a:latin typeface="Consolas" panose="020B0609020204030204" pitchFamily="49" charset="0"/>
+                <a:ea typeface="Menlo" panose="020B0609030804020204" pitchFamily="49" charset="0"/>
+                <a:cs typeface="Consolas" panose="020B0609020204030204" pitchFamily="49" charset="0"/>
               </a:rPr>
               <a:t>args</a:t>
             </a:r>
@@ -23315,9 +23315,9 @@
                 <a:solidFill>
                   <a:schemeClr val="accent6"/>
                 </a:solidFill>
-                <a:latin typeface="Menlo" panose="020B0609030804020204" pitchFamily="49" charset="0"/>
-                <a:ea typeface="Menlo" panose="020B0609030804020204" pitchFamily="49" charset="0"/>
-                <a:cs typeface="Menlo" panose="020B0609030804020204" pitchFamily="49" charset="0"/>
+                <a:latin typeface="Consolas" panose="020B0609020204030204" pitchFamily="49" charset="0"/>
+                <a:ea typeface="Menlo" panose="020B0609030804020204" pitchFamily="49" charset="0"/>
+                <a:cs typeface="Consolas" panose="020B0609020204030204" pitchFamily="49" charset="0"/>
               </a:rPr>
               <a:t>, **</a:t>
             </a:r>
@@ -23326,9 +23326,9 @@
                 <a:solidFill>
                   <a:schemeClr val="accent6"/>
                 </a:solidFill>
-                <a:latin typeface="Menlo" panose="020B0609030804020204" pitchFamily="49" charset="0"/>
-                <a:ea typeface="Menlo" panose="020B0609030804020204" pitchFamily="49" charset="0"/>
-                <a:cs typeface="Menlo" panose="020B0609030804020204" pitchFamily="49" charset="0"/>
+                <a:latin typeface="Consolas" panose="020B0609020204030204" pitchFamily="49" charset="0"/>
+                <a:ea typeface="Menlo" panose="020B0609030804020204" pitchFamily="49" charset="0"/>
+                <a:cs typeface="Consolas" panose="020B0609020204030204" pitchFamily="49" charset="0"/>
               </a:rPr>
               <a:t>kwargs</a:t>
             </a:r>
@@ -23337,9 +23337,9 @@
                 <a:solidFill>
                   <a:schemeClr val="accent6"/>
                 </a:solidFill>
-                <a:latin typeface="Menlo" panose="020B0609030804020204" pitchFamily="49" charset="0"/>
-                <a:ea typeface="Menlo" panose="020B0609030804020204" pitchFamily="49" charset="0"/>
-                <a:cs typeface="Menlo" panose="020B0609030804020204" pitchFamily="49" charset="0"/>
+                <a:latin typeface="Consolas" panose="020B0609020204030204" pitchFamily="49" charset="0"/>
+                <a:ea typeface="Menlo" panose="020B0609030804020204" pitchFamily="49" charset="0"/>
+                <a:cs typeface="Consolas" panose="020B0609020204030204" pitchFamily="49" charset="0"/>
               </a:rPr>
               <a:t>):</a:t>
             </a:r>
@@ -23350,9 +23350,9 @@
             </a:pPr>
             <a:r>
               <a:rPr lang="en-US" dirty="0">
-                <a:latin typeface="Menlo" panose="020B0609030804020204" pitchFamily="49" charset="0"/>
-                <a:ea typeface="Menlo" panose="020B0609030804020204" pitchFamily="49" charset="0"/>
-                <a:cs typeface="Menlo" panose="020B0609030804020204" pitchFamily="49" charset="0"/>
+                <a:latin typeface="Consolas" panose="020B0609020204030204" pitchFamily="49" charset="0"/>
+                <a:ea typeface="Menlo" panose="020B0609030804020204" pitchFamily="49" charset="0"/>
+                <a:cs typeface="Consolas" panose="020B0609020204030204" pitchFamily="49" charset="0"/>
               </a:rPr>
               <a:t>...</a:t>
             </a:r>
@@ -23361,9 +23361,9 @@
                 <a:solidFill>
                   <a:schemeClr val="accent6"/>
                 </a:solidFill>
-                <a:latin typeface="Menlo" panose="020B0609030804020204" pitchFamily="49" charset="0"/>
-                <a:ea typeface="Menlo" panose="020B0609030804020204" pitchFamily="49" charset="0"/>
-                <a:cs typeface="Menlo" panose="020B0609030804020204" pitchFamily="49" charset="0"/>
+                <a:latin typeface="Consolas" panose="020B0609020204030204" pitchFamily="49" charset="0"/>
+                <a:ea typeface="Menlo" panose="020B0609030804020204" pitchFamily="49" charset="0"/>
+                <a:cs typeface="Consolas" panose="020B0609020204030204" pitchFamily="49" charset="0"/>
               </a:rPr>
               <a:t>     print(</a:t>
             </a:r>
@@ -23372,9 +23372,9 @@
                 <a:solidFill>
                   <a:schemeClr val="accent6"/>
                 </a:solidFill>
-                <a:latin typeface="Menlo" panose="020B0609030804020204" pitchFamily="49" charset="0"/>
-                <a:ea typeface="Menlo" panose="020B0609030804020204" pitchFamily="49" charset="0"/>
-                <a:cs typeface="Menlo" panose="020B0609030804020204" pitchFamily="49" charset="0"/>
+                <a:latin typeface="Consolas" panose="020B0609020204030204" pitchFamily="49" charset="0"/>
+                <a:ea typeface="Menlo" panose="020B0609030804020204" pitchFamily="49" charset="0"/>
+                <a:cs typeface="Consolas" panose="020B0609020204030204" pitchFamily="49" charset="0"/>
               </a:rPr>
               <a:t>args</a:t>
             </a:r>
@@ -23383,9 +23383,9 @@
                 <a:solidFill>
                   <a:schemeClr val="accent6"/>
                 </a:solidFill>
-                <a:latin typeface="Menlo" panose="020B0609030804020204" pitchFamily="49" charset="0"/>
-                <a:ea typeface="Menlo" panose="020B0609030804020204" pitchFamily="49" charset="0"/>
-                <a:cs typeface="Menlo" panose="020B0609030804020204" pitchFamily="49" charset="0"/>
+                <a:latin typeface="Consolas" panose="020B0609020204030204" pitchFamily="49" charset="0"/>
+                <a:ea typeface="Menlo" panose="020B0609030804020204" pitchFamily="49" charset="0"/>
+                <a:cs typeface="Consolas" panose="020B0609020204030204" pitchFamily="49" charset="0"/>
               </a:rPr>
               <a:t>)</a:t>
             </a:r>
@@ -23396,9 +23396,9 @@
             </a:pPr>
             <a:r>
               <a:rPr lang="en-US" dirty="0">
-                <a:latin typeface="Menlo" panose="020B0609030804020204" pitchFamily="49" charset="0"/>
-                <a:ea typeface="Menlo" panose="020B0609030804020204" pitchFamily="49" charset="0"/>
-                <a:cs typeface="Menlo" panose="020B0609030804020204" pitchFamily="49" charset="0"/>
+                <a:latin typeface="Consolas" panose="020B0609020204030204" pitchFamily="49" charset="0"/>
+                <a:ea typeface="Menlo" panose="020B0609030804020204" pitchFamily="49" charset="0"/>
+                <a:cs typeface="Consolas" panose="020B0609020204030204" pitchFamily="49" charset="0"/>
               </a:rPr>
               <a:t>...</a:t>
             </a:r>
@@ -23407,9 +23407,9 @@
                 <a:solidFill>
                   <a:schemeClr val="accent6"/>
                 </a:solidFill>
-                <a:latin typeface="Menlo" panose="020B0609030804020204" pitchFamily="49" charset="0"/>
-                <a:ea typeface="Menlo" panose="020B0609030804020204" pitchFamily="49" charset="0"/>
-                <a:cs typeface="Menlo" panose="020B0609030804020204" pitchFamily="49" charset="0"/>
+                <a:latin typeface="Consolas" panose="020B0609020204030204" pitchFamily="49" charset="0"/>
+                <a:ea typeface="Menlo" panose="020B0609030804020204" pitchFamily="49" charset="0"/>
+                <a:cs typeface="Consolas" panose="020B0609020204030204" pitchFamily="49" charset="0"/>
               </a:rPr>
               <a:t>     print(</a:t>
             </a:r>
@@ -23418,9 +23418,9 @@
                 <a:solidFill>
                   <a:schemeClr val="accent6"/>
                 </a:solidFill>
-                <a:latin typeface="Menlo" panose="020B0609030804020204" pitchFamily="49" charset="0"/>
-                <a:ea typeface="Menlo" panose="020B0609030804020204" pitchFamily="49" charset="0"/>
-                <a:cs typeface="Menlo" panose="020B0609030804020204" pitchFamily="49" charset="0"/>
+                <a:latin typeface="Consolas" panose="020B0609020204030204" pitchFamily="49" charset="0"/>
+                <a:ea typeface="Menlo" panose="020B0609030804020204" pitchFamily="49" charset="0"/>
+                <a:cs typeface="Consolas" panose="020B0609020204030204" pitchFamily="49" charset="0"/>
               </a:rPr>
               <a:t>kwargs</a:t>
             </a:r>
@@ -23429,9 +23429,9 @@
                 <a:solidFill>
                   <a:schemeClr val="accent6"/>
                 </a:solidFill>
-                <a:latin typeface="Menlo" panose="020B0609030804020204" pitchFamily="49" charset="0"/>
-                <a:ea typeface="Menlo" panose="020B0609030804020204" pitchFamily="49" charset="0"/>
-                <a:cs typeface="Menlo" panose="020B0609030804020204" pitchFamily="49" charset="0"/>
+                <a:latin typeface="Consolas" panose="020B0609020204030204" pitchFamily="49" charset="0"/>
+                <a:ea typeface="Menlo" panose="020B0609030804020204" pitchFamily="49" charset="0"/>
+                <a:cs typeface="Consolas" panose="020B0609020204030204" pitchFamily="49" charset="0"/>
               </a:rPr>
               <a:t>)</a:t>
             </a:r>
@@ -23442,9 +23442,9 @@
             </a:pPr>
             <a:r>
               <a:rPr lang="en-US" dirty="0">
-                <a:latin typeface="Menlo" panose="020B0609030804020204" pitchFamily="49" charset="0"/>
-                <a:ea typeface="Menlo" panose="020B0609030804020204" pitchFamily="49" charset="0"/>
-                <a:cs typeface="Menlo" panose="020B0609030804020204" pitchFamily="49" charset="0"/>
+                <a:latin typeface="Consolas" panose="020B0609020204030204" pitchFamily="49" charset="0"/>
+                <a:ea typeface="Menlo" panose="020B0609030804020204" pitchFamily="49" charset="0"/>
+                <a:cs typeface="Consolas" panose="020B0609020204030204" pitchFamily="49" charset="0"/>
               </a:rPr>
               <a:t>...</a:t>
             </a:r>
@@ -23453,9 +23453,9 @@
                 <a:solidFill>
                   <a:schemeClr val="accent6"/>
                 </a:solidFill>
-                <a:latin typeface="Menlo" panose="020B0609030804020204" pitchFamily="49" charset="0"/>
-                <a:ea typeface="Menlo" panose="020B0609030804020204" pitchFamily="49" charset="0"/>
-                <a:cs typeface="Menlo" panose="020B0609030804020204" pitchFamily="49" charset="0"/>
+                <a:latin typeface="Consolas" panose="020B0609020204030204" pitchFamily="49" charset="0"/>
+                <a:ea typeface="Menlo" panose="020B0609030804020204" pitchFamily="49" charset="0"/>
+                <a:cs typeface="Consolas" panose="020B0609020204030204" pitchFamily="49" charset="0"/>
               </a:rPr>
               <a:t> </a:t>
             </a:r>
@@ -23466,9 +23466,9 @@
             </a:pPr>
             <a:r>
               <a:rPr lang="en-US" dirty="0">
-                <a:latin typeface="Menlo" panose="020B0609030804020204" pitchFamily="49" charset="0"/>
-                <a:ea typeface="Menlo" panose="020B0609030804020204" pitchFamily="49" charset="0"/>
-                <a:cs typeface="Menlo" panose="020B0609030804020204" pitchFamily="49" charset="0"/>
+                <a:latin typeface="Consolas" panose="020B0609020204030204" pitchFamily="49" charset="0"/>
+                <a:ea typeface="Menlo" panose="020B0609030804020204" pitchFamily="49" charset="0"/>
+                <a:cs typeface="Consolas" panose="020B0609020204030204" pitchFamily="49" charset="0"/>
               </a:rPr>
               <a:t>&gt;&gt;&gt;</a:t>
             </a:r>
@@ -23477,9 +23477,9 @@
                 <a:solidFill>
                   <a:schemeClr val="accent6"/>
                 </a:solidFill>
-                <a:latin typeface="Menlo" panose="020B0609030804020204" pitchFamily="49" charset="0"/>
-                <a:ea typeface="Menlo" panose="020B0609030804020204" pitchFamily="49" charset="0"/>
-                <a:cs typeface="Menlo" panose="020B0609030804020204" pitchFamily="49" charset="0"/>
+                <a:latin typeface="Consolas" panose="020B0609020204030204" pitchFamily="49" charset="0"/>
+                <a:ea typeface="Menlo" panose="020B0609030804020204" pitchFamily="49" charset="0"/>
+                <a:cs typeface="Consolas" panose="020B0609020204030204" pitchFamily="49" charset="0"/>
               </a:rPr>
               <a:t> packing(1, 'a', hello='world’, test=123)</a:t>
             </a:r>
@@ -23490,9 +23490,9 @@
             </a:pPr>
             <a:r>
               <a:rPr lang="en-US" dirty="0">
-                <a:latin typeface="Menlo" panose="020B0609030804020204" pitchFamily="49" charset="0"/>
-                <a:ea typeface="Menlo" panose="020B0609030804020204" pitchFamily="49" charset="0"/>
-                <a:cs typeface="Menlo" panose="020B0609030804020204" pitchFamily="49" charset="0"/>
+                <a:latin typeface="Consolas" panose="020B0609020204030204" pitchFamily="49" charset="0"/>
+                <a:ea typeface="Menlo" panose="020B0609030804020204" pitchFamily="49" charset="0"/>
+                <a:cs typeface="Consolas" panose="020B0609020204030204" pitchFamily="49" charset="0"/>
               </a:rPr>
               <a:t>(1, 'a')</a:t>
             </a:r>
@@ -23503,9 +23503,9 @@
             </a:pPr>
             <a:r>
               <a:rPr lang="en-US" dirty="0">
-                <a:latin typeface="Menlo" panose="020B0609030804020204" pitchFamily="49" charset="0"/>
-                <a:ea typeface="Menlo" panose="020B0609030804020204" pitchFamily="49" charset="0"/>
-                <a:cs typeface="Menlo" panose="020B0609030804020204" pitchFamily="49" charset="0"/>
+                <a:latin typeface="Consolas" panose="020B0609020204030204" pitchFamily="49" charset="0"/>
+                <a:ea typeface="Menlo" panose="020B0609030804020204" pitchFamily="49" charset="0"/>
+                <a:cs typeface="Consolas" panose="020B0609020204030204" pitchFamily="49" charset="0"/>
               </a:rPr>
               <a:t>{'hello': 'world’, ‘test’: 123}</a:t>
             </a:r>
@@ -23516,9 +23516,9 @@
             </a:pPr>
             <a:r>
               <a:rPr lang="en-US" dirty="0">
-                <a:latin typeface="Menlo" panose="020B0609030804020204" pitchFamily="49" charset="0"/>
-                <a:ea typeface="Menlo" panose="020B0609030804020204" pitchFamily="49" charset="0"/>
-                <a:cs typeface="Menlo" panose="020B0609030804020204" pitchFamily="49" charset="0"/>
+                <a:latin typeface="Consolas" panose="020B0609020204030204" pitchFamily="49" charset="0"/>
+                <a:ea typeface="Menlo" panose="020B0609030804020204" pitchFamily="49" charset="0"/>
+                <a:cs typeface="Consolas" panose="020B0609020204030204" pitchFamily="49" charset="0"/>
               </a:rPr>
               <a:t>&gt;&gt;&gt;</a:t>
             </a:r>
@@ -23527,9 +23527,9 @@
                 <a:solidFill>
                   <a:schemeClr val="accent6"/>
                 </a:solidFill>
-                <a:latin typeface="Menlo" panose="020B0609030804020204" pitchFamily="49" charset="0"/>
-                <a:ea typeface="Menlo" panose="020B0609030804020204" pitchFamily="49" charset="0"/>
-                <a:cs typeface="Menlo" panose="020B0609030804020204" pitchFamily="49" charset="0"/>
+                <a:latin typeface="Consolas" panose="020B0609020204030204" pitchFamily="49" charset="0"/>
+                <a:ea typeface="Menlo" panose="020B0609030804020204" pitchFamily="49" charset="0"/>
+                <a:cs typeface="Consolas" panose="020B0609020204030204" pitchFamily="49" charset="0"/>
               </a:rPr>
               <a:t> packing(hello='world', 1)</a:t>
             </a:r>
@@ -23543,9 +23543,9 @@
                 <a:solidFill>
                   <a:schemeClr val="accent6"/>
                 </a:solidFill>
-                <a:latin typeface="Menlo" panose="020B0609030804020204" pitchFamily="49" charset="0"/>
-                <a:ea typeface="Menlo" panose="020B0609030804020204" pitchFamily="49" charset="0"/>
-                <a:cs typeface="Menlo" panose="020B0609030804020204" pitchFamily="49" charset="0"/>
+                <a:latin typeface="Consolas" panose="020B0609020204030204" pitchFamily="49" charset="0"/>
+                <a:ea typeface="Menlo" panose="020B0609030804020204" pitchFamily="49" charset="0"/>
+                <a:cs typeface="Consolas" panose="020B0609020204030204" pitchFamily="49" charset="0"/>
               </a:rPr>
               <a:t>  </a:t>
             </a:r>
@@ -23554,9 +23554,9 @@
                 <a:solidFill>
                   <a:srgbClr val="FF0000"/>
                 </a:solidFill>
-                <a:latin typeface="Menlo" panose="020B0609030804020204" pitchFamily="49" charset="0"/>
-                <a:ea typeface="Menlo" panose="020B0609030804020204" pitchFamily="49" charset="0"/>
-                <a:cs typeface="Menlo" panose="020B0609030804020204" pitchFamily="49" charset="0"/>
+                <a:latin typeface="Consolas" panose="020B0609020204030204" pitchFamily="49" charset="0"/>
+                <a:ea typeface="Menlo" panose="020B0609030804020204" pitchFamily="49" charset="0"/>
+                <a:cs typeface="Consolas" panose="020B0609020204030204" pitchFamily="49" charset="0"/>
               </a:rPr>
               <a:t>File "&lt;stdin&gt;", line 1</a:t>
             </a:r>
@@ -23570,9 +23570,9 @@
                 <a:solidFill>
                   <a:srgbClr val="FF0000"/>
                 </a:solidFill>
-                <a:latin typeface="Menlo" panose="020B0609030804020204" pitchFamily="49" charset="0"/>
-                <a:ea typeface="Menlo" panose="020B0609030804020204" pitchFamily="49" charset="0"/>
-                <a:cs typeface="Menlo" panose="020B0609030804020204" pitchFamily="49" charset="0"/>
+                <a:latin typeface="Consolas" panose="020B0609020204030204" pitchFamily="49" charset="0"/>
+                <a:ea typeface="Menlo" panose="020B0609030804020204" pitchFamily="49" charset="0"/>
+                <a:cs typeface="Consolas" panose="020B0609020204030204" pitchFamily="49" charset="0"/>
               </a:rPr>
               <a:t>SyntaxError</a:t>
             </a:r>
@@ -23581,9 +23581,9 @@
                 <a:solidFill>
                   <a:srgbClr val="FF0000"/>
                 </a:solidFill>
-                <a:latin typeface="Menlo" panose="020B0609030804020204" pitchFamily="49" charset="0"/>
-                <a:ea typeface="Menlo" panose="020B0609030804020204" pitchFamily="49" charset="0"/>
-                <a:cs typeface="Menlo" panose="020B0609030804020204" pitchFamily="49" charset="0"/>
+                <a:latin typeface="Consolas" panose="020B0609020204030204" pitchFamily="49" charset="0"/>
+                <a:ea typeface="Menlo" panose="020B0609030804020204" pitchFamily="49" charset="0"/>
+                <a:cs typeface="Consolas" panose="020B0609020204030204" pitchFamily="49" charset="0"/>
               </a:rPr>
               <a:t>: positional argument follows keyword argument</a:t>
             </a:r>
@@ -23596,9 +23596,9 @@
               <a:solidFill>
                 <a:srgbClr val="FF0000"/>
               </a:solidFill>
-              <a:latin typeface="Menlo" panose="020B0609030804020204" pitchFamily="49" charset="0"/>
+              <a:latin typeface="Consolas" panose="020B0609020204030204" pitchFamily="49" charset="0"/>
               <a:ea typeface="Menlo" panose="020B0609030804020204" pitchFamily="49" charset="0"/>
-              <a:cs typeface="Menlo" panose="020B0609030804020204" pitchFamily="49" charset="0"/>
+              <a:cs typeface="Consolas" panose="020B0609020204030204" pitchFamily="49" charset="0"/>
             </a:endParaRPr>
           </a:p>
         </p:txBody>
@@ -24854,16 +24854,16 @@
             </a:r>
             <a:r>
               <a:rPr lang="en-US" dirty="0">
-                <a:latin typeface="Menlo" panose="020B0609030804020204" pitchFamily="49" charset="0"/>
-                <a:ea typeface="Menlo" panose="020B0609030804020204" pitchFamily="49" charset="0"/>
-                <a:cs typeface="Menlo" panose="020B0609030804020204" pitchFamily="49" charset="0"/>
+                <a:latin typeface="Consolas" panose="020B0609020204030204" pitchFamily="49" charset="0"/>
+                <a:ea typeface="Menlo" panose="020B0609030804020204" pitchFamily="49" charset="0"/>
+                <a:cs typeface="Consolas" panose="020B0609020204030204" pitchFamily="49" charset="0"/>
               </a:rPr>
               <a:t>print</a:t>
             </a:r>
             <a:r>
               <a:rPr lang="en-US" dirty="0">
                 <a:ea typeface="Menlo" panose="020B0609030804020204" pitchFamily="49" charset="0"/>
-                <a:cs typeface="Menlo" panose="020B0609030804020204" pitchFamily="49" charset="0"/>
+                <a:cs typeface="Consolas" panose="020B0609020204030204" pitchFamily="49" charset="0"/>
               </a:rPr>
               <a:t>:</a:t>
             </a:r>
@@ -24963,7 +24963,7 @@
         </p:spPr>
         <p:txBody>
           <a:bodyPr vert="horz" lIns="91440" tIns="45720" rIns="91440" bIns="45720" rtlCol="0">
-            <a:normAutofit fontScale="85000" lnSpcReduction="10000"/>
+            <a:normAutofit fontScale="92500" lnSpcReduction="20000"/>
           </a:bodyPr>
           <a:lstStyle>
             <a:lvl1pPr marL="384048" indent="-384048" algn="l" defTabSz="914400" rtl="0" eaLnBrk="1" latinLnBrk="0" hangingPunct="1">
@@ -25162,9 +25162,9 @@
             </a:pPr>
             <a:r>
               <a:rPr lang="en-US" dirty="0">
-                <a:latin typeface="Menlo" panose="020B0609030804020204" pitchFamily="49" charset="0"/>
-                <a:ea typeface="Menlo" panose="020B0609030804020204" pitchFamily="49" charset="0"/>
-                <a:cs typeface="Menlo" panose="020B0609030804020204" pitchFamily="49" charset="0"/>
+                <a:latin typeface="Consolas" panose="020B0609020204030204" pitchFamily="49" charset="0"/>
+                <a:ea typeface="Menlo" panose="020B0609030804020204" pitchFamily="49" charset="0"/>
+                <a:cs typeface="Consolas" panose="020B0609020204030204" pitchFamily="49" charset="0"/>
               </a:rPr>
               <a:t>&gt;&gt;&gt;</a:t>
             </a:r>
@@ -25173,9 +25173,9 @@
                 <a:solidFill>
                   <a:schemeClr val="accent6"/>
                 </a:solidFill>
-                <a:latin typeface="Menlo" panose="020B0609030804020204" pitchFamily="49" charset="0"/>
-                <a:ea typeface="Menlo" panose="020B0609030804020204" pitchFamily="49" charset="0"/>
-                <a:cs typeface="Menlo" panose="020B0609030804020204" pitchFamily="49" charset="0"/>
+                <a:latin typeface="Consolas" panose="020B0609020204030204" pitchFamily="49" charset="0"/>
+                <a:ea typeface="Menlo" panose="020B0609030804020204" pitchFamily="49" charset="0"/>
+                <a:cs typeface="Consolas" panose="020B0609020204030204" pitchFamily="49" charset="0"/>
               </a:rPr>
               <a:t> array = ['test', 1, 2, 3]</a:t>
             </a:r>
@@ -25186,9 +25186,9 @@
             </a:pPr>
             <a:r>
               <a:rPr lang="en-US" dirty="0">
-                <a:latin typeface="Menlo" panose="020B0609030804020204" pitchFamily="49" charset="0"/>
-                <a:ea typeface="Menlo" panose="020B0609030804020204" pitchFamily="49" charset="0"/>
-                <a:cs typeface="Menlo" panose="020B0609030804020204" pitchFamily="49" charset="0"/>
+                <a:latin typeface="Consolas" panose="020B0609020204030204" pitchFamily="49" charset="0"/>
+                <a:ea typeface="Menlo" panose="020B0609030804020204" pitchFamily="49" charset="0"/>
+                <a:cs typeface="Consolas" panose="020B0609020204030204" pitchFamily="49" charset="0"/>
               </a:rPr>
               <a:t>&gt;&gt;&gt;</a:t>
             </a:r>
@@ -25197,9 +25197,9 @@
                 <a:solidFill>
                   <a:schemeClr val="accent6"/>
                 </a:solidFill>
-                <a:latin typeface="Menlo" panose="020B0609030804020204" pitchFamily="49" charset="0"/>
-                <a:ea typeface="Menlo" panose="020B0609030804020204" pitchFamily="49" charset="0"/>
-                <a:cs typeface="Menlo" panose="020B0609030804020204" pitchFamily="49" charset="0"/>
+                <a:latin typeface="Consolas" panose="020B0609020204030204" pitchFamily="49" charset="0"/>
+                <a:ea typeface="Menlo" panose="020B0609030804020204" pitchFamily="49" charset="0"/>
+                <a:cs typeface="Consolas" panose="020B0609020204030204" pitchFamily="49" charset="0"/>
               </a:rPr>
               <a:t> print(array[0], array[1], array[2], array[3])</a:t>
             </a:r>
@@ -25210,9 +25210,9 @@
             </a:pPr>
             <a:r>
               <a:rPr lang="en-US" dirty="0">
-                <a:latin typeface="Menlo" panose="020B0609030804020204" pitchFamily="49" charset="0"/>
-                <a:ea typeface="Menlo" panose="020B0609030804020204" pitchFamily="49" charset="0"/>
-                <a:cs typeface="Menlo" panose="020B0609030804020204" pitchFamily="49" charset="0"/>
+                <a:latin typeface="Consolas" panose="020B0609020204030204" pitchFamily="49" charset="0"/>
+                <a:ea typeface="Menlo" panose="020B0609030804020204" pitchFamily="49" charset="0"/>
+                <a:cs typeface="Consolas" panose="020B0609020204030204" pitchFamily="49" charset="0"/>
               </a:rPr>
               <a:t>test 1 2 3</a:t>
             </a:r>
@@ -25223,9 +25223,9 @@
             </a:pPr>
             <a:r>
               <a:rPr lang="en-US" dirty="0">
-                <a:latin typeface="Menlo" panose="020B0609030804020204" pitchFamily="49" charset="0"/>
-                <a:ea typeface="Menlo" panose="020B0609030804020204" pitchFamily="49" charset="0"/>
-                <a:cs typeface="Menlo" panose="020B0609030804020204" pitchFamily="49" charset="0"/>
+                <a:latin typeface="Consolas" panose="020B0609020204030204" pitchFamily="49" charset="0"/>
+                <a:ea typeface="Menlo" panose="020B0609030804020204" pitchFamily="49" charset="0"/>
+                <a:cs typeface="Consolas" panose="020B0609020204030204" pitchFamily="49" charset="0"/>
               </a:rPr>
               <a:t>&gt;&gt;&gt;</a:t>
             </a:r>
@@ -25234,9 +25234,9 @@
                 <a:solidFill>
                   <a:schemeClr val="accent6"/>
                 </a:solidFill>
-                <a:latin typeface="Menlo" panose="020B0609030804020204" pitchFamily="49" charset="0"/>
-                <a:ea typeface="Menlo" panose="020B0609030804020204" pitchFamily="49" charset="0"/>
-                <a:cs typeface="Menlo" panose="020B0609030804020204" pitchFamily="49" charset="0"/>
+                <a:latin typeface="Consolas" panose="020B0609020204030204" pitchFamily="49" charset="0"/>
+                <a:ea typeface="Menlo" panose="020B0609030804020204" pitchFamily="49" charset="0"/>
+                <a:cs typeface="Consolas" panose="020B0609020204030204" pitchFamily="49" charset="0"/>
               </a:rPr>
               <a:t> </a:t>
             </a:r>
@@ -25245,9 +25245,9 @@
                 <a:solidFill>
                   <a:schemeClr val="accent6"/>
                 </a:solidFill>
-                <a:latin typeface="Menlo" panose="020B0609030804020204" pitchFamily="49" charset="0"/>
-                <a:ea typeface="Menlo" panose="020B0609030804020204" pitchFamily="49" charset="0"/>
-                <a:cs typeface="Menlo" panose="020B0609030804020204" pitchFamily="49" charset="0"/>
+                <a:latin typeface="Consolas" panose="020B0609020204030204" pitchFamily="49" charset="0"/>
+                <a:ea typeface="Menlo" panose="020B0609030804020204" pitchFamily="49" charset="0"/>
+                <a:cs typeface="Consolas" panose="020B0609020204030204" pitchFamily="49" charset="0"/>
               </a:rPr>
               <a:t>array.append</a:t>
             </a:r>
@@ -25256,9 +25256,9 @@
                 <a:solidFill>
                   <a:schemeClr val="accent6"/>
                 </a:solidFill>
-                <a:latin typeface="Menlo" panose="020B0609030804020204" pitchFamily="49" charset="0"/>
-                <a:ea typeface="Menlo" panose="020B0609030804020204" pitchFamily="49" charset="0"/>
-                <a:cs typeface="Menlo" panose="020B0609030804020204" pitchFamily="49" charset="0"/>
+                <a:latin typeface="Consolas" panose="020B0609020204030204" pitchFamily="49" charset="0"/>
+                <a:ea typeface="Menlo" panose="020B0609030804020204" pitchFamily="49" charset="0"/>
+                <a:cs typeface="Consolas" panose="020B0609020204030204" pitchFamily="49" charset="0"/>
               </a:rPr>
               <a:t>(4)</a:t>
             </a:r>
@@ -25269,9 +25269,9 @@
             </a:pPr>
             <a:r>
               <a:rPr lang="en-US" dirty="0">
-                <a:latin typeface="Menlo" panose="020B0609030804020204" pitchFamily="49" charset="0"/>
-                <a:ea typeface="Menlo" panose="020B0609030804020204" pitchFamily="49" charset="0"/>
-                <a:cs typeface="Menlo" panose="020B0609030804020204" pitchFamily="49" charset="0"/>
+                <a:latin typeface="Consolas" panose="020B0609020204030204" pitchFamily="49" charset="0"/>
+                <a:ea typeface="Menlo" panose="020B0609030804020204" pitchFamily="49" charset="0"/>
+                <a:cs typeface="Consolas" panose="020B0609020204030204" pitchFamily="49" charset="0"/>
               </a:rPr>
               <a:t>&gt;&gt;&gt;</a:t>
             </a:r>
@@ -25280,9 +25280,9 @@
                 <a:solidFill>
                   <a:schemeClr val="accent6"/>
                 </a:solidFill>
-                <a:latin typeface="Menlo" panose="020B0609030804020204" pitchFamily="49" charset="0"/>
-                <a:ea typeface="Menlo" panose="020B0609030804020204" pitchFamily="49" charset="0"/>
-                <a:cs typeface="Menlo" panose="020B0609030804020204" pitchFamily="49" charset="0"/>
+                <a:latin typeface="Consolas" panose="020B0609020204030204" pitchFamily="49" charset="0"/>
+                <a:ea typeface="Menlo" panose="020B0609030804020204" pitchFamily="49" charset="0"/>
+                <a:cs typeface="Consolas" panose="020B0609020204030204" pitchFamily="49" charset="0"/>
               </a:rPr>
               <a:t> print(*array)</a:t>
             </a:r>
@@ -25293,9 +25293,9 @@
             </a:pPr>
             <a:r>
               <a:rPr lang="en-US" dirty="0">
-                <a:latin typeface="Menlo" panose="020B0609030804020204" pitchFamily="49" charset="0"/>
-                <a:ea typeface="Menlo" panose="020B0609030804020204" pitchFamily="49" charset="0"/>
-                <a:cs typeface="Menlo" panose="020B0609030804020204" pitchFamily="49" charset="0"/>
+                <a:latin typeface="Consolas" panose="020B0609020204030204" pitchFamily="49" charset="0"/>
+                <a:ea typeface="Menlo" panose="020B0609030804020204" pitchFamily="49" charset="0"/>
+                <a:cs typeface="Consolas" panose="020B0609020204030204" pitchFamily="49" charset="0"/>
               </a:rPr>
               <a:t>test 1 2 3 4</a:t>
             </a:r>
@@ -25306,9 +25306,9 @@
             </a:pPr>
             <a:r>
               <a:rPr lang="en-US" dirty="0">
-                <a:latin typeface="Menlo" panose="020B0609030804020204" pitchFamily="49" charset="0"/>
-                <a:ea typeface="Menlo" panose="020B0609030804020204" pitchFamily="49" charset="0"/>
-                <a:cs typeface="Menlo" panose="020B0609030804020204" pitchFamily="49" charset="0"/>
+                <a:latin typeface="Consolas" panose="020B0609020204030204" pitchFamily="49" charset="0"/>
+                <a:ea typeface="Menlo" panose="020B0609030804020204" pitchFamily="49" charset="0"/>
+                <a:cs typeface="Consolas" panose="020B0609020204030204" pitchFamily="49" charset="0"/>
               </a:rPr>
               <a:t>&gt;&gt;&gt; </a:t>
             </a:r>
@@ -25317,9 +25317,9 @@
                 <a:solidFill>
                   <a:schemeClr val="accent6"/>
                 </a:solidFill>
-                <a:latin typeface="Menlo" panose="020B0609030804020204" pitchFamily="49" charset="0"/>
-                <a:ea typeface="Menlo" panose="020B0609030804020204" pitchFamily="49" charset="0"/>
-                <a:cs typeface="Menlo" panose="020B0609030804020204" pitchFamily="49" charset="0"/>
+                <a:latin typeface="Consolas" panose="020B0609020204030204" pitchFamily="49" charset="0"/>
+                <a:ea typeface="Menlo" panose="020B0609030804020204" pitchFamily="49" charset="0"/>
+                <a:cs typeface="Consolas" panose="020B0609020204030204" pitchFamily="49" charset="0"/>
               </a:rPr>
               <a:t>kwargs</a:t>
             </a:r>
@@ -25328,9 +25328,9 @@
                 <a:solidFill>
                   <a:schemeClr val="accent6"/>
                 </a:solidFill>
-                <a:latin typeface="Menlo" panose="020B0609030804020204" pitchFamily="49" charset="0"/>
-                <a:ea typeface="Menlo" panose="020B0609030804020204" pitchFamily="49" charset="0"/>
-                <a:cs typeface="Menlo" panose="020B0609030804020204" pitchFamily="49" charset="0"/>
+                <a:latin typeface="Consolas" panose="020B0609020204030204" pitchFamily="49" charset="0"/>
+                <a:ea typeface="Menlo" panose="020B0609030804020204" pitchFamily="49" charset="0"/>
+                <a:cs typeface="Consolas" panose="020B0609020204030204" pitchFamily="49" charset="0"/>
               </a:rPr>
               <a:t> = {'</a:t>
             </a:r>
@@ -25339,9 +25339,9 @@
                 <a:solidFill>
                   <a:schemeClr val="accent6"/>
                 </a:solidFill>
-                <a:latin typeface="Menlo" panose="020B0609030804020204" pitchFamily="49" charset="0"/>
-                <a:ea typeface="Menlo" panose="020B0609030804020204" pitchFamily="49" charset="0"/>
-                <a:cs typeface="Menlo" panose="020B0609030804020204" pitchFamily="49" charset="0"/>
+                <a:latin typeface="Consolas" panose="020B0609020204030204" pitchFamily="49" charset="0"/>
+                <a:ea typeface="Menlo" panose="020B0609030804020204" pitchFamily="49" charset="0"/>
+                <a:cs typeface="Consolas" panose="020B0609020204030204" pitchFamily="49" charset="0"/>
               </a:rPr>
               <a:t>sep</a:t>
             </a:r>
@@ -25350,9 +25350,9 @@
                 <a:solidFill>
                   <a:schemeClr val="accent6"/>
                 </a:solidFill>
-                <a:latin typeface="Menlo" panose="020B0609030804020204" pitchFamily="49" charset="0"/>
-                <a:ea typeface="Menlo" panose="020B0609030804020204" pitchFamily="49" charset="0"/>
-                <a:cs typeface="Menlo" panose="020B0609030804020204" pitchFamily="49" charset="0"/>
+                <a:latin typeface="Consolas" panose="020B0609020204030204" pitchFamily="49" charset="0"/>
+                <a:ea typeface="Menlo" panose="020B0609030804020204" pitchFamily="49" charset="0"/>
+                <a:cs typeface="Consolas" panose="020B0609020204030204" pitchFamily="49" charset="0"/>
               </a:rPr>
               <a:t>':', ', 'end':'!\n'}</a:t>
             </a:r>
@@ -25363,9 +25363,9 @@
             </a:pPr>
             <a:r>
               <a:rPr lang="en-US" dirty="0">
-                <a:latin typeface="Menlo" panose="020B0609030804020204" pitchFamily="49" charset="0"/>
-                <a:ea typeface="Menlo" panose="020B0609030804020204" pitchFamily="49" charset="0"/>
-                <a:cs typeface="Menlo" panose="020B0609030804020204" pitchFamily="49" charset="0"/>
+                <a:latin typeface="Consolas" panose="020B0609020204030204" pitchFamily="49" charset="0"/>
+                <a:ea typeface="Menlo" panose="020B0609030804020204" pitchFamily="49" charset="0"/>
+                <a:cs typeface="Consolas" panose="020B0609020204030204" pitchFamily="49" charset="0"/>
               </a:rPr>
               <a:t>&gt;&gt;&gt; </a:t>
             </a:r>
@@ -25374,9 +25374,9 @@
                 <a:solidFill>
                   <a:schemeClr val="accent6"/>
                 </a:solidFill>
-                <a:latin typeface="Menlo" panose="020B0609030804020204" pitchFamily="49" charset="0"/>
-                <a:ea typeface="Menlo" panose="020B0609030804020204" pitchFamily="49" charset="0"/>
-                <a:cs typeface="Menlo" panose="020B0609030804020204" pitchFamily="49" charset="0"/>
+                <a:latin typeface="Consolas" panose="020B0609020204030204" pitchFamily="49" charset="0"/>
+                <a:ea typeface="Menlo" panose="020B0609030804020204" pitchFamily="49" charset="0"/>
+                <a:cs typeface="Consolas" panose="020B0609020204030204" pitchFamily="49" charset="0"/>
               </a:rPr>
               <a:t>print(*array, **</a:t>
             </a:r>
@@ -25385,9 +25385,9 @@
                 <a:solidFill>
                   <a:schemeClr val="accent6"/>
                 </a:solidFill>
-                <a:latin typeface="Menlo" panose="020B0609030804020204" pitchFamily="49" charset="0"/>
-                <a:ea typeface="Menlo" panose="020B0609030804020204" pitchFamily="49" charset="0"/>
-                <a:cs typeface="Menlo" panose="020B0609030804020204" pitchFamily="49" charset="0"/>
+                <a:latin typeface="Consolas" panose="020B0609020204030204" pitchFamily="49" charset="0"/>
+                <a:ea typeface="Menlo" panose="020B0609030804020204" pitchFamily="49" charset="0"/>
+                <a:cs typeface="Consolas" panose="020B0609020204030204" pitchFamily="49" charset="0"/>
               </a:rPr>
               <a:t>kwargs</a:t>
             </a:r>
@@ -25396,9 +25396,9 @@
                 <a:solidFill>
                   <a:schemeClr val="accent6"/>
                 </a:solidFill>
-                <a:latin typeface="Menlo" panose="020B0609030804020204" pitchFamily="49" charset="0"/>
-                <a:ea typeface="Menlo" panose="020B0609030804020204" pitchFamily="49" charset="0"/>
-                <a:cs typeface="Menlo" panose="020B0609030804020204" pitchFamily="49" charset="0"/>
+                <a:latin typeface="Consolas" panose="020B0609020204030204" pitchFamily="49" charset="0"/>
+                <a:ea typeface="Menlo" panose="020B0609030804020204" pitchFamily="49" charset="0"/>
+                <a:cs typeface="Consolas" panose="020B0609020204030204" pitchFamily="49" charset="0"/>
               </a:rPr>
               <a:t>)</a:t>
             </a:r>
@@ -25409,9 +25409,9 @@
             </a:pPr>
             <a:r>
               <a:rPr lang="en-US" dirty="0">
-                <a:latin typeface="Menlo" panose="020B0609030804020204" pitchFamily="49" charset="0"/>
-                <a:ea typeface="Menlo" panose="020B0609030804020204" pitchFamily="49" charset="0"/>
-                <a:cs typeface="Menlo" panose="020B0609030804020204" pitchFamily="49" charset="0"/>
+                <a:latin typeface="Consolas" panose="020B0609020204030204" pitchFamily="49" charset="0"/>
+                <a:ea typeface="Menlo" panose="020B0609030804020204" pitchFamily="49" charset="0"/>
+                <a:cs typeface="Consolas" panose="020B0609020204030204" pitchFamily="49" charset="0"/>
               </a:rPr>
               <a:t>test, 1, 2, 3, 4!</a:t>
             </a:r>
@@ -25430,9 +25430,9 @@
               <a:solidFill>
                 <a:srgbClr val="FF0000"/>
               </a:solidFill>
-              <a:latin typeface="Menlo" panose="020B0609030804020204" pitchFamily="49" charset="0"/>
+              <a:latin typeface="Consolas" panose="020B0609020204030204" pitchFamily="49" charset="0"/>
               <a:ea typeface="Menlo" panose="020B0609030804020204" pitchFamily="49" charset="0"/>
-              <a:cs typeface="Menlo" panose="020B0609030804020204" pitchFamily="49" charset="0"/>
+              <a:cs typeface="Consolas" panose="020B0609020204030204" pitchFamily="49" charset="0"/>
             </a:endParaRPr>
           </a:p>
         </p:txBody>
@@ -26734,9 +26734,9 @@
             </a:pPr>
             <a:r>
               <a:rPr lang="en-US" dirty="0">
-                <a:latin typeface="Menlo" panose="020B0609030804020204" pitchFamily="49" charset="0"/>
-                <a:ea typeface="Menlo" panose="020B0609030804020204" pitchFamily="49" charset="0"/>
-                <a:cs typeface="Menlo" panose="020B0609030804020204" pitchFamily="49" charset="0"/>
+                <a:latin typeface="Consolas" panose="020B0609020204030204" pitchFamily="49" charset="0"/>
+                <a:ea typeface="Menlo" panose="020B0609030804020204" pitchFamily="49" charset="0"/>
+                <a:cs typeface="Consolas" panose="020B0609020204030204" pitchFamily="49" charset="0"/>
               </a:rPr>
               <a:t>&gt;&gt;&gt; </a:t>
             </a:r>
@@ -26745,9 +26745,9 @@
                 <a:solidFill>
                   <a:schemeClr val="accent6"/>
                 </a:solidFill>
-                <a:latin typeface="Menlo" panose="020B0609030804020204" pitchFamily="49" charset="0"/>
-                <a:ea typeface="Menlo" panose="020B0609030804020204" pitchFamily="49" charset="0"/>
-                <a:cs typeface="Menlo" panose="020B0609030804020204" pitchFamily="49" charset="0"/>
+                <a:latin typeface="Consolas" panose="020B0609020204030204" pitchFamily="49" charset="0"/>
+                <a:ea typeface="Menlo" panose="020B0609030804020204" pitchFamily="49" charset="0"/>
+                <a:cs typeface="Consolas" panose="020B0609020204030204" pitchFamily="49" charset="0"/>
               </a:rPr>
               <a:t>hello</a:t>
             </a:r>
@@ -26761,9 +26761,9 @@
                 <a:solidFill>
                   <a:srgbClr val="FF0000"/>
                 </a:solidFill>
-                <a:latin typeface="Menlo" panose="020B0609030804020204" pitchFamily="49" charset="0"/>
-                <a:ea typeface="Menlo" panose="020B0609030804020204" pitchFamily="49" charset="0"/>
-                <a:cs typeface="Menlo" panose="020B0609030804020204" pitchFamily="49" charset="0"/>
+                <a:latin typeface="Consolas" panose="020B0609020204030204" pitchFamily="49" charset="0"/>
+                <a:ea typeface="Menlo" panose="020B0609030804020204" pitchFamily="49" charset="0"/>
+                <a:cs typeface="Consolas" panose="020B0609020204030204" pitchFamily="49" charset="0"/>
               </a:rPr>
               <a:t>Traceback (most recent call last):</a:t>
             </a:r>
@@ -26777,9 +26777,9 @@
                 <a:solidFill>
                   <a:srgbClr val="FF0000"/>
                 </a:solidFill>
-                <a:latin typeface="Menlo" panose="020B0609030804020204" pitchFamily="49" charset="0"/>
-                <a:ea typeface="Menlo" panose="020B0609030804020204" pitchFamily="49" charset="0"/>
-                <a:cs typeface="Menlo" panose="020B0609030804020204" pitchFamily="49" charset="0"/>
+                <a:latin typeface="Consolas" panose="020B0609020204030204" pitchFamily="49" charset="0"/>
+                <a:ea typeface="Menlo" panose="020B0609030804020204" pitchFamily="49" charset="0"/>
+                <a:cs typeface="Consolas" panose="020B0609020204030204" pitchFamily="49" charset="0"/>
               </a:rPr>
               <a:t>  File "&lt;stdin&gt;", line 1, in &lt;module&gt;</a:t>
             </a:r>
@@ -26793,9 +26793,9 @@
                 <a:solidFill>
                   <a:srgbClr val="FF0000"/>
                 </a:solidFill>
-                <a:latin typeface="Menlo" panose="020B0609030804020204" pitchFamily="49" charset="0"/>
-                <a:ea typeface="Menlo" panose="020B0609030804020204" pitchFamily="49" charset="0"/>
-                <a:cs typeface="Menlo" panose="020B0609030804020204" pitchFamily="49" charset="0"/>
+                <a:latin typeface="Consolas" panose="020B0609020204030204" pitchFamily="49" charset="0"/>
+                <a:ea typeface="Menlo" panose="020B0609030804020204" pitchFamily="49" charset="0"/>
+                <a:cs typeface="Consolas" panose="020B0609020204030204" pitchFamily="49" charset="0"/>
               </a:rPr>
               <a:t>NameError</a:t>
             </a:r>
@@ -26804,9 +26804,9 @@
                 <a:solidFill>
                   <a:srgbClr val="FF0000"/>
                 </a:solidFill>
-                <a:latin typeface="Menlo" panose="020B0609030804020204" pitchFamily="49" charset="0"/>
-                <a:ea typeface="Menlo" panose="020B0609030804020204" pitchFamily="49" charset="0"/>
-                <a:cs typeface="Menlo" panose="020B0609030804020204" pitchFamily="49" charset="0"/>
+                <a:latin typeface="Consolas" panose="020B0609020204030204" pitchFamily="49" charset="0"/>
+                <a:ea typeface="Menlo" panose="020B0609030804020204" pitchFamily="49" charset="0"/>
+                <a:cs typeface="Consolas" panose="020B0609020204030204" pitchFamily="49" charset="0"/>
               </a:rPr>
               <a:t>: name 'hello' is not defined</a:t>
             </a:r>
@@ -27042,9 +27042,9 @@
             </a:pPr>
             <a:r>
               <a:rPr lang="en-US" dirty="0">
-                <a:latin typeface="Menlo" panose="020B0609030804020204" pitchFamily="49" charset="0"/>
-                <a:ea typeface="Menlo" panose="020B0609030804020204" pitchFamily="49" charset="0"/>
-                <a:cs typeface="Menlo" panose="020B0609030804020204" pitchFamily="49" charset="0"/>
+                <a:latin typeface="Consolas" panose="020B0609020204030204" pitchFamily="49" charset="0"/>
+                <a:ea typeface="Menlo" panose="020B0609030804020204" pitchFamily="49" charset="0"/>
+                <a:cs typeface="Consolas" panose="020B0609020204030204" pitchFamily="49" charset="0"/>
               </a:rPr>
               <a:t>&gt;&gt;&gt; </a:t>
             </a:r>
@@ -27053,9 +27053,9 @@
                 <a:solidFill>
                   <a:schemeClr val="accent6"/>
                 </a:solidFill>
-                <a:latin typeface="Menlo" panose="020B0609030804020204" pitchFamily="49" charset="0"/>
-                <a:ea typeface="Menlo" panose="020B0609030804020204" pitchFamily="49" charset="0"/>
-                <a:cs typeface="Menlo" panose="020B0609030804020204" pitchFamily="49" charset="0"/>
+                <a:latin typeface="Consolas" panose="020B0609020204030204" pitchFamily="49" charset="0"/>
+                <a:ea typeface="Menlo" panose="020B0609030804020204" pitchFamily="49" charset="0"/>
+                <a:cs typeface="Consolas" panose="020B0609020204030204" pitchFamily="49" charset="0"/>
               </a:rPr>
               <a:t>def foo(</a:t>
             </a:r>
@@ -27064,9 +27064,9 @@
                 <a:solidFill>
                   <a:schemeClr val="accent6"/>
                 </a:solidFill>
-                <a:latin typeface="Menlo" panose="020B0609030804020204" pitchFamily="49" charset="0"/>
-                <a:ea typeface="Menlo" panose="020B0609030804020204" pitchFamily="49" charset="0"/>
-                <a:cs typeface="Menlo" panose="020B0609030804020204" pitchFamily="49" charset="0"/>
+                <a:latin typeface="Consolas" panose="020B0609020204030204" pitchFamily="49" charset="0"/>
+                <a:ea typeface="Menlo" panose="020B0609030804020204" pitchFamily="49" charset="0"/>
+                <a:cs typeface="Consolas" panose="020B0609020204030204" pitchFamily="49" charset="0"/>
               </a:rPr>
               <a:t>param</a:t>
             </a:r>
@@ -27075,9 +27075,9 @@
                 <a:solidFill>
                   <a:schemeClr val="accent6"/>
                 </a:solidFill>
-                <a:latin typeface="Menlo" panose="020B0609030804020204" pitchFamily="49" charset="0"/>
-                <a:ea typeface="Menlo" panose="020B0609030804020204" pitchFamily="49" charset="0"/>
-                <a:cs typeface="Menlo" panose="020B0609030804020204" pitchFamily="49" charset="0"/>
+                <a:latin typeface="Consolas" panose="020B0609020204030204" pitchFamily="49" charset="0"/>
+                <a:ea typeface="Menlo" panose="020B0609030804020204" pitchFamily="49" charset="0"/>
+                <a:cs typeface="Consolas" panose="020B0609020204030204" pitchFamily="49" charset="0"/>
               </a:rPr>
               <a:t>):</a:t>
             </a:r>
@@ -27088,9 +27088,9 @@
             </a:pPr>
             <a:r>
               <a:rPr lang="en-US" dirty="0">
-                <a:latin typeface="Menlo" panose="020B0609030804020204" pitchFamily="49" charset="0"/>
-                <a:ea typeface="Menlo" panose="020B0609030804020204" pitchFamily="49" charset="0"/>
-                <a:cs typeface="Menlo" panose="020B0609030804020204" pitchFamily="49" charset="0"/>
+                <a:latin typeface="Consolas" panose="020B0609020204030204" pitchFamily="49" charset="0"/>
+                <a:ea typeface="Menlo" panose="020B0609030804020204" pitchFamily="49" charset="0"/>
+                <a:cs typeface="Consolas" panose="020B0609020204030204" pitchFamily="49" charset="0"/>
               </a:rPr>
               <a:t>...    </a:t>
             </a:r>
@@ -27099,9 +27099,9 @@
                 <a:solidFill>
                   <a:schemeClr val="accent6"/>
                 </a:solidFill>
-                <a:latin typeface="Menlo" panose="020B0609030804020204" pitchFamily="49" charset="0"/>
-                <a:ea typeface="Menlo" panose="020B0609030804020204" pitchFamily="49" charset="0"/>
-                <a:cs typeface="Menlo" panose="020B0609030804020204" pitchFamily="49" charset="0"/>
+                <a:latin typeface="Consolas" panose="020B0609020204030204" pitchFamily="49" charset="0"/>
+                <a:ea typeface="Menlo" panose="020B0609030804020204" pitchFamily="49" charset="0"/>
+                <a:cs typeface="Consolas" panose="020B0609020204030204" pitchFamily="49" charset="0"/>
               </a:rPr>
               <a:t> if True:</a:t>
             </a:r>
@@ -27112,9 +27112,9 @@
             </a:pPr>
             <a:r>
               <a:rPr lang="en-US" dirty="0">
-                <a:latin typeface="Menlo" panose="020B0609030804020204" pitchFamily="49" charset="0"/>
-                <a:ea typeface="Menlo" panose="020B0609030804020204" pitchFamily="49" charset="0"/>
-                <a:cs typeface="Menlo" panose="020B0609030804020204" pitchFamily="49" charset="0"/>
+                <a:latin typeface="Consolas" panose="020B0609020204030204" pitchFamily="49" charset="0"/>
+                <a:ea typeface="Menlo" panose="020B0609030804020204" pitchFamily="49" charset="0"/>
+                <a:cs typeface="Consolas" panose="020B0609020204030204" pitchFamily="49" charset="0"/>
               </a:rPr>
               <a:t>...             </a:t>
             </a:r>
@@ -27123,9 +27123,9 @@
                 <a:solidFill>
                   <a:schemeClr val="accent6"/>
                 </a:solidFill>
-                <a:latin typeface="Menlo" panose="020B0609030804020204" pitchFamily="49" charset="0"/>
-                <a:ea typeface="Menlo" panose="020B0609030804020204" pitchFamily="49" charset="0"/>
-                <a:cs typeface="Menlo" panose="020B0609030804020204" pitchFamily="49" charset="0"/>
+                <a:latin typeface="Consolas" panose="020B0609020204030204" pitchFamily="49" charset="0"/>
+                <a:ea typeface="Menlo" panose="020B0609030804020204" pitchFamily="49" charset="0"/>
+                <a:cs typeface="Consolas" panose="020B0609020204030204" pitchFamily="49" charset="0"/>
               </a:rPr>
               <a:t>def bar(</a:t>
             </a:r>
@@ -27134,9 +27134,9 @@
                 <a:solidFill>
                   <a:schemeClr val="accent6"/>
                 </a:solidFill>
-                <a:latin typeface="Menlo" panose="020B0609030804020204" pitchFamily="49" charset="0"/>
-                <a:ea typeface="Menlo" panose="020B0609030804020204" pitchFamily="49" charset="0"/>
-                <a:cs typeface="Menlo" panose="020B0609030804020204" pitchFamily="49" charset="0"/>
+                <a:latin typeface="Consolas" panose="020B0609020204030204" pitchFamily="49" charset="0"/>
+                <a:ea typeface="Menlo" panose="020B0609030804020204" pitchFamily="49" charset="0"/>
+                <a:cs typeface="Consolas" panose="020B0609020204030204" pitchFamily="49" charset="0"/>
               </a:rPr>
               <a:t>param</a:t>
             </a:r>
@@ -27145,9 +27145,9 @@
                 <a:solidFill>
                   <a:schemeClr val="accent6"/>
                 </a:solidFill>
-                <a:latin typeface="Menlo" panose="020B0609030804020204" pitchFamily="49" charset="0"/>
-                <a:ea typeface="Menlo" panose="020B0609030804020204" pitchFamily="49" charset="0"/>
-                <a:cs typeface="Menlo" panose="020B0609030804020204" pitchFamily="49" charset="0"/>
+                <a:latin typeface="Consolas" panose="020B0609020204030204" pitchFamily="49" charset="0"/>
+                <a:ea typeface="Menlo" panose="020B0609030804020204" pitchFamily="49" charset="0"/>
+                <a:cs typeface="Consolas" panose="020B0609020204030204" pitchFamily="49" charset="0"/>
               </a:rPr>
               <a:t>):</a:t>
             </a:r>
@@ -27158,9 +27158,9 @@
             </a:pPr>
             <a:r>
               <a:rPr lang="en-US" dirty="0">
-                <a:latin typeface="Menlo" panose="020B0609030804020204" pitchFamily="49" charset="0"/>
-                <a:ea typeface="Menlo" panose="020B0609030804020204" pitchFamily="49" charset="0"/>
-                <a:cs typeface="Menlo" panose="020B0609030804020204" pitchFamily="49" charset="0"/>
+                <a:latin typeface="Consolas" panose="020B0609020204030204" pitchFamily="49" charset="0"/>
+                <a:ea typeface="Menlo" panose="020B0609030804020204" pitchFamily="49" charset="0"/>
+                <a:cs typeface="Consolas" panose="020B0609020204030204" pitchFamily="49" charset="0"/>
               </a:rPr>
               <a:t>...                     </a:t>
             </a:r>
@@ -27169,9 +27169,9 @@
                 <a:solidFill>
                   <a:schemeClr val="accent6"/>
                 </a:solidFill>
-                <a:latin typeface="Menlo" panose="020B0609030804020204" pitchFamily="49" charset="0"/>
-                <a:ea typeface="Menlo" panose="020B0609030804020204" pitchFamily="49" charset="0"/>
-                <a:cs typeface="Menlo" panose="020B0609030804020204" pitchFamily="49" charset="0"/>
+                <a:latin typeface="Consolas" panose="020B0609020204030204" pitchFamily="49" charset="0"/>
+                <a:ea typeface="Menlo" panose="020B0609030804020204" pitchFamily="49" charset="0"/>
+                <a:cs typeface="Consolas" panose="020B0609020204030204" pitchFamily="49" charset="0"/>
               </a:rPr>
               <a:t>pass</a:t>
             </a:r>
@@ -27182,9 +27182,9 @@
             </a:pPr>
             <a:r>
               <a:rPr lang="en-US" dirty="0">
-                <a:latin typeface="Menlo" panose="020B0609030804020204" pitchFamily="49" charset="0"/>
-                <a:ea typeface="Menlo" panose="020B0609030804020204" pitchFamily="49" charset="0"/>
-                <a:cs typeface="Menlo" panose="020B0609030804020204" pitchFamily="49" charset="0"/>
+                <a:latin typeface="Consolas" panose="020B0609020204030204" pitchFamily="49" charset="0"/>
+                <a:ea typeface="Menlo" panose="020B0609030804020204" pitchFamily="49" charset="0"/>
+                <a:cs typeface="Consolas" panose="020B0609020204030204" pitchFamily="49" charset="0"/>
               </a:rPr>
               <a:t>... </a:t>
             </a:r>
@@ -28497,9 +28497,9 @@
             </a:pPr>
             <a:r>
               <a:rPr lang="en-US" dirty="0">
-                <a:latin typeface="Menlo" panose="020B0609030804020204" pitchFamily="49" charset="0"/>
-                <a:ea typeface="Menlo" panose="020B0609030804020204" pitchFamily="49" charset="0"/>
-                <a:cs typeface="Menlo" panose="020B0609030804020204" pitchFamily="49" charset="0"/>
+                <a:latin typeface="Consolas" panose="020B0609020204030204" pitchFamily="49" charset="0"/>
+                <a:ea typeface="Menlo" panose="020B0609030804020204" pitchFamily="49" charset="0"/>
+                <a:cs typeface="Consolas" panose="020B0609020204030204" pitchFamily="49" charset="0"/>
               </a:rPr>
               <a:t>&gt;&gt;&gt;</a:t>
             </a:r>
@@ -28508,9 +28508,9 @@
                 <a:solidFill>
                   <a:schemeClr val="accent6"/>
                 </a:solidFill>
-                <a:latin typeface="Menlo" panose="020B0609030804020204" pitchFamily="49" charset="0"/>
-                <a:ea typeface="Menlo" panose="020B0609030804020204" pitchFamily="49" charset="0"/>
-                <a:cs typeface="Menlo" panose="020B0609030804020204" pitchFamily="49" charset="0"/>
+                <a:latin typeface="Consolas" panose="020B0609020204030204" pitchFamily="49" charset="0"/>
+                <a:ea typeface="Menlo" panose="020B0609030804020204" pitchFamily="49" charset="0"/>
+                <a:cs typeface="Consolas" panose="020B0609020204030204" pitchFamily="49" charset="0"/>
               </a:rPr>
               <a:t> def main():</a:t>
             </a:r>
@@ -28521,9 +28521,9 @@
             </a:pPr>
             <a:r>
               <a:rPr lang="en-US" dirty="0">
-                <a:latin typeface="Menlo" panose="020B0609030804020204" pitchFamily="49" charset="0"/>
-                <a:ea typeface="Menlo" panose="020B0609030804020204" pitchFamily="49" charset="0"/>
-                <a:cs typeface="Menlo" panose="020B0609030804020204" pitchFamily="49" charset="0"/>
+                <a:latin typeface="Consolas" panose="020B0609020204030204" pitchFamily="49" charset="0"/>
+                <a:ea typeface="Menlo" panose="020B0609030804020204" pitchFamily="49" charset="0"/>
+                <a:cs typeface="Consolas" panose="020B0609020204030204" pitchFamily="49" charset="0"/>
               </a:rPr>
               <a:t>...  </a:t>
             </a:r>
@@ -28532,9 +28532,9 @@
                 <a:solidFill>
                   <a:schemeClr val="accent6"/>
                 </a:solidFill>
-                <a:latin typeface="Menlo" panose="020B0609030804020204" pitchFamily="49" charset="0"/>
-                <a:ea typeface="Menlo" panose="020B0609030804020204" pitchFamily="49" charset="0"/>
-                <a:cs typeface="Menlo" panose="020B0609030804020204" pitchFamily="49" charset="0"/>
+                <a:latin typeface="Consolas" panose="020B0609020204030204" pitchFamily="49" charset="0"/>
+                <a:ea typeface="Menlo" panose="020B0609030804020204" pitchFamily="49" charset="0"/>
+                <a:cs typeface="Consolas" panose="020B0609020204030204" pitchFamily="49" charset="0"/>
               </a:rPr>
               <a:t>   offset = 10</a:t>
             </a:r>
@@ -28545,9 +28545,9 @@
             </a:pPr>
             <a:r>
               <a:rPr lang="en-US" dirty="0">
-                <a:latin typeface="Menlo" panose="020B0609030804020204" pitchFamily="49" charset="0"/>
-                <a:ea typeface="Menlo" panose="020B0609030804020204" pitchFamily="49" charset="0"/>
-                <a:cs typeface="Menlo" panose="020B0609030804020204" pitchFamily="49" charset="0"/>
+                <a:latin typeface="Consolas" panose="020B0609020204030204" pitchFamily="49" charset="0"/>
+                <a:ea typeface="Menlo" panose="020B0609030804020204" pitchFamily="49" charset="0"/>
+                <a:cs typeface="Consolas" panose="020B0609020204030204" pitchFamily="49" charset="0"/>
               </a:rPr>
               <a:t>...     </a:t>
             </a:r>
@@ -28556,9 +28556,9 @@
                 <a:solidFill>
                   <a:schemeClr val="accent6"/>
                 </a:solidFill>
-                <a:latin typeface="Menlo" panose="020B0609030804020204" pitchFamily="49" charset="0"/>
-                <a:ea typeface="Menlo" panose="020B0609030804020204" pitchFamily="49" charset="0"/>
-                <a:cs typeface="Menlo" panose="020B0609030804020204" pitchFamily="49" charset="0"/>
+                <a:latin typeface="Consolas" panose="020B0609020204030204" pitchFamily="49" charset="0"/>
+                <a:ea typeface="Menlo" panose="020B0609030804020204" pitchFamily="49" charset="0"/>
+                <a:cs typeface="Consolas" panose="020B0609020204030204" pitchFamily="49" charset="0"/>
               </a:rPr>
               <a:t>def math(a):</a:t>
             </a:r>
@@ -28569,9 +28569,9 @@
             </a:pPr>
             <a:r>
               <a:rPr lang="en-US" dirty="0">
-                <a:latin typeface="Menlo" panose="020B0609030804020204" pitchFamily="49" charset="0"/>
-                <a:ea typeface="Menlo" panose="020B0609030804020204" pitchFamily="49" charset="0"/>
-                <a:cs typeface="Menlo" panose="020B0609030804020204" pitchFamily="49" charset="0"/>
+                <a:latin typeface="Consolas" panose="020B0609020204030204" pitchFamily="49" charset="0"/>
+                <a:ea typeface="Menlo" panose="020B0609030804020204" pitchFamily="49" charset="0"/>
+                <a:cs typeface="Consolas" panose="020B0609020204030204" pitchFamily="49" charset="0"/>
               </a:rPr>
               <a:t>...         </a:t>
             </a:r>
@@ -28580,9 +28580,9 @@
                 <a:solidFill>
                   <a:schemeClr val="accent6"/>
                 </a:solidFill>
-                <a:latin typeface="Menlo" panose="020B0609030804020204" pitchFamily="49" charset="0"/>
-                <a:ea typeface="Menlo" panose="020B0609030804020204" pitchFamily="49" charset="0"/>
-                <a:cs typeface="Menlo" panose="020B0609030804020204" pitchFamily="49" charset="0"/>
+                <a:latin typeface="Consolas" panose="020B0609020204030204" pitchFamily="49" charset="0"/>
+                <a:ea typeface="Menlo" panose="020B0609030804020204" pitchFamily="49" charset="0"/>
+                <a:cs typeface="Consolas" panose="020B0609020204030204" pitchFamily="49" charset="0"/>
               </a:rPr>
               <a:t>b = 1</a:t>
             </a:r>
@@ -28593,9 +28593,9 @@
             </a:pPr>
             <a:r>
               <a:rPr lang="en-US" dirty="0">
-                <a:latin typeface="Menlo" panose="020B0609030804020204" pitchFamily="49" charset="0"/>
-                <a:ea typeface="Menlo" panose="020B0609030804020204" pitchFamily="49" charset="0"/>
-                <a:cs typeface="Menlo" panose="020B0609030804020204" pitchFamily="49" charset="0"/>
+                <a:latin typeface="Consolas" panose="020B0609020204030204" pitchFamily="49" charset="0"/>
+                <a:ea typeface="Menlo" panose="020B0609030804020204" pitchFamily="49" charset="0"/>
+                <a:cs typeface="Consolas" panose="020B0609020204030204" pitchFamily="49" charset="0"/>
               </a:rPr>
               <a:t>...         </a:t>
             </a:r>
@@ -28604,9 +28604,9 @@
                 <a:solidFill>
                   <a:schemeClr val="accent6"/>
                 </a:solidFill>
-                <a:latin typeface="Menlo" panose="020B0609030804020204" pitchFamily="49" charset="0"/>
-                <a:ea typeface="Menlo" panose="020B0609030804020204" pitchFamily="49" charset="0"/>
-                <a:cs typeface="Menlo" panose="020B0609030804020204" pitchFamily="49" charset="0"/>
+                <a:latin typeface="Consolas" panose="020B0609020204030204" pitchFamily="49" charset="0"/>
+                <a:ea typeface="Menlo" panose="020B0609030804020204" pitchFamily="49" charset="0"/>
+                <a:cs typeface="Consolas" panose="020B0609020204030204" pitchFamily="49" charset="0"/>
               </a:rPr>
               <a:t>return a + b + offset</a:t>
             </a:r>
@@ -28617,9 +28617,9 @@
             </a:pPr>
             <a:r>
               <a:rPr lang="en-US" dirty="0">
-                <a:latin typeface="Menlo" panose="020B0609030804020204" pitchFamily="49" charset="0"/>
-                <a:ea typeface="Menlo" panose="020B0609030804020204" pitchFamily="49" charset="0"/>
-                <a:cs typeface="Menlo" panose="020B0609030804020204" pitchFamily="49" charset="0"/>
+                <a:latin typeface="Consolas" panose="020B0609020204030204" pitchFamily="49" charset="0"/>
+                <a:ea typeface="Menlo" panose="020B0609030804020204" pitchFamily="49" charset="0"/>
+                <a:cs typeface="Consolas" panose="020B0609020204030204" pitchFamily="49" charset="0"/>
               </a:rPr>
               <a:t>...   </a:t>
             </a:r>
@@ -28630,9 +28630,9 @@
             </a:pPr>
             <a:r>
               <a:rPr lang="en-US" dirty="0">
-                <a:latin typeface="Menlo" panose="020B0609030804020204" pitchFamily="49" charset="0"/>
-                <a:ea typeface="Menlo" panose="020B0609030804020204" pitchFamily="49" charset="0"/>
-                <a:cs typeface="Menlo" panose="020B0609030804020204" pitchFamily="49" charset="0"/>
+                <a:latin typeface="Consolas" panose="020B0609020204030204" pitchFamily="49" charset="0"/>
+                <a:ea typeface="Menlo" panose="020B0609030804020204" pitchFamily="49" charset="0"/>
+                <a:cs typeface="Consolas" panose="020B0609020204030204" pitchFamily="49" charset="0"/>
               </a:rPr>
               <a:t>... </a:t>
             </a:r>
@@ -28641,9 +28641,9 @@
                 <a:solidFill>
                   <a:schemeClr val="accent6"/>
                 </a:solidFill>
-                <a:latin typeface="Menlo" panose="020B0609030804020204" pitchFamily="49" charset="0"/>
-                <a:ea typeface="Menlo" panose="020B0609030804020204" pitchFamily="49" charset="0"/>
-                <a:cs typeface="Menlo" panose="020B0609030804020204" pitchFamily="49" charset="0"/>
+                <a:latin typeface="Consolas" panose="020B0609020204030204" pitchFamily="49" charset="0"/>
+                <a:ea typeface="Menlo" panose="020B0609030804020204" pitchFamily="49" charset="0"/>
+                <a:cs typeface="Consolas" panose="020B0609020204030204" pitchFamily="49" charset="0"/>
               </a:rPr>
               <a:t>    print(math(5))</a:t>
             </a:r>
@@ -28654,9 +28654,9 @@
             </a:pPr>
             <a:r>
               <a:rPr lang="en-US" dirty="0">
-                <a:latin typeface="Menlo" panose="020B0609030804020204" pitchFamily="49" charset="0"/>
-                <a:ea typeface="Menlo" panose="020B0609030804020204" pitchFamily="49" charset="0"/>
-                <a:cs typeface="Menlo" panose="020B0609030804020204" pitchFamily="49" charset="0"/>
+                <a:latin typeface="Consolas" panose="020B0609020204030204" pitchFamily="49" charset="0"/>
+                <a:ea typeface="Menlo" panose="020B0609030804020204" pitchFamily="49" charset="0"/>
+                <a:cs typeface="Consolas" panose="020B0609020204030204" pitchFamily="49" charset="0"/>
               </a:rPr>
               <a:t>... </a:t>
             </a:r>
@@ -28665,9 +28665,9 @@
                 <a:solidFill>
                   <a:schemeClr val="accent6"/>
                 </a:solidFill>
-                <a:latin typeface="Menlo" panose="020B0609030804020204" pitchFamily="49" charset="0"/>
-                <a:ea typeface="Menlo" panose="020B0609030804020204" pitchFamily="49" charset="0"/>
-                <a:cs typeface="Menlo" panose="020B0609030804020204" pitchFamily="49" charset="0"/>
+                <a:latin typeface="Consolas" panose="020B0609020204030204" pitchFamily="49" charset="0"/>
+                <a:ea typeface="Menlo" panose="020B0609030804020204" pitchFamily="49" charset="0"/>
+                <a:cs typeface="Consolas" panose="020B0609020204030204" pitchFamily="49" charset="0"/>
               </a:rPr>
               <a:t>    offset = 100</a:t>
             </a:r>
@@ -28678,9 +28678,9 @@
             </a:pPr>
             <a:r>
               <a:rPr lang="en-US" dirty="0">
-                <a:latin typeface="Menlo" panose="020B0609030804020204" pitchFamily="49" charset="0"/>
-                <a:ea typeface="Menlo" panose="020B0609030804020204" pitchFamily="49" charset="0"/>
-                <a:cs typeface="Menlo" panose="020B0609030804020204" pitchFamily="49" charset="0"/>
+                <a:latin typeface="Consolas" panose="020B0609020204030204" pitchFamily="49" charset="0"/>
+                <a:ea typeface="Menlo" panose="020B0609030804020204" pitchFamily="49" charset="0"/>
+                <a:cs typeface="Consolas" panose="020B0609020204030204" pitchFamily="49" charset="0"/>
               </a:rPr>
               <a:t>... </a:t>
             </a:r>
@@ -28689,9 +28689,9 @@
                 <a:solidFill>
                   <a:schemeClr val="accent6"/>
                 </a:solidFill>
-                <a:latin typeface="Menlo" panose="020B0609030804020204" pitchFamily="49" charset="0"/>
-                <a:ea typeface="Menlo" panose="020B0609030804020204" pitchFamily="49" charset="0"/>
-                <a:cs typeface="Menlo" panose="020B0609030804020204" pitchFamily="49" charset="0"/>
+                <a:latin typeface="Consolas" panose="020B0609020204030204" pitchFamily="49" charset="0"/>
+                <a:ea typeface="Menlo" panose="020B0609030804020204" pitchFamily="49" charset="0"/>
+                <a:cs typeface="Consolas" panose="020B0609020204030204" pitchFamily="49" charset="0"/>
               </a:rPr>
               <a:t>    print(math(5))</a:t>
             </a:r>
@@ -28702,9 +28702,9 @@
             </a:pPr>
             <a:r>
               <a:rPr lang="en-US" dirty="0">
-                <a:latin typeface="Menlo" panose="020B0609030804020204" pitchFamily="49" charset="0"/>
-                <a:ea typeface="Menlo" panose="020B0609030804020204" pitchFamily="49" charset="0"/>
-                <a:cs typeface="Menlo" panose="020B0609030804020204" pitchFamily="49" charset="0"/>
+                <a:latin typeface="Consolas" panose="020B0609020204030204" pitchFamily="49" charset="0"/>
+                <a:ea typeface="Menlo" panose="020B0609030804020204" pitchFamily="49" charset="0"/>
+                <a:cs typeface="Consolas" panose="020B0609020204030204" pitchFamily="49" charset="0"/>
               </a:rPr>
               <a:t>... </a:t>
             </a:r>
@@ -28713,9 +28713,9 @@
                 <a:solidFill>
                   <a:schemeClr val="accent6"/>
                 </a:solidFill>
-                <a:latin typeface="Menlo" panose="020B0609030804020204" pitchFamily="49" charset="0"/>
-                <a:ea typeface="Menlo" panose="020B0609030804020204" pitchFamily="49" charset="0"/>
-                <a:cs typeface="Menlo" panose="020B0609030804020204" pitchFamily="49" charset="0"/>
+                <a:latin typeface="Consolas" panose="020B0609020204030204" pitchFamily="49" charset="0"/>
+                <a:ea typeface="Menlo" panose="020B0609030804020204" pitchFamily="49" charset="0"/>
+                <a:cs typeface="Consolas" panose="020B0609020204030204" pitchFamily="49" charset="0"/>
               </a:rPr>
               <a:t>    print(math.__code__.</a:t>
             </a:r>
@@ -28724,9 +28724,9 @@
                 <a:solidFill>
                   <a:schemeClr val="accent6"/>
                 </a:solidFill>
-                <a:latin typeface="Menlo" panose="020B0609030804020204" pitchFamily="49" charset="0"/>
-                <a:ea typeface="Menlo" panose="020B0609030804020204" pitchFamily="49" charset="0"/>
-                <a:cs typeface="Menlo" panose="020B0609030804020204" pitchFamily="49" charset="0"/>
+                <a:latin typeface="Consolas" panose="020B0609020204030204" pitchFamily="49" charset="0"/>
+                <a:ea typeface="Menlo" panose="020B0609030804020204" pitchFamily="49" charset="0"/>
+                <a:cs typeface="Consolas" panose="020B0609020204030204" pitchFamily="49" charset="0"/>
               </a:rPr>
               <a:t>co_freevars</a:t>
             </a:r>
@@ -28735,9 +28735,9 @@
                 <a:solidFill>
                   <a:schemeClr val="accent6"/>
                 </a:solidFill>
-                <a:latin typeface="Menlo" panose="020B0609030804020204" pitchFamily="49" charset="0"/>
-                <a:ea typeface="Menlo" panose="020B0609030804020204" pitchFamily="49" charset="0"/>
-                <a:cs typeface="Menlo" panose="020B0609030804020204" pitchFamily="49" charset="0"/>
+                <a:latin typeface="Consolas" panose="020B0609020204030204" pitchFamily="49" charset="0"/>
+                <a:ea typeface="Menlo" panose="020B0609030804020204" pitchFamily="49" charset="0"/>
+                <a:cs typeface="Consolas" panose="020B0609020204030204" pitchFamily="49" charset="0"/>
               </a:rPr>
               <a:t>)</a:t>
             </a:r>
@@ -28748,9 +28748,9 @@
             </a:pPr>
             <a:r>
               <a:rPr lang="en-US" dirty="0">
-                <a:latin typeface="Menlo" panose="020B0609030804020204" pitchFamily="49" charset="0"/>
-                <a:ea typeface="Menlo" panose="020B0609030804020204" pitchFamily="49" charset="0"/>
-                <a:cs typeface="Menlo" panose="020B0609030804020204" pitchFamily="49" charset="0"/>
+                <a:latin typeface="Consolas" panose="020B0609020204030204" pitchFamily="49" charset="0"/>
+                <a:ea typeface="Menlo" panose="020B0609030804020204" pitchFamily="49" charset="0"/>
+                <a:cs typeface="Consolas" panose="020B0609020204030204" pitchFamily="49" charset="0"/>
               </a:rPr>
               <a:t>...</a:t>
             </a:r>
@@ -28758,9 +28758,9 @@
               <a:solidFill>
                 <a:schemeClr val="accent6"/>
               </a:solidFill>
-              <a:latin typeface="Menlo" panose="020B0609030804020204" pitchFamily="49" charset="0"/>
+              <a:latin typeface="Consolas" panose="020B0609020204030204" pitchFamily="49" charset="0"/>
               <a:ea typeface="Menlo" panose="020B0609030804020204" pitchFamily="49" charset="0"/>
-              <a:cs typeface="Menlo" panose="020B0609030804020204" pitchFamily="49" charset="0"/>
+              <a:cs typeface="Consolas" panose="020B0609020204030204" pitchFamily="49" charset="0"/>
             </a:endParaRPr>
           </a:p>
           <a:p>
@@ -28769,9 +28769,9 @@
             </a:pPr>
             <a:r>
               <a:rPr lang="en-US" dirty="0">
-                <a:latin typeface="Menlo" panose="020B0609030804020204" pitchFamily="49" charset="0"/>
-                <a:ea typeface="Menlo" panose="020B0609030804020204" pitchFamily="49" charset="0"/>
-                <a:cs typeface="Menlo" panose="020B0609030804020204" pitchFamily="49" charset="0"/>
+                <a:latin typeface="Consolas" panose="020B0609020204030204" pitchFamily="49" charset="0"/>
+                <a:ea typeface="Menlo" panose="020B0609030804020204" pitchFamily="49" charset="0"/>
+                <a:cs typeface="Consolas" panose="020B0609020204030204" pitchFamily="49" charset="0"/>
               </a:rPr>
               <a:t>&gt;&gt;&gt; </a:t>
             </a:r>
@@ -28780,9 +28780,9 @@
                 <a:solidFill>
                   <a:schemeClr val="accent6"/>
                 </a:solidFill>
-                <a:latin typeface="Menlo" panose="020B0609030804020204" pitchFamily="49" charset="0"/>
-                <a:ea typeface="Menlo" panose="020B0609030804020204" pitchFamily="49" charset="0"/>
-                <a:cs typeface="Menlo" panose="020B0609030804020204" pitchFamily="49" charset="0"/>
+                <a:latin typeface="Consolas" panose="020B0609020204030204" pitchFamily="49" charset="0"/>
+                <a:ea typeface="Menlo" panose="020B0609030804020204" pitchFamily="49" charset="0"/>
+                <a:cs typeface="Consolas" panose="020B0609020204030204" pitchFamily="49" charset="0"/>
               </a:rPr>
               <a:t>main()</a:t>
             </a:r>
@@ -28793,9 +28793,9 @@
             </a:pPr>
             <a:r>
               <a:rPr lang="en-US" dirty="0">
-                <a:latin typeface="Menlo" panose="020B0609030804020204" pitchFamily="49" charset="0"/>
-                <a:ea typeface="Menlo" panose="020B0609030804020204" pitchFamily="49" charset="0"/>
-                <a:cs typeface="Menlo" panose="020B0609030804020204" pitchFamily="49" charset="0"/>
+                <a:latin typeface="Consolas" panose="020B0609020204030204" pitchFamily="49" charset="0"/>
+                <a:ea typeface="Menlo" panose="020B0609030804020204" pitchFamily="49" charset="0"/>
+                <a:cs typeface="Consolas" panose="020B0609020204030204" pitchFamily="49" charset="0"/>
               </a:rPr>
               <a:t>16</a:t>
             </a:r>
@@ -28806,9 +28806,9 @@
             </a:pPr>
             <a:r>
               <a:rPr lang="en-US" dirty="0">
-                <a:latin typeface="Menlo" panose="020B0609030804020204" pitchFamily="49" charset="0"/>
-                <a:ea typeface="Menlo" panose="020B0609030804020204" pitchFamily="49" charset="0"/>
-                <a:cs typeface="Menlo" panose="020B0609030804020204" pitchFamily="49" charset="0"/>
+                <a:latin typeface="Consolas" panose="020B0609020204030204" pitchFamily="49" charset="0"/>
+                <a:ea typeface="Menlo" panose="020B0609030804020204" pitchFamily="49" charset="0"/>
+                <a:cs typeface="Consolas" panose="020B0609020204030204" pitchFamily="49" charset="0"/>
               </a:rPr>
               <a:t>106</a:t>
             </a:r>
@@ -28819,9 +28819,9 @@
             </a:pPr>
             <a:r>
               <a:rPr lang="en-US" dirty="0">
-                <a:latin typeface="Menlo" panose="020B0609030804020204" pitchFamily="49" charset="0"/>
-                <a:ea typeface="Menlo" panose="020B0609030804020204" pitchFamily="49" charset="0"/>
-                <a:cs typeface="Menlo" panose="020B0609030804020204" pitchFamily="49" charset="0"/>
+                <a:latin typeface="Consolas" panose="020B0609020204030204" pitchFamily="49" charset="0"/>
+                <a:ea typeface="Menlo" panose="020B0609030804020204" pitchFamily="49" charset="0"/>
+                <a:cs typeface="Consolas" panose="020B0609020204030204" pitchFamily="49" charset="0"/>
               </a:rPr>
               <a:t>(‘offset’,)</a:t>
             </a:r>
@@ -29057,9 +29057,9 @@
             </a:pPr>
             <a:r>
               <a:rPr lang="en-US" dirty="0">
-                <a:latin typeface="Menlo" panose="020B0609030804020204" pitchFamily="49" charset="0"/>
-                <a:ea typeface="Menlo" panose="020B0609030804020204" pitchFamily="49" charset="0"/>
-                <a:cs typeface="Menlo" panose="020B0609030804020204" pitchFamily="49" charset="0"/>
+                <a:latin typeface="Consolas" panose="020B0609020204030204" pitchFamily="49" charset="0"/>
+                <a:ea typeface="Menlo" panose="020B0609030804020204" pitchFamily="49" charset="0"/>
+                <a:cs typeface="Consolas" panose="020B0609020204030204" pitchFamily="49" charset="0"/>
               </a:rPr>
               <a:t>&gt;&gt;&gt; </a:t>
             </a:r>
@@ -29068,9 +29068,9 @@
                 <a:solidFill>
                   <a:schemeClr val="accent6"/>
                 </a:solidFill>
-                <a:latin typeface="Menlo" panose="020B0609030804020204" pitchFamily="49" charset="0"/>
-                <a:ea typeface="Menlo" panose="020B0609030804020204" pitchFamily="49" charset="0"/>
-                <a:cs typeface="Menlo" panose="020B0609030804020204" pitchFamily="49" charset="0"/>
+                <a:latin typeface="Consolas" panose="020B0609020204030204" pitchFamily="49" charset="0"/>
+                <a:ea typeface="Menlo" panose="020B0609030804020204" pitchFamily="49" charset="0"/>
+                <a:cs typeface="Consolas" panose="020B0609020204030204" pitchFamily="49" charset="0"/>
               </a:rPr>
               <a:t>count = 0</a:t>
             </a:r>
@@ -29081,9 +29081,9 @@
             </a:pPr>
             <a:r>
               <a:rPr lang="en-US" dirty="0">
-                <a:latin typeface="Menlo" panose="020B0609030804020204" pitchFamily="49" charset="0"/>
-                <a:ea typeface="Menlo" panose="020B0609030804020204" pitchFamily="49" charset="0"/>
-                <a:cs typeface="Menlo" panose="020B0609030804020204" pitchFamily="49" charset="0"/>
+                <a:latin typeface="Consolas" panose="020B0609020204030204" pitchFamily="49" charset="0"/>
+                <a:ea typeface="Menlo" panose="020B0609030804020204" pitchFamily="49" charset="0"/>
+                <a:cs typeface="Consolas" panose="020B0609020204030204" pitchFamily="49" charset="0"/>
               </a:rPr>
               <a:t>&gt;&gt;&gt; </a:t>
             </a:r>
@@ -29092,9 +29092,9 @@
                 <a:solidFill>
                   <a:schemeClr val="accent6"/>
                 </a:solidFill>
-                <a:latin typeface="Menlo" panose="020B0609030804020204" pitchFamily="49" charset="0"/>
-                <a:ea typeface="Menlo" panose="020B0609030804020204" pitchFamily="49" charset="0"/>
-                <a:cs typeface="Menlo" panose="020B0609030804020204" pitchFamily="49" charset="0"/>
+                <a:latin typeface="Consolas" panose="020B0609020204030204" pitchFamily="49" charset="0"/>
+                <a:ea typeface="Menlo" panose="020B0609030804020204" pitchFamily="49" charset="0"/>
+                <a:cs typeface="Consolas" panose="020B0609020204030204" pitchFamily="49" charset="0"/>
               </a:rPr>
               <a:t>def </a:t>
             </a:r>
@@ -29103,9 +29103,9 @@
                 <a:solidFill>
                   <a:schemeClr val="accent6"/>
                 </a:solidFill>
-                <a:latin typeface="Menlo" panose="020B0609030804020204" pitchFamily="49" charset="0"/>
-                <a:ea typeface="Menlo" panose="020B0609030804020204" pitchFamily="49" charset="0"/>
-                <a:cs typeface="Menlo" panose="020B0609030804020204" pitchFamily="49" charset="0"/>
+                <a:latin typeface="Consolas" panose="020B0609020204030204" pitchFamily="49" charset="0"/>
+                <a:ea typeface="Menlo" panose="020B0609030804020204" pitchFamily="49" charset="0"/>
+                <a:cs typeface="Consolas" panose="020B0609020204030204" pitchFamily="49" charset="0"/>
               </a:rPr>
               <a:t>inc</a:t>
             </a:r>
@@ -29114,9 +29114,9 @@
                 <a:solidFill>
                   <a:schemeClr val="accent6"/>
                 </a:solidFill>
-                <a:latin typeface="Menlo" panose="020B0609030804020204" pitchFamily="49" charset="0"/>
-                <a:ea typeface="Menlo" panose="020B0609030804020204" pitchFamily="49" charset="0"/>
-                <a:cs typeface="Menlo" panose="020B0609030804020204" pitchFamily="49" charset="0"/>
+                <a:latin typeface="Consolas" panose="020B0609020204030204" pitchFamily="49" charset="0"/>
+                <a:ea typeface="Menlo" panose="020B0609030804020204" pitchFamily="49" charset="0"/>
+                <a:cs typeface="Consolas" panose="020B0609020204030204" pitchFamily="49" charset="0"/>
               </a:rPr>
               <a:t>():</a:t>
             </a:r>
@@ -29127,9 +29127,9 @@
             </a:pPr>
             <a:r>
               <a:rPr lang="en-US" dirty="0">
-                <a:latin typeface="Menlo" panose="020B0609030804020204" pitchFamily="49" charset="0"/>
-                <a:ea typeface="Menlo" panose="020B0609030804020204" pitchFamily="49" charset="0"/>
-                <a:cs typeface="Menlo" panose="020B0609030804020204" pitchFamily="49" charset="0"/>
+                <a:latin typeface="Consolas" panose="020B0609020204030204" pitchFamily="49" charset="0"/>
+                <a:ea typeface="Menlo" panose="020B0609030804020204" pitchFamily="49" charset="0"/>
+                <a:cs typeface="Consolas" panose="020B0609020204030204" pitchFamily="49" charset="0"/>
               </a:rPr>
               <a:t>...     </a:t>
             </a:r>
@@ -29138,9 +29138,9 @@
                 <a:solidFill>
                   <a:schemeClr val="accent6"/>
                 </a:solidFill>
-                <a:latin typeface="Menlo" panose="020B0609030804020204" pitchFamily="49" charset="0"/>
-                <a:ea typeface="Menlo" panose="020B0609030804020204" pitchFamily="49" charset="0"/>
-                <a:cs typeface="Menlo" panose="020B0609030804020204" pitchFamily="49" charset="0"/>
+                <a:latin typeface="Consolas" panose="020B0609020204030204" pitchFamily="49" charset="0"/>
+                <a:ea typeface="Menlo" panose="020B0609030804020204" pitchFamily="49" charset="0"/>
+                <a:cs typeface="Consolas" panose="020B0609020204030204" pitchFamily="49" charset="0"/>
               </a:rPr>
               <a:t>count += 1</a:t>
             </a:r>
@@ -29151,9 +29151,9 @@
             </a:pPr>
             <a:r>
               <a:rPr lang="en-US" dirty="0">
-                <a:latin typeface="Menlo" panose="020B0609030804020204" pitchFamily="49" charset="0"/>
-                <a:ea typeface="Menlo" panose="020B0609030804020204" pitchFamily="49" charset="0"/>
-                <a:cs typeface="Menlo" panose="020B0609030804020204" pitchFamily="49" charset="0"/>
+                <a:latin typeface="Consolas" panose="020B0609020204030204" pitchFamily="49" charset="0"/>
+                <a:ea typeface="Menlo" panose="020B0609030804020204" pitchFamily="49" charset="0"/>
+                <a:cs typeface="Consolas" panose="020B0609020204030204" pitchFamily="49" charset="0"/>
               </a:rPr>
               <a:t>...     </a:t>
             </a:r>
@@ -29162,9 +29162,9 @@
                 <a:solidFill>
                   <a:schemeClr val="accent6"/>
                 </a:solidFill>
-                <a:latin typeface="Menlo" panose="020B0609030804020204" pitchFamily="49" charset="0"/>
-                <a:ea typeface="Menlo" panose="020B0609030804020204" pitchFamily="49" charset="0"/>
-                <a:cs typeface="Menlo" panose="020B0609030804020204" pitchFamily="49" charset="0"/>
+                <a:latin typeface="Consolas" panose="020B0609020204030204" pitchFamily="49" charset="0"/>
+                <a:ea typeface="Menlo" panose="020B0609030804020204" pitchFamily="49" charset="0"/>
+                <a:cs typeface="Consolas" panose="020B0609020204030204" pitchFamily="49" charset="0"/>
               </a:rPr>
               <a:t>return count</a:t>
             </a:r>
@@ -29175,9 +29175,9 @@
             </a:pPr>
             <a:r>
               <a:rPr lang="en-US" dirty="0">
-                <a:latin typeface="Menlo" panose="020B0609030804020204" pitchFamily="49" charset="0"/>
-                <a:ea typeface="Menlo" panose="020B0609030804020204" pitchFamily="49" charset="0"/>
-                <a:cs typeface="Menlo" panose="020B0609030804020204" pitchFamily="49" charset="0"/>
+                <a:latin typeface="Consolas" panose="020B0609020204030204" pitchFamily="49" charset="0"/>
+                <a:ea typeface="Menlo" panose="020B0609030804020204" pitchFamily="49" charset="0"/>
+                <a:cs typeface="Consolas" panose="020B0609020204030204" pitchFamily="49" charset="0"/>
               </a:rPr>
               <a:t>&gt;&gt;&gt; </a:t>
             </a:r>
@@ -29186,9 +29186,9 @@
                 <a:solidFill>
                   <a:schemeClr val="accent6"/>
                 </a:solidFill>
-                <a:latin typeface="Menlo" panose="020B0609030804020204" pitchFamily="49" charset="0"/>
-                <a:ea typeface="Menlo" panose="020B0609030804020204" pitchFamily="49" charset="0"/>
-                <a:cs typeface="Menlo" panose="020B0609030804020204" pitchFamily="49" charset="0"/>
+                <a:latin typeface="Consolas" panose="020B0609020204030204" pitchFamily="49" charset="0"/>
+                <a:ea typeface="Menlo" panose="020B0609030804020204" pitchFamily="49" charset="0"/>
+                <a:cs typeface="Consolas" panose="020B0609020204030204" pitchFamily="49" charset="0"/>
               </a:rPr>
               <a:t>inc</a:t>
             </a:r>
@@ -29197,9 +29197,9 @@
                 <a:solidFill>
                   <a:schemeClr val="accent6"/>
                 </a:solidFill>
-                <a:latin typeface="Menlo" panose="020B0609030804020204" pitchFamily="49" charset="0"/>
-                <a:ea typeface="Menlo" panose="020B0609030804020204" pitchFamily="49" charset="0"/>
-                <a:cs typeface="Menlo" panose="020B0609030804020204" pitchFamily="49" charset="0"/>
+                <a:latin typeface="Consolas" panose="020B0609020204030204" pitchFamily="49" charset="0"/>
+                <a:ea typeface="Menlo" panose="020B0609030804020204" pitchFamily="49" charset="0"/>
+                <a:cs typeface="Consolas" panose="020B0609020204030204" pitchFamily="49" charset="0"/>
               </a:rPr>
               <a:t>()</a:t>
             </a:r>
@@ -29213,9 +29213,9 @@
                 <a:solidFill>
                   <a:srgbClr val="FF0000"/>
                 </a:solidFill>
-                <a:latin typeface="Menlo" panose="020B0609030804020204" pitchFamily="49" charset="0"/>
-                <a:ea typeface="Menlo" panose="020B0609030804020204" pitchFamily="49" charset="0"/>
-                <a:cs typeface="Menlo" panose="020B0609030804020204" pitchFamily="49" charset="0"/>
+                <a:latin typeface="Consolas" panose="020B0609020204030204" pitchFamily="49" charset="0"/>
+                <a:ea typeface="Menlo" panose="020B0609030804020204" pitchFamily="49" charset="0"/>
+                <a:cs typeface="Consolas" panose="020B0609020204030204" pitchFamily="49" charset="0"/>
               </a:rPr>
               <a:t>Traceback (most recent call last):</a:t>
             </a:r>
@@ -29229,9 +29229,9 @@
                 <a:solidFill>
                   <a:srgbClr val="FF0000"/>
                 </a:solidFill>
-                <a:latin typeface="Menlo" panose="020B0609030804020204" pitchFamily="49" charset="0"/>
-                <a:ea typeface="Menlo" panose="020B0609030804020204" pitchFamily="49" charset="0"/>
-                <a:cs typeface="Menlo" panose="020B0609030804020204" pitchFamily="49" charset="0"/>
+                <a:latin typeface="Consolas" panose="020B0609020204030204" pitchFamily="49" charset="0"/>
+                <a:ea typeface="Menlo" panose="020B0609030804020204" pitchFamily="49" charset="0"/>
+                <a:cs typeface="Consolas" panose="020B0609020204030204" pitchFamily="49" charset="0"/>
               </a:rPr>
               <a:t>  File "&lt;stdin&gt;", line 1, in &lt;module&gt;</a:t>
             </a:r>
@@ -29245,9 +29245,9 @@
                 <a:solidFill>
                   <a:srgbClr val="FF0000"/>
                 </a:solidFill>
-                <a:latin typeface="Menlo" panose="020B0609030804020204" pitchFamily="49" charset="0"/>
-                <a:ea typeface="Menlo" panose="020B0609030804020204" pitchFamily="49" charset="0"/>
-                <a:cs typeface="Menlo" panose="020B0609030804020204" pitchFamily="49" charset="0"/>
+                <a:latin typeface="Consolas" panose="020B0609020204030204" pitchFamily="49" charset="0"/>
+                <a:ea typeface="Menlo" panose="020B0609030804020204" pitchFamily="49" charset="0"/>
+                <a:cs typeface="Consolas" panose="020B0609020204030204" pitchFamily="49" charset="0"/>
               </a:rPr>
               <a:t>  File "&lt;stdin&gt;", line 2, in </a:t>
             </a:r>
@@ -29256,9 +29256,9 @@
                 <a:solidFill>
                   <a:srgbClr val="FF0000"/>
                 </a:solidFill>
-                <a:latin typeface="Menlo" panose="020B0609030804020204" pitchFamily="49" charset="0"/>
-                <a:ea typeface="Menlo" panose="020B0609030804020204" pitchFamily="49" charset="0"/>
-                <a:cs typeface="Menlo" panose="020B0609030804020204" pitchFamily="49" charset="0"/>
+                <a:latin typeface="Consolas" panose="020B0609020204030204" pitchFamily="49" charset="0"/>
+                <a:ea typeface="Menlo" panose="020B0609030804020204" pitchFamily="49" charset="0"/>
+                <a:cs typeface="Consolas" panose="020B0609020204030204" pitchFamily="49" charset="0"/>
               </a:rPr>
               <a:t>inc</a:t>
             </a:r>
@@ -29266,9 +29266,9 @@
               <a:solidFill>
                 <a:srgbClr val="FF0000"/>
               </a:solidFill>
-              <a:latin typeface="Menlo" panose="020B0609030804020204" pitchFamily="49" charset="0"/>
+              <a:latin typeface="Consolas" panose="020B0609020204030204" pitchFamily="49" charset="0"/>
               <a:ea typeface="Menlo" panose="020B0609030804020204" pitchFamily="49" charset="0"/>
-              <a:cs typeface="Menlo" panose="020B0609030804020204" pitchFamily="49" charset="0"/>
+              <a:cs typeface="Consolas" panose="020B0609020204030204" pitchFamily="49" charset="0"/>
             </a:endParaRPr>
           </a:p>
           <a:p>
@@ -29280,9 +29280,9 @@
                 <a:solidFill>
                   <a:srgbClr val="FF0000"/>
                 </a:solidFill>
-                <a:latin typeface="Menlo" panose="020B0609030804020204" pitchFamily="49" charset="0"/>
-                <a:ea typeface="Menlo" panose="020B0609030804020204" pitchFamily="49" charset="0"/>
-                <a:cs typeface="Menlo" panose="020B0609030804020204" pitchFamily="49" charset="0"/>
+                <a:latin typeface="Consolas" panose="020B0609020204030204" pitchFamily="49" charset="0"/>
+                <a:ea typeface="Menlo" panose="020B0609030804020204" pitchFamily="49" charset="0"/>
+                <a:cs typeface="Consolas" panose="020B0609020204030204" pitchFamily="49" charset="0"/>
               </a:rPr>
               <a:t>UnboundLocalError</a:t>
             </a:r>
@@ -29291,9 +29291,9 @@
                 <a:solidFill>
                   <a:srgbClr val="FF0000"/>
                 </a:solidFill>
-                <a:latin typeface="Menlo" panose="020B0609030804020204" pitchFamily="49" charset="0"/>
-                <a:ea typeface="Menlo" panose="020B0609030804020204" pitchFamily="49" charset="0"/>
-                <a:cs typeface="Menlo" panose="020B0609030804020204" pitchFamily="49" charset="0"/>
+                <a:latin typeface="Consolas" panose="020B0609020204030204" pitchFamily="49" charset="0"/>
+                <a:ea typeface="Menlo" panose="020B0609030804020204" pitchFamily="49" charset="0"/>
+                <a:cs typeface="Consolas" panose="020B0609020204030204" pitchFamily="49" charset="0"/>
               </a:rPr>
               <a:t>: local variable 'count’</a:t>
             </a:r>
@@ -29307,9 +29307,9 @@
                 <a:solidFill>
                   <a:srgbClr val="FF0000"/>
                 </a:solidFill>
-                <a:latin typeface="Menlo" panose="020B0609030804020204" pitchFamily="49" charset="0"/>
-                <a:ea typeface="Menlo" panose="020B0609030804020204" pitchFamily="49" charset="0"/>
-                <a:cs typeface="Menlo" panose="020B0609030804020204" pitchFamily="49" charset="0"/>
+                <a:latin typeface="Consolas" panose="020B0609020204030204" pitchFamily="49" charset="0"/>
+                <a:ea typeface="Menlo" panose="020B0609030804020204" pitchFamily="49" charset="0"/>
+                <a:cs typeface="Consolas" panose="020B0609020204030204" pitchFamily="49" charset="0"/>
               </a:rPr>
               <a:t>referenced before assignment</a:t>
             </a:r>
@@ -29320,9 +29320,9 @@
             </a:pPr>
             <a:r>
               <a:rPr lang="en-US" dirty="0">
-                <a:latin typeface="Menlo" panose="020B0609030804020204" pitchFamily="49" charset="0"/>
-                <a:ea typeface="Menlo" panose="020B0609030804020204" pitchFamily="49" charset="0"/>
-                <a:cs typeface="Menlo" panose="020B0609030804020204" pitchFamily="49" charset="0"/>
+                <a:latin typeface="Consolas" panose="020B0609020204030204" pitchFamily="49" charset="0"/>
+                <a:ea typeface="Menlo" panose="020B0609030804020204" pitchFamily="49" charset="0"/>
+                <a:cs typeface="Consolas" panose="020B0609020204030204" pitchFamily="49" charset="0"/>
               </a:rPr>
               <a:t>&gt;&gt;&gt; </a:t>
             </a:r>
@@ -29331,9 +29331,9 @@
                 <a:solidFill>
                   <a:schemeClr val="accent6"/>
                 </a:solidFill>
-                <a:latin typeface="Menlo" panose="020B0609030804020204" pitchFamily="49" charset="0"/>
-                <a:ea typeface="Menlo" panose="020B0609030804020204" pitchFamily="49" charset="0"/>
-                <a:cs typeface="Menlo" panose="020B0609030804020204" pitchFamily="49" charset="0"/>
+                <a:latin typeface="Consolas" panose="020B0609020204030204" pitchFamily="49" charset="0"/>
+                <a:ea typeface="Menlo" panose="020B0609030804020204" pitchFamily="49" charset="0"/>
+                <a:cs typeface="Consolas" panose="020B0609020204030204" pitchFamily="49" charset="0"/>
               </a:rPr>
               <a:t>count = 0</a:t>
             </a:r>
@@ -29344,9 +29344,9 @@
             </a:pPr>
             <a:r>
               <a:rPr lang="en-US" dirty="0">
-                <a:latin typeface="Menlo" panose="020B0609030804020204" pitchFamily="49" charset="0"/>
-                <a:ea typeface="Menlo" panose="020B0609030804020204" pitchFamily="49" charset="0"/>
-                <a:cs typeface="Menlo" panose="020B0609030804020204" pitchFamily="49" charset="0"/>
+                <a:latin typeface="Consolas" panose="020B0609020204030204" pitchFamily="49" charset="0"/>
+                <a:ea typeface="Menlo" panose="020B0609030804020204" pitchFamily="49" charset="0"/>
+                <a:cs typeface="Consolas" panose="020B0609020204030204" pitchFamily="49" charset="0"/>
               </a:rPr>
               <a:t>&gt;&gt;&gt; </a:t>
             </a:r>
@@ -29355,9 +29355,9 @@
                 <a:solidFill>
                   <a:schemeClr val="accent6"/>
                 </a:solidFill>
-                <a:latin typeface="Menlo" panose="020B0609030804020204" pitchFamily="49" charset="0"/>
-                <a:ea typeface="Menlo" panose="020B0609030804020204" pitchFamily="49" charset="0"/>
-                <a:cs typeface="Menlo" panose="020B0609030804020204" pitchFamily="49" charset="0"/>
+                <a:latin typeface="Consolas" panose="020B0609020204030204" pitchFamily="49" charset="0"/>
+                <a:ea typeface="Menlo" panose="020B0609030804020204" pitchFamily="49" charset="0"/>
+                <a:cs typeface="Consolas" panose="020B0609020204030204" pitchFamily="49" charset="0"/>
               </a:rPr>
               <a:t>def </a:t>
             </a:r>
@@ -29366,9 +29366,9 @@
                 <a:solidFill>
                   <a:schemeClr val="accent6"/>
                 </a:solidFill>
-                <a:latin typeface="Menlo" panose="020B0609030804020204" pitchFamily="49" charset="0"/>
-                <a:ea typeface="Menlo" panose="020B0609030804020204" pitchFamily="49" charset="0"/>
-                <a:cs typeface="Menlo" panose="020B0609030804020204" pitchFamily="49" charset="0"/>
+                <a:latin typeface="Consolas" panose="020B0609020204030204" pitchFamily="49" charset="0"/>
+                <a:ea typeface="Menlo" panose="020B0609030804020204" pitchFamily="49" charset="0"/>
+                <a:cs typeface="Consolas" panose="020B0609020204030204" pitchFamily="49" charset="0"/>
               </a:rPr>
               <a:t>inc</a:t>
             </a:r>
@@ -29377,9 +29377,9 @@
                 <a:solidFill>
                   <a:schemeClr val="accent6"/>
                 </a:solidFill>
-                <a:latin typeface="Menlo" panose="020B0609030804020204" pitchFamily="49" charset="0"/>
-                <a:ea typeface="Menlo" panose="020B0609030804020204" pitchFamily="49" charset="0"/>
-                <a:cs typeface="Menlo" panose="020B0609030804020204" pitchFamily="49" charset="0"/>
+                <a:latin typeface="Consolas" panose="020B0609020204030204" pitchFamily="49" charset="0"/>
+                <a:ea typeface="Menlo" panose="020B0609030804020204" pitchFamily="49" charset="0"/>
+                <a:cs typeface="Consolas" panose="020B0609020204030204" pitchFamily="49" charset="0"/>
               </a:rPr>
               <a:t>():</a:t>
             </a:r>
@@ -29390,9 +29390,9 @@
             </a:pPr>
             <a:r>
               <a:rPr lang="en-US" dirty="0">
-                <a:latin typeface="Menlo" panose="020B0609030804020204" pitchFamily="49" charset="0"/>
-                <a:ea typeface="Menlo" panose="020B0609030804020204" pitchFamily="49" charset="0"/>
-                <a:cs typeface="Menlo" panose="020B0609030804020204" pitchFamily="49" charset="0"/>
+                <a:latin typeface="Consolas" panose="020B0609020204030204" pitchFamily="49" charset="0"/>
+                <a:ea typeface="Menlo" panose="020B0609030804020204" pitchFamily="49" charset="0"/>
+                <a:cs typeface="Consolas" panose="020B0609020204030204" pitchFamily="49" charset="0"/>
               </a:rPr>
               <a:t>...</a:t>
             </a:r>
@@ -29401,9 +29401,9 @@
                 <a:solidFill>
                   <a:schemeClr val="accent6"/>
                 </a:solidFill>
-                <a:latin typeface="Menlo" panose="020B0609030804020204" pitchFamily="49" charset="0"/>
-                <a:ea typeface="Menlo" panose="020B0609030804020204" pitchFamily="49" charset="0"/>
-                <a:cs typeface="Menlo" panose="020B0609030804020204" pitchFamily="49" charset="0"/>
+                <a:latin typeface="Consolas" panose="020B0609020204030204" pitchFamily="49" charset="0"/>
+                <a:ea typeface="Menlo" panose="020B0609030804020204" pitchFamily="49" charset="0"/>
+                <a:cs typeface="Consolas" panose="020B0609020204030204" pitchFamily="49" charset="0"/>
               </a:rPr>
               <a:t>     </a:t>
             </a:r>
@@ -29412,9 +29412,9 @@
                 <a:solidFill>
                   <a:srgbClr val="EF00FF"/>
                 </a:solidFill>
-                <a:latin typeface="Menlo" panose="020B0609030804020204" pitchFamily="49" charset="0"/>
-                <a:ea typeface="Menlo" panose="020B0609030804020204" pitchFamily="49" charset="0"/>
-                <a:cs typeface="Menlo" panose="020B0609030804020204" pitchFamily="49" charset="0"/>
+                <a:latin typeface="Consolas" panose="020B0609020204030204" pitchFamily="49" charset="0"/>
+                <a:ea typeface="Menlo" panose="020B0609030804020204" pitchFamily="49" charset="0"/>
+                <a:cs typeface="Consolas" panose="020B0609020204030204" pitchFamily="49" charset="0"/>
               </a:rPr>
               <a:t>global</a:t>
             </a:r>
@@ -29423,9 +29423,9 @@
                 <a:solidFill>
                   <a:schemeClr val="accent6"/>
                 </a:solidFill>
-                <a:latin typeface="Menlo" panose="020B0609030804020204" pitchFamily="49" charset="0"/>
-                <a:ea typeface="Menlo" panose="020B0609030804020204" pitchFamily="49" charset="0"/>
-                <a:cs typeface="Menlo" panose="020B0609030804020204" pitchFamily="49" charset="0"/>
+                <a:latin typeface="Consolas" panose="020B0609020204030204" pitchFamily="49" charset="0"/>
+                <a:ea typeface="Menlo" panose="020B0609030804020204" pitchFamily="49" charset="0"/>
+                <a:cs typeface="Consolas" panose="020B0609020204030204" pitchFamily="49" charset="0"/>
               </a:rPr>
               <a:t> count</a:t>
             </a:r>
@@ -29436,9 +29436,9 @@
             </a:pPr>
             <a:r>
               <a:rPr lang="en-US" dirty="0">
-                <a:latin typeface="Menlo" panose="020B0609030804020204" pitchFamily="49" charset="0"/>
-                <a:ea typeface="Menlo" panose="020B0609030804020204" pitchFamily="49" charset="0"/>
-                <a:cs typeface="Menlo" panose="020B0609030804020204" pitchFamily="49" charset="0"/>
+                <a:latin typeface="Consolas" panose="020B0609020204030204" pitchFamily="49" charset="0"/>
+                <a:ea typeface="Menlo" panose="020B0609030804020204" pitchFamily="49" charset="0"/>
+                <a:cs typeface="Consolas" panose="020B0609020204030204" pitchFamily="49" charset="0"/>
               </a:rPr>
               <a:t>...     </a:t>
             </a:r>
@@ -29447,9 +29447,9 @@
                 <a:solidFill>
                   <a:schemeClr val="accent6"/>
                 </a:solidFill>
-                <a:latin typeface="Menlo" panose="020B0609030804020204" pitchFamily="49" charset="0"/>
-                <a:ea typeface="Menlo" panose="020B0609030804020204" pitchFamily="49" charset="0"/>
-                <a:cs typeface="Menlo" panose="020B0609030804020204" pitchFamily="49" charset="0"/>
+                <a:latin typeface="Consolas" panose="020B0609020204030204" pitchFamily="49" charset="0"/>
+                <a:ea typeface="Menlo" panose="020B0609030804020204" pitchFamily="49" charset="0"/>
+                <a:cs typeface="Consolas" panose="020B0609020204030204" pitchFamily="49" charset="0"/>
               </a:rPr>
               <a:t>count += 1</a:t>
             </a:r>
@@ -29460,9 +29460,9 @@
             </a:pPr>
             <a:r>
               <a:rPr lang="en-US" dirty="0">
-                <a:latin typeface="Menlo" panose="020B0609030804020204" pitchFamily="49" charset="0"/>
-                <a:ea typeface="Menlo" panose="020B0609030804020204" pitchFamily="49" charset="0"/>
-                <a:cs typeface="Menlo" panose="020B0609030804020204" pitchFamily="49" charset="0"/>
+                <a:latin typeface="Consolas" panose="020B0609020204030204" pitchFamily="49" charset="0"/>
+                <a:ea typeface="Menlo" panose="020B0609030804020204" pitchFamily="49" charset="0"/>
+                <a:cs typeface="Consolas" panose="020B0609020204030204" pitchFamily="49" charset="0"/>
               </a:rPr>
               <a:t>...     </a:t>
             </a:r>
@@ -29471,9 +29471,9 @@
                 <a:solidFill>
                   <a:schemeClr val="accent6"/>
                 </a:solidFill>
-                <a:latin typeface="Menlo" panose="020B0609030804020204" pitchFamily="49" charset="0"/>
-                <a:ea typeface="Menlo" panose="020B0609030804020204" pitchFamily="49" charset="0"/>
-                <a:cs typeface="Menlo" panose="020B0609030804020204" pitchFamily="49" charset="0"/>
+                <a:latin typeface="Consolas" panose="020B0609020204030204" pitchFamily="49" charset="0"/>
+                <a:ea typeface="Menlo" panose="020B0609030804020204" pitchFamily="49" charset="0"/>
+                <a:cs typeface="Consolas" panose="020B0609020204030204" pitchFamily="49" charset="0"/>
               </a:rPr>
               <a:t>return count</a:t>
             </a:r>
@@ -29484,9 +29484,9 @@
             </a:pPr>
             <a:r>
               <a:rPr lang="en-US" dirty="0">
-                <a:latin typeface="Menlo" panose="020B0609030804020204" pitchFamily="49" charset="0"/>
-                <a:ea typeface="Menlo" panose="020B0609030804020204" pitchFamily="49" charset="0"/>
-                <a:cs typeface="Menlo" panose="020B0609030804020204" pitchFamily="49" charset="0"/>
+                <a:latin typeface="Consolas" panose="020B0609020204030204" pitchFamily="49" charset="0"/>
+                <a:ea typeface="Menlo" panose="020B0609030804020204" pitchFamily="49" charset="0"/>
+                <a:cs typeface="Consolas" panose="020B0609020204030204" pitchFamily="49" charset="0"/>
               </a:rPr>
               <a:t>&gt;&gt;&gt; </a:t>
             </a:r>
@@ -29495,9 +29495,9 @@
                 <a:solidFill>
                   <a:schemeClr val="accent6"/>
                 </a:solidFill>
-                <a:latin typeface="Menlo" panose="020B0609030804020204" pitchFamily="49" charset="0"/>
-                <a:ea typeface="Menlo" panose="020B0609030804020204" pitchFamily="49" charset="0"/>
-                <a:cs typeface="Menlo" panose="020B0609030804020204" pitchFamily="49" charset="0"/>
+                <a:latin typeface="Consolas" panose="020B0609020204030204" pitchFamily="49" charset="0"/>
+                <a:ea typeface="Menlo" panose="020B0609030804020204" pitchFamily="49" charset="0"/>
+                <a:cs typeface="Consolas" panose="020B0609020204030204" pitchFamily="49" charset="0"/>
               </a:rPr>
               <a:t>inc</a:t>
             </a:r>
@@ -29506,9 +29506,9 @@
                 <a:solidFill>
                   <a:schemeClr val="accent6"/>
                 </a:solidFill>
-                <a:latin typeface="Menlo" panose="020B0609030804020204" pitchFamily="49" charset="0"/>
-                <a:ea typeface="Menlo" panose="020B0609030804020204" pitchFamily="49" charset="0"/>
-                <a:cs typeface="Menlo" panose="020B0609030804020204" pitchFamily="49" charset="0"/>
+                <a:latin typeface="Consolas" panose="020B0609020204030204" pitchFamily="49" charset="0"/>
+                <a:ea typeface="Menlo" panose="020B0609030804020204" pitchFamily="49" charset="0"/>
+                <a:cs typeface="Consolas" panose="020B0609020204030204" pitchFamily="49" charset="0"/>
               </a:rPr>
               <a:t>()</a:t>
             </a:r>
@@ -29519,9 +29519,9 @@
             </a:pPr>
             <a:r>
               <a:rPr lang="en-US" dirty="0">
-                <a:latin typeface="Menlo" panose="020B0609030804020204" pitchFamily="49" charset="0"/>
-                <a:ea typeface="Menlo" panose="020B0609030804020204" pitchFamily="49" charset="0"/>
-                <a:cs typeface="Menlo" panose="020B0609030804020204" pitchFamily="49" charset="0"/>
+                <a:latin typeface="Consolas" panose="020B0609020204030204" pitchFamily="49" charset="0"/>
+                <a:ea typeface="Menlo" panose="020B0609030804020204" pitchFamily="49" charset="0"/>
+                <a:cs typeface="Consolas" panose="020B0609020204030204" pitchFamily="49" charset="0"/>
               </a:rPr>
               <a:t>1</a:t>
             </a:r>
@@ -29532,9 +29532,9 @@
             </a:pPr>
             <a:r>
               <a:rPr lang="en-US" dirty="0">
-                <a:latin typeface="Menlo" panose="020B0609030804020204" pitchFamily="49" charset="0"/>
-                <a:ea typeface="Menlo" panose="020B0609030804020204" pitchFamily="49" charset="0"/>
-                <a:cs typeface="Menlo" panose="020B0609030804020204" pitchFamily="49" charset="0"/>
+                <a:latin typeface="Consolas" panose="020B0609020204030204" pitchFamily="49" charset="0"/>
+                <a:ea typeface="Menlo" panose="020B0609030804020204" pitchFamily="49" charset="0"/>
+                <a:cs typeface="Consolas" panose="020B0609020204030204" pitchFamily="49" charset="0"/>
               </a:rPr>
               <a:t>&gt;&gt;&gt;</a:t>
             </a:r>
@@ -29543,9 +29543,9 @@
                 <a:solidFill>
                   <a:schemeClr val="accent6"/>
                 </a:solidFill>
-                <a:latin typeface="Menlo" panose="020B0609030804020204" pitchFamily="49" charset="0"/>
-                <a:ea typeface="Menlo" panose="020B0609030804020204" pitchFamily="49" charset="0"/>
-                <a:cs typeface="Menlo" panose="020B0609030804020204" pitchFamily="49" charset="0"/>
+                <a:latin typeface="Consolas" panose="020B0609020204030204" pitchFamily="49" charset="0"/>
+                <a:ea typeface="Menlo" panose="020B0609030804020204" pitchFamily="49" charset="0"/>
+                <a:cs typeface="Consolas" panose="020B0609020204030204" pitchFamily="49" charset="0"/>
               </a:rPr>
               <a:t> </a:t>
             </a:r>
@@ -29554,9 +29554,9 @@
                 <a:solidFill>
                   <a:schemeClr val="accent6"/>
                 </a:solidFill>
-                <a:latin typeface="Menlo" panose="020B0609030804020204" pitchFamily="49" charset="0"/>
-                <a:ea typeface="Menlo" panose="020B0609030804020204" pitchFamily="49" charset="0"/>
-                <a:cs typeface="Menlo" panose="020B0609030804020204" pitchFamily="49" charset="0"/>
+                <a:latin typeface="Consolas" panose="020B0609020204030204" pitchFamily="49" charset="0"/>
+                <a:ea typeface="Menlo" panose="020B0609030804020204" pitchFamily="49" charset="0"/>
+                <a:cs typeface="Consolas" panose="020B0609020204030204" pitchFamily="49" charset="0"/>
               </a:rPr>
               <a:t>inc</a:t>
             </a:r>
@@ -29565,9 +29565,9 @@
                 <a:solidFill>
                   <a:schemeClr val="accent6"/>
                 </a:solidFill>
-                <a:latin typeface="Menlo" panose="020B0609030804020204" pitchFamily="49" charset="0"/>
-                <a:ea typeface="Menlo" panose="020B0609030804020204" pitchFamily="49" charset="0"/>
-                <a:cs typeface="Menlo" panose="020B0609030804020204" pitchFamily="49" charset="0"/>
+                <a:latin typeface="Consolas" panose="020B0609020204030204" pitchFamily="49" charset="0"/>
+                <a:ea typeface="Menlo" panose="020B0609030804020204" pitchFamily="49" charset="0"/>
+                <a:cs typeface="Consolas" panose="020B0609020204030204" pitchFamily="49" charset="0"/>
               </a:rPr>
               <a:t>.__code__.</a:t>
             </a:r>
@@ -29576,9 +29576,9 @@
                 <a:solidFill>
                   <a:schemeClr val="accent6"/>
                 </a:solidFill>
-                <a:latin typeface="Menlo" panose="020B0609030804020204" pitchFamily="49" charset="0"/>
-                <a:ea typeface="Menlo" panose="020B0609030804020204" pitchFamily="49" charset="0"/>
-                <a:cs typeface="Menlo" panose="020B0609030804020204" pitchFamily="49" charset="0"/>
+                <a:latin typeface="Consolas" panose="020B0609020204030204" pitchFamily="49" charset="0"/>
+                <a:ea typeface="Menlo" panose="020B0609030804020204" pitchFamily="49" charset="0"/>
+                <a:cs typeface="Consolas" panose="020B0609020204030204" pitchFamily="49" charset="0"/>
               </a:rPr>
               <a:t>co_freevars</a:t>
             </a:r>
@@ -29586,9 +29586,9 @@
               <a:solidFill>
                 <a:schemeClr val="accent6"/>
               </a:solidFill>
-              <a:latin typeface="Menlo" panose="020B0609030804020204" pitchFamily="49" charset="0"/>
+              <a:latin typeface="Consolas" panose="020B0609020204030204" pitchFamily="49" charset="0"/>
               <a:ea typeface="Menlo" panose="020B0609030804020204" pitchFamily="49" charset="0"/>
-              <a:cs typeface="Menlo" panose="020B0609030804020204" pitchFamily="49" charset="0"/>
+              <a:cs typeface="Consolas" panose="020B0609020204030204" pitchFamily="49" charset="0"/>
             </a:endParaRPr>
           </a:p>
           <a:p>
@@ -29597,9 +29597,9 @@
             </a:pPr>
             <a:r>
               <a:rPr lang="en-US" dirty="0">
-                <a:latin typeface="Menlo" panose="020B0609030804020204" pitchFamily="49" charset="0"/>
-                <a:ea typeface="Menlo" panose="020B0609030804020204" pitchFamily="49" charset="0"/>
-                <a:cs typeface="Menlo" panose="020B0609030804020204" pitchFamily="49" charset="0"/>
+                <a:latin typeface="Consolas" panose="020B0609020204030204" pitchFamily="49" charset="0"/>
+                <a:ea typeface="Menlo" panose="020B0609030804020204" pitchFamily="49" charset="0"/>
+                <a:cs typeface="Consolas" panose="020B0609020204030204" pitchFamily="49" charset="0"/>
               </a:rPr>
               <a:t>()</a:t>
             </a:r>
@@ -29610,9 +29610,9 @@
             </a:pPr>
             <a:r>
               <a:rPr lang="en-US" dirty="0">
-                <a:latin typeface="Menlo" panose="020B0609030804020204" pitchFamily="49" charset="0"/>
-                <a:ea typeface="Menlo" panose="020B0609030804020204" pitchFamily="49" charset="0"/>
-                <a:cs typeface="Menlo" panose="020B0609030804020204" pitchFamily="49" charset="0"/>
+                <a:latin typeface="Consolas" panose="020B0609020204030204" pitchFamily="49" charset="0"/>
+                <a:ea typeface="Menlo" panose="020B0609030804020204" pitchFamily="49" charset="0"/>
+                <a:cs typeface="Consolas" panose="020B0609020204030204" pitchFamily="49" charset="0"/>
               </a:rPr>
               <a:t>&gt;&gt;&gt; </a:t>
             </a:r>
@@ -29621,9 +29621,9 @@
                 <a:solidFill>
                   <a:schemeClr val="accent6"/>
                 </a:solidFill>
-                <a:latin typeface="Menlo" panose="020B0609030804020204" pitchFamily="49" charset="0"/>
-                <a:ea typeface="Menlo" panose="020B0609030804020204" pitchFamily="49" charset="0"/>
-                <a:cs typeface="Menlo" panose="020B0609030804020204" pitchFamily="49" charset="0"/>
+                <a:latin typeface="Consolas" panose="020B0609020204030204" pitchFamily="49" charset="0"/>
+                <a:ea typeface="Menlo" panose="020B0609030804020204" pitchFamily="49" charset="0"/>
+                <a:cs typeface="Consolas" panose="020B0609020204030204" pitchFamily="49" charset="0"/>
               </a:rPr>
               <a:t>inc</a:t>
             </a:r>
@@ -29632,9 +29632,9 @@
                 <a:solidFill>
                   <a:schemeClr val="accent6"/>
                 </a:solidFill>
-                <a:latin typeface="Menlo" panose="020B0609030804020204" pitchFamily="49" charset="0"/>
-                <a:ea typeface="Menlo" panose="020B0609030804020204" pitchFamily="49" charset="0"/>
-                <a:cs typeface="Menlo" panose="020B0609030804020204" pitchFamily="49" charset="0"/>
+                <a:latin typeface="Consolas" panose="020B0609020204030204" pitchFamily="49" charset="0"/>
+                <a:ea typeface="Menlo" panose="020B0609030804020204" pitchFamily="49" charset="0"/>
+                <a:cs typeface="Consolas" panose="020B0609020204030204" pitchFamily="49" charset="0"/>
               </a:rPr>
               <a:t>.__</a:t>
             </a:r>
@@ -29643,9 +29643,9 @@
                 <a:solidFill>
                   <a:schemeClr val="accent6"/>
                 </a:solidFill>
-                <a:latin typeface="Menlo" panose="020B0609030804020204" pitchFamily="49" charset="0"/>
-                <a:ea typeface="Menlo" panose="020B0609030804020204" pitchFamily="49" charset="0"/>
-                <a:cs typeface="Menlo" panose="020B0609030804020204" pitchFamily="49" charset="0"/>
+                <a:latin typeface="Consolas" panose="020B0609020204030204" pitchFamily="49" charset="0"/>
+                <a:ea typeface="Menlo" panose="020B0609030804020204" pitchFamily="49" charset="0"/>
+                <a:cs typeface="Consolas" panose="020B0609020204030204" pitchFamily="49" charset="0"/>
               </a:rPr>
               <a:t>globals</a:t>
             </a:r>
@@ -29654,9 +29654,9 @@
                 <a:solidFill>
                   <a:schemeClr val="accent6"/>
                 </a:solidFill>
-                <a:latin typeface="Menlo" panose="020B0609030804020204" pitchFamily="49" charset="0"/>
-                <a:ea typeface="Menlo" panose="020B0609030804020204" pitchFamily="49" charset="0"/>
-                <a:cs typeface="Menlo" panose="020B0609030804020204" pitchFamily="49" charset="0"/>
+                <a:latin typeface="Consolas" panose="020B0609020204030204" pitchFamily="49" charset="0"/>
+                <a:ea typeface="Menlo" panose="020B0609030804020204" pitchFamily="49" charset="0"/>
+                <a:cs typeface="Consolas" panose="020B0609020204030204" pitchFamily="49" charset="0"/>
               </a:rPr>
               <a:t>__</a:t>
             </a:r>
@@ -29667,9 +29667,9 @@
             </a:pPr>
             <a:r>
               <a:rPr lang="en-US" dirty="0">
-                <a:latin typeface="Menlo" panose="020B0609030804020204" pitchFamily="49" charset="0"/>
-                <a:ea typeface="Menlo" panose="020B0609030804020204" pitchFamily="49" charset="0"/>
-                <a:cs typeface="Menlo" panose="020B0609030804020204" pitchFamily="49" charset="0"/>
+                <a:latin typeface="Consolas" panose="020B0609020204030204" pitchFamily="49" charset="0"/>
+                <a:ea typeface="Menlo" panose="020B0609030804020204" pitchFamily="49" charset="0"/>
+                <a:cs typeface="Consolas" panose="020B0609020204030204" pitchFamily="49" charset="0"/>
               </a:rPr>
               <a:t>{... count : 1, ...}</a:t>
             </a:r>
@@ -29682,9 +29682,9 @@
               <a:solidFill>
                 <a:srgbClr val="FF0000"/>
               </a:solidFill>
-              <a:latin typeface="Menlo" panose="020B0609030804020204" pitchFamily="49" charset="0"/>
+              <a:latin typeface="Consolas" panose="020B0609020204030204" pitchFamily="49" charset="0"/>
               <a:ea typeface="Menlo" panose="020B0609030804020204" pitchFamily="49" charset="0"/>
-              <a:cs typeface="Menlo" panose="020B0609030804020204" pitchFamily="49" charset="0"/>
+              <a:cs typeface="Consolas" panose="020B0609020204030204" pitchFamily="49" charset="0"/>
             </a:endParaRPr>
           </a:p>
         </p:txBody>
@@ -30201,7 +30201,7 @@
                                         <p:tgtEl>
                                           <p:spTgt spid="4">
                                             <p:txEl>
-                                              <p:pRg st="7" end="7"/>
+                                              <p:pRg st="10" end="10"/>
                                             </p:txEl>
                                           </p:spTgt>
                                         </p:tgtEl>
@@ -30219,7 +30219,7 @@
                                         <p:tgtEl>
                                           <p:spTgt spid="4">
                                             <p:txEl>
-                                              <p:pRg st="7" end="7"/>
+                                              <p:pRg st="10" end="10"/>
                                             </p:txEl>
                                           </p:spTgt>
                                         </p:tgtEl>
@@ -30262,7 +30262,7 @@
                                         <p:tgtEl>
                                           <p:spTgt spid="4">
                                             <p:txEl>
-                                              <p:pRg st="8" end="8"/>
+                                              <p:pRg st="11" end="11"/>
                                             </p:txEl>
                                           </p:spTgt>
                                         </p:tgtEl>
@@ -30280,7 +30280,7 @@
                                         <p:tgtEl>
                                           <p:spTgt spid="4">
                                             <p:txEl>
-                                              <p:pRg st="8" end="8"/>
+                                              <p:pRg st="11" end="11"/>
                                             </p:txEl>
                                           </p:spTgt>
                                         </p:tgtEl>
@@ -30323,7 +30323,7 @@
                                         <p:tgtEl>
                                           <p:spTgt spid="4">
                                             <p:txEl>
-                                              <p:pRg st="9" end="9"/>
+                                              <p:pRg st="12" end="12"/>
                                             </p:txEl>
                                           </p:spTgt>
                                         </p:tgtEl>
@@ -30341,7 +30341,7 @@
                                         <p:tgtEl>
                                           <p:spTgt spid="4">
                                             <p:txEl>
-                                              <p:pRg st="9" end="9"/>
+                                              <p:pRg st="12" end="12"/>
                                             </p:txEl>
                                           </p:spTgt>
                                         </p:tgtEl>
@@ -30384,7 +30384,7 @@
                                         <p:tgtEl>
                                           <p:spTgt spid="4">
                                             <p:txEl>
-                                              <p:pRg st="10" end="10"/>
+                                              <p:pRg st="7" end="7"/>
                                             </p:txEl>
                                           </p:spTgt>
                                         </p:tgtEl>
@@ -30402,7 +30402,7 @@
                                         <p:tgtEl>
                                           <p:spTgt spid="4">
                                             <p:txEl>
-                                              <p:pRg st="10" end="10"/>
+                                              <p:pRg st="7" end="7"/>
                                             </p:txEl>
                                           </p:spTgt>
                                         </p:tgtEl>
@@ -30445,7 +30445,7 @@
                                         <p:tgtEl>
                                           <p:spTgt spid="4">
                                             <p:txEl>
-                                              <p:pRg st="11" end="11"/>
+                                              <p:pRg st="8" end="8"/>
                                             </p:txEl>
                                           </p:spTgt>
                                         </p:tgtEl>
@@ -30463,7 +30463,7 @@
                                         <p:tgtEl>
                                           <p:spTgt spid="4">
                                             <p:txEl>
-                                              <p:pRg st="11" end="11"/>
+                                              <p:pRg st="8" end="8"/>
                                             </p:txEl>
                                           </p:spTgt>
                                         </p:tgtEl>
@@ -30506,7 +30506,7 @@
                                         <p:tgtEl>
                                           <p:spTgt spid="4">
                                             <p:txEl>
-                                              <p:pRg st="12" end="12"/>
+                                              <p:pRg st="13" end="13"/>
                                             </p:txEl>
                                           </p:spTgt>
                                         </p:tgtEl>
@@ -30524,7 +30524,7 @@
                                         <p:tgtEl>
                                           <p:spTgt spid="4">
                                             <p:txEl>
-                                              <p:pRg st="12" end="12"/>
+                                              <p:pRg st="13" end="13"/>
                                             </p:txEl>
                                           </p:spTgt>
                                         </p:tgtEl>
@@ -30567,7 +30567,7 @@
                                         <p:tgtEl>
                                           <p:spTgt spid="4">
                                             <p:txEl>
-                                              <p:pRg st="13" end="13"/>
+                                              <p:pRg st="9" end="9"/>
                                             </p:txEl>
                                           </p:spTgt>
                                         </p:tgtEl>
@@ -30585,7 +30585,7 @@
                                         <p:tgtEl>
                                           <p:spTgt spid="4">
                                             <p:txEl>
-                                              <p:pRg st="13" end="13"/>
+                                              <p:pRg st="9" end="9"/>
                                             </p:txEl>
                                           </p:spTgt>
                                         </p:tgtEl>

--- a/slides/03-Closures.pptx
+++ b/slides/03-Closures.pptx
@@ -209,7 +209,7 @@
           <a:p>
             <a:fld id="{27CEEA13-23F5-194B-B1CF-CF175090CBFA}" type="datetimeFigureOut">
               <a:rPr lang="en-US" smtClean="0"/>
-              <a:t>2/5/20</a:t>
+              <a:t>2/9/20</a:t>
             </a:fld>
             <a:endParaRPr lang="en-US"/>
           </a:p>
@@ -637,7 +637,7 @@
           <a:p>
             <a:fld id="{2DD5D53E-635E-BD41-B5CC-A796D6DD661B}" type="datetimeFigureOut">
               <a:rPr lang="en-US" smtClean="0"/>
-              <a:t>2/5/20</a:t>
+              <a:t>2/9/20</a:t>
             </a:fld>
             <a:endParaRPr lang="en-US"/>
           </a:p>
@@ -967,7 +967,7 @@
           <a:p>
             <a:fld id="{2DD5D53E-635E-BD41-B5CC-A796D6DD661B}" type="datetimeFigureOut">
               <a:rPr lang="en-US" smtClean="0"/>
-              <a:t>2/5/20</a:t>
+              <a:t>2/9/20</a:t>
             </a:fld>
             <a:endParaRPr lang="en-US"/>
           </a:p>
@@ -1147,7 +1147,7 @@
           <a:p>
             <a:fld id="{2DD5D53E-635E-BD41-B5CC-A796D6DD661B}" type="datetimeFigureOut">
               <a:rPr lang="en-US" smtClean="0"/>
-              <a:t>2/5/20</a:t>
+              <a:t>2/9/20</a:t>
             </a:fld>
             <a:endParaRPr lang="en-US"/>
           </a:p>
@@ -1317,7 +1317,7 @@
           <a:p>
             <a:fld id="{2DD5D53E-635E-BD41-B5CC-A796D6DD661B}" type="datetimeFigureOut">
               <a:rPr lang="en-US" smtClean="0"/>
-              <a:t>2/5/20</a:t>
+              <a:t>2/9/20</a:t>
             </a:fld>
             <a:endParaRPr lang="en-US"/>
           </a:p>
@@ -1589,7 +1589,7 @@
           <a:p>
             <a:fld id="{2DD5D53E-635E-BD41-B5CC-A796D6DD661B}" type="datetimeFigureOut">
               <a:rPr lang="en-US" smtClean="0"/>
-              <a:t>2/5/20</a:t>
+              <a:t>2/9/20</a:t>
             </a:fld>
             <a:endParaRPr lang="en-US"/>
           </a:p>
@@ -1983,7 +1983,7 @@
           <a:p>
             <a:fld id="{2DD5D53E-635E-BD41-B5CC-A796D6DD661B}" type="datetimeFigureOut">
               <a:rPr lang="en-US" smtClean="0"/>
-              <a:t>2/5/20</a:t>
+              <a:t>2/9/20</a:t>
             </a:fld>
             <a:endParaRPr lang="en-US"/>
           </a:p>
@@ -2460,7 +2460,7 @@
           <a:p>
             <a:fld id="{2DD5D53E-635E-BD41-B5CC-A796D6DD661B}" type="datetimeFigureOut">
               <a:rPr lang="en-US" smtClean="0"/>
-              <a:t>2/5/20</a:t>
+              <a:t>2/9/20</a:t>
             </a:fld>
             <a:endParaRPr lang="en-US"/>
           </a:p>
@@ -2578,7 +2578,7 @@
           <a:p>
             <a:fld id="{2DD5D53E-635E-BD41-B5CC-A796D6DD661B}" type="datetimeFigureOut">
               <a:rPr lang="en-US" smtClean="0"/>
-              <a:t>2/5/20</a:t>
+              <a:t>2/9/20</a:t>
             </a:fld>
             <a:endParaRPr lang="en-US"/>
           </a:p>
@@ -2673,7 +2673,7 @@
           <a:p>
             <a:fld id="{2DD5D53E-635E-BD41-B5CC-A796D6DD661B}" type="datetimeFigureOut">
               <a:rPr lang="en-US" smtClean="0"/>
-              <a:t>2/5/20</a:t>
+              <a:t>2/9/20</a:t>
             </a:fld>
             <a:endParaRPr lang="en-US"/>
           </a:p>
@@ -3019,7 +3019,7 @@
           <a:p>
             <a:fld id="{2DD5D53E-635E-BD41-B5CC-A796D6DD661B}" type="datetimeFigureOut">
               <a:rPr lang="en-US" smtClean="0"/>
-              <a:t>2/5/20</a:t>
+              <a:t>2/9/20</a:t>
             </a:fld>
             <a:endParaRPr lang="en-US"/>
           </a:p>
@@ -3407,7 +3407,7 @@
           <a:p>
             <a:fld id="{2DD5D53E-635E-BD41-B5CC-A796D6DD661B}" type="datetimeFigureOut">
               <a:rPr lang="en-US" smtClean="0"/>
-              <a:t>2/5/20</a:t>
+              <a:t>2/9/20</a:t>
             </a:fld>
             <a:endParaRPr lang="en-US"/>
           </a:p>
@@ -3682,7 +3682,7 @@
           <a:p>
             <a:fld id="{2DD5D53E-635E-BD41-B5CC-A796D6DD661B}" type="datetimeFigureOut">
               <a:rPr lang="en-US" smtClean="0"/>
-              <a:t>2/5/20</a:t>
+              <a:t>2/9/20</a:t>
             </a:fld>
             <a:endParaRPr lang="en-US"/>
           </a:p>
@@ -7362,13 +7362,24 @@
             <a:r>
               <a:rPr lang="en-US" dirty="0">
                 <a:solidFill>
-                  <a:schemeClr val="accent6"/>
-                </a:solidFill>
-                <a:latin typeface="Consolas" panose="020B0609020204030204" pitchFamily="49" charset="0"/>
-                <a:ea typeface="Menlo" panose="020B0609030804020204" pitchFamily="49" charset="0"/>
-                <a:cs typeface="Consolas" panose="020B0609020204030204" pitchFamily="49" charset="0"/>
-              </a:rPr>
-              <a:t>class ball:</a:t>
+                  <a:srgbClr val="A745FF"/>
+                </a:solidFill>
+                <a:latin typeface="Consolas" panose="020B0609020204030204" pitchFamily="49" charset="0"/>
+                <a:ea typeface="Menlo" panose="020B0609030804020204" pitchFamily="49" charset="0"/>
+                <a:cs typeface="Consolas" panose="020B0609020204030204" pitchFamily="49" charset="0"/>
+              </a:rPr>
+              <a:t>class</a:t>
+            </a:r>
+            <a:r>
+              <a:rPr lang="en-US" dirty="0">
+                <a:solidFill>
+                  <a:schemeClr val="accent6"/>
+                </a:solidFill>
+                <a:latin typeface="Consolas" panose="020B0609020204030204" pitchFamily="49" charset="0"/>
+                <a:ea typeface="Menlo" panose="020B0609030804020204" pitchFamily="49" charset="0"/>
+                <a:cs typeface="Consolas" panose="020B0609020204030204" pitchFamily="49" charset="0"/>
+              </a:rPr>
+              <a:t> ball:</a:t>
             </a:r>
           </a:p>
           <a:p>
@@ -7384,7 +7395,29 @@
                 <a:ea typeface="Menlo" panose="020B0609030804020204" pitchFamily="49" charset="0"/>
                 <a:cs typeface="Consolas" panose="020B0609020204030204" pitchFamily="49" charset="0"/>
               </a:rPr>
-              <a:t>    def __</a:t>
+              <a:t>    </a:t>
+            </a:r>
+            <a:r>
+              <a:rPr lang="en-US" dirty="0">
+                <a:solidFill>
+                  <a:srgbClr val="A745FF"/>
+                </a:solidFill>
+                <a:latin typeface="Consolas" panose="020B0609020204030204" pitchFamily="49" charset="0"/>
+                <a:ea typeface="Menlo" panose="020B0609030804020204" pitchFamily="49" charset="0"/>
+                <a:cs typeface="Consolas" panose="020B0609020204030204" pitchFamily="49" charset="0"/>
+              </a:rPr>
+              <a:t>def</a:t>
+            </a:r>
+            <a:r>
+              <a:rPr lang="en-US" dirty="0">
+                <a:solidFill>
+                  <a:schemeClr val="accent6"/>
+                </a:solidFill>
+                <a:latin typeface="Consolas" panose="020B0609020204030204" pitchFamily="49" charset="0"/>
+                <a:ea typeface="Menlo" panose="020B0609030804020204" pitchFamily="49" charset="0"/>
+                <a:cs typeface="Consolas" panose="020B0609020204030204" pitchFamily="49" charset="0"/>
+              </a:rPr>
+              <a:t> __</a:t>
             </a:r>
             <a:r>
               <a:rPr lang="en-US" dirty="0" err="1">
@@ -7501,7 +7534,29 @@
                 <a:ea typeface="Menlo" panose="020B0609030804020204" pitchFamily="49" charset="0"/>
                 <a:cs typeface="Consolas" panose="020B0609020204030204" pitchFamily="49" charset="0"/>
               </a:rPr>
-              <a:t>    def fly(self, </a:t>
+              <a:t>    </a:t>
+            </a:r>
+            <a:r>
+              <a:rPr lang="en-US" dirty="0">
+                <a:solidFill>
+                  <a:srgbClr val="A745FF"/>
+                </a:solidFill>
+                <a:latin typeface="Consolas" panose="020B0609020204030204" pitchFamily="49" charset="0"/>
+                <a:ea typeface="Menlo" panose="020B0609030804020204" pitchFamily="49" charset="0"/>
+                <a:cs typeface="Consolas" panose="020B0609020204030204" pitchFamily="49" charset="0"/>
+              </a:rPr>
+              <a:t>def</a:t>
+            </a:r>
+            <a:r>
+              <a:rPr lang="en-US" dirty="0">
+                <a:solidFill>
+                  <a:schemeClr val="accent6"/>
+                </a:solidFill>
+                <a:latin typeface="Consolas" panose="020B0609020204030204" pitchFamily="49" charset="0"/>
+                <a:ea typeface="Menlo" panose="020B0609030804020204" pitchFamily="49" charset="0"/>
+                <a:cs typeface="Consolas" panose="020B0609020204030204" pitchFamily="49" charset="0"/>
+              </a:rPr>
+              <a:t> fly(self, </a:t>
             </a:r>
             <a:r>
               <a:rPr lang="en-US" dirty="0" err="1">
@@ -7875,13 +7930,24 @@
             <a:r>
               <a:rPr lang="en-US" dirty="0">
                 <a:solidFill>
-                  <a:schemeClr val="accent6"/>
-                </a:solidFill>
-                <a:latin typeface="Consolas" panose="020B0609020204030204" pitchFamily="49" charset="0"/>
-                <a:ea typeface="Menlo" panose="020B0609030804020204" pitchFamily="49" charset="0"/>
-                <a:cs typeface="Consolas" panose="020B0609020204030204" pitchFamily="49" charset="0"/>
-              </a:rPr>
-              <a:t>class ball:</a:t>
+                  <a:srgbClr val="A745FF"/>
+                </a:solidFill>
+                <a:latin typeface="Consolas" panose="020B0609020204030204" pitchFamily="49" charset="0"/>
+                <a:ea typeface="Menlo" panose="020B0609030804020204" pitchFamily="49" charset="0"/>
+                <a:cs typeface="Consolas" panose="020B0609020204030204" pitchFamily="49" charset="0"/>
+              </a:rPr>
+              <a:t>class</a:t>
+            </a:r>
+            <a:r>
+              <a:rPr lang="en-US" dirty="0">
+                <a:solidFill>
+                  <a:schemeClr val="accent6"/>
+                </a:solidFill>
+                <a:latin typeface="Consolas" panose="020B0609020204030204" pitchFamily="49" charset="0"/>
+                <a:ea typeface="Menlo" panose="020B0609030804020204" pitchFamily="49" charset="0"/>
+                <a:cs typeface="Consolas" panose="020B0609020204030204" pitchFamily="49" charset="0"/>
+              </a:rPr>
+              <a:t> ball:</a:t>
             </a:r>
           </a:p>
           <a:p>
@@ -7897,7 +7963,29 @@
                 <a:ea typeface="Menlo" panose="020B0609030804020204" pitchFamily="49" charset="0"/>
                 <a:cs typeface="Consolas" panose="020B0609020204030204" pitchFamily="49" charset="0"/>
               </a:rPr>
-              <a:t>    def __</a:t>
+              <a:t>    </a:t>
+            </a:r>
+            <a:r>
+              <a:rPr lang="en-US" dirty="0">
+                <a:solidFill>
+                  <a:srgbClr val="A745FF"/>
+                </a:solidFill>
+                <a:latin typeface="Consolas" panose="020B0609020204030204" pitchFamily="49" charset="0"/>
+                <a:ea typeface="Menlo" panose="020B0609030804020204" pitchFamily="49" charset="0"/>
+                <a:cs typeface="Consolas" panose="020B0609020204030204" pitchFamily="49" charset="0"/>
+              </a:rPr>
+              <a:t>def</a:t>
+            </a:r>
+            <a:r>
+              <a:rPr lang="en-US" dirty="0">
+                <a:solidFill>
+                  <a:schemeClr val="accent6"/>
+                </a:solidFill>
+                <a:latin typeface="Consolas" panose="020B0609020204030204" pitchFamily="49" charset="0"/>
+                <a:ea typeface="Menlo" panose="020B0609030804020204" pitchFamily="49" charset="0"/>
+                <a:cs typeface="Consolas" panose="020B0609020204030204" pitchFamily="49" charset="0"/>
+              </a:rPr>
+              <a:t> __</a:t>
             </a:r>
             <a:r>
               <a:rPr lang="en-US" dirty="0" err="1">
@@ -8052,7 +8140,29 @@
                 <a:ea typeface="Menlo" panose="020B0609030804020204" pitchFamily="49" charset="0"/>
                 <a:cs typeface="Consolas" panose="020B0609020204030204" pitchFamily="49" charset="0"/>
               </a:rPr>
-              <a:t>    def fly(self, </a:t>
+              <a:t>    </a:t>
+            </a:r>
+            <a:r>
+              <a:rPr lang="en-US" dirty="0">
+                <a:solidFill>
+                  <a:srgbClr val="A745FF"/>
+                </a:solidFill>
+                <a:latin typeface="Consolas" panose="020B0609020204030204" pitchFamily="49" charset="0"/>
+                <a:ea typeface="Menlo" panose="020B0609030804020204" pitchFamily="49" charset="0"/>
+                <a:cs typeface="Consolas" panose="020B0609020204030204" pitchFamily="49" charset="0"/>
+              </a:rPr>
+              <a:t>def</a:t>
+            </a:r>
+            <a:r>
+              <a:rPr lang="en-US" dirty="0">
+                <a:solidFill>
+                  <a:schemeClr val="accent6"/>
+                </a:solidFill>
+                <a:latin typeface="Consolas" panose="020B0609020204030204" pitchFamily="49" charset="0"/>
+                <a:ea typeface="Menlo" panose="020B0609030804020204" pitchFamily="49" charset="0"/>
+                <a:cs typeface="Consolas" panose="020B0609020204030204" pitchFamily="49" charset="0"/>
+              </a:rPr>
+              <a:t> fly(self, </a:t>
             </a:r>
             <a:r>
               <a:rPr lang="en-US" dirty="0" err="1">
@@ -8234,8 +8344,8 @@
         </p:nvSpPr>
         <p:spPr>
           <a:xfrm>
-            <a:off x="6574971" y="1259957"/>
-            <a:ext cx="4869205" cy="5055783"/>
+            <a:off x="6400800" y="386081"/>
+            <a:ext cx="5640947" cy="5929660"/>
           </a:xfrm>
           <a:prstGeom prst="rect">
             <a:avLst/>
@@ -8248,7 +8358,7 @@
         </p:spPr>
         <p:txBody>
           <a:bodyPr vert="horz" lIns="91440" tIns="45720" rIns="91440" bIns="45720" rtlCol="0">
-            <a:normAutofit fontScale="85000" lnSpcReduction="20000"/>
+            <a:normAutofit lnSpcReduction="10000"/>
           </a:bodyPr>
           <a:lstStyle>
             <a:lvl1pPr marL="384048" indent="-384048" algn="l" defTabSz="914400" rtl="0" eaLnBrk="1" latinLnBrk="0" hangingPunct="1">
@@ -8448,13 +8558,24 @@
             <a:r>
               <a:rPr lang="en-US" dirty="0">
                 <a:solidFill>
-                  <a:schemeClr val="accent6"/>
-                </a:solidFill>
-                <a:latin typeface="Consolas" panose="020B0609020204030204" pitchFamily="49" charset="0"/>
-                <a:ea typeface="Menlo" panose="020B0609030804020204" pitchFamily="49" charset="0"/>
-                <a:cs typeface="Consolas" panose="020B0609020204030204" pitchFamily="49" charset="0"/>
-              </a:rPr>
-              <a:t>def </a:t>
+                  <a:srgbClr val="A745FF"/>
+                </a:solidFill>
+                <a:latin typeface="Consolas" panose="020B0609020204030204" pitchFamily="49" charset="0"/>
+                <a:ea typeface="Menlo" panose="020B0609030804020204" pitchFamily="49" charset="0"/>
+                <a:cs typeface="Consolas" panose="020B0609020204030204" pitchFamily="49" charset="0"/>
+              </a:rPr>
+              <a:t>def</a:t>
+            </a:r>
+            <a:r>
+              <a:rPr lang="en-US" dirty="0">
+                <a:solidFill>
+                  <a:schemeClr val="accent6"/>
+                </a:solidFill>
+                <a:latin typeface="Consolas" panose="020B0609020204030204" pitchFamily="49" charset="0"/>
+                <a:ea typeface="Menlo" panose="020B0609030804020204" pitchFamily="49" charset="0"/>
+                <a:cs typeface="Consolas" panose="020B0609020204030204" pitchFamily="49" charset="0"/>
+              </a:rPr>
+              <a:t> </a:t>
             </a:r>
             <a:r>
               <a:rPr lang="en-US" dirty="0" err="1">
@@ -8492,7 +8613,29 @@
                 <a:ea typeface="Menlo" panose="020B0609030804020204" pitchFamily="49" charset="0"/>
                 <a:cs typeface="Consolas" panose="020B0609020204030204" pitchFamily="49" charset="0"/>
               </a:rPr>
-              <a:t>    class ball:</a:t>
+              <a:t>    </a:t>
+            </a:r>
+            <a:r>
+              <a:rPr lang="en-US" dirty="0">
+                <a:solidFill>
+                  <a:srgbClr val="A745FF"/>
+                </a:solidFill>
+                <a:latin typeface="Consolas" panose="020B0609020204030204" pitchFamily="49" charset="0"/>
+                <a:ea typeface="Menlo" panose="020B0609030804020204" pitchFamily="49" charset="0"/>
+                <a:cs typeface="Consolas" panose="020B0609020204030204" pitchFamily="49" charset="0"/>
+              </a:rPr>
+              <a:t>class</a:t>
+            </a:r>
+            <a:r>
+              <a:rPr lang="en-US" dirty="0">
+                <a:solidFill>
+                  <a:schemeClr val="accent6"/>
+                </a:solidFill>
+                <a:latin typeface="Consolas" panose="020B0609020204030204" pitchFamily="49" charset="0"/>
+                <a:ea typeface="Menlo" panose="020B0609030804020204" pitchFamily="49" charset="0"/>
+                <a:cs typeface="Consolas" panose="020B0609020204030204" pitchFamily="49" charset="0"/>
+              </a:rPr>
+              <a:t> ball:</a:t>
             </a:r>
           </a:p>
           <a:p>
@@ -8508,7 +8651,29 @@
                 <a:ea typeface="Menlo" panose="020B0609030804020204" pitchFamily="49" charset="0"/>
                 <a:cs typeface="Consolas" panose="020B0609020204030204" pitchFamily="49" charset="0"/>
               </a:rPr>
-              <a:t>        def __</a:t>
+              <a:t>        </a:t>
+            </a:r>
+            <a:r>
+              <a:rPr lang="en-US" dirty="0">
+                <a:solidFill>
+                  <a:srgbClr val="A745FF"/>
+                </a:solidFill>
+                <a:latin typeface="Consolas" panose="020B0609020204030204" pitchFamily="49" charset="0"/>
+                <a:ea typeface="Menlo" panose="020B0609030804020204" pitchFamily="49" charset="0"/>
+                <a:cs typeface="Consolas" panose="020B0609020204030204" pitchFamily="49" charset="0"/>
+              </a:rPr>
+              <a:t>def</a:t>
+            </a:r>
+            <a:r>
+              <a:rPr lang="en-US" dirty="0">
+                <a:solidFill>
+                  <a:schemeClr val="accent6"/>
+                </a:solidFill>
+                <a:latin typeface="Consolas" panose="020B0609020204030204" pitchFamily="49" charset="0"/>
+                <a:ea typeface="Menlo" panose="020B0609030804020204" pitchFamily="49" charset="0"/>
+                <a:cs typeface="Consolas" panose="020B0609020204030204" pitchFamily="49" charset="0"/>
+              </a:rPr>
+              <a:t> __</a:t>
             </a:r>
             <a:r>
               <a:rPr lang="en-US" dirty="0" err="1">
@@ -8625,7 +8790,29 @@
                 <a:ea typeface="Menlo" panose="020B0609030804020204" pitchFamily="49" charset="0"/>
                 <a:cs typeface="Consolas" panose="020B0609020204030204" pitchFamily="49" charset="0"/>
               </a:rPr>
-              <a:t>        def fly(self, </a:t>
+              <a:t>        </a:t>
+            </a:r>
+            <a:r>
+              <a:rPr lang="en-US" dirty="0">
+                <a:solidFill>
+                  <a:srgbClr val="A745FF"/>
+                </a:solidFill>
+                <a:latin typeface="Consolas" panose="020B0609020204030204" pitchFamily="49" charset="0"/>
+                <a:ea typeface="Menlo" panose="020B0609030804020204" pitchFamily="49" charset="0"/>
+                <a:cs typeface="Consolas" panose="020B0609020204030204" pitchFamily="49" charset="0"/>
+              </a:rPr>
+              <a:t>def</a:t>
+            </a:r>
+            <a:r>
+              <a:rPr lang="en-US" dirty="0">
+                <a:solidFill>
+                  <a:schemeClr val="accent6"/>
+                </a:solidFill>
+                <a:latin typeface="Consolas" panose="020B0609020204030204" pitchFamily="49" charset="0"/>
+                <a:ea typeface="Menlo" panose="020B0609030804020204" pitchFamily="49" charset="0"/>
+                <a:cs typeface="Consolas" panose="020B0609020204030204" pitchFamily="49" charset="0"/>
+              </a:rPr>
+              <a:t> fly(self, </a:t>
             </a:r>
             <a:r>
               <a:rPr lang="en-US" dirty="0" err="1">
@@ -8780,7 +8967,29 @@
                 <a:ea typeface="Menlo" panose="020B0609030804020204" pitchFamily="49" charset="0"/>
                 <a:cs typeface="Consolas" panose="020B0609020204030204" pitchFamily="49" charset="0"/>
               </a:rPr>
-              <a:t>    return ball</a:t>
+              <a:t>    </a:t>
+            </a:r>
+            <a:r>
+              <a:rPr lang="en-US" dirty="0">
+                <a:solidFill>
+                  <a:srgbClr val="A745FF"/>
+                </a:solidFill>
+                <a:latin typeface="Consolas" panose="020B0609020204030204" pitchFamily="49" charset="0"/>
+                <a:ea typeface="Menlo" panose="020B0609030804020204" pitchFamily="49" charset="0"/>
+                <a:cs typeface="Consolas" panose="020B0609020204030204" pitchFamily="49" charset="0"/>
+              </a:rPr>
+              <a:t>return</a:t>
+            </a:r>
+            <a:r>
+              <a:rPr lang="en-US" dirty="0">
+                <a:solidFill>
+                  <a:schemeClr val="accent6"/>
+                </a:solidFill>
+                <a:latin typeface="Consolas" panose="020B0609020204030204" pitchFamily="49" charset="0"/>
+                <a:ea typeface="Menlo" panose="020B0609030804020204" pitchFamily="49" charset="0"/>
+                <a:cs typeface="Consolas" panose="020B0609020204030204" pitchFamily="49" charset="0"/>
+              </a:rPr>
+              <a:t> ball</a:t>
             </a:r>
           </a:p>
           <a:p>
@@ -9002,19 +9211,17 @@
           </p:cNvPr>
           <p:cNvCxnSpPr>
             <a:cxnSpLocks/>
-            <a:endCxn id="6" idx="0"/>
           </p:cNvCxnSpPr>
           <p:nvPr/>
         </p:nvCxnSpPr>
         <p:spPr>
-          <a:xfrm rot="10800000">
-            <a:off x="9009574" y="1259958"/>
-            <a:ext cx="1757170" cy="1637797"/>
+          <a:xfrm rot="16200000" flipV="1">
+            <a:off x="9488010" y="770730"/>
+            <a:ext cx="1648782" cy="1523998"/>
           </a:xfrm>
-          <a:prstGeom prst="curvedConnector4">
+          <a:prstGeom prst="curvedConnector3">
             <a:avLst>
-              <a:gd name="adj1" fmla="val 3141"/>
-              <a:gd name="adj2" fmla="val 129245"/>
+              <a:gd name="adj1" fmla="val 48768"/>
             </a:avLst>
           </a:prstGeom>
           <a:ln w="60325">
@@ -9050,15 +9257,15 @@
         </p:nvSpPr>
         <p:spPr>
           <a:xfrm>
-            <a:off x="10766739" y="293559"/>
+            <a:off x="10766739" y="667190"/>
             <a:ext cx="1275008" cy="414779"/>
           </a:xfrm>
           <a:prstGeom prst="borderCallout1">
             <a:avLst>
               <a:gd name="adj1" fmla="val 53821"/>
               <a:gd name="adj2" fmla="val 2778"/>
-              <a:gd name="adj3" fmla="val 155748"/>
-              <a:gd name="adj4" fmla="val -33752"/>
+              <a:gd name="adj3" fmla="val 226784"/>
+              <a:gd name="adj4" fmla="val -27377"/>
             </a:avLst>
           </a:prstGeom>
           <a:noFill/>
@@ -11128,8 +11335,8 @@
         </p:nvSpPr>
         <p:spPr>
           <a:xfrm>
-            <a:off x="5749969" y="931024"/>
-            <a:ext cx="6007395" cy="5252484"/>
+            <a:off x="5749969" y="406400"/>
+            <a:ext cx="6007395" cy="6035040"/>
           </a:xfrm>
           <a:prstGeom prst="rect">
             <a:avLst/>
@@ -11142,7 +11349,7 @@
         </p:spPr>
         <p:txBody>
           <a:bodyPr vert="horz" lIns="91440" tIns="45720" rIns="91440" bIns="45720" rtlCol="0">
-            <a:normAutofit fontScale="92500" lnSpcReduction="20000"/>
+            <a:normAutofit lnSpcReduction="10000"/>
           </a:bodyPr>
           <a:lstStyle>
             <a:lvl1pPr marL="384048" indent="-384048" algn="l" defTabSz="914400" rtl="0" eaLnBrk="1" latinLnBrk="0" hangingPunct="1">
@@ -11940,9 +12147,9 @@
           <p:nvPr/>
         </p:nvCxnSpPr>
         <p:spPr>
-          <a:xfrm rot="5400000" flipH="1" flipV="1">
-            <a:off x="8351905" y="1189105"/>
-            <a:ext cx="800422" cy="783769"/>
+          <a:xfrm rot="16200000" flipV="1">
+            <a:off x="9259430" y="822832"/>
+            <a:ext cx="454741" cy="261149"/>
           </a:xfrm>
           <a:prstGeom prst="curvedConnector3">
             <a:avLst>
@@ -11982,14 +12189,14 @@
         </p:nvSpPr>
         <p:spPr>
           <a:xfrm>
-            <a:off x="10049864" y="1180777"/>
+            <a:off x="10210650" y="799077"/>
             <a:ext cx="1275008" cy="414779"/>
           </a:xfrm>
           <a:prstGeom prst="borderCallout1">
             <a:avLst>
               <a:gd name="adj1" fmla="val 53821"/>
               <a:gd name="adj2" fmla="val 2778"/>
-              <a:gd name="adj3" fmla="val 84555"/>
+              <a:gd name="adj3" fmla="val 55161"/>
               <a:gd name="adj4" fmla="val -53485"/>
             </a:avLst>
           </a:prstGeom>
@@ -26829,8 +27036,8 @@
         </p:nvSpPr>
         <p:spPr>
           <a:xfrm>
-            <a:off x="7290832" y="4470988"/>
-            <a:ext cx="4670796" cy="1669311"/>
+            <a:off x="8016240" y="4470988"/>
+            <a:ext cx="3945388" cy="1669311"/>
           </a:xfrm>
           <a:prstGeom prst="rect">
             <a:avLst/>
@@ -27116,40 +27323,18 @@
                 <a:ea typeface="Menlo" panose="020B0609030804020204" pitchFamily="49" charset="0"/>
                 <a:cs typeface="Consolas" panose="020B0609020204030204" pitchFamily="49" charset="0"/>
               </a:rPr>
-              <a:t>...             </a:t>
-            </a:r>
-            <a:r>
-              <a:rPr lang="en-US" dirty="0">
-                <a:solidFill>
-                  <a:schemeClr val="accent6"/>
-                </a:solidFill>
-                <a:latin typeface="Consolas" panose="020B0609020204030204" pitchFamily="49" charset="0"/>
-                <a:ea typeface="Menlo" panose="020B0609030804020204" pitchFamily="49" charset="0"/>
-                <a:cs typeface="Consolas" panose="020B0609020204030204" pitchFamily="49" charset="0"/>
-              </a:rPr>
-              <a:t>def bar(</a:t>
-            </a:r>
-            <a:r>
-              <a:rPr lang="en-US" dirty="0" err="1">
-                <a:solidFill>
-                  <a:schemeClr val="accent6"/>
-                </a:solidFill>
-                <a:latin typeface="Consolas" panose="020B0609020204030204" pitchFamily="49" charset="0"/>
-                <a:ea typeface="Menlo" panose="020B0609030804020204" pitchFamily="49" charset="0"/>
-                <a:cs typeface="Consolas" panose="020B0609020204030204" pitchFamily="49" charset="0"/>
-              </a:rPr>
-              <a:t>param</a:t>
-            </a:r>
-            <a:r>
-              <a:rPr lang="en-US" dirty="0">
-                <a:solidFill>
-                  <a:schemeClr val="accent6"/>
-                </a:solidFill>
-                <a:latin typeface="Consolas" panose="020B0609020204030204" pitchFamily="49" charset="0"/>
-                <a:ea typeface="Menlo" panose="020B0609030804020204" pitchFamily="49" charset="0"/>
-                <a:cs typeface="Consolas" panose="020B0609020204030204" pitchFamily="49" charset="0"/>
-              </a:rPr>
-              <a:t>):</a:t>
+              <a:t>...         </a:t>
+            </a:r>
+            <a:r>
+              <a:rPr lang="en-US" dirty="0">
+                <a:solidFill>
+                  <a:schemeClr val="accent6"/>
+                </a:solidFill>
+                <a:latin typeface="Consolas" panose="020B0609020204030204" pitchFamily="49" charset="0"/>
+                <a:ea typeface="Menlo" panose="020B0609030804020204" pitchFamily="49" charset="0"/>
+                <a:cs typeface="Consolas" panose="020B0609020204030204" pitchFamily="49" charset="0"/>
+              </a:rPr>
+              <a:t>def bar(param):</a:t>
             </a:r>
           </a:p>
           <a:p>
@@ -27162,7 +27347,7 @@
                 <a:ea typeface="Menlo" panose="020B0609030804020204" pitchFamily="49" charset="0"/>
                 <a:cs typeface="Consolas" panose="020B0609020204030204" pitchFamily="49" charset="0"/>
               </a:rPr>
-              <a:t>...                     </a:t>
+              <a:t>...             </a:t>
             </a:r>
             <a:r>
               <a:rPr lang="en-US" dirty="0">
@@ -28237,6 +28422,993 @@
       </p:grpSpPr>
       <p:sp>
         <p:nvSpPr>
+          <p:cNvPr id="5" name="Content Placeholder 2">
+            <a:extLst>
+              <a:ext uri="{FF2B5EF4-FFF2-40B4-BE49-F238E27FC236}">
+                <a16:creationId xmlns:a16="http://schemas.microsoft.com/office/drawing/2014/main" id="{38B5915B-A689-F147-818A-0B19DDB4BD1C}"/>
+              </a:ext>
+            </a:extLst>
+          </p:cNvPr>
+          <p:cNvSpPr txBox="1">
+            <a:spLocks/>
+          </p:cNvSpPr>
+          <p:nvPr/>
+        </p:nvSpPr>
+        <p:spPr>
+          <a:xfrm>
+            <a:off x="6664496" y="191386"/>
+            <a:ext cx="4991095" cy="6517758"/>
+          </a:xfrm>
+          <a:prstGeom prst="rect">
+            <a:avLst/>
+          </a:prstGeom>
+          <a:ln>
+            <a:solidFill>
+              <a:schemeClr val="tx1"/>
+            </a:solidFill>
+          </a:ln>
+        </p:spPr>
+        <p:txBody>
+          <a:bodyPr vert="horz" lIns="91440" tIns="45720" rIns="91440" bIns="45720" rtlCol="0">
+            <a:noAutofit/>
+          </a:bodyPr>
+          <a:lstStyle>
+            <a:lvl1pPr marL="384048" indent="-384048" algn="l" defTabSz="914400" rtl="0" eaLnBrk="1" latinLnBrk="0" hangingPunct="1">
+              <a:lnSpc>
+                <a:spcPct val="94000"/>
+              </a:lnSpc>
+              <a:spcBef>
+                <a:spcPts val="1000"/>
+              </a:spcBef>
+              <a:spcAft>
+                <a:spcPts val="200"/>
+              </a:spcAft>
+              <a:buFont typeface="Franklin Gothic Book" panose="020B0503020102020204" pitchFamily="34" charset="0"/>
+              <a:buChar char="■"/>
+              <a:defRPr sz="2000" kern="1200" baseline="0">
+                <a:solidFill>
+                  <a:schemeClr val="tx2"/>
+                </a:solidFill>
+                <a:latin typeface="+mn-lt"/>
+                <a:ea typeface="+mn-ea"/>
+                <a:cs typeface="+mn-cs"/>
+              </a:defRPr>
+            </a:lvl1pPr>
+            <a:lvl2pPr marL="914400" indent="-384048" algn="l" defTabSz="914400" rtl="0" eaLnBrk="1" latinLnBrk="0" hangingPunct="1">
+              <a:lnSpc>
+                <a:spcPct val="94000"/>
+              </a:lnSpc>
+              <a:spcBef>
+                <a:spcPts val="500"/>
+              </a:spcBef>
+              <a:spcAft>
+                <a:spcPts val="200"/>
+              </a:spcAft>
+              <a:buFont typeface="Franklin Gothic Book" panose="020B0503020102020204" pitchFamily="34" charset="0"/>
+              <a:buChar char="–"/>
+              <a:defRPr sz="2000" i="1" kern="1200" baseline="0">
+                <a:solidFill>
+                  <a:schemeClr val="tx2"/>
+                </a:solidFill>
+                <a:latin typeface="+mn-lt"/>
+                <a:ea typeface="+mn-ea"/>
+                <a:cs typeface="+mn-cs"/>
+              </a:defRPr>
+            </a:lvl2pPr>
+            <a:lvl3pPr marL="1371600" indent="-384048" algn="l" defTabSz="914400" rtl="0" eaLnBrk="1" latinLnBrk="0" hangingPunct="1">
+              <a:lnSpc>
+                <a:spcPct val="94000"/>
+              </a:lnSpc>
+              <a:spcBef>
+                <a:spcPts val="500"/>
+              </a:spcBef>
+              <a:spcAft>
+                <a:spcPts val="200"/>
+              </a:spcAft>
+              <a:buFont typeface="Franklin Gothic Book" panose="020B0503020102020204" pitchFamily="34" charset="0"/>
+              <a:buChar char="■"/>
+              <a:defRPr sz="1800" kern="1200" baseline="0">
+                <a:solidFill>
+                  <a:schemeClr val="tx2"/>
+                </a:solidFill>
+                <a:latin typeface="+mn-lt"/>
+                <a:ea typeface="+mn-ea"/>
+                <a:cs typeface="+mn-cs"/>
+              </a:defRPr>
+            </a:lvl3pPr>
+            <a:lvl4pPr marL="1828800" indent="-384048" algn="l" defTabSz="914400" rtl="0" eaLnBrk="1" latinLnBrk="0" hangingPunct="1">
+              <a:lnSpc>
+                <a:spcPct val="94000"/>
+              </a:lnSpc>
+              <a:spcBef>
+                <a:spcPts val="500"/>
+              </a:spcBef>
+              <a:spcAft>
+                <a:spcPts val="200"/>
+              </a:spcAft>
+              <a:buFont typeface="Franklin Gothic Book" panose="020B0503020102020204" pitchFamily="34" charset="0"/>
+              <a:buChar char="–"/>
+              <a:defRPr sz="1800" i="1" kern="1200" baseline="0">
+                <a:solidFill>
+                  <a:schemeClr val="tx2"/>
+                </a:solidFill>
+                <a:latin typeface="+mn-lt"/>
+                <a:ea typeface="+mn-ea"/>
+                <a:cs typeface="+mn-cs"/>
+              </a:defRPr>
+            </a:lvl4pPr>
+            <a:lvl5pPr marL="2286000" indent="-384048" algn="l" defTabSz="914400" rtl="0" eaLnBrk="1" latinLnBrk="0" hangingPunct="1">
+              <a:lnSpc>
+                <a:spcPct val="94000"/>
+              </a:lnSpc>
+              <a:spcBef>
+                <a:spcPts val="500"/>
+              </a:spcBef>
+              <a:spcAft>
+                <a:spcPts val="200"/>
+              </a:spcAft>
+              <a:buFont typeface="Franklin Gothic Book" panose="020B0503020102020204" pitchFamily="34" charset="0"/>
+              <a:buChar char="■"/>
+              <a:defRPr sz="1600" kern="1200" baseline="0">
+                <a:solidFill>
+                  <a:schemeClr val="tx2"/>
+                </a:solidFill>
+                <a:latin typeface="+mn-lt"/>
+                <a:ea typeface="+mn-ea"/>
+                <a:cs typeface="+mn-cs"/>
+              </a:defRPr>
+            </a:lvl5pPr>
+            <a:lvl6pPr marL="2743200" indent="-384048" algn="l" defTabSz="914400" rtl="0" eaLnBrk="1" latinLnBrk="0" hangingPunct="1">
+              <a:lnSpc>
+                <a:spcPct val="94000"/>
+              </a:lnSpc>
+              <a:spcBef>
+                <a:spcPts val="500"/>
+              </a:spcBef>
+              <a:spcAft>
+                <a:spcPts val="200"/>
+              </a:spcAft>
+              <a:buFont typeface="Franklin Gothic Book" panose="020B0503020102020204" pitchFamily="34" charset="0"/>
+              <a:buChar char="–"/>
+              <a:defRPr sz="1600" i="1" kern="1200" baseline="0">
+                <a:solidFill>
+                  <a:schemeClr val="tx2"/>
+                </a:solidFill>
+                <a:latin typeface="+mn-lt"/>
+                <a:ea typeface="+mn-ea"/>
+                <a:cs typeface="+mn-cs"/>
+              </a:defRPr>
+            </a:lvl6pPr>
+            <a:lvl7pPr marL="3200400" indent="-384048" algn="l" defTabSz="914400" rtl="0" eaLnBrk="1" latinLnBrk="0" hangingPunct="1">
+              <a:lnSpc>
+                <a:spcPct val="94000"/>
+              </a:lnSpc>
+              <a:spcBef>
+                <a:spcPts val="500"/>
+              </a:spcBef>
+              <a:spcAft>
+                <a:spcPts val="200"/>
+              </a:spcAft>
+              <a:buFont typeface="Franklin Gothic Book" panose="020B0503020102020204" pitchFamily="34" charset="0"/>
+              <a:buChar char="■"/>
+              <a:defRPr sz="1400" kern="1200" baseline="0">
+                <a:solidFill>
+                  <a:schemeClr val="tx2"/>
+                </a:solidFill>
+                <a:latin typeface="+mn-lt"/>
+                <a:ea typeface="+mn-ea"/>
+                <a:cs typeface="+mn-cs"/>
+              </a:defRPr>
+            </a:lvl7pPr>
+            <a:lvl8pPr marL="3657600" indent="-384048" algn="l" defTabSz="914400" rtl="0" eaLnBrk="1" latinLnBrk="0" hangingPunct="1">
+              <a:lnSpc>
+                <a:spcPct val="94000"/>
+              </a:lnSpc>
+              <a:spcBef>
+                <a:spcPts val="500"/>
+              </a:spcBef>
+              <a:spcAft>
+                <a:spcPts val="200"/>
+              </a:spcAft>
+              <a:buFont typeface="Franklin Gothic Book" panose="020B0503020102020204" pitchFamily="34" charset="0"/>
+              <a:buChar char="–"/>
+              <a:defRPr sz="1400" i="1" kern="1200" baseline="0">
+                <a:solidFill>
+                  <a:schemeClr val="tx2"/>
+                </a:solidFill>
+                <a:latin typeface="+mn-lt"/>
+                <a:ea typeface="+mn-ea"/>
+                <a:cs typeface="+mn-cs"/>
+              </a:defRPr>
+            </a:lvl8pPr>
+            <a:lvl9pPr marL="4114800" indent="-384048" algn="l" defTabSz="914400" rtl="0" eaLnBrk="1" latinLnBrk="0" hangingPunct="1">
+              <a:lnSpc>
+                <a:spcPct val="94000"/>
+              </a:lnSpc>
+              <a:spcBef>
+                <a:spcPts val="500"/>
+              </a:spcBef>
+              <a:spcAft>
+                <a:spcPts val="200"/>
+              </a:spcAft>
+              <a:buFont typeface="Franklin Gothic Book" panose="020B0503020102020204" pitchFamily="34" charset="0"/>
+              <a:buChar char="■"/>
+              <a:defRPr sz="1400" kern="1200" baseline="0">
+                <a:solidFill>
+                  <a:schemeClr val="tx2"/>
+                </a:solidFill>
+                <a:latin typeface="+mn-lt"/>
+                <a:ea typeface="+mn-ea"/>
+                <a:cs typeface="+mn-cs"/>
+              </a:defRPr>
+            </a:lvl9pPr>
+          </a:lstStyle>
+          <a:p>
+            <a:pPr marL="0" indent="0">
+              <a:lnSpc>
+                <a:spcPct val="100000"/>
+              </a:lnSpc>
+              <a:spcBef>
+                <a:spcPts val="0"/>
+              </a:spcBef>
+              <a:spcAft>
+                <a:spcPts val="500"/>
+              </a:spcAft>
+              <a:buNone/>
+            </a:pPr>
+            <a:r>
+              <a:rPr lang="en-US" sz="1900" dirty="0">
+                <a:latin typeface="Consolas" panose="020B0609020204030204" pitchFamily="49" charset="0"/>
+                <a:ea typeface="Menlo" panose="020B0609030804020204" pitchFamily="49" charset="0"/>
+                <a:cs typeface="Consolas" panose="020B0609020204030204" pitchFamily="49" charset="0"/>
+              </a:rPr>
+              <a:t>&gt;&gt;&gt; </a:t>
+            </a:r>
+            <a:r>
+              <a:rPr lang="en-US" sz="1900" dirty="0">
+                <a:solidFill>
+                  <a:schemeClr val="accent6"/>
+                </a:solidFill>
+                <a:latin typeface="Consolas" panose="020B0609020204030204" pitchFamily="49" charset="0"/>
+                <a:ea typeface="Menlo" panose="020B0609030804020204" pitchFamily="49" charset="0"/>
+                <a:cs typeface="Consolas" panose="020B0609020204030204" pitchFamily="49" charset="0"/>
+              </a:rPr>
+              <a:t>count = 0</a:t>
+            </a:r>
+          </a:p>
+          <a:p>
+            <a:pPr marL="0" indent="0">
+              <a:lnSpc>
+                <a:spcPct val="100000"/>
+              </a:lnSpc>
+              <a:spcBef>
+                <a:spcPts val="0"/>
+              </a:spcBef>
+              <a:spcAft>
+                <a:spcPts val="500"/>
+              </a:spcAft>
+              <a:buNone/>
+            </a:pPr>
+            <a:r>
+              <a:rPr lang="en-US" sz="1900" dirty="0">
+                <a:latin typeface="Consolas" panose="020B0609020204030204" pitchFamily="49" charset="0"/>
+                <a:ea typeface="Menlo" panose="020B0609030804020204" pitchFamily="49" charset="0"/>
+                <a:cs typeface="Consolas" panose="020B0609020204030204" pitchFamily="49" charset="0"/>
+              </a:rPr>
+              <a:t>&gt;&gt;&gt; </a:t>
+            </a:r>
+            <a:r>
+              <a:rPr lang="en-US" sz="1900" dirty="0">
+                <a:solidFill>
+                  <a:schemeClr val="accent6"/>
+                </a:solidFill>
+                <a:latin typeface="Consolas" panose="020B0609020204030204" pitchFamily="49" charset="0"/>
+                <a:ea typeface="Menlo" panose="020B0609030804020204" pitchFamily="49" charset="0"/>
+                <a:cs typeface="Consolas" panose="020B0609020204030204" pitchFamily="49" charset="0"/>
+              </a:rPr>
+              <a:t>def </a:t>
+            </a:r>
+            <a:r>
+              <a:rPr lang="en-US" sz="1900" dirty="0" err="1">
+                <a:solidFill>
+                  <a:schemeClr val="accent6"/>
+                </a:solidFill>
+                <a:latin typeface="Consolas" panose="020B0609020204030204" pitchFamily="49" charset="0"/>
+                <a:ea typeface="Menlo" panose="020B0609030804020204" pitchFamily="49" charset="0"/>
+                <a:cs typeface="Consolas" panose="020B0609020204030204" pitchFamily="49" charset="0"/>
+              </a:rPr>
+              <a:t>inc</a:t>
+            </a:r>
+            <a:r>
+              <a:rPr lang="en-US" sz="1900" dirty="0">
+                <a:solidFill>
+                  <a:schemeClr val="accent6"/>
+                </a:solidFill>
+                <a:latin typeface="Consolas" panose="020B0609020204030204" pitchFamily="49" charset="0"/>
+                <a:ea typeface="Menlo" panose="020B0609030804020204" pitchFamily="49" charset="0"/>
+                <a:cs typeface="Consolas" panose="020B0609020204030204" pitchFamily="49" charset="0"/>
+              </a:rPr>
+              <a:t>():</a:t>
+            </a:r>
+          </a:p>
+          <a:p>
+            <a:pPr marL="0" indent="0">
+              <a:lnSpc>
+                <a:spcPct val="100000"/>
+              </a:lnSpc>
+              <a:spcBef>
+                <a:spcPts val="0"/>
+              </a:spcBef>
+              <a:spcAft>
+                <a:spcPts val="500"/>
+              </a:spcAft>
+              <a:buNone/>
+            </a:pPr>
+            <a:r>
+              <a:rPr lang="en-US" sz="1900" dirty="0">
+                <a:latin typeface="Consolas" panose="020B0609020204030204" pitchFamily="49" charset="0"/>
+                <a:ea typeface="Menlo" panose="020B0609030804020204" pitchFamily="49" charset="0"/>
+                <a:cs typeface="Consolas" panose="020B0609020204030204" pitchFamily="49" charset="0"/>
+              </a:rPr>
+              <a:t>... </a:t>
+            </a:r>
+            <a:r>
+              <a:rPr lang="en-US" sz="1900" dirty="0">
+                <a:solidFill>
+                  <a:schemeClr val="accent6"/>
+                </a:solidFill>
+                <a:latin typeface="Consolas" panose="020B0609020204030204" pitchFamily="49" charset="0"/>
+                <a:ea typeface="Menlo" panose="020B0609030804020204" pitchFamily="49" charset="0"/>
+                <a:cs typeface="Consolas" panose="020B0609020204030204" pitchFamily="49" charset="0"/>
+              </a:rPr>
+              <a:t>    </a:t>
+            </a:r>
+            <a:r>
+              <a:rPr lang="en-US" sz="1900" dirty="0">
+                <a:solidFill>
+                  <a:srgbClr val="EF00FF"/>
+                </a:solidFill>
+                <a:latin typeface="Consolas" panose="020B0609020204030204" pitchFamily="49" charset="0"/>
+                <a:ea typeface="Menlo" panose="020B0609030804020204" pitchFamily="49" charset="0"/>
+                <a:cs typeface="Consolas" panose="020B0609020204030204" pitchFamily="49" charset="0"/>
+              </a:rPr>
+              <a:t>nonlocal</a:t>
+            </a:r>
+            <a:r>
+              <a:rPr lang="en-US" sz="1900" dirty="0">
+                <a:solidFill>
+                  <a:schemeClr val="accent6"/>
+                </a:solidFill>
+                <a:latin typeface="Consolas" panose="020B0609020204030204" pitchFamily="49" charset="0"/>
+                <a:ea typeface="Menlo" panose="020B0609030804020204" pitchFamily="49" charset="0"/>
+                <a:cs typeface="Consolas" panose="020B0609020204030204" pitchFamily="49" charset="0"/>
+              </a:rPr>
+              <a:t> count</a:t>
+            </a:r>
+          </a:p>
+          <a:p>
+            <a:pPr marL="0" indent="0">
+              <a:lnSpc>
+                <a:spcPct val="100000"/>
+              </a:lnSpc>
+              <a:spcBef>
+                <a:spcPts val="0"/>
+              </a:spcBef>
+              <a:spcAft>
+                <a:spcPts val="500"/>
+              </a:spcAft>
+              <a:buNone/>
+            </a:pPr>
+            <a:r>
+              <a:rPr lang="en-US" sz="1900" dirty="0">
+                <a:latin typeface="Consolas" panose="020B0609020204030204" pitchFamily="49" charset="0"/>
+                <a:ea typeface="Menlo" panose="020B0609030804020204" pitchFamily="49" charset="0"/>
+                <a:cs typeface="Consolas" panose="020B0609020204030204" pitchFamily="49" charset="0"/>
+              </a:rPr>
+              <a:t>...     </a:t>
+            </a:r>
+            <a:r>
+              <a:rPr lang="en-US" sz="1900" dirty="0">
+                <a:solidFill>
+                  <a:schemeClr val="accent6"/>
+                </a:solidFill>
+                <a:latin typeface="Consolas" panose="020B0609020204030204" pitchFamily="49" charset="0"/>
+                <a:ea typeface="Menlo" panose="020B0609030804020204" pitchFamily="49" charset="0"/>
+                <a:cs typeface="Consolas" panose="020B0609020204030204" pitchFamily="49" charset="0"/>
+              </a:rPr>
+              <a:t>count += 1</a:t>
+            </a:r>
+          </a:p>
+          <a:p>
+            <a:pPr marL="0" indent="0">
+              <a:lnSpc>
+                <a:spcPct val="100000"/>
+              </a:lnSpc>
+              <a:spcBef>
+                <a:spcPts val="0"/>
+              </a:spcBef>
+              <a:spcAft>
+                <a:spcPts val="500"/>
+              </a:spcAft>
+              <a:buNone/>
+            </a:pPr>
+            <a:r>
+              <a:rPr lang="en-US" sz="1900" dirty="0">
+                <a:latin typeface="Consolas" panose="020B0609020204030204" pitchFamily="49" charset="0"/>
+                <a:ea typeface="Menlo" panose="020B0609030804020204" pitchFamily="49" charset="0"/>
+                <a:cs typeface="Consolas" panose="020B0609020204030204" pitchFamily="49" charset="0"/>
+              </a:rPr>
+              <a:t>...     </a:t>
+            </a:r>
+            <a:r>
+              <a:rPr lang="en-US" sz="1900" dirty="0">
+                <a:solidFill>
+                  <a:schemeClr val="accent6"/>
+                </a:solidFill>
+                <a:latin typeface="Consolas" panose="020B0609020204030204" pitchFamily="49" charset="0"/>
+                <a:ea typeface="Menlo" panose="020B0609030804020204" pitchFamily="49" charset="0"/>
+                <a:cs typeface="Consolas" panose="020B0609020204030204" pitchFamily="49" charset="0"/>
+              </a:rPr>
+              <a:t>return count</a:t>
+            </a:r>
+          </a:p>
+          <a:p>
+            <a:pPr marL="0" indent="0">
+              <a:lnSpc>
+                <a:spcPct val="100000"/>
+              </a:lnSpc>
+              <a:spcBef>
+                <a:spcPts val="0"/>
+              </a:spcBef>
+              <a:spcAft>
+                <a:spcPts val="500"/>
+              </a:spcAft>
+              <a:buNone/>
+            </a:pPr>
+            <a:r>
+              <a:rPr lang="en-US" sz="1900" dirty="0">
+                <a:latin typeface="Consolas" panose="020B0609020204030204" pitchFamily="49" charset="0"/>
+                <a:ea typeface="Menlo" panose="020B0609030804020204" pitchFamily="49" charset="0"/>
+                <a:cs typeface="Consolas" panose="020B0609020204030204" pitchFamily="49" charset="0"/>
+              </a:rPr>
+              <a:t>&gt;&gt;&gt; </a:t>
+            </a:r>
+            <a:r>
+              <a:rPr lang="en-US" sz="1900" dirty="0" err="1">
+                <a:solidFill>
+                  <a:schemeClr val="accent6"/>
+                </a:solidFill>
+                <a:latin typeface="Consolas" panose="020B0609020204030204" pitchFamily="49" charset="0"/>
+                <a:ea typeface="Menlo" panose="020B0609030804020204" pitchFamily="49" charset="0"/>
+                <a:cs typeface="Consolas" panose="020B0609020204030204" pitchFamily="49" charset="0"/>
+              </a:rPr>
+              <a:t>inc</a:t>
+            </a:r>
+            <a:r>
+              <a:rPr lang="en-US" sz="1900" dirty="0">
+                <a:solidFill>
+                  <a:schemeClr val="accent6"/>
+                </a:solidFill>
+                <a:latin typeface="Consolas" panose="020B0609020204030204" pitchFamily="49" charset="0"/>
+                <a:ea typeface="Menlo" panose="020B0609030804020204" pitchFamily="49" charset="0"/>
+                <a:cs typeface="Consolas" panose="020B0609020204030204" pitchFamily="49" charset="0"/>
+              </a:rPr>
+              <a:t>()</a:t>
+            </a:r>
+          </a:p>
+          <a:p>
+            <a:pPr marL="0" indent="0">
+              <a:lnSpc>
+                <a:spcPct val="100000"/>
+              </a:lnSpc>
+              <a:spcBef>
+                <a:spcPts val="0"/>
+              </a:spcBef>
+              <a:spcAft>
+                <a:spcPts val="500"/>
+              </a:spcAft>
+              <a:buNone/>
+            </a:pPr>
+            <a:r>
+              <a:rPr lang="en-US" sz="1900" dirty="0" err="1">
+                <a:solidFill>
+                  <a:srgbClr val="FF0000"/>
+                </a:solidFill>
+                <a:latin typeface="Consolas" panose="020B0609020204030204" pitchFamily="49" charset="0"/>
+                <a:ea typeface="Menlo" panose="020B0609030804020204" pitchFamily="49" charset="0"/>
+                <a:cs typeface="Consolas" panose="020B0609020204030204" pitchFamily="49" charset="0"/>
+              </a:rPr>
+              <a:t>SyntaxError</a:t>
+            </a:r>
+            <a:r>
+              <a:rPr lang="en-US" sz="1900" dirty="0">
+                <a:solidFill>
+                  <a:srgbClr val="FF0000"/>
+                </a:solidFill>
+                <a:latin typeface="Consolas" panose="020B0609020204030204" pitchFamily="49" charset="0"/>
+                <a:ea typeface="Menlo" panose="020B0609030804020204" pitchFamily="49" charset="0"/>
+                <a:cs typeface="Consolas" panose="020B0609020204030204" pitchFamily="49" charset="0"/>
+              </a:rPr>
+              <a:t>: no binding for nonlocal </a:t>
+            </a:r>
+          </a:p>
+          <a:p>
+            <a:pPr marL="0" indent="0">
+              <a:lnSpc>
+                <a:spcPct val="100000"/>
+              </a:lnSpc>
+              <a:spcBef>
+                <a:spcPts val="0"/>
+              </a:spcBef>
+              <a:spcAft>
+                <a:spcPts val="500"/>
+              </a:spcAft>
+              <a:buNone/>
+            </a:pPr>
+            <a:r>
+              <a:rPr lang="en-US" sz="1900" dirty="0">
+                <a:solidFill>
+                  <a:srgbClr val="FF0000"/>
+                </a:solidFill>
+                <a:latin typeface="Consolas" panose="020B0609020204030204" pitchFamily="49" charset="0"/>
+                <a:ea typeface="Menlo" panose="020B0609030804020204" pitchFamily="49" charset="0"/>
+                <a:cs typeface="Consolas" panose="020B0609020204030204" pitchFamily="49" charset="0"/>
+              </a:rPr>
+              <a:t>'count' found </a:t>
+            </a:r>
+          </a:p>
+          <a:p>
+            <a:pPr marL="0" indent="0">
+              <a:lnSpc>
+                <a:spcPct val="100000"/>
+              </a:lnSpc>
+              <a:spcBef>
+                <a:spcPts val="0"/>
+              </a:spcBef>
+              <a:spcAft>
+                <a:spcPts val="500"/>
+              </a:spcAft>
+              <a:buNone/>
+            </a:pPr>
+            <a:r>
+              <a:rPr lang="en-US" sz="1900" dirty="0">
+                <a:latin typeface="Consolas" panose="020B0609020204030204" pitchFamily="49" charset="0"/>
+                <a:ea typeface="Menlo" panose="020B0609030804020204" pitchFamily="49" charset="0"/>
+                <a:cs typeface="Consolas" panose="020B0609020204030204" pitchFamily="49" charset="0"/>
+              </a:rPr>
+              <a:t>&gt;&gt;&gt; </a:t>
+            </a:r>
+            <a:r>
+              <a:rPr lang="en-US" sz="1900" dirty="0">
+                <a:solidFill>
+                  <a:schemeClr val="accent6"/>
+                </a:solidFill>
+                <a:latin typeface="Consolas" panose="020B0609020204030204" pitchFamily="49" charset="0"/>
+                <a:ea typeface="Menlo" panose="020B0609030804020204" pitchFamily="49" charset="0"/>
+                <a:cs typeface="Consolas" panose="020B0609020204030204" pitchFamily="49" charset="0"/>
+              </a:rPr>
+              <a:t>def </a:t>
+            </a:r>
+            <a:r>
+              <a:rPr lang="en-US" sz="1900" dirty="0" err="1">
+                <a:solidFill>
+                  <a:schemeClr val="accent6"/>
+                </a:solidFill>
+                <a:latin typeface="Consolas" panose="020B0609020204030204" pitchFamily="49" charset="0"/>
+                <a:ea typeface="Menlo" panose="020B0609030804020204" pitchFamily="49" charset="0"/>
+                <a:cs typeface="Consolas" panose="020B0609020204030204" pitchFamily="49" charset="0"/>
+              </a:rPr>
+              <a:t>inc</a:t>
+            </a:r>
+            <a:r>
+              <a:rPr lang="en-US" sz="1900" dirty="0">
+                <a:solidFill>
+                  <a:schemeClr val="accent6"/>
+                </a:solidFill>
+                <a:latin typeface="Consolas" panose="020B0609020204030204" pitchFamily="49" charset="0"/>
+                <a:ea typeface="Menlo" panose="020B0609030804020204" pitchFamily="49" charset="0"/>
+                <a:cs typeface="Consolas" panose="020B0609020204030204" pitchFamily="49" charset="0"/>
+              </a:rPr>
+              <a:t>():</a:t>
+            </a:r>
+          </a:p>
+          <a:p>
+            <a:pPr marL="0" indent="0">
+              <a:lnSpc>
+                <a:spcPct val="100000"/>
+              </a:lnSpc>
+              <a:spcBef>
+                <a:spcPts val="0"/>
+              </a:spcBef>
+              <a:spcAft>
+                <a:spcPts val="500"/>
+              </a:spcAft>
+              <a:buNone/>
+            </a:pPr>
+            <a:r>
+              <a:rPr lang="en-US" sz="1900" dirty="0">
+                <a:latin typeface="Consolas" panose="020B0609020204030204" pitchFamily="49" charset="0"/>
+                <a:ea typeface="Menlo" panose="020B0609030804020204" pitchFamily="49" charset="0"/>
+                <a:cs typeface="Consolas" panose="020B0609020204030204" pitchFamily="49" charset="0"/>
+              </a:rPr>
+              <a:t>...</a:t>
+            </a:r>
+            <a:r>
+              <a:rPr lang="en-US" sz="1900" dirty="0">
+                <a:solidFill>
+                  <a:schemeClr val="accent6"/>
+                </a:solidFill>
+                <a:latin typeface="Consolas" panose="020B0609020204030204" pitchFamily="49" charset="0"/>
+                <a:ea typeface="Menlo" panose="020B0609030804020204" pitchFamily="49" charset="0"/>
+                <a:cs typeface="Consolas" panose="020B0609020204030204" pitchFamily="49" charset="0"/>
+              </a:rPr>
+              <a:t>     </a:t>
+            </a:r>
+            <a:r>
+              <a:rPr lang="en-US" sz="1900" dirty="0">
+                <a:solidFill>
+                  <a:srgbClr val="EF00FF"/>
+                </a:solidFill>
+                <a:latin typeface="Consolas" panose="020B0609020204030204" pitchFamily="49" charset="0"/>
+                <a:ea typeface="Menlo" panose="020B0609030804020204" pitchFamily="49" charset="0"/>
+                <a:cs typeface="Consolas" panose="020B0609020204030204" pitchFamily="49" charset="0"/>
+              </a:rPr>
+              <a:t>global</a:t>
+            </a:r>
+            <a:r>
+              <a:rPr lang="en-US" sz="1900" dirty="0">
+                <a:solidFill>
+                  <a:schemeClr val="accent6"/>
+                </a:solidFill>
+                <a:latin typeface="Consolas" panose="020B0609020204030204" pitchFamily="49" charset="0"/>
+                <a:ea typeface="Menlo" panose="020B0609030804020204" pitchFamily="49" charset="0"/>
+                <a:cs typeface="Consolas" panose="020B0609020204030204" pitchFamily="49" charset="0"/>
+              </a:rPr>
+              <a:t> count</a:t>
+            </a:r>
+          </a:p>
+          <a:p>
+            <a:pPr marL="0" indent="0">
+              <a:lnSpc>
+                <a:spcPct val="100000"/>
+              </a:lnSpc>
+              <a:spcBef>
+                <a:spcPts val="0"/>
+              </a:spcBef>
+              <a:spcAft>
+                <a:spcPts val="500"/>
+              </a:spcAft>
+              <a:buNone/>
+            </a:pPr>
+            <a:r>
+              <a:rPr lang="en-US" sz="1900" dirty="0">
+                <a:latin typeface="Consolas" panose="020B0609020204030204" pitchFamily="49" charset="0"/>
+                <a:ea typeface="Menlo" panose="020B0609030804020204" pitchFamily="49" charset="0"/>
+                <a:cs typeface="Consolas" panose="020B0609020204030204" pitchFamily="49" charset="0"/>
+              </a:rPr>
+              <a:t>...     </a:t>
+            </a:r>
+            <a:r>
+              <a:rPr lang="en-US" sz="1900" dirty="0">
+                <a:solidFill>
+                  <a:schemeClr val="accent6"/>
+                </a:solidFill>
+                <a:latin typeface="Consolas" panose="020B0609020204030204" pitchFamily="49" charset="0"/>
+                <a:ea typeface="Menlo" panose="020B0609030804020204" pitchFamily="49" charset="0"/>
+                <a:cs typeface="Consolas" panose="020B0609020204030204" pitchFamily="49" charset="0"/>
+              </a:rPr>
+              <a:t>count += 1</a:t>
+            </a:r>
+          </a:p>
+          <a:p>
+            <a:pPr marL="0" indent="0">
+              <a:lnSpc>
+                <a:spcPct val="100000"/>
+              </a:lnSpc>
+              <a:spcBef>
+                <a:spcPts val="0"/>
+              </a:spcBef>
+              <a:spcAft>
+                <a:spcPts val="500"/>
+              </a:spcAft>
+              <a:buNone/>
+            </a:pPr>
+            <a:r>
+              <a:rPr lang="en-US" sz="1900" dirty="0">
+                <a:latin typeface="Consolas" panose="020B0609020204030204" pitchFamily="49" charset="0"/>
+                <a:ea typeface="Menlo" panose="020B0609030804020204" pitchFamily="49" charset="0"/>
+                <a:cs typeface="Consolas" panose="020B0609020204030204" pitchFamily="49" charset="0"/>
+              </a:rPr>
+              <a:t>...     </a:t>
+            </a:r>
+            <a:r>
+              <a:rPr lang="en-US" sz="1900" dirty="0">
+                <a:solidFill>
+                  <a:schemeClr val="accent6"/>
+                </a:solidFill>
+                <a:latin typeface="Consolas" panose="020B0609020204030204" pitchFamily="49" charset="0"/>
+                <a:ea typeface="Menlo" panose="020B0609030804020204" pitchFamily="49" charset="0"/>
+                <a:cs typeface="Consolas" panose="020B0609020204030204" pitchFamily="49" charset="0"/>
+              </a:rPr>
+              <a:t>return count</a:t>
+            </a:r>
+          </a:p>
+          <a:p>
+            <a:pPr marL="0" indent="0">
+              <a:lnSpc>
+                <a:spcPct val="100000"/>
+              </a:lnSpc>
+              <a:spcBef>
+                <a:spcPts val="0"/>
+              </a:spcBef>
+              <a:spcAft>
+                <a:spcPts val="500"/>
+              </a:spcAft>
+              <a:buNone/>
+            </a:pPr>
+            <a:r>
+              <a:rPr lang="en-US" sz="1900" dirty="0">
+                <a:latin typeface="Consolas" panose="020B0609020204030204" pitchFamily="49" charset="0"/>
+                <a:ea typeface="Menlo" panose="020B0609030804020204" pitchFamily="49" charset="0"/>
+                <a:cs typeface="Consolas" panose="020B0609020204030204" pitchFamily="49" charset="0"/>
+              </a:rPr>
+              <a:t>&gt;&gt;&gt; </a:t>
+            </a:r>
+            <a:r>
+              <a:rPr lang="en-US" sz="1900" dirty="0" err="1">
+                <a:solidFill>
+                  <a:schemeClr val="accent6"/>
+                </a:solidFill>
+                <a:latin typeface="Consolas" panose="020B0609020204030204" pitchFamily="49" charset="0"/>
+                <a:ea typeface="Menlo" panose="020B0609030804020204" pitchFamily="49" charset="0"/>
+                <a:cs typeface="Consolas" panose="020B0609020204030204" pitchFamily="49" charset="0"/>
+              </a:rPr>
+              <a:t>inc</a:t>
+            </a:r>
+            <a:r>
+              <a:rPr lang="en-US" sz="1900" dirty="0">
+                <a:solidFill>
+                  <a:schemeClr val="accent6"/>
+                </a:solidFill>
+                <a:latin typeface="Consolas" panose="020B0609020204030204" pitchFamily="49" charset="0"/>
+                <a:ea typeface="Menlo" panose="020B0609030804020204" pitchFamily="49" charset="0"/>
+                <a:cs typeface="Consolas" panose="020B0609020204030204" pitchFamily="49" charset="0"/>
+              </a:rPr>
+              <a:t>()</a:t>
+            </a:r>
+          </a:p>
+          <a:p>
+            <a:pPr marL="0" indent="0">
+              <a:lnSpc>
+                <a:spcPct val="100000"/>
+              </a:lnSpc>
+              <a:spcBef>
+                <a:spcPts val="0"/>
+              </a:spcBef>
+              <a:spcAft>
+                <a:spcPts val="500"/>
+              </a:spcAft>
+              <a:buNone/>
+            </a:pPr>
+            <a:r>
+              <a:rPr lang="en-US" sz="1900" dirty="0">
+                <a:latin typeface="Consolas" panose="020B0609020204030204" pitchFamily="49" charset="0"/>
+                <a:ea typeface="Menlo" panose="020B0609030804020204" pitchFamily="49" charset="0"/>
+                <a:cs typeface="Consolas" panose="020B0609020204030204" pitchFamily="49" charset="0"/>
+              </a:rPr>
+              <a:t>1</a:t>
+            </a:r>
+          </a:p>
+          <a:p>
+            <a:pPr marL="0" indent="0">
+              <a:lnSpc>
+                <a:spcPct val="100000"/>
+              </a:lnSpc>
+              <a:spcBef>
+                <a:spcPts val="0"/>
+              </a:spcBef>
+              <a:spcAft>
+                <a:spcPts val="500"/>
+              </a:spcAft>
+              <a:buNone/>
+            </a:pPr>
+            <a:r>
+              <a:rPr lang="en-US" sz="1900" dirty="0">
+                <a:latin typeface="Consolas" panose="020B0609020204030204" pitchFamily="49" charset="0"/>
+                <a:ea typeface="Menlo" panose="020B0609030804020204" pitchFamily="49" charset="0"/>
+                <a:cs typeface="Consolas" panose="020B0609020204030204" pitchFamily="49" charset="0"/>
+              </a:rPr>
+              <a:t>&gt;&gt;&gt;</a:t>
+            </a:r>
+            <a:r>
+              <a:rPr lang="en-US" sz="1900" dirty="0">
+                <a:solidFill>
+                  <a:schemeClr val="accent6"/>
+                </a:solidFill>
+                <a:latin typeface="Consolas" panose="020B0609020204030204" pitchFamily="49" charset="0"/>
+                <a:ea typeface="Menlo" panose="020B0609030804020204" pitchFamily="49" charset="0"/>
+                <a:cs typeface="Consolas" panose="020B0609020204030204" pitchFamily="49" charset="0"/>
+              </a:rPr>
+              <a:t> </a:t>
+            </a:r>
+            <a:r>
+              <a:rPr lang="en-US" sz="1900" dirty="0" err="1">
+                <a:solidFill>
+                  <a:schemeClr val="accent6"/>
+                </a:solidFill>
+                <a:latin typeface="Consolas" panose="020B0609020204030204" pitchFamily="49" charset="0"/>
+                <a:ea typeface="Menlo" panose="020B0609030804020204" pitchFamily="49" charset="0"/>
+                <a:cs typeface="Consolas" panose="020B0609020204030204" pitchFamily="49" charset="0"/>
+              </a:rPr>
+              <a:t>inc</a:t>
+            </a:r>
+            <a:r>
+              <a:rPr lang="en-US" sz="1900" dirty="0">
+                <a:solidFill>
+                  <a:schemeClr val="accent6"/>
+                </a:solidFill>
+                <a:latin typeface="Consolas" panose="020B0609020204030204" pitchFamily="49" charset="0"/>
+                <a:ea typeface="Menlo" panose="020B0609030804020204" pitchFamily="49" charset="0"/>
+                <a:cs typeface="Consolas" panose="020B0609020204030204" pitchFamily="49" charset="0"/>
+              </a:rPr>
+              <a:t>.__code__.</a:t>
+            </a:r>
+            <a:r>
+              <a:rPr lang="en-US" sz="1900" dirty="0" err="1">
+                <a:solidFill>
+                  <a:schemeClr val="accent6"/>
+                </a:solidFill>
+                <a:latin typeface="Consolas" panose="020B0609020204030204" pitchFamily="49" charset="0"/>
+                <a:ea typeface="Menlo" panose="020B0609030804020204" pitchFamily="49" charset="0"/>
+                <a:cs typeface="Consolas" panose="020B0609020204030204" pitchFamily="49" charset="0"/>
+              </a:rPr>
+              <a:t>co_freevars</a:t>
+            </a:r>
+            <a:endParaRPr lang="en-US" sz="1900" dirty="0">
+              <a:solidFill>
+                <a:schemeClr val="accent6"/>
+              </a:solidFill>
+              <a:latin typeface="Consolas" panose="020B0609020204030204" pitchFamily="49" charset="0"/>
+              <a:ea typeface="Menlo" panose="020B0609030804020204" pitchFamily="49" charset="0"/>
+              <a:cs typeface="Consolas" panose="020B0609020204030204" pitchFamily="49" charset="0"/>
+            </a:endParaRPr>
+          </a:p>
+          <a:p>
+            <a:pPr marL="0" indent="0">
+              <a:lnSpc>
+                <a:spcPct val="100000"/>
+              </a:lnSpc>
+              <a:spcBef>
+                <a:spcPts val="0"/>
+              </a:spcBef>
+              <a:spcAft>
+                <a:spcPts val="500"/>
+              </a:spcAft>
+              <a:buNone/>
+            </a:pPr>
+            <a:r>
+              <a:rPr lang="en-US" sz="1900" dirty="0">
+                <a:latin typeface="Consolas" panose="020B0609020204030204" pitchFamily="49" charset="0"/>
+                <a:ea typeface="Menlo" panose="020B0609030804020204" pitchFamily="49" charset="0"/>
+                <a:cs typeface="Consolas" panose="020B0609020204030204" pitchFamily="49" charset="0"/>
+              </a:rPr>
+              <a:t>()</a:t>
+            </a:r>
+          </a:p>
+          <a:p>
+            <a:pPr marL="0" indent="0">
+              <a:lnSpc>
+                <a:spcPct val="100000"/>
+              </a:lnSpc>
+              <a:spcBef>
+                <a:spcPts val="0"/>
+              </a:spcBef>
+              <a:spcAft>
+                <a:spcPts val="500"/>
+              </a:spcAft>
+              <a:buNone/>
+            </a:pPr>
+            <a:r>
+              <a:rPr lang="en-US" sz="1900" dirty="0">
+                <a:latin typeface="Consolas" panose="020B0609020204030204" pitchFamily="49" charset="0"/>
+                <a:ea typeface="Menlo" panose="020B0609030804020204" pitchFamily="49" charset="0"/>
+                <a:cs typeface="Consolas" panose="020B0609020204030204" pitchFamily="49" charset="0"/>
+              </a:rPr>
+              <a:t>&gt;&gt;&gt; </a:t>
+            </a:r>
+            <a:r>
+              <a:rPr lang="en-US" sz="1900" dirty="0" err="1">
+                <a:solidFill>
+                  <a:schemeClr val="accent6"/>
+                </a:solidFill>
+                <a:latin typeface="Consolas" panose="020B0609020204030204" pitchFamily="49" charset="0"/>
+                <a:ea typeface="Menlo" panose="020B0609030804020204" pitchFamily="49" charset="0"/>
+                <a:cs typeface="Consolas" panose="020B0609020204030204" pitchFamily="49" charset="0"/>
+              </a:rPr>
+              <a:t>inc</a:t>
+            </a:r>
+            <a:r>
+              <a:rPr lang="en-US" sz="1900" dirty="0">
+                <a:solidFill>
+                  <a:schemeClr val="accent6"/>
+                </a:solidFill>
+                <a:latin typeface="Consolas" panose="020B0609020204030204" pitchFamily="49" charset="0"/>
+                <a:ea typeface="Menlo" panose="020B0609030804020204" pitchFamily="49" charset="0"/>
+                <a:cs typeface="Consolas" panose="020B0609020204030204" pitchFamily="49" charset="0"/>
+              </a:rPr>
+              <a:t>.__</a:t>
+            </a:r>
+            <a:r>
+              <a:rPr lang="en-US" sz="1900" dirty="0" err="1">
+                <a:solidFill>
+                  <a:schemeClr val="accent6"/>
+                </a:solidFill>
+                <a:latin typeface="Consolas" panose="020B0609020204030204" pitchFamily="49" charset="0"/>
+                <a:ea typeface="Menlo" panose="020B0609030804020204" pitchFamily="49" charset="0"/>
+                <a:cs typeface="Consolas" panose="020B0609020204030204" pitchFamily="49" charset="0"/>
+              </a:rPr>
+              <a:t>globals</a:t>
+            </a:r>
+            <a:r>
+              <a:rPr lang="en-US" sz="1900" dirty="0">
+                <a:solidFill>
+                  <a:schemeClr val="accent6"/>
+                </a:solidFill>
+                <a:latin typeface="Consolas" panose="020B0609020204030204" pitchFamily="49" charset="0"/>
+                <a:ea typeface="Menlo" panose="020B0609030804020204" pitchFamily="49" charset="0"/>
+                <a:cs typeface="Consolas" panose="020B0609020204030204" pitchFamily="49" charset="0"/>
+              </a:rPr>
+              <a:t>__</a:t>
+            </a:r>
+          </a:p>
+          <a:p>
+            <a:pPr marL="0" indent="0">
+              <a:lnSpc>
+                <a:spcPct val="100000"/>
+              </a:lnSpc>
+              <a:spcBef>
+                <a:spcPts val="0"/>
+              </a:spcBef>
+              <a:spcAft>
+                <a:spcPts val="500"/>
+              </a:spcAft>
+              <a:buNone/>
+            </a:pPr>
+            <a:r>
+              <a:rPr lang="en-US" sz="1900" dirty="0">
+                <a:latin typeface="Consolas" panose="020B0609020204030204" pitchFamily="49" charset="0"/>
+                <a:ea typeface="Menlo" panose="020B0609030804020204" pitchFamily="49" charset="0"/>
+                <a:cs typeface="Consolas" panose="020B0609020204030204" pitchFamily="49" charset="0"/>
+              </a:rPr>
+              <a:t>{... count : 1, ...}</a:t>
+            </a:r>
+          </a:p>
+          <a:p>
+            <a:pPr marL="0" indent="0">
+              <a:lnSpc>
+                <a:spcPct val="100000"/>
+              </a:lnSpc>
+              <a:spcBef>
+                <a:spcPts val="0"/>
+              </a:spcBef>
+              <a:spcAft>
+                <a:spcPts val="500"/>
+              </a:spcAft>
+              <a:buNone/>
+            </a:pPr>
+            <a:endParaRPr lang="en-US" sz="1900" dirty="0">
+              <a:solidFill>
+                <a:srgbClr val="FF0000"/>
+              </a:solidFill>
+              <a:latin typeface="Consolas" panose="020B0609020204030204" pitchFamily="49" charset="0"/>
+              <a:ea typeface="Menlo" panose="020B0609030804020204" pitchFamily="49" charset="0"/>
+              <a:cs typeface="Consolas" panose="020B0609020204030204" pitchFamily="49" charset="0"/>
+            </a:endParaRPr>
+          </a:p>
+        </p:txBody>
+      </p:sp>
+      <p:sp>
+        <p:nvSpPr>
           <p:cNvPr id="2" name="Title 1">
             <a:extLst>
               <a:ext uri="{FF2B5EF4-FFF2-40B4-BE49-F238E27FC236}">
@@ -28253,12 +29425,14 @@
         </p:nvSpPr>
         <p:spPr>
           <a:xfrm>
-            <a:off x="1127051" y="366824"/>
-            <a:ext cx="9601200" cy="1004777"/>
+            <a:off x="3179793" y="191386"/>
+            <a:ext cx="3365031" cy="1042191"/>
           </a:xfrm>
         </p:spPr>
         <p:txBody>
-          <a:bodyPr/>
+          <a:bodyPr>
+            <a:normAutofit fontScale="90000"/>
+          </a:bodyPr>
           <a:lstStyle/>
           <a:p>
             <a:r>
@@ -28284,8 +29458,8 @@
         </p:nvSpPr>
         <p:spPr>
           <a:xfrm>
-            <a:off x="1254642" y="1371602"/>
-            <a:ext cx="4458146" cy="4688956"/>
+            <a:off x="879893" y="191387"/>
+            <a:ext cx="5545259" cy="6517758"/>
           </a:xfrm>
           <a:prstGeom prst="rect">
             <a:avLst/>
@@ -28298,7 +29472,7 @@
         </p:spPr>
         <p:txBody>
           <a:bodyPr vert="horz" lIns="91440" tIns="45720" rIns="91440" bIns="45720" rtlCol="0">
-            <a:normAutofit fontScale="70000" lnSpcReduction="20000"/>
+            <a:normAutofit fontScale="92500" lnSpcReduction="20000"/>
           </a:bodyPr>
           <a:lstStyle>
             <a:lvl1pPr marL="384048" indent="-384048" algn="l" defTabSz="914400" rtl="0" eaLnBrk="1" latinLnBrk="0" hangingPunct="1">
@@ -28501,18 +29675,18 @@
                 <a:ea typeface="Menlo" panose="020B0609030804020204" pitchFamily="49" charset="0"/>
                 <a:cs typeface="Consolas" panose="020B0609020204030204" pitchFamily="49" charset="0"/>
               </a:rPr>
-              <a:t>&gt;&gt;&gt;</a:t>
-            </a:r>
-            <a:r>
-              <a:rPr lang="en-US" dirty="0">
-                <a:solidFill>
-                  <a:schemeClr val="accent6"/>
-                </a:solidFill>
-                <a:latin typeface="Consolas" panose="020B0609020204030204" pitchFamily="49" charset="0"/>
-                <a:ea typeface="Menlo" panose="020B0609030804020204" pitchFamily="49" charset="0"/>
-                <a:cs typeface="Consolas" panose="020B0609020204030204" pitchFamily="49" charset="0"/>
-              </a:rPr>
-              <a:t> def main():</a:t>
+              <a:t>&gt;&gt;&gt; </a:t>
+            </a:r>
+            <a:r>
+              <a:rPr lang="en-US" dirty="0">
+                <a:solidFill>
+                  <a:schemeClr val="accent6"/>
+                </a:solidFill>
+                <a:latin typeface="Consolas" panose="020B0609020204030204" pitchFamily="49" charset="0"/>
+                <a:ea typeface="Menlo" panose="020B0609030804020204" pitchFamily="49" charset="0"/>
+                <a:cs typeface="Consolas" panose="020B0609020204030204" pitchFamily="49" charset="0"/>
+              </a:rPr>
+              <a:t>def main():</a:t>
             </a:r>
           </a:p>
           <a:p>
@@ -28525,18 +29699,18 @@
                 <a:ea typeface="Menlo" panose="020B0609030804020204" pitchFamily="49" charset="0"/>
                 <a:cs typeface="Consolas" panose="020B0609020204030204" pitchFamily="49" charset="0"/>
               </a:rPr>
-              <a:t>...  </a:t>
-            </a:r>
-            <a:r>
-              <a:rPr lang="en-US" dirty="0">
-                <a:solidFill>
-                  <a:schemeClr val="accent6"/>
-                </a:solidFill>
-                <a:latin typeface="Consolas" panose="020B0609020204030204" pitchFamily="49" charset="0"/>
-                <a:ea typeface="Menlo" panose="020B0609030804020204" pitchFamily="49" charset="0"/>
-                <a:cs typeface="Consolas" panose="020B0609020204030204" pitchFamily="49" charset="0"/>
-              </a:rPr>
-              <a:t>   offset = 10</a:t>
+              <a:t>...     </a:t>
+            </a:r>
+            <a:r>
+              <a:rPr lang="en-US" dirty="0">
+                <a:solidFill>
+                  <a:schemeClr val="accent6"/>
+                </a:solidFill>
+                <a:latin typeface="Consolas" panose="020B0609020204030204" pitchFamily="49" charset="0"/>
+                <a:ea typeface="Menlo" panose="020B0609030804020204" pitchFamily="49" charset="0"/>
+                <a:cs typeface="Consolas" panose="020B0609020204030204" pitchFamily="49" charset="0"/>
+              </a:rPr>
+              <a:t>count = 0</a:t>
             </a:r>
           </a:p>
           <a:p>
@@ -28560,7 +29734,29 @@
                 <a:ea typeface="Menlo" panose="020B0609030804020204" pitchFamily="49" charset="0"/>
                 <a:cs typeface="Consolas" panose="020B0609020204030204" pitchFamily="49" charset="0"/>
               </a:rPr>
-              <a:t>def math(a):</a:t>
+              <a:t>def </a:t>
+            </a:r>
+            <a:r>
+              <a:rPr lang="en-US" dirty="0" err="1">
+                <a:solidFill>
+                  <a:schemeClr val="accent6"/>
+                </a:solidFill>
+                <a:latin typeface="Consolas" panose="020B0609020204030204" pitchFamily="49" charset="0"/>
+                <a:ea typeface="Menlo" panose="020B0609030804020204" pitchFamily="49" charset="0"/>
+                <a:cs typeface="Consolas" panose="020B0609020204030204" pitchFamily="49" charset="0"/>
+              </a:rPr>
+              <a:t>inc</a:t>
+            </a:r>
+            <a:r>
+              <a:rPr lang="en-US" dirty="0">
+                <a:solidFill>
+                  <a:schemeClr val="accent6"/>
+                </a:solidFill>
+                <a:latin typeface="Consolas" panose="020B0609020204030204" pitchFamily="49" charset="0"/>
+                <a:ea typeface="Menlo" panose="020B0609030804020204" pitchFamily="49" charset="0"/>
+                <a:cs typeface="Consolas" panose="020B0609020204030204" pitchFamily="49" charset="0"/>
+              </a:rPr>
+              <a:t>():</a:t>
             </a:r>
           </a:p>
           <a:p>
@@ -28573,18 +29769,29 @@
                 <a:ea typeface="Menlo" panose="020B0609030804020204" pitchFamily="49" charset="0"/>
                 <a:cs typeface="Consolas" panose="020B0609020204030204" pitchFamily="49" charset="0"/>
               </a:rPr>
-              <a:t>...         </a:t>
-            </a:r>
-            <a:r>
-              <a:rPr lang="en-US" dirty="0">
-                <a:solidFill>
-                  <a:schemeClr val="accent6"/>
-                </a:solidFill>
-                <a:latin typeface="Consolas" panose="020B0609020204030204" pitchFamily="49" charset="0"/>
-                <a:ea typeface="Menlo" panose="020B0609030804020204" pitchFamily="49" charset="0"/>
-                <a:cs typeface="Consolas" panose="020B0609020204030204" pitchFamily="49" charset="0"/>
-              </a:rPr>
-              <a:t>b = 1</a:t>
+              <a:t>...         </a:t>
+            </a:r>
+            <a:r>
+              <a:rPr lang="en-US" dirty="0">
+                <a:solidFill>
+                  <a:srgbClr val="EF00FF"/>
+                </a:solidFill>
+                <a:latin typeface="Consolas" panose="020B0609020204030204" pitchFamily="49" charset="0"/>
+                <a:ea typeface="Menlo" panose="020B0609030804020204" pitchFamily="49" charset="0"/>
+                <a:cs typeface="Consolas" panose="020B0609020204030204" pitchFamily="49" charset="0"/>
+              </a:rPr>
+              <a:t>nonlocal</a:t>
+            </a:r>
+            <a:r>
+              <a:rPr lang="en-US" dirty="0">
+                <a:solidFill>
+                  <a:schemeClr val="accent6"/>
+                </a:solidFill>
+                <a:latin typeface="Consolas" panose="020B0609020204030204" pitchFamily="49" charset="0"/>
+                <a:ea typeface="Menlo" panose="020B0609030804020204" pitchFamily="49" charset="0"/>
+                <a:cs typeface="Consolas" panose="020B0609020204030204" pitchFamily="49" charset="0"/>
+              </a:rPr>
+              <a:t> count</a:t>
             </a:r>
           </a:p>
           <a:p>
@@ -28597,18 +29804,18 @@
                 <a:ea typeface="Menlo" panose="020B0609030804020204" pitchFamily="49" charset="0"/>
                 <a:cs typeface="Consolas" panose="020B0609020204030204" pitchFamily="49" charset="0"/>
               </a:rPr>
-              <a:t>...         </a:t>
-            </a:r>
-            <a:r>
-              <a:rPr lang="en-US" dirty="0">
-                <a:solidFill>
-                  <a:schemeClr val="accent6"/>
-                </a:solidFill>
-                <a:latin typeface="Consolas" panose="020B0609020204030204" pitchFamily="49" charset="0"/>
-                <a:ea typeface="Menlo" panose="020B0609030804020204" pitchFamily="49" charset="0"/>
-                <a:cs typeface="Consolas" panose="020B0609020204030204" pitchFamily="49" charset="0"/>
-              </a:rPr>
-              <a:t>return a + b + offset</a:t>
+              <a:t>...         </a:t>
+            </a:r>
+            <a:r>
+              <a:rPr lang="en-US" dirty="0">
+                <a:solidFill>
+                  <a:schemeClr val="accent6"/>
+                </a:solidFill>
+                <a:latin typeface="Consolas" panose="020B0609020204030204" pitchFamily="49" charset="0"/>
+                <a:ea typeface="Menlo" panose="020B0609030804020204" pitchFamily="49" charset="0"/>
+                <a:cs typeface="Consolas" panose="020B0609020204030204" pitchFamily="49" charset="0"/>
+              </a:rPr>
+              <a:t>count += 1</a:t>
             </a:r>
           </a:p>
           <a:p>
@@ -28621,7 +29828,18 @@
                 <a:ea typeface="Menlo" panose="020B0609030804020204" pitchFamily="49" charset="0"/>
                 <a:cs typeface="Consolas" panose="020B0609020204030204" pitchFamily="49" charset="0"/>
               </a:rPr>
-              <a:t>...   </a:t>
+              <a:t>...         </a:t>
+            </a:r>
+            <a:r>
+              <a:rPr lang="en-US" dirty="0">
+                <a:solidFill>
+                  <a:schemeClr val="accent6"/>
+                </a:solidFill>
+                <a:latin typeface="Consolas" panose="020B0609020204030204" pitchFamily="49" charset="0"/>
+                <a:ea typeface="Menlo" panose="020B0609030804020204" pitchFamily="49" charset="0"/>
+                <a:cs typeface="Consolas" panose="020B0609020204030204" pitchFamily="49" charset="0"/>
+              </a:rPr>
+              <a:t>return count</a:t>
             </a:r>
           </a:p>
           <a:p>
@@ -28634,18 +29852,40 @@
                 <a:ea typeface="Menlo" panose="020B0609030804020204" pitchFamily="49" charset="0"/>
                 <a:cs typeface="Consolas" panose="020B0609020204030204" pitchFamily="49" charset="0"/>
               </a:rPr>
-              <a:t>... </a:t>
-            </a:r>
-            <a:r>
-              <a:rPr lang="en-US" dirty="0">
-                <a:solidFill>
-                  <a:schemeClr val="accent6"/>
-                </a:solidFill>
-                <a:latin typeface="Consolas" panose="020B0609020204030204" pitchFamily="49" charset="0"/>
-                <a:ea typeface="Menlo" panose="020B0609030804020204" pitchFamily="49" charset="0"/>
-                <a:cs typeface="Consolas" panose="020B0609020204030204" pitchFamily="49" charset="0"/>
-              </a:rPr>
-              <a:t>    print(math(5))</a:t>
+              <a:t>...     </a:t>
+            </a:r>
+            <a:r>
+              <a:rPr lang="en-US" dirty="0">
+                <a:solidFill>
+                  <a:schemeClr val="accent6"/>
+                </a:solidFill>
+                <a:latin typeface="Consolas" panose="020B0609020204030204" pitchFamily="49" charset="0"/>
+                <a:ea typeface="Menlo" panose="020B0609030804020204" pitchFamily="49" charset="0"/>
+                <a:cs typeface="Consolas" panose="020B0609020204030204" pitchFamily="49" charset="0"/>
+              </a:rPr>
+              <a:t>print(</a:t>
+            </a:r>
+            <a:r>
+              <a:rPr lang="en-US" dirty="0" err="1">
+                <a:solidFill>
+                  <a:schemeClr val="accent6"/>
+                </a:solidFill>
+                <a:latin typeface="Consolas" panose="020B0609020204030204" pitchFamily="49" charset="0"/>
+                <a:ea typeface="Menlo" panose="020B0609030804020204" pitchFamily="49" charset="0"/>
+                <a:cs typeface="Consolas" panose="020B0609020204030204" pitchFamily="49" charset="0"/>
+              </a:rPr>
+              <a:t>inc</a:t>
+            </a:r>
+            <a:r>
+              <a:rPr lang="en-US" dirty="0">
+                <a:solidFill>
+                  <a:schemeClr val="accent6"/>
+                </a:solidFill>
+                <a:latin typeface="Consolas" panose="020B0609020204030204" pitchFamily="49" charset="0"/>
+                <a:ea typeface="Menlo" panose="020B0609030804020204" pitchFamily="49" charset="0"/>
+                <a:cs typeface="Consolas" panose="020B0609020204030204" pitchFamily="49" charset="0"/>
+              </a:rPr>
+              <a:t>())</a:t>
             </a:r>
           </a:p>
           <a:p>
@@ -28658,18 +29898,40 @@
                 <a:ea typeface="Menlo" panose="020B0609030804020204" pitchFamily="49" charset="0"/>
                 <a:cs typeface="Consolas" panose="020B0609020204030204" pitchFamily="49" charset="0"/>
               </a:rPr>
-              <a:t>... </a:t>
-            </a:r>
-            <a:r>
-              <a:rPr lang="en-US" dirty="0">
-                <a:solidFill>
-                  <a:schemeClr val="accent6"/>
-                </a:solidFill>
-                <a:latin typeface="Consolas" panose="020B0609020204030204" pitchFamily="49" charset="0"/>
-                <a:ea typeface="Menlo" panose="020B0609030804020204" pitchFamily="49" charset="0"/>
-                <a:cs typeface="Consolas" panose="020B0609020204030204" pitchFamily="49" charset="0"/>
-              </a:rPr>
-              <a:t>    offset = 100</a:t>
+              <a:t>...     </a:t>
+            </a:r>
+            <a:r>
+              <a:rPr lang="en-US" dirty="0">
+                <a:solidFill>
+                  <a:schemeClr val="accent6"/>
+                </a:solidFill>
+                <a:latin typeface="Consolas" panose="020B0609020204030204" pitchFamily="49" charset="0"/>
+                <a:ea typeface="Menlo" panose="020B0609030804020204" pitchFamily="49" charset="0"/>
+                <a:cs typeface="Consolas" panose="020B0609020204030204" pitchFamily="49" charset="0"/>
+              </a:rPr>
+              <a:t>print(</a:t>
+            </a:r>
+            <a:r>
+              <a:rPr lang="en-US" dirty="0" err="1">
+                <a:solidFill>
+                  <a:schemeClr val="accent6"/>
+                </a:solidFill>
+                <a:latin typeface="Consolas" panose="020B0609020204030204" pitchFamily="49" charset="0"/>
+                <a:ea typeface="Menlo" panose="020B0609030804020204" pitchFamily="49" charset="0"/>
+                <a:cs typeface="Consolas" panose="020B0609020204030204" pitchFamily="49" charset="0"/>
+              </a:rPr>
+              <a:t>inc</a:t>
+            </a:r>
+            <a:r>
+              <a:rPr lang="en-US" dirty="0">
+                <a:solidFill>
+                  <a:schemeClr val="accent6"/>
+                </a:solidFill>
+                <a:latin typeface="Consolas" panose="020B0609020204030204" pitchFamily="49" charset="0"/>
+                <a:ea typeface="Menlo" panose="020B0609030804020204" pitchFamily="49" charset="0"/>
+                <a:cs typeface="Consolas" panose="020B0609020204030204" pitchFamily="49" charset="0"/>
+              </a:rPr>
+              <a:t>())</a:t>
             </a:r>
           </a:p>
           <a:p>
@@ -28682,18 +29944,18 @@
                 <a:ea typeface="Menlo" panose="020B0609030804020204" pitchFamily="49" charset="0"/>
                 <a:cs typeface="Consolas" panose="020B0609020204030204" pitchFamily="49" charset="0"/>
               </a:rPr>
-              <a:t>... </a:t>
-            </a:r>
-            <a:r>
-              <a:rPr lang="en-US" dirty="0">
-                <a:solidFill>
-                  <a:schemeClr val="accent6"/>
-                </a:solidFill>
-                <a:latin typeface="Consolas" panose="020B0609020204030204" pitchFamily="49" charset="0"/>
-                <a:ea typeface="Menlo" panose="020B0609030804020204" pitchFamily="49" charset="0"/>
-                <a:cs typeface="Consolas" panose="020B0609020204030204" pitchFamily="49" charset="0"/>
-              </a:rPr>
-              <a:t>    print(math(5))</a:t>
+              <a:t>...     </a:t>
+            </a:r>
+            <a:r>
+              <a:rPr lang="en-US" dirty="0">
+                <a:solidFill>
+                  <a:schemeClr val="accent6"/>
+                </a:solidFill>
+                <a:latin typeface="Consolas" panose="020B0609020204030204" pitchFamily="49" charset="0"/>
+                <a:ea typeface="Menlo" panose="020B0609030804020204" pitchFamily="49" charset="0"/>
+                <a:cs typeface="Consolas" panose="020B0609020204030204" pitchFamily="49" charset="0"/>
+              </a:rPr>
+              <a:t>count = 0</a:t>
             </a:r>
           </a:p>
           <a:p>
@@ -28706,18 +29968,18 @@
                 <a:ea typeface="Menlo" panose="020B0609030804020204" pitchFamily="49" charset="0"/>
                 <a:cs typeface="Consolas" panose="020B0609020204030204" pitchFamily="49" charset="0"/>
               </a:rPr>
-              <a:t>... </a:t>
-            </a:r>
-            <a:r>
-              <a:rPr lang="en-US" dirty="0">
-                <a:solidFill>
-                  <a:schemeClr val="accent6"/>
-                </a:solidFill>
-                <a:latin typeface="Consolas" panose="020B0609020204030204" pitchFamily="49" charset="0"/>
-                <a:ea typeface="Menlo" panose="020B0609030804020204" pitchFamily="49" charset="0"/>
-                <a:cs typeface="Consolas" panose="020B0609020204030204" pitchFamily="49" charset="0"/>
-              </a:rPr>
-              <a:t>    print(math.__code__.</a:t>
+              <a:t>...     </a:t>
+            </a:r>
+            <a:r>
+              <a:rPr lang="en-US" dirty="0">
+                <a:solidFill>
+                  <a:schemeClr val="accent6"/>
+                </a:solidFill>
+                <a:latin typeface="Consolas" panose="020B0609020204030204" pitchFamily="49" charset="0"/>
+                <a:ea typeface="Menlo" panose="020B0609030804020204" pitchFamily="49" charset="0"/>
+                <a:cs typeface="Consolas" panose="020B0609020204030204" pitchFamily="49" charset="0"/>
+              </a:rPr>
+              <a:t>print(</a:t>
             </a:r>
             <a:r>
               <a:rPr lang="en-US" dirty="0" err="1">
@@ -28728,18 +29990,18 @@
                 <a:ea typeface="Menlo" panose="020B0609030804020204" pitchFamily="49" charset="0"/>
                 <a:cs typeface="Consolas" panose="020B0609020204030204" pitchFamily="49" charset="0"/>
               </a:rPr>
-              <a:t>co_freevars</a:t>
-            </a:r>
-            <a:r>
-              <a:rPr lang="en-US" dirty="0">
-                <a:solidFill>
-                  <a:schemeClr val="accent6"/>
-                </a:solidFill>
-                <a:latin typeface="Consolas" panose="020B0609020204030204" pitchFamily="49" charset="0"/>
-                <a:ea typeface="Menlo" panose="020B0609030804020204" pitchFamily="49" charset="0"/>
-                <a:cs typeface="Consolas" panose="020B0609020204030204" pitchFamily="49" charset="0"/>
-              </a:rPr>
-              <a:t>)</a:t>
+              <a:t>inc</a:t>
+            </a:r>
+            <a:r>
+              <a:rPr lang="en-US" dirty="0">
+                <a:solidFill>
+                  <a:schemeClr val="accent6"/>
+                </a:solidFill>
+                <a:latin typeface="Consolas" panose="020B0609020204030204" pitchFamily="49" charset="0"/>
+                <a:ea typeface="Menlo" panose="020B0609030804020204" pitchFamily="49" charset="0"/>
+                <a:cs typeface="Consolas" panose="020B0609020204030204" pitchFamily="49" charset="0"/>
+              </a:rPr>
+              <a:t>())</a:t>
             </a:r>
           </a:p>
           <a:p>
@@ -28752,16 +30014,63 @@
                 <a:ea typeface="Menlo" panose="020B0609030804020204" pitchFamily="49" charset="0"/>
                 <a:cs typeface="Consolas" panose="020B0609020204030204" pitchFamily="49" charset="0"/>
               </a:rPr>
-              <a:t>...</a:t>
-            </a:r>
-            <a:endParaRPr lang="en-US" dirty="0">
-              <a:solidFill>
-                <a:schemeClr val="accent6"/>
-              </a:solidFill>
-              <a:latin typeface="Consolas" panose="020B0609020204030204" pitchFamily="49" charset="0"/>
-              <a:ea typeface="Menlo" panose="020B0609030804020204" pitchFamily="49" charset="0"/>
-              <a:cs typeface="Consolas" panose="020B0609020204030204" pitchFamily="49" charset="0"/>
-            </a:endParaRPr>
+              <a:t>...     </a:t>
+            </a:r>
+            <a:r>
+              <a:rPr lang="en-US" dirty="0">
+                <a:solidFill>
+                  <a:schemeClr val="accent6"/>
+                </a:solidFill>
+                <a:latin typeface="Consolas" panose="020B0609020204030204" pitchFamily="49" charset="0"/>
+                <a:ea typeface="Menlo" panose="020B0609030804020204" pitchFamily="49" charset="0"/>
+                <a:cs typeface="Consolas" panose="020B0609020204030204" pitchFamily="49" charset="0"/>
+              </a:rPr>
+              <a:t>print(</a:t>
+            </a:r>
+            <a:r>
+              <a:rPr lang="en-US" dirty="0" err="1">
+                <a:solidFill>
+                  <a:schemeClr val="accent6"/>
+                </a:solidFill>
+                <a:latin typeface="Consolas" panose="020B0609020204030204" pitchFamily="49" charset="0"/>
+                <a:ea typeface="Menlo" panose="020B0609030804020204" pitchFamily="49" charset="0"/>
+                <a:cs typeface="Consolas" panose="020B0609020204030204" pitchFamily="49" charset="0"/>
+              </a:rPr>
+              <a:t>inc</a:t>
+            </a:r>
+            <a:r>
+              <a:rPr lang="en-US" dirty="0">
+                <a:solidFill>
+                  <a:schemeClr val="accent6"/>
+                </a:solidFill>
+                <a:latin typeface="Consolas" panose="020B0609020204030204" pitchFamily="49" charset="0"/>
+                <a:ea typeface="Menlo" panose="020B0609030804020204" pitchFamily="49" charset="0"/>
+                <a:cs typeface="Consolas" panose="020B0609020204030204" pitchFamily="49" charset="0"/>
+              </a:rPr>
+              <a:t>.__code__.</a:t>
+            </a:r>
+            <a:r>
+              <a:rPr lang="en-US" dirty="0" err="1">
+                <a:solidFill>
+                  <a:schemeClr val="accent6"/>
+                </a:solidFill>
+                <a:latin typeface="Consolas" panose="020B0609020204030204" pitchFamily="49" charset="0"/>
+                <a:ea typeface="Menlo" panose="020B0609030804020204" pitchFamily="49" charset="0"/>
+                <a:cs typeface="Consolas" panose="020B0609020204030204" pitchFamily="49" charset="0"/>
+              </a:rPr>
+              <a:t>co_freevars</a:t>
+            </a:r>
+            <a:r>
+              <a:rPr lang="en-US" dirty="0">
+                <a:solidFill>
+                  <a:schemeClr val="accent6"/>
+                </a:solidFill>
+                <a:latin typeface="Consolas" panose="020B0609020204030204" pitchFamily="49" charset="0"/>
+                <a:ea typeface="Menlo" panose="020B0609030804020204" pitchFamily="49" charset="0"/>
+                <a:cs typeface="Consolas" panose="020B0609020204030204" pitchFamily="49" charset="0"/>
+              </a:rPr>
+              <a:t>)</a:t>
+            </a:r>
           </a:p>
           <a:p>
             <a:pPr marL="0" indent="0">
@@ -28773,18 +30082,7 @@
                 <a:ea typeface="Menlo" panose="020B0609030804020204" pitchFamily="49" charset="0"/>
                 <a:cs typeface="Consolas" panose="020B0609020204030204" pitchFamily="49" charset="0"/>
               </a:rPr>
-              <a:t>&gt;&gt;&gt; </a:t>
-            </a:r>
-            <a:r>
-              <a:rPr lang="en-US" dirty="0">
-                <a:solidFill>
-                  <a:schemeClr val="accent6"/>
-                </a:solidFill>
-                <a:latin typeface="Consolas" panose="020B0609020204030204" pitchFamily="49" charset="0"/>
-                <a:ea typeface="Menlo" panose="020B0609030804020204" pitchFamily="49" charset="0"/>
-                <a:cs typeface="Consolas" panose="020B0609020204030204" pitchFamily="49" charset="0"/>
-              </a:rPr>
-              <a:t>main()</a:t>
+              <a:t>... </a:t>
             </a:r>
           </a:p>
           <a:p>
@@ -28797,7 +30095,18 @@
                 <a:ea typeface="Menlo" panose="020B0609030804020204" pitchFamily="49" charset="0"/>
                 <a:cs typeface="Consolas" panose="020B0609020204030204" pitchFamily="49" charset="0"/>
               </a:rPr>
-              <a:t>16</a:t>
+              <a:t>&gt;&gt;&gt; </a:t>
+            </a:r>
+            <a:r>
+              <a:rPr lang="en-US" dirty="0">
+                <a:solidFill>
+                  <a:schemeClr val="accent6"/>
+                </a:solidFill>
+                <a:latin typeface="Consolas" panose="020B0609020204030204" pitchFamily="49" charset="0"/>
+                <a:ea typeface="Menlo" panose="020B0609030804020204" pitchFamily="49" charset="0"/>
+                <a:cs typeface="Consolas" panose="020B0609020204030204" pitchFamily="49" charset="0"/>
+              </a:rPr>
+              <a:t>main()</a:t>
             </a:r>
           </a:p>
           <a:p>
@@ -28810,7 +30119,7 @@
                 <a:ea typeface="Menlo" panose="020B0609030804020204" pitchFamily="49" charset="0"/>
                 <a:cs typeface="Consolas" panose="020B0609020204030204" pitchFamily="49" charset="0"/>
               </a:rPr>
-              <a:t>106</a:t>
+              <a:t>1</a:t>
             </a:r>
           </a:p>
           <a:p>
@@ -28823,17 +30132,43 @@
                 <a:ea typeface="Menlo" panose="020B0609030804020204" pitchFamily="49" charset="0"/>
                 <a:cs typeface="Consolas" panose="020B0609020204030204" pitchFamily="49" charset="0"/>
               </a:rPr>
-              <a:t>(‘offset’,)</a:t>
+              <a:t>2</a:t>
+            </a:r>
+          </a:p>
+          <a:p>
+            <a:pPr marL="0" indent="0">
+              <a:buNone/>
+            </a:pPr>
+            <a:r>
+              <a:rPr lang="en-US" dirty="0">
+                <a:latin typeface="Consolas" panose="020B0609020204030204" pitchFamily="49" charset="0"/>
+                <a:ea typeface="Menlo" panose="020B0609030804020204" pitchFamily="49" charset="0"/>
+                <a:cs typeface="Consolas" panose="020B0609020204030204" pitchFamily="49" charset="0"/>
+              </a:rPr>
+              <a:t>1</a:t>
+            </a:r>
+          </a:p>
+          <a:p>
+            <a:pPr marL="0" indent="0">
+              <a:buNone/>
+            </a:pPr>
+            <a:r>
+              <a:rPr lang="en-US" dirty="0">
+                <a:latin typeface="Consolas" panose="020B0609020204030204" pitchFamily="49" charset="0"/>
+                <a:ea typeface="Menlo" panose="020B0609030804020204" pitchFamily="49" charset="0"/>
+                <a:cs typeface="Consolas" panose="020B0609020204030204" pitchFamily="49" charset="0"/>
+              </a:rPr>
+              <a:t>('count',)</a:t>
             </a:r>
           </a:p>
         </p:txBody>
       </p:sp>
       <p:sp>
         <p:nvSpPr>
-          <p:cNvPr id="5" name="Content Placeholder 2">
+          <p:cNvPr id="6" name="Content Placeholder 2">
             <a:extLst>
               <a:ext uri="{FF2B5EF4-FFF2-40B4-BE49-F238E27FC236}">
-                <a16:creationId xmlns:a16="http://schemas.microsoft.com/office/drawing/2014/main" id="{38B5915B-A689-F147-818A-0B19DDB4BD1C}"/>
+                <a16:creationId xmlns:a16="http://schemas.microsoft.com/office/drawing/2014/main" id="{008BF6CA-93E9-D148-AFD5-843A60EB4E5C}"/>
               </a:ext>
             </a:extLst>
           </p:cNvPr>
@@ -28844,21 +30179,22 @@
         </p:nvSpPr>
         <p:spPr>
           <a:xfrm>
-            <a:off x="5965756" y="191386"/>
-            <a:ext cx="4991095" cy="6517758"/>
+            <a:off x="940279" y="4977442"/>
+            <a:ext cx="5484872" cy="1731702"/>
           </a:xfrm>
           <a:prstGeom prst="rect">
             <a:avLst/>
           </a:prstGeom>
+          <a:solidFill>
+            <a:schemeClr val="bg1"/>
+          </a:solidFill>
           <a:ln>
-            <a:solidFill>
-              <a:schemeClr val="tx1"/>
-            </a:solidFill>
+            <a:noFill/>
           </a:ln>
         </p:spPr>
         <p:txBody>
           <a:bodyPr vert="horz" lIns="91440" tIns="45720" rIns="91440" bIns="45720" rtlCol="0">
-            <a:normAutofit fontScale="70000" lnSpcReduction="20000"/>
+            <a:normAutofit/>
           </a:bodyPr>
           <a:lstStyle>
             <a:lvl1pPr marL="384048" indent="-384048" algn="l" defTabSz="914400" rtl="0" eaLnBrk="1" latinLnBrk="0" hangingPunct="1">
@@ -29056,23 +30392,26 @@
               <a:buNone/>
             </a:pPr>
             <a:r>
-              <a:rPr lang="en-US" dirty="0">
-                <a:latin typeface="Consolas" panose="020B0609020204030204" pitchFamily="49" charset="0"/>
-                <a:ea typeface="Menlo" panose="020B0609030804020204" pitchFamily="49" charset="0"/>
-                <a:cs typeface="Consolas" panose="020B0609020204030204" pitchFamily="49" charset="0"/>
-              </a:rPr>
-              <a:t>&gt;&gt;&gt; </a:t>
-            </a:r>
-            <a:r>
-              <a:rPr lang="en-US" dirty="0">
-                <a:solidFill>
-                  <a:schemeClr val="accent6"/>
-                </a:solidFill>
-                <a:latin typeface="Consolas" panose="020B0609020204030204" pitchFamily="49" charset="0"/>
-                <a:ea typeface="Menlo" panose="020B0609030804020204" pitchFamily="49" charset="0"/>
-                <a:cs typeface="Consolas" panose="020B0609020204030204" pitchFamily="49" charset="0"/>
-              </a:rPr>
-              <a:t>count = 0</a:t>
+              <a:rPr lang="en-US" sz="1900" dirty="0" err="1">
+                <a:solidFill>
+                  <a:srgbClr val="FF0000"/>
+                </a:solidFill>
+                <a:latin typeface="Consolas" panose="020B0609020204030204" pitchFamily="49" charset="0"/>
+                <a:ea typeface="Menlo" panose="020B0609030804020204" pitchFamily="49" charset="0"/>
+                <a:cs typeface="Consolas" panose="020B0609020204030204" pitchFamily="49" charset="0"/>
+              </a:rPr>
+              <a:t>UnboundLocalError</a:t>
+            </a:r>
+            <a:r>
+              <a:rPr lang="en-US" sz="1900" dirty="0">
+                <a:solidFill>
+                  <a:srgbClr val="FF0000"/>
+                </a:solidFill>
+                <a:latin typeface="Consolas" panose="020B0609020204030204" pitchFamily="49" charset="0"/>
+                <a:ea typeface="Menlo" panose="020B0609030804020204" pitchFamily="49" charset="0"/>
+                <a:cs typeface="Consolas" panose="020B0609020204030204" pitchFamily="49" charset="0"/>
+              </a:rPr>
+              <a:t>: local variable </a:t>
             </a:r>
           </a:p>
           <a:p>
@@ -29080,136 +30419,7 @@
               <a:buNone/>
             </a:pPr>
             <a:r>
-              <a:rPr lang="en-US" dirty="0">
-                <a:latin typeface="Consolas" panose="020B0609020204030204" pitchFamily="49" charset="0"/>
-                <a:ea typeface="Menlo" panose="020B0609030804020204" pitchFamily="49" charset="0"/>
-                <a:cs typeface="Consolas" panose="020B0609020204030204" pitchFamily="49" charset="0"/>
-              </a:rPr>
-              <a:t>&gt;&gt;&gt; </a:t>
-            </a:r>
-            <a:r>
-              <a:rPr lang="en-US" dirty="0">
-                <a:solidFill>
-                  <a:schemeClr val="accent6"/>
-                </a:solidFill>
-                <a:latin typeface="Consolas" panose="020B0609020204030204" pitchFamily="49" charset="0"/>
-                <a:ea typeface="Menlo" panose="020B0609030804020204" pitchFamily="49" charset="0"/>
-                <a:cs typeface="Consolas" panose="020B0609020204030204" pitchFamily="49" charset="0"/>
-              </a:rPr>
-              <a:t>def </a:t>
-            </a:r>
-            <a:r>
-              <a:rPr lang="en-US" dirty="0" err="1">
-                <a:solidFill>
-                  <a:schemeClr val="accent6"/>
-                </a:solidFill>
-                <a:latin typeface="Consolas" panose="020B0609020204030204" pitchFamily="49" charset="0"/>
-                <a:ea typeface="Menlo" panose="020B0609030804020204" pitchFamily="49" charset="0"/>
-                <a:cs typeface="Consolas" panose="020B0609020204030204" pitchFamily="49" charset="0"/>
-              </a:rPr>
-              <a:t>inc</a:t>
-            </a:r>
-            <a:r>
-              <a:rPr lang="en-US" dirty="0">
-                <a:solidFill>
-                  <a:schemeClr val="accent6"/>
-                </a:solidFill>
-                <a:latin typeface="Consolas" panose="020B0609020204030204" pitchFamily="49" charset="0"/>
-                <a:ea typeface="Menlo" panose="020B0609030804020204" pitchFamily="49" charset="0"/>
-                <a:cs typeface="Consolas" panose="020B0609020204030204" pitchFamily="49" charset="0"/>
-              </a:rPr>
-              <a:t>():</a:t>
-            </a:r>
-          </a:p>
-          <a:p>
-            <a:pPr marL="0" indent="0">
-              <a:buNone/>
-            </a:pPr>
-            <a:r>
-              <a:rPr lang="en-US" dirty="0">
-                <a:latin typeface="Consolas" panose="020B0609020204030204" pitchFamily="49" charset="0"/>
-                <a:ea typeface="Menlo" panose="020B0609030804020204" pitchFamily="49" charset="0"/>
-                <a:cs typeface="Consolas" panose="020B0609020204030204" pitchFamily="49" charset="0"/>
-              </a:rPr>
-              <a:t>...     </a:t>
-            </a:r>
-            <a:r>
-              <a:rPr lang="en-US" dirty="0">
-                <a:solidFill>
-                  <a:schemeClr val="accent6"/>
-                </a:solidFill>
-                <a:latin typeface="Consolas" panose="020B0609020204030204" pitchFamily="49" charset="0"/>
-                <a:ea typeface="Menlo" panose="020B0609030804020204" pitchFamily="49" charset="0"/>
-                <a:cs typeface="Consolas" panose="020B0609020204030204" pitchFamily="49" charset="0"/>
-              </a:rPr>
-              <a:t>count += 1</a:t>
-            </a:r>
-          </a:p>
-          <a:p>
-            <a:pPr marL="0" indent="0">
-              <a:buNone/>
-            </a:pPr>
-            <a:r>
-              <a:rPr lang="en-US" dirty="0">
-                <a:latin typeface="Consolas" panose="020B0609020204030204" pitchFamily="49" charset="0"/>
-                <a:ea typeface="Menlo" panose="020B0609030804020204" pitchFamily="49" charset="0"/>
-                <a:cs typeface="Consolas" panose="020B0609020204030204" pitchFamily="49" charset="0"/>
-              </a:rPr>
-              <a:t>...     </a:t>
-            </a:r>
-            <a:r>
-              <a:rPr lang="en-US" dirty="0">
-                <a:solidFill>
-                  <a:schemeClr val="accent6"/>
-                </a:solidFill>
-                <a:latin typeface="Consolas" panose="020B0609020204030204" pitchFamily="49" charset="0"/>
-                <a:ea typeface="Menlo" panose="020B0609030804020204" pitchFamily="49" charset="0"/>
-                <a:cs typeface="Consolas" panose="020B0609020204030204" pitchFamily="49" charset="0"/>
-              </a:rPr>
-              <a:t>return count</a:t>
-            </a:r>
-          </a:p>
-          <a:p>
-            <a:pPr marL="0" indent="0">
-              <a:buNone/>
-            </a:pPr>
-            <a:r>
-              <a:rPr lang="en-US" dirty="0">
-                <a:latin typeface="Consolas" panose="020B0609020204030204" pitchFamily="49" charset="0"/>
-                <a:ea typeface="Menlo" panose="020B0609030804020204" pitchFamily="49" charset="0"/>
-                <a:cs typeface="Consolas" panose="020B0609020204030204" pitchFamily="49" charset="0"/>
-              </a:rPr>
-              <a:t>&gt;&gt;&gt; </a:t>
-            </a:r>
-            <a:r>
-              <a:rPr lang="en-US" dirty="0" err="1">
-                <a:solidFill>
-                  <a:schemeClr val="accent6"/>
-                </a:solidFill>
-                <a:latin typeface="Consolas" panose="020B0609020204030204" pitchFamily="49" charset="0"/>
-                <a:ea typeface="Menlo" panose="020B0609030804020204" pitchFamily="49" charset="0"/>
-                <a:cs typeface="Consolas" panose="020B0609020204030204" pitchFamily="49" charset="0"/>
-              </a:rPr>
-              <a:t>inc</a:t>
-            </a:r>
-            <a:r>
-              <a:rPr lang="en-US" dirty="0">
-                <a:solidFill>
-                  <a:schemeClr val="accent6"/>
-                </a:solidFill>
-                <a:latin typeface="Consolas" panose="020B0609020204030204" pitchFamily="49" charset="0"/>
-                <a:ea typeface="Menlo" panose="020B0609030804020204" pitchFamily="49" charset="0"/>
-                <a:cs typeface="Consolas" panose="020B0609020204030204" pitchFamily="49" charset="0"/>
-              </a:rPr>
-              <a:t>()</a:t>
-            </a:r>
-          </a:p>
-          <a:p>
-            <a:pPr marL="0" indent="0">
-              <a:buNone/>
-            </a:pPr>
-            <a:r>
-              <a:rPr lang="en-US" dirty="0">
+              <a:rPr lang="en-US" sz="1900" dirty="0">
                 <a:solidFill>
                   <a:srgbClr val="FF0000"/>
                 </a:solidFill>
@@ -29217,475 +30427,8 @@
                 <a:ea typeface="Menlo" panose="020B0609030804020204" pitchFamily="49" charset="0"/>
                 <a:cs typeface="Consolas" panose="020B0609020204030204" pitchFamily="49" charset="0"/>
               </a:rPr>
-              <a:t>Traceback (most recent call last):</a:t>
-            </a:r>
-          </a:p>
-          <a:p>
-            <a:pPr marL="0" indent="0">
-              <a:buNone/>
-            </a:pPr>
-            <a:r>
-              <a:rPr lang="en-US" dirty="0">
-                <a:solidFill>
-                  <a:srgbClr val="FF0000"/>
-                </a:solidFill>
-                <a:latin typeface="Consolas" panose="020B0609020204030204" pitchFamily="49" charset="0"/>
-                <a:ea typeface="Menlo" panose="020B0609030804020204" pitchFamily="49" charset="0"/>
-                <a:cs typeface="Consolas" panose="020B0609020204030204" pitchFamily="49" charset="0"/>
-              </a:rPr>
-              <a:t>  File "&lt;stdin&gt;", line 1, in &lt;module&gt;</a:t>
-            </a:r>
-          </a:p>
-          <a:p>
-            <a:pPr marL="0" indent="0">
-              <a:buNone/>
-            </a:pPr>
-            <a:r>
-              <a:rPr lang="en-US" dirty="0">
-                <a:solidFill>
-                  <a:srgbClr val="FF0000"/>
-                </a:solidFill>
-                <a:latin typeface="Consolas" panose="020B0609020204030204" pitchFamily="49" charset="0"/>
-                <a:ea typeface="Menlo" panose="020B0609030804020204" pitchFamily="49" charset="0"/>
-                <a:cs typeface="Consolas" panose="020B0609020204030204" pitchFamily="49" charset="0"/>
-              </a:rPr>
-              <a:t>  File "&lt;stdin&gt;", line 2, in </a:t>
-            </a:r>
-            <a:r>
-              <a:rPr lang="en-US" dirty="0" err="1">
-                <a:solidFill>
-                  <a:srgbClr val="FF0000"/>
-                </a:solidFill>
-                <a:latin typeface="Consolas" panose="020B0609020204030204" pitchFamily="49" charset="0"/>
-                <a:ea typeface="Menlo" panose="020B0609030804020204" pitchFamily="49" charset="0"/>
-                <a:cs typeface="Consolas" panose="020B0609020204030204" pitchFamily="49" charset="0"/>
-              </a:rPr>
-              <a:t>inc</a:t>
-            </a:r>
-            <a:endParaRPr lang="en-US" dirty="0">
-              <a:solidFill>
-                <a:srgbClr val="FF0000"/>
-              </a:solidFill>
-              <a:latin typeface="Consolas" panose="020B0609020204030204" pitchFamily="49" charset="0"/>
-              <a:ea typeface="Menlo" panose="020B0609030804020204" pitchFamily="49" charset="0"/>
-              <a:cs typeface="Consolas" panose="020B0609020204030204" pitchFamily="49" charset="0"/>
-            </a:endParaRPr>
-          </a:p>
-          <a:p>
-            <a:pPr marL="0" indent="0">
-              <a:buNone/>
-            </a:pPr>
-            <a:r>
-              <a:rPr lang="en-US" dirty="0" err="1">
-                <a:solidFill>
-                  <a:srgbClr val="FF0000"/>
-                </a:solidFill>
-                <a:latin typeface="Consolas" panose="020B0609020204030204" pitchFamily="49" charset="0"/>
-                <a:ea typeface="Menlo" panose="020B0609030804020204" pitchFamily="49" charset="0"/>
-                <a:cs typeface="Consolas" panose="020B0609020204030204" pitchFamily="49" charset="0"/>
-              </a:rPr>
-              <a:t>UnboundLocalError</a:t>
-            </a:r>
-            <a:r>
-              <a:rPr lang="en-US" dirty="0">
-                <a:solidFill>
-                  <a:srgbClr val="FF0000"/>
-                </a:solidFill>
-                <a:latin typeface="Consolas" panose="020B0609020204030204" pitchFamily="49" charset="0"/>
-                <a:ea typeface="Menlo" panose="020B0609030804020204" pitchFamily="49" charset="0"/>
-                <a:cs typeface="Consolas" panose="020B0609020204030204" pitchFamily="49" charset="0"/>
-              </a:rPr>
-              <a:t>: local variable 'count’</a:t>
-            </a:r>
-          </a:p>
-          <a:p>
-            <a:pPr marL="0" indent="0">
-              <a:buNone/>
-            </a:pPr>
-            <a:r>
-              <a:rPr lang="en-US" dirty="0">
-                <a:solidFill>
-                  <a:srgbClr val="FF0000"/>
-                </a:solidFill>
-                <a:latin typeface="Consolas" panose="020B0609020204030204" pitchFamily="49" charset="0"/>
-                <a:ea typeface="Menlo" panose="020B0609030804020204" pitchFamily="49" charset="0"/>
-                <a:cs typeface="Consolas" panose="020B0609020204030204" pitchFamily="49" charset="0"/>
-              </a:rPr>
-              <a:t>referenced before assignment</a:t>
-            </a:r>
-          </a:p>
-          <a:p>
-            <a:pPr marL="0" indent="0">
-              <a:buNone/>
-            </a:pPr>
-            <a:r>
-              <a:rPr lang="en-US" dirty="0">
-                <a:latin typeface="Consolas" panose="020B0609020204030204" pitchFamily="49" charset="0"/>
-                <a:ea typeface="Menlo" panose="020B0609030804020204" pitchFamily="49" charset="0"/>
-                <a:cs typeface="Consolas" panose="020B0609020204030204" pitchFamily="49" charset="0"/>
-              </a:rPr>
-              <a:t>&gt;&gt;&gt; </a:t>
-            </a:r>
-            <a:r>
-              <a:rPr lang="en-US" dirty="0">
-                <a:solidFill>
-                  <a:schemeClr val="accent6"/>
-                </a:solidFill>
-                <a:latin typeface="Consolas" panose="020B0609020204030204" pitchFamily="49" charset="0"/>
-                <a:ea typeface="Menlo" panose="020B0609030804020204" pitchFamily="49" charset="0"/>
-                <a:cs typeface="Consolas" panose="020B0609020204030204" pitchFamily="49" charset="0"/>
-              </a:rPr>
-              <a:t>count = 0</a:t>
-            </a:r>
-          </a:p>
-          <a:p>
-            <a:pPr marL="0" indent="0">
-              <a:buNone/>
-            </a:pPr>
-            <a:r>
-              <a:rPr lang="en-US" dirty="0">
-                <a:latin typeface="Consolas" panose="020B0609020204030204" pitchFamily="49" charset="0"/>
-                <a:ea typeface="Menlo" panose="020B0609030804020204" pitchFamily="49" charset="0"/>
-                <a:cs typeface="Consolas" panose="020B0609020204030204" pitchFamily="49" charset="0"/>
-              </a:rPr>
-              <a:t>&gt;&gt;&gt; </a:t>
-            </a:r>
-            <a:r>
-              <a:rPr lang="en-US" dirty="0">
-                <a:solidFill>
-                  <a:schemeClr val="accent6"/>
-                </a:solidFill>
-                <a:latin typeface="Consolas" panose="020B0609020204030204" pitchFamily="49" charset="0"/>
-                <a:ea typeface="Menlo" panose="020B0609030804020204" pitchFamily="49" charset="0"/>
-                <a:cs typeface="Consolas" panose="020B0609020204030204" pitchFamily="49" charset="0"/>
-              </a:rPr>
-              <a:t>def </a:t>
-            </a:r>
-            <a:r>
-              <a:rPr lang="en-US" dirty="0" err="1">
-                <a:solidFill>
-                  <a:schemeClr val="accent6"/>
-                </a:solidFill>
-                <a:latin typeface="Consolas" panose="020B0609020204030204" pitchFamily="49" charset="0"/>
-                <a:ea typeface="Menlo" panose="020B0609030804020204" pitchFamily="49" charset="0"/>
-                <a:cs typeface="Consolas" panose="020B0609020204030204" pitchFamily="49" charset="0"/>
-              </a:rPr>
-              <a:t>inc</a:t>
-            </a:r>
-            <a:r>
-              <a:rPr lang="en-US" dirty="0">
-                <a:solidFill>
-                  <a:schemeClr val="accent6"/>
-                </a:solidFill>
-                <a:latin typeface="Consolas" panose="020B0609020204030204" pitchFamily="49" charset="0"/>
-                <a:ea typeface="Menlo" panose="020B0609030804020204" pitchFamily="49" charset="0"/>
-                <a:cs typeface="Consolas" panose="020B0609020204030204" pitchFamily="49" charset="0"/>
-              </a:rPr>
-              <a:t>():</a:t>
-            </a:r>
-          </a:p>
-          <a:p>
-            <a:pPr marL="0" indent="0">
-              <a:buNone/>
-            </a:pPr>
-            <a:r>
-              <a:rPr lang="en-US" dirty="0">
-                <a:latin typeface="Consolas" panose="020B0609020204030204" pitchFamily="49" charset="0"/>
-                <a:ea typeface="Menlo" panose="020B0609030804020204" pitchFamily="49" charset="0"/>
-                <a:cs typeface="Consolas" panose="020B0609020204030204" pitchFamily="49" charset="0"/>
-              </a:rPr>
-              <a:t>...</a:t>
-            </a:r>
-            <a:r>
-              <a:rPr lang="en-US" dirty="0">
-                <a:solidFill>
-                  <a:schemeClr val="accent6"/>
-                </a:solidFill>
-                <a:latin typeface="Consolas" panose="020B0609020204030204" pitchFamily="49" charset="0"/>
-                <a:ea typeface="Menlo" panose="020B0609030804020204" pitchFamily="49" charset="0"/>
-                <a:cs typeface="Consolas" panose="020B0609020204030204" pitchFamily="49" charset="0"/>
-              </a:rPr>
-              <a:t>     </a:t>
-            </a:r>
-            <a:r>
-              <a:rPr lang="en-US" dirty="0">
-                <a:solidFill>
-                  <a:srgbClr val="EF00FF"/>
-                </a:solidFill>
-                <a:latin typeface="Consolas" panose="020B0609020204030204" pitchFamily="49" charset="0"/>
-                <a:ea typeface="Menlo" panose="020B0609030804020204" pitchFamily="49" charset="0"/>
-                <a:cs typeface="Consolas" panose="020B0609020204030204" pitchFamily="49" charset="0"/>
-              </a:rPr>
-              <a:t>global</a:t>
-            </a:r>
-            <a:r>
-              <a:rPr lang="en-US" dirty="0">
-                <a:solidFill>
-                  <a:schemeClr val="accent6"/>
-                </a:solidFill>
-                <a:latin typeface="Consolas" panose="020B0609020204030204" pitchFamily="49" charset="0"/>
-                <a:ea typeface="Menlo" panose="020B0609030804020204" pitchFamily="49" charset="0"/>
-                <a:cs typeface="Consolas" panose="020B0609020204030204" pitchFamily="49" charset="0"/>
-              </a:rPr>
-              <a:t> count</a:t>
-            </a:r>
-          </a:p>
-          <a:p>
-            <a:pPr marL="0" indent="0">
-              <a:buNone/>
-            </a:pPr>
-            <a:r>
-              <a:rPr lang="en-US" dirty="0">
-                <a:latin typeface="Consolas" panose="020B0609020204030204" pitchFamily="49" charset="0"/>
-                <a:ea typeface="Menlo" panose="020B0609030804020204" pitchFamily="49" charset="0"/>
-                <a:cs typeface="Consolas" panose="020B0609020204030204" pitchFamily="49" charset="0"/>
-              </a:rPr>
-              <a:t>...     </a:t>
-            </a:r>
-            <a:r>
-              <a:rPr lang="en-US" dirty="0">
-                <a:solidFill>
-                  <a:schemeClr val="accent6"/>
-                </a:solidFill>
-                <a:latin typeface="Consolas" panose="020B0609020204030204" pitchFamily="49" charset="0"/>
-                <a:ea typeface="Menlo" panose="020B0609030804020204" pitchFamily="49" charset="0"/>
-                <a:cs typeface="Consolas" panose="020B0609020204030204" pitchFamily="49" charset="0"/>
-              </a:rPr>
-              <a:t>count += 1</a:t>
-            </a:r>
-          </a:p>
-          <a:p>
-            <a:pPr marL="0" indent="0">
-              <a:buNone/>
-            </a:pPr>
-            <a:r>
-              <a:rPr lang="en-US" dirty="0">
-                <a:latin typeface="Consolas" panose="020B0609020204030204" pitchFamily="49" charset="0"/>
-                <a:ea typeface="Menlo" panose="020B0609030804020204" pitchFamily="49" charset="0"/>
-                <a:cs typeface="Consolas" panose="020B0609020204030204" pitchFamily="49" charset="0"/>
-              </a:rPr>
-              <a:t>...     </a:t>
-            </a:r>
-            <a:r>
-              <a:rPr lang="en-US" dirty="0">
-                <a:solidFill>
-                  <a:schemeClr val="accent6"/>
-                </a:solidFill>
-                <a:latin typeface="Consolas" panose="020B0609020204030204" pitchFamily="49" charset="0"/>
-                <a:ea typeface="Menlo" panose="020B0609030804020204" pitchFamily="49" charset="0"/>
-                <a:cs typeface="Consolas" panose="020B0609020204030204" pitchFamily="49" charset="0"/>
-              </a:rPr>
-              <a:t>return count</a:t>
-            </a:r>
-          </a:p>
-          <a:p>
-            <a:pPr marL="0" indent="0">
-              <a:buNone/>
-            </a:pPr>
-            <a:r>
-              <a:rPr lang="en-US" dirty="0">
-                <a:latin typeface="Consolas" panose="020B0609020204030204" pitchFamily="49" charset="0"/>
-                <a:ea typeface="Menlo" panose="020B0609030804020204" pitchFamily="49" charset="0"/>
-                <a:cs typeface="Consolas" panose="020B0609020204030204" pitchFamily="49" charset="0"/>
-              </a:rPr>
-              <a:t>&gt;&gt;&gt; </a:t>
-            </a:r>
-            <a:r>
-              <a:rPr lang="en-US" dirty="0" err="1">
-                <a:solidFill>
-                  <a:schemeClr val="accent6"/>
-                </a:solidFill>
-                <a:latin typeface="Consolas" panose="020B0609020204030204" pitchFamily="49" charset="0"/>
-                <a:ea typeface="Menlo" panose="020B0609030804020204" pitchFamily="49" charset="0"/>
-                <a:cs typeface="Consolas" panose="020B0609020204030204" pitchFamily="49" charset="0"/>
-              </a:rPr>
-              <a:t>inc</a:t>
-            </a:r>
-            <a:r>
-              <a:rPr lang="en-US" dirty="0">
-                <a:solidFill>
-                  <a:schemeClr val="accent6"/>
-                </a:solidFill>
-                <a:latin typeface="Consolas" panose="020B0609020204030204" pitchFamily="49" charset="0"/>
-                <a:ea typeface="Menlo" panose="020B0609030804020204" pitchFamily="49" charset="0"/>
-                <a:cs typeface="Consolas" panose="020B0609020204030204" pitchFamily="49" charset="0"/>
-              </a:rPr>
-              <a:t>()</a:t>
-            </a:r>
-          </a:p>
-          <a:p>
-            <a:pPr marL="0" indent="0">
-              <a:buNone/>
-            </a:pPr>
-            <a:r>
-              <a:rPr lang="en-US" dirty="0">
-                <a:latin typeface="Consolas" panose="020B0609020204030204" pitchFamily="49" charset="0"/>
-                <a:ea typeface="Menlo" panose="020B0609030804020204" pitchFamily="49" charset="0"/>
-                <a:cs typeface="Consolas" panose="020B0609020204030204" pitchFamily="49" charset="0"/>
-              </a:rPr>
-              <a:t>1</a:t>
-            </a:r>
-          </a:p>
-          <a:p>
-            <a:pPr marL="0" indent="0">
-              <a:buNone/>
-            </a:pPr>
-            <a:r>
-              <a:rPr lang="en-US" dirty="0">
-                <a:latin typeface="Consolas" panose="020B0609020204030204" pitchFamily="49" charset="0"/>
-                <a:ea typeface="Menlo" panose="020B0609030804020204" pitchFamily="49" charset="0"/>
-                <a:cs typeface="Consolas" panose="020B0609020204030204" pitchFamily="49" charset="0"/>
-              </a:rPr>
-              <a:t>&gt;&gt;&gt;</a:t>
-            </a:r>
-            <a:r>
-              <a:rPr lang="en-US" dirty="0">
-                <a:solidFill>
-                  <a:schemeClr val="accent6"/>
-                </a:solidFill>
-                <a:latin typeface="Consolas" panose="020B0609020204030204" pitchFamily="49" charset="0"/>
-                <a:ea typeface="Menlo" panose="020B0609030804020204" pitchFamily="49" charset="0"/>
-                <a:cs typeface="Consolas" panose="020B0609020204030204" pitchFamily="49" charset="0"/>
-              </a:rPr>
-              <a:t> </a:t>
-            </a:r>
-            <a:r>
-              <a:rPr lang="en-US" dirty="0" err="1">
-                <a:solidFill>
-                  <a:schemeClr val="accent6"/>
-                </a:solidFill>
-                <a:latin typeface="Consolas" panose="020B0609020204030204" pitchFamily="49" charset="0"/>
-                <a:ea typeface="Menlo" panose="020B0609030804020204" pitchFamily="49" charset="0"/>
-                <a:cs typeface="Consolas" panose="020B0609020204030204" pitchFamily="49" charset="0"/>
-              </a:rPr>
-              <a:t>inc</a:t>
-            </a:r>
-            <a:r>
-              <a:rPr lang="en-US" dirty="0">
-                <a:solidFill>
-                  <a:schemeClr val="accent6"/>
-                </a:solidFill>
-                <a:latin typeface="Consolas" panose="020B0609020204030204" pitchFamily="49" charset="0"/>
-                <a:ea typeface="Menlo" panose="020B0609030804020204" pitchFamily="49" charset="0"/>
-                <a:cs typeface="Consolas" panose="020B0609020204030204" pitchFamily="49" charset="0"/>
-              </a:rPr>
-              <a:t>.__code__.</a:t>
-            </a:r>
-            <a:r>
-              <a:rPr lang="en-US" dirty="0" err="1">
-                <a:solidFill>
-                  <a:schemeClr val="accent6"/>
-                </a:solidFill>
-                <a:latin typeface="Consolas" panose="020B0609020204030204" pitchFamily="49" charset="0"/>
-                <a:ea typeface="Menlo" panose="020B0609030804020204" pitchFamily="49" charset="0"/>
-                <a:cs typeface="Consolas" panose="020B0609020204030204" pitchFamily="49" charset="0"/>
-              </a:rPr>
-              <a:t>co_freevars</a:t>
-            </a:r>
-            <a:endParaRPr lang="en-US" dirty="0">
-              <a:solidFill>
-                <a:schemeClr val="accent6"/>
-              </a:solidFill>
-              <a:latin typeface="Consolas" panose="020B0609020204030204" pitchFamily="49" charset="0"/>
-              <a:ea typeface="Menlo" panose="020B0609030804020204" pitchFamily="49" charset="0"/>
-              <a:cs typeface="Consolas" panose="020B0609020204030204" pitchFamily="49" charset="0"/>
-            </a:endParaRPr>
-          </a:p>
-          <a:p>
-            <a:pPr marL="0" indent="0">
-              <a:buNone/>
-            </a:pPr>
-            <a:r>
-              <a:rPr lang="en-US" dirty="0">
-                <a:latin typeface="Consolas" panose="020B0609020204030204" pitchFamily="49" charset="0"/>
-                <a:ea typeface="Menlo" panose="020B0609030804020204" pitchFamily="49" charset="0"/>
-                <a:cs typeface="Consolas" panose="020B0609020204030204" pitchFamily="49" charset="0"/>
-              </a:rPr>
-              <a:t>()</a:t>
-            </a:r>
-          </a:p>
-          <a:p>
-            <a:pPr marL="0" indent="0">
-              <a:buNone/>
-            </a:pPr>
-            <a:r>
-              <a:rPr lang="en-US" dirty="0">
-                <a:latin typeface="Consolas" panose="020B0609020204030204" pitchFamily="49" charset="0"/>
-                <a:ea typeface="Menlo" panose="020B0609030804020204" pitchFamily="49" charset="0"/>
-                <a:cs typeface="Consolas" panose="020B0609020204030204" pitchFamily="49" charset="0"/>
-              </a:rPr>
-              <a:t>&gt;&gt;&gt; </a:t>
-            </a:r>
-            <a:r>
-              <a:rPr lang="en-US" dirty="0" err="1">
-                <a:solidFill>
-                  <a:schemeClr val="accent6"/>
-                </a:solidFill>
-                <a:latin typeface="Consolas" panose="020B0609020204030204" pitchFamily="49" charset="0"/>
-                <a:ea typeface="Menlo" panose="020B0609030804020204" pitchFamily="49" charset="0"/>
-                <a:cs typeface="Consolas" panose="020B0609020204030204" pitchFamily="49" charset="0"/>
-              </a:rPr>
-              <a:t>inc</a:t>
-            </a:r>
-            <a:r>
-              <a:rPr lang="en-US" dirty="0">
-                <a:solidFill>
-                  <a:schemeClr val="accent6"/>
-                </a:solidFill>
-                <a:latin typeface="Consolas" panose="020B0609020204030204" pitchFamily="49" charset="0"/>
-                <a:ea typeface="Menlo" panose="020B0609030804020204" pitchFamily="49" charset="0"/>
-                <a:cs typeface="Consolas" panose="020B0609020204030204" pitchFamily="49" charset="0"/>
-              </a:rPr>
-              <a:t>.__</a:t>
-            </a:r>
-            <a:r>
-              <a:rPr lang="en-US" dirty="0" err="1">
-                <a:solidFill>
-                  <a:schemeClr val="accent6"/>
-                </a:solidFill>
-                <a:latin typeface="Consolas" panose="020B0609020204030204" pitchFamily="49" charset="0"/>
-                <a:ea typeface="Menlo" panose="020B0609030804020204" pitchFamily="49" charset="0"/>
-                <a:cs typeface="Consolas" panose="020B0609020204030204" pitchFamily="49" charset="0"/>
-              </a:rPr>
-              <a:t>globals</a:t>
-            </a:r>
-            <a:r>
-              <a:rPr lang="en-US" dirty="0">
-                <a:solidFill>
-                  <a:schemeClr val="accent6"/>
-                </a:solidFill>
-                <a:latin typeface="Consolas" panose="020B0609020204030204" pitchFamily="49" charset="0"/>
-                <a:ea typeface="Menlo" panose="020B0609030804020204" pitchFamily="49" charset="0"/>
-                <a:cs typeface="Consolas" panose="020B0609020204030204" pitchFamily="49" charset="0"/>
-              </a:rPr>
-              <a:t>__</a:t>
-            </a:r>
-          </a:p>
-          <a:p>
-            <a:pPr marL="0" indent="0">
-              <a:buNone/>
-            </a:pPr>
-            <a:r>
-              <a:rPr lang="en-US" dirty="0">
-                <a:latin typeface="Consolas" panose="020B0609020204030204" pitchFamily="49" charset="0"/>
-                <a:ea typeface="Menlo" panose="020B0609030804020204" pitchFamily="49" charset="0"/>
-                <a:cs typeface="Consolas" panose="020B0609020204030204" pitchFamily="49" charset="0"/>
-              </a:rPr>
-              <a:t>{... count : 1, ...}</a:t>
-            </a:r>
-          </a:p>
-          <a:p>
-            <a:pPr marL="0" indent="0">
-              <a:buNone/>
-            </a:pPr>
-            <a:endParaRPr lang="en-US" dirty="0">
-              <a:solidFill>
-                <a:srgbClr val="FF0000"/>
-              </a:solidFill>
-              <a:latin typeface="Consolas" panose="020B0609020204030204" pitchFamily="49" charset="0"/>
-              <a:ea typeface="Menlo" panose="020B0609030804020204" pitchFamily="49" charset="0"/>
-              <a:cs typeface="Consolas" panose="020B0609020204030204" pitchFamily="49" charset="0"/>
-            </a:endParaRPr>
+              <a:t>'count' referenced before assignment</a:t>
+            </a:r>
           </a:p>
         </p:txBody>
       </p:sp>
@@ -29975,7 +30718,7 @@
                                         <p:tgtEl>
                                           <p:spTgt spid="4">
                                             <p:txEl>
-                                              <p:pRg st="3" end="3"/>
+                                              <p:pRg st="4" end="4"/>
                                             </p:txEl>
                                           </p:spTgt>
                                         </p:tgtEl>
@@ -29993,7 +30736,7 @@
                                         <p:tgtEl>
                                           <p:spTgt spid="4">
                                             <p:txEl>
-                                              <p:pRg st="3" end="3"/>
+                                              <p:pRg st="4" end="4"/>
                                             </p:txEl>
                                           </p:spTgt>
                                         </p:tgtEl>
@@ -30036,7 +30779,7 @@
                                         <p:tgtEl>
                                           <p:spTgt spid="4">
                                             <p:txEl>
-                                              <p:pRg st="4" end="4"/>
+                                              <p:pRg st="5" end="5"/>
                                             </p:txEl>
                                           </p:spTgt>
                                         </p:tgtEl>
@@ -30051,49 +30794,6 @@
                                     <p:animEffect transition="in" filter="wipe(left)">
                                       <p:cBhvr>
                                         <p:cTn id="32" dur="500"/>
-                                        <p:tgtEl>
-                                          <p:spTgt spid="4">
-                                            <p:txEl>
-                                              <p:pRg st="4" end="4"/>
-                                            </p:txEl>
-                                          </p:spTgt>
-                                        </p:tgtEl>
-                                      </p:cBhvr>
-                                    </p:animEffect>
-                                  </p:childTnLst>
-                                </p:cTn>
-                              </p:par>
-                              <p:par>
-                                <p:cTn id="33" presetID="22" presetClass="entr" presetSubtype="8" fill="hold" grpId="0" nodeType="withEffect">
-                                  <p:stCondLst>
-                                    <p:cond delay="0"/>
-                                  </p:stCondLst>
-                                  <p:childTnLst>
-                                    <p:set>
-                                      <p:cBhvr>
-                                        <p:cTn id="34" dur="1" fill="hold">
-                                          <p:stCondLst>
-                                            <p:cond delay="0"/>
-                                          </p:stCondLst>
-                                        </p:cTn>
-                                        <p:tgtEl>
-                                          <p:spTgt spid="4">
-                                            <p:txEl>
-                                              <p:pRg st="5" end="5"/>
-                                            </p:txEl>
-                                          </p:spTgt>
-                                        </p:tgtEl>
-                                        <p:attrNameLst>
-                                          <p:attrName>style.visibility</p:attrName>
-                                        </p:attrNameLst>
-                                      </p:cBhvr>
-                                      <p:to>
-                                        <p:strVal val="visible"/>
-                                      </p:to>
-                                    </p:set>
-                                    <p:animEffect transition="in" filter="wipe(left)">
-                                      <p:cBhvr>
-                                        <p:cTn id="35" dur="500"/>
                                         <p:tgtEl>
                                           <p:spTgt spid="4">
                                             <p:txEl>
@@ -30113,26 +30813,26 @@
                     </p:cTn>
                   </p:par>
                   <p:par>
-                    <p:cTn id="36" fill="hold">
+                    <p:cTn id="33" fill="hold">
                       <p:stCondLst>
                         <p:cond delay="indefinite"/>
                       </p:stCondLst>
                       <p:childTnLst>
                         <p:par>
-                          <p:cTn id="37" fill="hold">
+                          <p:cTn id="34" fill="hold">
                             <p:stCondLst>
                               <p:cond delay="0"/>
                             </p:stCondLst>
                             <p:childTnLst>
                               <p:par>
-                                <p:cTn id="38" presetID="22" presetClass="entr" presetSubtype="8" fill="hold" grpId="0" nodeType="clickEffect">
+                                <p:cTn id="35" presetID="22" presetClass="entr" presetSubtype="8" fill="hold" grpId="0" nodeType="clickEffect">
                                   <p:stCondLst>
                                     <p:cond delay="0"/>
                                   </p:stCondLst>
                                   <p:childTnLst>
                                     <p:set>
                                       <p:cBhvr>
-                                        <p:cTn id="39" dur="1" fill="hold">
+                                        <p:cTn id="36" dur="1" fill="hold">
                                           <p:stCondLst>
                                             <p:cond delay="0"/>
                                           </p:stCondLst>
@@ -30154,7 +30854,7 @@
                                     </p:set>
                                     <p:animEffect transition="in" filter="wipe(left)">
                                       <p:cBhvr>
-                                        <p:cTn id="40" dur="500"/>
+                                        <p:cTn id="37" dur="500"/>
                                         <p:tgtEl>
                                           <p:spTgt spid="4">
                                             <p:txEl>
@@ -30174,26 +30874,26 @@
                     </p:cTn>
                   </p:par>
                   <p:par>
-                    <p:cTn id="41" fill="hold">
+                    <p:cTn id="38" fill="hold">
                       <p:stCondLst>
                         <p:cond delay="indefinite"/>
                       </p:stCondLst>
                       <p:childTnLst>
                         <p:par>
-                          <p:cTn id="42" fill="hold">
+                          <p:cTn id="39" fill="hold">
                             <p:stCondLst>
                               <p:cond delay="0"/>
                             </p:stCondLst>
                             <p:childTnLst>
                               <p:par>
-                                <p:cTn id="43" presetID="22" presetClass="entr" presetSubtype="8" fill="hold" grpId="0" nodeType="clickEffect">
+                                <p:cTn id="40" presetID="22" presetClass="entr" presetSubtype="8" fill="hold" grpId="0" nodeType="clickEffect">
                                   <p:stCondLst>
                                     <p:cond delay="0"/>
                                   </p:stCondLst>
                                   <p:childTnLst>
                                     <p:set>
                                       <p:cBhvr>
-                                        <p:cTn id="44" dur="1" fill="hold">
+                                        <p:cTn id="41" dur="1" fill="hold">
                                           <p:stCondLst>
                                             <p:cond delay="0"/>
                                           </p:stCondLst>
@@ -30201,7 +30901,7 @@
                                         <p:tgtEl>
                                           <p:spTgt spid="4">
                                             <p:txEl>
-                                              <p:pRg st="10" end="10"/>
+                                              <p:pRg st="7" end="7"/>
                                             </p:txEl>
                                           </p:spTgt>
                                         </p:tgtEl>
@@ -30215,11 +30915,11 @@
                                     </p:set>
                                     <p:animEffect transition="in" filter="wipe(left)">
                                       <p:cBhvr>
-                                        <p:cTn id="45" dur="500"/>
+                                        <p:cTn id="42" dur="500"/>
                                         <p:tgtEl>
                                           <p:spTgt spid="4">
                                             <p:txEl>
-                                              <p:pRg st="10" end="10"/>
+                                              <p:pRg st="7" end="7"/>
                                             </p:txEl>
                                           </p:spTgt>
                                         </p:tgtEl>
@@ -30235,26 +30935,26 @@
                     </p:cTn>
                   </p:par>
                   <p:par>
-                    <p:cTn id="46" fill="hold">
+                    <p:cTn id="43" fill="hold">
                       <p:stCondLst>
                         <p:cond delay="indefinite"/>
                       </p:stCondLst>
                       <p:childTnLst>
                         <p:par>
-                          <p:cTn id="47" fill="hold">
+                          <p:cTn id="44" fill="hold">
                             <p:stCondLst>
                               <p:cond delay="0"/>
                             </p:stCondLst>
                             <p:childTnLst>
                               <p:par>
-                                <p:cTn id="48" presetID="22" presetClass="entr" presetSubtype="8" fill="hold" grpId="0" nodeType="clickEffect">
+                                <p:cTn id="45" presetID="22" presetClass="entr" presetSubtype="8" fill="hold" grpId="0" nodeType="clickEffect">
                                   <p:stCondLst>
                                     <p:cond delay="0"/>
                                   </p:stCondLst>
                                   <p:childTnLst>
                                     <p:set>
                                       <p:cBhvr>
-                                        <p:cTn id="49" dur="1" fill="hold">
+                                        <p:cTn id="46" dur="1" fill="hold">
                                           <p:stCondLst>
                                             <p:cond delay="0"/>
                                           </p:stCondLst>
@@ -30276,7 +30976,7 @@
                                     </p:set>
                                     <p:animEffect transition="in" filter="wipe(left)">
                                       <p:cBhvr>
-                                        <p:cTn id="50" dur="500"/>
+                                        <p:cTn id="47" dur="500"/>
                                         <p:tgtEl>
                                           <p:spTgt spid="4">
                                             <p:txEl>
@@ -30296,26 +30996,26 @@
                     </p:cTn>
                   </p:par>
                   <p:par>
-                    <p:cTn id="51" fill="hold">
+                    <p:cTn id="48" fill="hold">
                       <p:stCondLst>
                         <p:cond delay="indefinite"/>
                       </p:stCondLst>
                       <p:childTnLst>
                         <p:par>
-                          <p:cTn id="52" fill="hold">
+                          <p:cTn id="49" fill="hold">
                             <p:stCondLst>
                               <p:cond delay="0"/>
                             </p:stCondLst>
                             <p:childTnLst>
                               <p:par>
-                                <p:cTn id="53" presetID="22" presetClass="entr" presetSubtype="8" fill="hold" grpId="0" nodeType="clickEffect">
+                                <p:cTn id="50" presetID="22" presetClass="entr" presetSubtype="8" fill="hold" grpId="0" nodeType="clickEffect">
                                   <p:stCondLst>
                                     <p:cond delay="0"/>
                                   </p:stCondLst>
                                   <p:childTnLst>
                                     <p:set>
                                       <p:cBhvr>
-                                        <p:cTn id="54" dur="1" fill="hold">
+                                        <p:cTn id="51" dur="1" fill="hold">
                                           <p:stCondLst>
                                             <p:cond delay="0"/>
                                           </p:stCondLst>
@@ -30337,7 +31037,7 @@
                                     </p:set>
                                     <p:animEffect transition="in" filter="wipe(left)">
                                       <p:cBhvr>
-                                        <p:cTn id="55" dur="500"/>
+                                        <p:cTn id="52" dur="500"/>
                                         <p:tgtEl>
                                           <p:spTgt spid="4">
                                             <p:txEl>
@@ -30357,34 +31057,73 @@
                     </p:cTn>
                   </p:par>
                   <p:par>
-                    <p:cTn id="56" fill="hold">
+                    <p:cTn id="53" fill="hold">
                       <p:stCondLst>
                         <p:cond delay="indefinite"/>
                       </p:stCondLst>
                       <p:childTnLst>
                         <p:par>
-                          <p:cTn id="57" fill="hold">
+                          <p:cTn id="54" fill="hold">
                             <p:stCondLst>
                               <p:cond delay="0"/>
                             </p:stCondLst>
                             <p:childTnLst>
                               <p:par>
-                                <p:cTn id="58" presetID="22" presetClass="entr" presetSubtype="8" fill="hold" grpId="0" nodeType="clickEffect">
+                                <p:cTn id="55" presetID="22" presetClass="entr" presetSubtype="8" fill="hold" grpId="0" nodeType="clickEffect">
                                   <p:stCondLst>
                                     <p:cond delay="0"/>
                                   </p:stCondLst>
                                   <p:childTnLst>
                                     <p:set>
                                       <p:cBhvr>
+                                        <p:cTn id="56" dur="1" fill="hold">
+                                          <p:stCondLst>
+                                            <p:cond delay="0"/>
+                                          </p:stCondLst>
+                                        </p:cTn>
+                                        <p:tgtEl>
+                                          <p:spTgt spid="6">
+                                            <p:bg/>
+                                          </p:spTgt>
+                                        </p:tgtEl>
+                                        <p:attrNameLst>
+                                          <p:attrName>style.visibility</p:attrName>
+                                        </p:attrNameLst>
+                                      </p:cBhvr>
+                                      <p:to>
+                                        <p:strVal val="visible"/>
+                                      </p:to>
+                                    </p:set>
+                                    <p:animEffect transition="in" filter="wipe(left)">
+                                      <p:cBhvr>
+                                        <p:cTn id="57" dur="500"/>
+                                        <p:tgtEl>
+                                          <p:spTgt spid="6">
+                                            <p:bg/>
+                                          </p:spTgt>
+                                        </p:tgtEl>
+                                      </p:cBhvr>
+                                    </p:animEffect>
+                                  </p:childTnLst>
+                                </p:cTn>
+                              </p:par>
+                              <p:par>
+                                <p:cTn id="58" presetID="22" presetClass="entr" presetSubtype="8" fill="hold" grpId="0" nodeType="withEffect">
+                                  <p:stCondLst>
+                                    <p:cond delay="0"/>
+                                  </p:stCondLst>
+                                  <p:childTnLst>
+                                    <p:set>
+                                      <p:cBhvr>
                                         <p:cTn id="59" dur="1" fill="hold">
                                           <p:stCondLst>
                                             <p:cond delay="0"/>
                                           </p:stCondLst>
                                         </p:cTn>
                                         <p:tgtEl>
-                                          <p:spTgt spid="4">
-                                            <p:txEl>
-                                              <p:pRg st="7" end="7"/>
+                                          <p:spTgt spid="6">
+                                            <p:txEl>
+                                              <p:pRg st="0" end="0"/>
                                             </p:txEl>
                                           </p:spTgt>
                                         </p:tgtEl>
@@ -30400,9 +31139,52 @@
                                       <p:cBhvr>
                                         <p:cTn id="60" dur="500"/>
                                         <p:tgtEl>
-                                          <p:spTgt spid="4">
-                                            <p:txEl>
-                                              <p:pRg st="7" end="7"/>
+                                          <p:spTgt spid="6">
+                                            <p:txEl>
+                                              <p:pRg st="0" end="0"/>
+                                            </p:txEl>
+                                          </p:spTgt>
+                                        </p:tgtEl>
+                                      </p:cBhvr>
+                                    </p:animEffect>
+                                  </p:childTnLst>
+                                </p:cTn>
+                              </p:par>
+                              <p:par>
+                                <p:cTn id="61" presetID="22" presetClass="entr" presetSubtype="8" fill="hold" grpId="0" nodeType="withEffect">
+                                  <p:stCondLst>
+                                    <p:cond delay="0"/>
+                                  </p:stCondLst>
+                                  <p:childTnLst>
+                                    <p:set>
+                                      <p:cBhvr>
+                                        <p:cTn id="62" dur="1" fill="hold">
+                                          <p:stCondLst>
+                                            <p:cond delay="0"/>
+                                          </p:stCondLst>
+                                        </p:cTn>
+                                        <p:tgtEl>
+                                          <p:spTgt spid="6">
+                                            <p:txEl>
+                                              <p:pRg st="1" end="1"/>
+                                            </p:txEl>
+                                          </p:spTgt>
+                                        </p:tgtEl>
+                                        <p:attrNameLst>
+                                          <p:attrName>style.visibility</p:attrName>
+                                        </p:attrNameLst>
+                                      </p:cBhvr>
+                                      <p:to>
+                                        <p:strVal val="visible"/>
+                                      </p:to>
+                                    </p:set>
+                                    <p:animEffect transition="in" filter="wipe(left)">
+                                      <p:cBhvr>
+                                        <p:cTn id="63" dur="500"/>
+                                        <p:tgtEl>
+                                          <p:spTgt spid="6">
+                                            <p:txEl>
+                                              <p:pRg st="1" end="1"/>
                                             </p:txEl>
                                           </p:spTgt>
                                         </p:tgtEl>
@@ -30418,26 +31200,26 @@
                     </p:cTn>
                   </p:par>
                   <p:par>
-                    <p:cTn id="61" fill="hold">
+                    <p:cTn id="64" fill="hold">
                       <p:stCondLst>
                         <p:cond delay="indefinite"/>
                       </p:stCondLst>
                       <p:childTnLst>
                         <p:par>
-                          <p:cTn id="62" fill="hold">
+                          <p:cTn id="65" fill="hold">
                             <p:stCondLst>
                               <p:cond delay="0"/>
                             </p:stCondLst>
                             <p:childTnLst>
                               <p:par>
-                                <p:cTn id="63" presetID="22" presetClass="entr" presetSubtype="8" fill="hold" grpId="0" nodeType="clickEffect">
+                                <p:cTn id="66" presetID="22" presetClass="entr" presetSubtype="8" fill="hold" grpId="0" nodeType="clickEffect">
                                   <p:stCondLst>
                                     <p:cond delay="0"/>
                                   </p:stCondLst>
                                   <p:childTnLst>
                                     <p:set>
                                       <p:cBhvr>
-                                        <p:cTn id="64" dur="1" fill="hold">
+                                        <p:cTn id="67" dur="1" fill="hold">
                                           <p:stCondLst>
                                             <p:cond delay="0"/>
                                           </p:stCondLst>
@@ -30445,7 +31227,7 @@
                                         <p:tgtEl>
                                           <p:spTgt spid="4">
                                             <p:txEl>
-                                              <p:pRg st="8" end="8"/>
+                                              <p:pRg st="3" end="3"/>
                                             </p:txEl>
                                           </p:spTgt>
                                         </p:tgtEl>
@@ -30459,11 +31241,11 @@
                                     </p:set>
                                     <p:animEffect transition="in" filter="wipe(left)">
                                       <p:cBhvr>
-                                        <p:cTn id="65" dur="500"/>
+                                        <p:cTn id="68" dur="500"/>
                                         <p:tgtEl>
                                           <p:spTgt spid="4">
                                             <p:txEl>
-                                              <p:pRg st="8" end="8"/>
+                                              <p:pRg st="3" end="3"/>
                                             </p:txEl>
                                           </p:spTgt>
                                         </p:tgtEl>
@@ -30479,26 +31261,135 @@
                     </p:cTn>
                   </p:par>
                   <p:par>
-                    <p:cTn id="66" fill="hold">
+                    <p:cTn id="69" fill="hold">
                       <p:stCondLst>
                         <p:cond delay="indefinite"/>
                       </p:stCondLst>
                       <p:childTnLst>
                         <p:par>
-                          <p:cTn id="67" fill="hold">
+                          <p:cTn id="70" fill="hold">
                             <p:stCondLst>
                               <p:cond delay="0"/>
                             </p:stCondLst>
                             <p:childTnLst>
                               <p:par>
-                                <p:cTn id="68" presetID="22" presetClass="entr" presetSubtype="8" fill="hold" grpId="0" nodeType="clickEffect">
+                                <p:cTn id="71" presetID="1" presetClass="exit" presetSubtype="0" fill="hold" grpId="1" nodeType="clickEffect">
                                   <p:stCondLst>
                                     <p:cond delay="0"/>
                                   </p:stCondLst>
                                   <p:childTnLst>
                                     <p:set>
                                       <p:cBhvr>
-                                        <p:cTn id="69" dur="1" fill="hold">
+                                        <p:cTn id="72" dur="1" fill="hold">
+                                          <p:stCondLst>
+                                            <p:cond delay="0"/>
+                                          </p:stCondLst>
+                                        </p:cTn>
+                                        <p:tgtEl>
+                                          <p:spTgt spid="6">
+                                            <p:txEl>
+                                              <p:pRg st="0" end="0"/>
+                                            </p:txEl>
+                                          </p:spTgt>
+                                        </p:tgtEl>
+                                        <p:attrNameLst>
+                                          <p:attrName>style.visibility</p:attrName>
+                                        </p:attrNameLst>
+                                      </p:cBhvr>
+                                      <p:to>
+                                        <p:strVal val="hidden"/>
+                                      </p:to>
+                                    </p:set>
+                                  </p:childTnLst>
+                                </p:cTn>
+                              </p:par>
+                              <p:par>
+                                <p:cTn id="73" presetID="1" presetClass="exit" presetSubtype="0" fill="hold" grpId="1" nodeType="withEffect">
+                                  <p:stCondLst>
+                                    <p:cond delay="0"/>
+                                  </p:stCondLst>
+                                  <p:childTnLst>
+                                    <p:set>
+                                      <p:cBhvr>
+                                        <p:cTn id="74" dur="1" fill="hold">
+                                          <p:stCondLst>
+                                            <p:cond delay="0"/>
+                                          </p:stCondLst>
+                                        </p:cTn>
+                                        <p:tgtEl>
+                                          <p:spTgt spid="6">
+                                            <p:txEl>
+                                              <p:pRg st="1" end="1"/>
+                                            </p:txEl>
+                                          </p:spTgt>
+                                        </p:tgtEl>
+                                        <p:attrNameLst>
+                                          <p:attrName>style.visibility</p:attrName>
+                                        </p:attrNameLst>
+                                      </p:cBhvr>
+                                      <p:to>
+                                        <p:strVal val="hidden"/>
+                                      </p:to>
+                                    </p:set>
+                                  </p:childTnLst>
+                                </p:cTn>
+                              </p:par>
+                              <p:par>
+                                <p:cTn id="75" presetID="1" presetClass="exit" presetSubtype="0" fill="hold" grpId="1" nodeType="withEffect">
+                                  <p:stCondLst>
+                                    <p:cond delay="0"/>
+                                  </p:stCondLst>
+                                  <p:childTnLst>
+                                    <p:set>
+                                      <p:cBhvr>
+                                        <p:cTn id="76" dur="1" fill="hold">
+                                          <p:stCondLst>
+                                            <p:cond delay="0"/>
+                                          </p:stCondLst>
+                                        </p:cTn>
+                                        <p:tgtEl>
+                                          <p:spTgt spid="6">
+                                            <p:bg/>
+                                          </p:spTgt>
+                                        </p:tgtEl>
+                                        <p:attrNameLst>
+                                          <p:attrName>style.visibility</p:attrName>
+                                        </p:attrNameLst>
+                                      </p:cBhvr>
+                                      <p:to>
+                                        <p:strVal val="hidden"/>
+                                      </p:to>
+                                    </p:set>
+                                  </p:childTnLst>
+                                </p:cTn>
+                              </p:par>
+                            </p:childTnLst>
+                          </p:cTn>
+                        </p:par>
+                      </p:childTnLst>
+                    </p:cTn>
+                  </p:par>
+                  <p:par>
+                    <p:cTn id="77" fill="hold">
+                      <p:stCondLst>
+                        <p:cond delay="indefinite"/>
+                      </p:stCondLst>
+                      <p:childTnLst>
+                        <p:par>
+                          <p:cTn id="78" fill="hold">
+                            <p:stCondLst>
+                              <p:cond delay="0"/>
+                            </p:stCondLst>
+                            <p:childTnLst>
+                              <p:par>
+                                <p:cTn id="79" presetID="22" presetClass="entr" presetSubtype="8" fill="hold" grpId="0" nodeType="clickEffect">
+                                  <p:stCondLst>
+                                    <p:cond delay="0"/>
+                                  </p:stCondLst>
+                                  <p:childTnLst>
+                                    <p:set>
+                                      <p:cBhvr>
+                                        <p:cTn id="80" dur="1" fill="hold">
                                           <p:stCondLst>
                                             <p:cond delay="0"/>
                                           </p:stCondLst>
@@ -30520,7 +31411,7 @@
                                     </p:set>
                                     <p:animEffect transition="in" filter="wipe(left)">
                                       <p:cBhvr>
-                                        <p:cTn id="70" dur="500"/>
+                                        <p:cTn id="81" dur="500"/>
                                         <p:tgtEl>
                                           <p:spTgt spid="4">
                                             <p:txEl>
@@ -30540,26 +31431,26 @@
                     </p:cTn>
                   </p:par>
                   <p:par>
-                    <p:cTn id="71" fill="hold">
+                    <p:cTn id="82" fill="hold">
                       <p:stCondLst>
                         <p:cond delay="indefinite"/>
                       </p:stCondLst>
                       <p:childTnLst>
                         <p:par>
-                          <p:cTn id="72" fill="hold">
+                          <p:cTn id="83" fill="hold">
                             <p:stCondLst>
                               <p:cond delay="0"/>
                             </p:stCondLst>
                             <p:childTnLst>
                               <p:par>
-                                <p:cTn id="73" presetID="22" presetClass="entr" presetSubtype="8" fill="hold" grpId="0" nodeType="clickEffect">
+                                <p:cTn id="84" presetID="22" presetClass="entr" presetSubtype="8" fill="hold" grpId="0" nodeType="clickEffect">
                                   <p:stCondLst>
                                     <p:cond delay="0"/>
                                   </p:stCondLst>
                                   <p:childTnLst>
                                     <p:set>
                                       <p:cBhvr>
-                                        <p:cTn id="74" dur="1" fill="hold">
+                                        <p:cTn id="85" dur="1" fill="hold">
                                           <p:stCondLst>
                                             <p:cond delay="0"/>
                                           </p:stCondLst>
@@ -30567,7 +31458,7 @@
                                         <p:tgtEl>
                                           <p:spTgt spid="4">
                                             <p:txEl>
-                                              <p:pRg st="9" end="9"/>
+                                              <p:pRg st="14" end="14"/>
                                             </p:txEl>
                                           </p:spTgt>
                                         </p:tgtEl>
@@ -30581,11 +31472,11 @@
                                     </p:set>
                                     <p:animEffect transition="in" filter="wipe(left)">
                                       <p:cBhvr>
-                                        <p:cTn id="75" dur="500"/>
+                                        <p:cTn id="86" dur="500"/>
                                         <p:tgtEl>
                                           <p:spTgt spid="4">
                                             <p:txEl>
-                                              <p:pRg st="9" end="9"/>
+                                              <p:pRg st="14" end="14"/>
                                             </p:txEl>
                                           </p:spTgt>
                                         </p:tgtEl>
@@ -30601,26 +31492,26 @@
                     </p:cTn>
                   </p:par>
                   <p:par>
-                    <p:cTn id="76" fill="hold">
+                    <p:cTn id="87" fill="hold">
                       <p:stCondLst>
                         <p:cond delay="indefinite"/>
                       </p:stCondLst>
                       <p:childTnLst>
                         <p:par>
-                          <p:cTn id="77" fill="hold">
+                          <p:cTn id="88" fill="hold">
                             <p:stCondLst>
                               <p:cond delay="0"/>
                             </p:stCondLst>
                             <p:childTnLst>
                               <p:par>
-                                <p:cTn id="78" presetID="22" presetClass="entr" presetSubtype="8" fill="hold" grpId="0" nodeType="clickEffect">
+                                <p:cTn id="89" presetID="22" presetClass="entr" presetSubtype="8" fill="hold" grpId="0" nodeType="clickEffect">
                                   <p:stCondLst>
                                     <p:cond delay="0"/>
                                   </p:stCondLst>
                                   <p:childTnLst>
                                     <p:set>
                                       <p:cBhvr>
-                                        <p:cTn id="79" dur="1" fill="hold">
+                                        <p:cTn id="90" dur="1" fill="hold">
                                           <p:stCondLst>
                                             <p:cond delay="0"/>
                                           </p:stCondLst>
@@ -30628,7 +31519,7 @@
                                         <p:tgtEl>
                                           <p:spTgt spid="4">
                                             <p:txEl>
-                                              <p:pRg st="14" end="14"/>
+                                              <p:pRg st="8" end="8"/>
                                             </p:txEl>
                                           </p:spTgt>
                                         </p:tgtEl>
@@ -30642,51 +31533,12 @@
                                     </p:set>
                                     <p:animEffect transition="in" filter="wipe(left)">
                                       <p:cBhvr>
-                                        <p:cTn id="80" dur="500"/>
+                                        <p:cTn id="91" dur="500"/>
                                         <p:tgtEl>
                                           <p:spTgt spid="4">
                                             <p:txEl>
-                                              <p:pRg st="14" end="14"/>
-                                            </p:txEl>
-                                          </p:spTgt>
-                                        </p:tgtEl>
-                                      </p:cBhvr>
-                                    </p:animEffect>
-                                  </p:childTnLst>
-                                </p:cTn>
-                              </p:par>
-                              <p:par>
-                                <p:cTn id="81" presetID="22" presetClass="entr" presetSubtype="8" fill="hold" grpId="0" nodeType="withEffect">
-                                  <p:stCondLst>
-                                    <p:cond delay="0"/>
-                                  </p:stCondLst>
-                                  <p:childTnLst>
-                                    <p:set>
-                                      <p:cBhvr>
-                                        <p:cTn id="82" dur="1" fill="hold">
-                                          <p:stCondLst>
-                                            <p:cond delay="0"/>
-                                          </p:stCondLst>
-                                        </p:cTn>
-                                        <p:tgtEl>
-                                          <p:spTgt spid="5">
-                                            <p:bg/>
-                                          </p:spTgt>
-                                        </p:tgtEl>
-                                        <p:attrNameLst>
-                                          <p:attrName>style.visibility</p:attrName>
-                                        </p:attrNameLst>
-                                      </p:cBhvr>
-                                      <p:to>
-                                        <p:strVal val="visible"/>
-                                      </p:to>
-                                    </p:set>
-                                    <p:animEffect transition="in" filter="wipe(left)">
-                                      <p:cBhvr>
-                                        <p:cTn id="83" dur="500"/>
-                                        <p:tgtEl>
-                                          <p:spTgt spid="5">
-                                            <p:bg/>
+                                              <p:pRg st="8" end="8"/>
+                                            </p:txEl>
                                           </p:spTgt>
                                         </p:tgtEl>
                                       </p:cBhvr>
@@ -30701,34 +31553,34 @@
                     </p:cTn>
                   </p:par>
                   <p:par>
-                    <p:cTn id="84" fill="hold">
+                    <p:cTn id="92" fill="hold">
                       <p:stCondLst>
                         <p:cond delay="indefinite"/>
                       </p:stCondLst>
                       <p:childTnLst>
                         <p:par>
-                          <p:cTn id="85" fill="hold">
+                          <p:cTn id="93" fill="hold">
                             <p:stCondLst>
                               <p:cond delay="0"/>
                             </p:stCondLst>
                             <p:childTnLst>
                               <p:par>
-                                <p:cTn id="86" presetID="22" presetClass="entr" presetSubtype="8" fill="hold" grpId="0" nodeType="clickEffect">
+                                <p:cTn id="94" presetID="22" presetClass="entr" presetSubtype="8" fill="hold" grpId="0" nodeType="clickEffect">
                                   <p:stCondLst>
                                     <p:cond delay="0"/>
                                   </p:stCondLst>
                                   <p:childTnLst>
                                     <p:set>
                                       <p:cBhvr>
-                                        <p:cTn id="87" dur="1" fill="hold">
+                                        <p:cTn id="95" dur="1" fill="hold">
                                           <p:stCondLst>
                                             <p:cond delay="0"/>
                                           </p:stCondLst>
                                         </p:cTn>
                                         <p:tgtEl>
-                                          <p:spTgt spid="5">
-                                            <p:txEl>
-                                              <p:pRg st="0" end="0"/>
+                                          <p:spTgt spid="4">
+                                            <p:txEl>
+                                              <p:pRg st="9" end="9"/>
                                             </p:txEl>
                                           </p:spTgt>
                                         </p:tgtEl>
@@ -30742,11 +31594,11 @@
                                     </p:set>
                                     <p:animEffect transition="in" filter="wipe(left)">
                                       <p:cBhvr>
-                                        <p:cTn id="88" dur="500"/>
-                                        <p:tgtEl>
-                                          <p:spTgt spid="5">
-                                            <p:txEl>
-                                              <p:pRg st="0" end="0"/>
+                                        <p:cTn id="96" dur="500"/>
+                                        <p:tgtEl>
+                                          <p:spTgt spid="4">
+                                            <p:txEl>
+                                              <p:pRg st="9" end="9"/>
                                             </p:txEl>
                                           </p:spTgt>
                                         </p:tgtEl>
@@ -30762,34 +31614,34 @@
                     </p:cTn>
                   </p:par>
                   <p:par>
-                    <p:cTn id="89" fill="hold">
+                    <p:cTn id="97" fill="hold">
                       <p:stCondLst>
                         <p:cond delay="indefinite"/>
                       </p:stCondLst>
                       <p:childTnLst>
                         <p:par>
-                          <p:cTn id="90" fill="hold">
+                          <p:cTn id="98" fill="hold">
                             <p:stCondLst>
                               <p:cond delay="0"/>
                             </p:stCondLst>
                             <p:childTnLst>
                               <p:par>
-                                <p:cTn id="91" presetID="22" presetClass="entr" presetSubtype="8" fill="hold" grpId="0" nodeType="clickEffect">
+                                <p:cTn id="99" presetID="22" presetClass="entr" presetSubtype="8" fill="hold" grpId="0" nodeType="clickEffect">
                                   <p:stCondLst>
                                     <p:cond delay="0"/>
                                   </p:stCondLst>
                                   <p:childTnLst>
                                     <p:set>
                                       <p:cBhvr>
-                                        <p:cTn id="92" dur="1" fill="hold">
+                                        <p:cTn id="100" dur="1" fill="hold">
                                           <p:stCondLst>
                                             <p:cond delay="0"/>
                                           </p:stCondLst>
                                         </p:cTn>
                                         <p:tgtEl>
-                                          <p:spTgt spid="5">
-                                            <p:txEl>
-                                              <p:pRg st="1" end="1"/>
+                                          <p:spTgt spid="4">
+                                            <p:txEl>
+                                              <p:pRg st="15" end="15"/>
                                             </p:txEl>
                                           </p:spTgt>
                                         </p:tgtEl>
@@ -30803,11 +31655,11 @@
                                     </p:set>
                                     <p:animEffect transition="in" filter="wipe(left)">
                                       <p:cBhvr>
-                                        <p:cTn id="93" dur="500"/>
-                                        <p:tgtEl>
-                                          <p:spTgt spid="5">
-                                            <p:txEl>
-                                              <p:pRg st="1" end="1"/>
+                                        <p:cTn id="101" dur="500"/>
+                                        <p:tgtEl>
+                                          <p:spTgt spid="4">
+                                            <p:txEl>
+                                              <p:pRg st="15" end="15"/>
                                             </p:txEl>
                                           </p:spTgt>
                                         </p:tgtEl>
@@ -30823,34 +31675,34 @@
                     </p:cTn>
                   </p:par>
                   <p:par>
-                    <p:cTn id="94" fill="hold">
+                    <p:cTn id="102" fill="hold">
                       <p:stCondLst>
                         <p:cond delay="indefinite"/>
                       </p:stCondLst>
                       <p:childTnLst>
                         <p:par>
-                          <p:cTn id="95" fill="hold">
+                          <p:cTn id="103" fill="hold">
                             <p:stCondLst>
                               <p:cond delay="0"/>
                             </p:stCondLst>
                             <p:childTnLst>
                               <p:par>
-                                <p:cTn id="96" presetID="22" presetClass="entr" presetSubtype="8" fill="hold" grpId="0" nodeType="clickEffect">
+                                <p:cTn id="104" presetID="22" presetClass="entr" presetSubtype="8" fill="hold" grpId="0" nodeType="clickEffect">
                                   <p:stCondLst>
                                     <p:cond delay="0"/>
                                   </p:stCondLst>
                                   <p:childTnLst>
                                     <p:set>
                                       <p:cBhvr>
-                                        <p:cTn id="97" dur="1" fill="hold">
+                                        <p:cTn id="105" dur="1" fill="hold">
                                           <p:stCondLst>
                                             <p:cond delay="0"/>
                                           </p:stCondLst>
                                         </p:cTn>
                                         <p:tgtEl>
-                                          <p:spTgt spid="5">
-                                            <p:txEl>
-                                              <p:pRg st="2" end="2"/>
+                                          <p:spTgt spid="4">
+                                            <p:txEl>
+                                              <p:pRg st="10" end="10"/>
                                             </p:txEl>
                                           </p:spTgt>
                                         </p:tgtEl>
@@ -30864,11 +31716,11 @@
                                     </p:set>
                                     <p:animEffect transition="in" filter="wipe(left)">
                                       <p:cBhvr>
-                                        <p:cTn id="98" dur="500"/>
-                                        <p:tgtEl>
-                                          <p:spTgt spid="5">
-                                            <p:txEl>
-                                              <p:pRg st="2" end="2"/>
+                                        <p:cTn id="106" dur="500"/>
+                                        <p:tgtEl>
+                                          <p:spTgt spid="4">
+                                            <p:txEl>
+                                              <p:pRg st="10" end="10"/>
                                             </p:txEl>
                                           </p:spTgt>
                                         </p:tgtEl>
@@ -30884,34 +31736,34 @@
                     </p:cTn>
                   </p:par>
                   <p:par>
-                    <p:cTn id="99" fill="hold">
+                    <p:cTn id="107" fill="hold">
                       <p:stCondLst>
                         <p:cond delay="indefinite"/>
                       </p:stCondLst>
                       <p:childTnLst>
                         <p:par>
-                          <p:cTn id="100" fill="hold">
+                          <p:cTn id="108" fill="hold">
                             <p:stCondLst>
                               <p:cond delay="0"/>
                             </p:stCondLst>
                             <p:childTnLst>
                               <p:par>
-                                <p:cTn id="101" presetID="22" presetClass="entr" presetSubtype="8" fill="hold" grpId="0" nodeType="clickEffect">
+                                <p:cTn id="109" presetID="22" presetClass="entr" presetSubtype="8" fill="hold" grpId="0" nodeType="clickEffect">
                                   <p:stCondLst>
                                     <p:cond delay="0"/>
                                   </p:stCondLst>
                                   <p:childTnLst>
                                     <p:set>
                                       <p:cBhvr>
-                                        <p:cTn id="102" dur="1" fill="hold">
+                                        <p:cTn id="110" dur="1" fill="hold">
                                           <p:stCondLst>
                                             <p:cond delay="0"/>
                                           </p:stCondLst>
                                         </p:cTn>
                                         <p:tgtEl>
-                                          <p:spTgt spid="5">
-                                            <p:txEl>
-                                              <p:pRg st="3" end="3"/>
+                                          <p:spTgt spid="4">
+                                            <p:txEl>
+                                              <p:pRg st="16" end="16"/>
                                             </p:txEl>
                                           </p:spTgt>
                                         </p:tgtEl>
@@ -30925,12 +31777,51 @@
                                     </p:set>
                                     <p:animEffect transition="in" filter="wipe(left)">
                                       <p:cBhvr>
-                                        <p:cTn id="103" dur="500"/>
+                                        <p:cTn id="111" dur="500"/>
+                                        <p:tgtEl>
+                                          <p:spTgt spid="4">
+                                            <p:txEl>
+                                              <p:pRg st="16" end="16"/>
+                                            </p:txEl>
+                                          </p:spTgt>
+                                        </p:tgtEl>
+                                      </p:cBhvr>
+                                    </p:animEffect>
+                                  </p:childTnLst>
+                                </p:cTn>
+                              </p:par>
+                              <p:par>
+                                <p:cTn id="112" presetID="22" presetClass="entr" presetSubtype="8" fill="hold" grpId="0" nodeType="withEffect">
+                                  <p:stCondLst>
+                                    <p:cond delay="0"/>
+                                  </p:stCondLst>
+                                  <p:childTnLst>
+                                    <p:set>
+                                      <p:cBhvr>
+                                        <p:cTn id="113" dur="1" fill="hold">
+                                          <p:stCondLst>
+                                            <p:cond delay="0"/>
+                                          </p:stCondLst>
+                                        </p:cTn>
                                         <p:tgtEl>
                                           <p:spTgt spid="5">
-                                            <p:txEl>
-                                              <p:pRg st="3" end="3"/>
-                                            </p:txEl>
+                                            <p:bg/>
+                                          </p:spTgt>
+                                        </p:tgtEl>
+                                        <p:attrNameLst>
+                                          <p:attrName>style.visibility</p:attrName>
+                                        </p:attrNameLst>
+                                      </p:cBhvr>
+                                      <p:to>
+                                        <p:strVal val="visible"/>
+                                      </p:to>
+                                    </p:set>
+                                    <p:animEffect transition="in" filter="wipe(left)">
+                                      <p:cBhvr>
+                                        <p:cTn id="114" dur="500"/>
+                                        <p:tgtEl>
+                                          <p:spTgt spid="5">
+                                            <p:bg/>
                                           </p:spTgt>
                                         </p:tgtEl>
                                       </p:cBhvr>
@@ -30945,26 +31836,26 @@
                     </p:cTn>
                   </p:par>
                   <p:par>
-                    <p:cTn id="104" fill="hold">
+                    <p:cTn id="115" fill="hold">
                       <p:stCondLst>
                         <p:cond delay="indefinite"/>
                       </p:stCondLst>
                       <p:childTnLst>
                         <p:par>
-                          <p:cTn id="105" fill="hold">
+                          <p:cTn id="116" fill="hold">
                             <p:stCondLst>
                               <p:cond delay="0"/>
                             </p:stCondLst>
                             <p:childTnLst>
                               <p:par>
-                                <p:cTn id="106" presetID="22" presetClass="entr" presetSubtype="8" fill="hold" grpId="0" nodeType="clickEffect">
+                                <p:cTn id="117" presetID="22" presetClass="entr" presetSubtype="8" fill="hold" grpId="0" nodeType="clickEffect">
                                   <p:stCondLst>
                                     <p:cond delay="0"/>
                                   </p:stCondLst>
                                   <p:childTnLst>
                                     <p:set>
                                       <p:cBhvr>
-                                        <p:cTn id="107" dur="1" fill="hold">
+                                        <p:cTn id="118" dur="1" fill="hold">
                                           <p:stCondLst>
                                             <p:cond delay="0"/>
                                           </p:stCondLst>
@@ -30972,7 +31863,7 @@
                                         <p:tgtEl>
                                           <p:spTgt spid="5">
                                             <p:txEl>
-                                              <p:pRg st="4" end="4"/>
+                                              <p:pRg st="0" end="0"/>
                                             </p:txEl>
                                           </p:spTgt>
                                         </p:tgtEl>
@@ -30986,11 +31877,11 @@
                                     </p:set>
                                     <p:animEffect transition="in" filter="wipe(left)">
                                       <p:cBhvr>
-                                        <p:cTn id="108" dur="500"/>
+                                        <p:cTn id="119" dur="500"/>
                                         <p:tgtEl>
                                           <p:spTgt spid="5">
                                             <p:txEl>
-                                              <p:pRg st="4" end="4"/>
+                                              <p:pRg st="0" end="0"/>
                                             </p:txEl>
                                           </p:spTgt>
                                         </p:tgtEl>
@@ -31006,26 +31897,26 @@
                     </p:cTn>
                   </p:par>
                   <p:par>
-                    <p:cTn id="109" fill="hold">
+                    <p:cTn id="120" fill="hold">
                       <p:stCondLst>
                         <p:cond delay="indefinite"/>
                       </p:stCondLst>
                       <p:childTnLst>
                         <p:par>
-                          <p:cTn id="110" fill="hold">
+                          <p:cTn id="121" fill="hold">
                             <p:stCondLst>
                               <p:cond delay="0"/>
                             </p:stCondLst>
                             <p:childTnLst>
                               <p:par>
-                                <p:cTn id="111" presetID="22" presetClass="entr" presetSubtype="8" fill="hold" grpId="0" nodeType="clickEffect">
+                                <p:cTn id="122" presetID="22" presetClass="entr" presetSubtype="8" fill="hold" grpId="0" nodeType="clickEffect">
                                   <p:stCondLst>
                                     <p:cond delay="0"/>
                                   </p:stCondLst>
                                   <p:childTnLst>
                                     <p:set>
                                       <p:cBhvr>
-                                        <p:cTn id="112" dur="1" fill="hold">
+                                        <p:cTn id="123" dur="1" fill="hold">
                                           <p:stCondLst>
                                             <p:cond delay="0"/>
                                           </p:stCondLst>
@@ -31033,7 +31924,7 @@
                                         <p:tgtEl>
                                           <p:spTgt spid="5">
                                             <p:txEl>
-                                              <p:pRg st="5" end="5"/>
+                                              <p:pRg st="1" end="1"/>
                                             </p:txEl>
                                           </p:spTgt>
                                         </p:tgtEl>
@@ -31047,183 +31938,11 @@
                                     </p:set>
                                     <p:animEffect transition="in" filter="wipe(left)">
                                       <p:cBhvr>
-                                        <p:cTn id="113" dur="500"/>
+                                        <p:cTn id="124" dur="500"/>
                                         <p:tgtEl>
                                           <p:spTgt spid="5">
                                             <p:txEl>
-                                              <p:pRg st="5" end="5"/>
-                                            </p:txEl>
-                                          </p:spTgt>
-                                        </p:tgtEl>
-                                      </p:cBhvr>
-                                    </p:animEffect>
-                                  </p:childTnLst>
-                                </p:cTn>
-                              </p:par>
-                              <p:par>
-                                <p:cTn id="114" presetID="22" presetClass="entr" presetSubtype="8" fill="hold" grpId="0" nodeType="withEffect">
-                                  <p:stCondLst>
-                                    <p:cond delay="0"/>
-                                  </p:stCondLst>
-                                  <p:childTnLst>
-                                    <p:set>
-                                      <p:cBhvr>
-                                        <p:cTn id="115" dur="1" fill="hold">
-                                          <p:stCondLst>
-                                            <p:cond delay="0"/>
-                                          </p:stCondLst>
-                                        </p:cTn>
-                                        <p:tgtEl>
-                                          <p:spTgt spid="5">
-                                            <p:txEl>
-                                              <p:pRg st="6" end="6"/>
-                                            </p:txEl>
-                                          </p:spTgt>
-                                        </p:tgtEl>
-                                        <p:attrNameLst>
-                                          <p:attrName>style.visibility</p:attrName>
-                                        </p:attrNameLst>
-                                      </p:cBhvr>
-                                      <p:to>
-                                        <p:strVal val="visible"/>
-                                      </p:to>
-                                    </p:set>
-                                    <p:animEffect transition="in" filter="wipe(left)">
-                                      <p:cBhvr>
-                                        <p:cTn id="116" dur="500"/>
-                                        <p:tgtEl>
-                                          <p:spTgt spid="5">
-                                            <p:txEl>
-                                              <p:pRg st="6" end="6"/>
-                                            </p:txEl>
-                                          </p:spTgt>
-                                        </p:tgtEl>
-                                      </p:cBhvr>
-                                    </p:animEffect>
-                                  </p:childTnLst>
-                                </p:cTn>
-                              </p:par>
-                              <p:par>
-                                <p:cTn id="117" presetID="22" presetClass="entr" presetSubtype="8" fill="hold" grpId="0" nodeType="withEffect">
-                                  <p:stCondLst>
-                                    <p:cond delay="0"/>
-                                  </p:stCondLst>
-                                  <p:childTnLst>
-                                    <p:set>
-                                      <p:cBhvr>
-                                        <p:cTn id="118" dur="1" fill="hold">
-                                          <p:stCondLst>
-                                            <p:cond delay="0"/>
-                                          </p:stCondLst>
-                                        </p:cTn>
-                                        <p:tgtEl>
-                                          <p:spTgt spid="5">
-                                            <p:txEl>
-                                              <p:pRg st="7" end="7"/>
-                                            </p:txEl>
-                                          </p:spTgt>
-                                        </p:tgtEl>
-                                        <p:attrNameLst>
-                                          <p:attrName>style.visibility</p:attrName>
-                                        </p:attrNameLst>
-                                      </p:cBhvr>
-                                      <p:to>
-                                        <p:strVal val="visible"/>
-                                      </p:to>
-                                    </p:set>
-                                    <p:animEffect transition="in" filter="wipe(left)">
-                                      <p:cBhvr>
-                                        <p:cTn id="119" dur="500"/>
-                                        <p:tgtEl>
-                                          <p:spTgt spid="5">
-                                            <p:txEl>
-                                              <p:pRg st="7" end="7"/>
-                                            </p:txEl>
-                                          </p:spTgt>
-                                        </p:tgtEl>
-                                      </p:cBhvr>
-                                    </p:animEffect>
-                                  </p:childTnLst>
-                                </p:cTn>
-                              </p:par>
-                              <p:par>
-                                <p:cTn id="120" presetID="22" presetClass="entr" presetSubtype="8" fill="hold" grpId="0" nodeType="withEffect">
-                                  <p:stCondLst>
-                                    <p:cond delay="0"/>
-                                  </p:stCondLst>
-                                  <p:childTnLst>
-                                    <p:set>
-                                      <p:cBhvr>
-                                        <p:cTn id="121" dur="1" fill="hold">
-                                          <p:stCondLst>
-                                            <p:cond delay="0"/>
-                                          </p:stCondLst>
-                                        </p:cTn>
-                                        <p:tgtEl>
-                                          <p:spTgt spid="5">
-                                            <p:txEl>
-                                              <p:pRg st="8" end="8"/>
-                                            </p:txEl>
-                                          </p:spTgt>
-                                        </p:tgtEl>
-                                        <p:attrNameLst>
-                                          <p:attrName>style.visibility</p:attrName>
-                                        </p:attrNameLst>
-                                      </p:cBhvr>
-                                      <p:to>
-                                        <p:strVal val="visible"/>
-                                      </p:to>
-                                    </p:set>
-                                    <p:animEffect transition="in" filter="wipe(left)">
-                                      <p:cBhvr>
-                                        <p:cTn id="122" dur="500"/>
-                                        <p:tgtEl>
-                                          <p:spTgt spid="5">
-                                            <p:txEl>
-                                              <p:pRg st="8" end="8"/>
-                                            </p:txEl>
-                                          </p:spTgt>
-                                        </p:tgtEl>
-                                      </p:cBhvr>
-                                    </p:animEffect>
-                                  </p:childTnLst>
-                                </p:cTn>
-                              </p:par>
-                              <p:par>
-                                <p:cTn id="123" presetID="22" presetClass="entr" presetSubtype="8" fill="hold" grpId="0" nodeType="withEffect">
-                                  <p:stCondLst>
-                                    <p:cond delay="0"/>
-                                  </p:stCondLst>
-                                  <p:childTnLst>
-                                    <p:set>
-                                      <p:cBhvr>
-                                        <p:cTn id="124" dur="1" fill="hold">
-                                          <p:stCondLst>
-                                            <p:cond delay="0"/>
-                                          </p:stCondLst>
-                                        </p:cTn>
-                                        <p:tgtEl>
-                                          <p:spTgt spid="5">
-                                            <p:txEl>
-                                              <p:pRg st="9" end="9"/>
-                                            </p:txEl>
-                                          </p:spTgt>
-                                        </p:tgtEl>
-                                        <p:attrNameLst>
-                                          <p:attrName>style.visibility</p:attrName>
-                                        </p:attrNameLst>
-                                      </p:cBhvr>
-                                      <p:to>
-                                        <p:strVal val="visible"/>
-                                      </p:to>
-                                    </p:set>
-                                    <p:animEffect transition="in" filter="wipe(left)">
-                                      <p:cBhvr>
-                                        <p:cTn id="125" dur="500"/>
-                                        <p:tgtEl>
-                                          <p:spTgt spid="5">
-                                            <p:txEl>
-                                              <p:pRg st="9" end="9"/>
+                                              <p:pRg st="1" end="1"/>
                                             </p:txEl>
                                           </p:spTgt>
                                         </p:tgtEl>
@@ -31239,26 +31958,26 @@
                     </p:cTn>
                   </p:par>
                   <p:par>
-                    <p:cTn id="126" fill="hold">
+                    <p:cTn id="125" fill="hold">
                       <p:stCondLst>
                         <p:cond delay="indefinite"/>
                       </p:stCondLst>
                       <p:childTnLst>
                         <p:par>
-                          <p:cTn id="127" fill="hold">
+                          <p:cTn id="126" fill="hold">
                             <p:stCondLst>
                               <p:cond delay="0"/>
                             </p:stCondLst>
                             <p:childTnLst>
                               <p:par>
-                                <p:cTn id="128" presetID="22" presetClass="entr" presetSubtype="8" fill="hold" grpId="0" nodeType="clickEffect">
+                                <p:cTn id="127" presetID="22" presetClass="entr" presetSubtype="8" fill="hold" grpId="0" nodeType="clickEffect">
                                   <p:stCondLst>
                                     <p:cond delay="0"/>
                                   </p:stCondLst>
                                   <p:childTnLst>
                                     <p:set>
                                       <p:cBhvr>
-                                        <p:cTn id="129" dur="1" fill="hold">
+                                        <p:cTn id="128" dur="1" fill="hold">
                                           <p:stCondLst>
                                             <p:cond delay="0"/>
                                           </p:stCondLst>
@@ -31266,7 +31985,7 @@
                                         <p:tgtEl>
                                           <p:spTgt spid="5">
                                             <p:txEl>
-                                              <p:pRg st="10" end="10"/>
+                                              <p:pRg st="2" end="2"/>
                                             </p:txEl>
                                           </p:spTgt>
                                         </p:tgtEl>
@@ -31280,11 +31999,11 @@
                                     </p:set>
                                     <p:animEffect transition="in" filter="wipe(left)">
                                       <p:cBhvr>
-                                        <p:cTn id="130" dur="500"/>
+                                        <p:cTn id="129" dur="500"/>
                                         <p:tgtEl>
                                           <p:spTgt spid="5">
                                             <p:txEl>
-                                              <p:pRg st="10" end="10"/>
+                                              <p:pRg st="2" end="2"/>
                                             </p:txEl>
                                           </p:spTgt>
                                         </p:tgtEl>
@@ -31300,26 +32019,26 @@
                     </p:cTn>
                   </p:par>
                   <p:par>
-                    <p:cTn id="131" fill="hold">
+                    <p:cTn id="130" fill="hold">
                       <p:stCondLst>
                         <p:cond delay="indefinite"/>
                       </p:stCondLst>
                       <p:childTnLst>
                         <p:par>
-                          <p:cTn id="132" fill="hold">
+                          <p:cTn id="131" fill="hold">
                             <p:stCondLst>
                               <p:cond delay="0"/>
                             </p:stCondLst>
                             <p:childTnLst>
                               <p:par>
-                                <p:cTn id="133" presetID="22" presetClass="entr" presetSubtype="8" fill="hold" grpId="0" nodeType="clickEffect">
+                                <p:cTn id="132" presetID="22" presetClass="entr" presetSubtype="8" fill="hold" grpId="0" nodeType="clickEffect">
                                   <p:stCondLst>
                                     <p:cond delay="0"/>
                                   </p:stCondLst>
                                   <p:childTnLst>
                                     <p:set>
                                       <p:cBhvr>
-                                        <p:cTn id="134" dur="1" fill="hold">
+                                        <p:cTn id="133" dur="1" fill="hold">
                                           <p:stCondLst>
                                             <p:cond delay="0"/>
                                           </p:stCondLst>
@@ -31327,7 +32046,7 @@
                                         <p:tgtEl>
                                           <p:spTgt spid="5">
                                             <p:txEl>
-                                              <p:pRg st="11" end="11"/>
+                                              <p:pRg st="3" end="3"/>
                                             </p:txEl>
                                           </p:spTgt>
                                         </p:tgtEl>
@@ -31341,11 +32060,11 @@
                                     </p:set>
                                     <p:animEffect transition="in" filter="wipe(left)">
                                       <p:cBhvr>
-                                        <p:cTn id="135" dur="500"/>
+                                        <p:cTn id="134" dur="500"/>
                                         <p:tgtEl>
                                           <p:spTgt spid="5">
                                             <p:txEl>
-                                              <p:pRg st="11" end="11"/>
+                                              <p:pRg st="3" end="3"/>
                                             </p:txEl>
                                           </p:spTgt>
                                         </p:tgtEl>
@@ -31361,26 +32080,26 @@
                     </p:cTn>
                   </p:par>
                   <p:par>
-                    <p:cTn id="136" fill="hold">
+                    <p:cTn id="135" fill="hold">
                       <p:stCondLst>
                         <p:cond delay="indefinite"/>
                       </p:stCondLst>
                       <p:childTnLst>
                         <p:par>
-                          <p:cTn id="137" fill="hold">
+                          <p:cTn id="136" fill="hold">
                             <p:stCondLst>
                               <p:cond delay="0"/>
                             </p:stCondLst>
                             <p:childTnLst>
                               <p:par>
-                                <p:cTn id="138" presetID="22" presetClass="entr" presetSubtype="8" fill="hold" grpId="0" nodeType="clickEffect">
+                                <p:cTn id="137" presetID="22" presetClass="entr" presetSubtype="8" fill="hold" grpId="0" nodeType="clickEffect">
                                   <p:stCondLst>
                                     <p:cond delay="0"/>
                                   </p:stCondLst>
                                   <p:childTnLst>
                                     <p:set>
                                       <p:cBhvr>
-                                        <p:cTn id="139" dur="1" fill="hold">
+                                        <p:cTn id="138" dur="1" fill="hold">
                                           <p:stCondLst>
                                             <p:cond delay="0"/>
                                           </p:stCondLst>
@@ -31388,7 +32107,7 @@
                                         <p:tgtEl>
                                           <p:spTgt spid="5">
                                             <p:txEl>
-                                              <p:pRg st="12" end="12"/>
+                                              <p:pRg st="4" end="4"/>
                                             </p:txEl>
                                           </p:spTgt>
                                         </p:tgtEl>
@@ -31402,11 +32121,11 @@
                                     </p:set>
                                     <p:animEffect transition="in" filter="wipe(left)">
                                       <p:cBhvr>
-                                        <p:cTn id="140" dur="500"/>
+                                        <p:cTn id="139" dur="500"/>
                                         <p:tgtEl>
                                           <p:spTgt spid="5">
                                             <p:txEl>
-                                              <p:pRg st="12" end="12"/>
+                                              <p:pRg st="4" end="4"/>
                                             </p:txEl>
                                           </p:spTgt>
                                         </p:tgtEl>
@@ -31422,26 +32141,26 @@
                     </p:cTn>
                   </p:par>
                   <p:par>
-                    <p:cTn id="141" fill="hold">
+                    <p:cTn id="140" fill="hold">
                       <p:stCondLst>
                         <p:cond delay="indefinite"/>
                       </p:stCondLst>
                       <p:childTnLst>
                         <p:par>
-                          <p:cTn id="142" fill="hold">
+                          <p:cTn id="141" fill="hold">
                             <p:stCondLst>
                               <p:cond delay="0"/>
                             </p:stCondLst>
                             <p:childTnLst>
                               <p:par>
-                                <p:cTn id="143" presetID="22" presetClass="entr" presetSubtype="8" fill="hold" grpId="0" nodeType="clickEffect">
+                                <p:cTn id="142" presetID="22" presetClass="entr" presetSubtype="8" fill="hold" grpId="0" nodeType="clickEffect">
                                   <p:stCondLst>
                                     <p:cond delay="0"/>
                                   </p:stCondLst>
                                   <p:childTnLst>
                                     <p:set>
                                       <p:cBhvr>
-                                        <p:cTn id="144" dur="1" fill="hold">
+                                        <p:cTn id="143" dur="1" fill="hold">
                                           <p:stCondLst>
                                             <p:cond delay="0"/>
                                           </p:stCondLst>
@@ -31449,7 +32168,7 @@
                                         <p:tgtEl>
                                           <p:spTgt spid="5">
                                             <p:txEl>
-                                              <p:pRg st="13" end="13"/>
+                                              <p:pRg st="5" end="5"/>
                                             </p:txEl>
                                           </p:spTgt>
                                         </p:tgtEl>
@@ -31463,54 +32182,11 @@
                                     </p:set>
                                     <p:animEffect transition="in" filter="wipe(left)">
                                       <p:cBhvr>
-                                        <p:cTn id="145" dur="500"/>
+                                        <p:cTn id="144" dur="500"/>
                                         <p:tgtEl>
                                           <p:spTgt spid="5">
                                             <p:txEl>
-                                              <p:pRg st="13" end="13"/>
-                                            </p:txEl>
-                                          </p:spTgt>
-                                        </p:tgtEl>
-                                      </p:cBhvr>
-                                    </p:animEffect>
-                                  </p:childTnLst>
-                                </p:cTn>
-                              </p:par>
-                              <p:par>
-                                <p:cTn id="146" presetID="22" presetClass="entr" presetSubtype="8" fill="hold" grpId="0" nodeType="withEffect">
-                                  <p:stCondLst>
-                                    <p:cond delay="0"/>
-                                  </p:stCondLst>
-                                  <p:childTnLst>
-                                    <p:set>
-                                      <p:cBhvr>
-                                        <p:cTn id="147" dur="1" fill="hold">
-                                          <p:stCondLst>
-                                            <p:cond delay="0"/>
-                                          </p:stCondLst>
-                                        </p:cTn>
-                                        <p:tgtEl>
-                                          <p:spTgt spid="5">
-                                            <p:txEl>
-                                              <p:pRg st="14" end="14"/>
-                                            </p:txEl>
-                                          </p:spTgt>
-                                        </p:tgtEl>
-                                        <p:attrNameLst>
-                                          <p:attrName>style.visibility</p:attrName>
-                                        </p:attrNameLst>
-                                      </p:cBhvr>
-                                      <p:to>
-                                        <p:strVal val="visible"/>
-                                      </p:to>
-                                    </p:set>
-                                    <p:animEffect transition="in" filter="wipe(left)">
-                                      <p:cBhvr>
-                                        <p:cTn id="148" dur="500"/>
-                                        <p:tgtEl>
-                                          <p:spTgt spid="5">
-                                            <p:txEl>
-                                              <p:pRg st="14" end="14"/>
+                                              <p:pRg st="5" end="5"/>
                                             </p:txEl>
                                           </p:spTgt>
                                         </p:tgtEl>
@@ -31526,26 +32202,26 @@
                     </p:cTn>
                   </p:par>
                   <p:par>
-                    <p:cTn id="149" fill="hold">
+                    <p:cTn id="145" fill="hold">
                       <p:stCondLst>
                         <p:cond delay="indefinite"/>
                       </p:stCondLst>
                       <p:childTnLst>
                         <p:par>
-                          <p:cTn id="150" fill="hold">
+                          <p:cTn id="146" fill="hold">
                             <p:stCondLst>
                               <p:cond delay="0"/>
                             </p:stCondLst>
                             <p:childTnLst>
                               <p:par>
-                                <p:cTn id="151" presetID="22" presetClass="entr" presetSubtype="8" fill="hold" grpId="0" nodeType="clickEffect">
+                                <p:cTn id="147" presetID="22" presetClass="entr" presetSubtype="8" fill="hold" grpId="0" nodeType="clickEffect">
                                   <p:stCondLst>
                                     <p:cond delay="0"/>
                                   </p:stCondLst>
                                   <p:childTnLst>
                                     <p:set>
                                       <p:cBhvr>
-                                        <p:cTn id="152" dur="1" fill="hold">
+                                        <p:cTn id="148" dur="1" fill="hold">
                                           <p:stCondLst>
                                             <p:cond delay="0"/>
                                           </p:stCondLst>
@@ -31553,7 +32229,7 @@
                                         <p:tgtEl>
                                           <p:spTgt spid="5">
                                             <p:txEl>
-                                              <p:pRg st="15" end="15"/>
+                                              <p:pRg st="6" end="6"/>
                                             </p:txEl>
                                           </p:spTgt>
                                         </p:tgtEl>
@@ -31567,11 +32243,54 @@
                                     </p:set>
                                     <p:animEffect transition="in" filter="wipe(left)">
                                       <p:cBhvr>
-                                        <p:cTn id="153" dur="500"/>
+                                        <p:cTn id="149" dur="500"/>
                                         <p:tgtEl>
                                           <p:spTgt spid="5">
                                             <p:txEl>
-                                              <p:pRg st="15" end="15"/>
+                                              <p:pRg st="6" end="6"/>
+                                            </p:txEl>
+                                          </p:spTgt>
+                                        </p:tgtEl>
+                                      </p:cBhvr>
+                                    </p:animEffect>
+                                  </p:childTnLst>
+                                </p:cTn>
+                              </p:par>
+                              <p:par>
+                                <p:cTn id="150" presetID="22" presetClass="entr" presetSubtype="8" fill="hold" grpId="0" nodeType="withEffect">
+                                  <p:stCondLst>
+                                    <p:cond delay="0"/>
+                                  </p:stCondLst>
+                                  <p:childTnLst>
+                                    <p:set>
+                                      <p:cBhvr>
+                                        <p:cTn id="151" dur="1" fill="hold">
+                                          <p:stCondLst>
+                                            <p:cond delay="0"/>
+                                          </p:stCondLst>
+                                        </p:cTn>
+                                        <p:tgtEl>
+                                          <p:spTgt spid="5">
+                                            <p:txEl>
+                                              <p:pRg st="7" end="7"/>
+                                            </p:txEl>
+                                          </p:spTgt>
+                                        </p:tgtEl>
+                                        <p:attrNameLst>
+                                          <p:attrName>style.visibility</p:attrName>
+                                        </p:attrNameLst>
+                                      </p:cBhvr>
+                                      <p:to>
+                                        <p:strVal val="visible"/>
+                                      </p:to>
+                                    </p:set>
+                                    <p:animEffect transition="in" filter="wipe(left)">
+                                      <p:cBhvr>
+                                        <p:cTn id="152" dur="500"/>
+                                        <p:tgtEl>
+                                          <p:spTgt spid="5">
+                                            <p:txEl>
+                                              <p:pRg st="7" end="7"/>
                                             </p:txEl>
                                           </p:spTgt>
                                         </p:tgtEl>
@@ -31587,26 +32306,26 @@
                     </p:cTn>
                   </p:par>
                   <p:par>
-                    <p:cTn id="154" fill="hold">
+                    <p:cTn id="153" fill="hold">
                       <p:stCondLst>
                         <p:cond delay="indefinite"/>
                       </p:stCondLst>
                       <p:childTnLst>
                         <p:par>
-                          <p:cTn id="155" fill="hold">
+                          <p:cTn id="154" fill="hold">
                             <p:stCondLst>
                               <p:cond delay="0"/>
                             </p:stCondLst>
                             <p:childTnLst>
                               <p:par>
-                                <p:cTn id="156" presetID="22" presetClass="entr" presetSubtype="8" fill="hold" grpId="0" nodeType="clickEffect">
+                                <p:cTn id="155" presetID="22" presetClass="entr" presetSubtype="8" fill="hold" grpId="0" nodeType="clickEffect">
                                   <p:stCondLst>
                                     <p:cond delay="0"/>
                                   </p:stCondLst>
                                   <p:childTnLst>
                                     <p:set>
                                       <p:cBhvr>
-                                        <p:cTn id="157" dur="1" fill="hold">
+                                        <p:cTn id="156" dur="1" fill="hold">
                                           <p:stCondLst>
                                             <p:cond delay="0"/>
                                           </p:stCondLst>
@@ -31614,7 +32333,7 @@
                                         <p:tgtEl>
                                           <p:spTgt spid="5">
                                             <p:txEl>
-                                              <p:pRg st="16" end="16"/>
+                                              <p:pRg st="8" end="8"/>
                                             </p:txEl>
                                           </p:spTgt>
                                         </p:tgtEl>
@@ -31628,11 +32347,11 @@
                                     </p:set>
                                     <p:animEffect transition="in" filter="wipe(left)">
                                       <p:cBhvr>
-                                        <p:cTn id="158" dur="500"/>
+                                        <p:cTn id="157" dur="500"/>
                                         <p:tgtEl>
                                           <p:spTgt spid="5">
                                             <p:txEl>
-                                              <p:pRg st="16" end="16"/>
+                                              <p:pRg st="8" end="8"/>
                                             </p:txEl>
                                           </p:spTgt>
                                         </p:tgtEl>
@@ -31648,26 +32367,26 @@
                     </p:cTn>
                   </p:par>
                   <p:par>
-                    <p:cTn id="159" fill="hold">
+                    <p:cTn id="158" fill="hold">
                       <p:stCondLst>
                         <p:cond delay="indefinite"/>
                       </p:stCondLst>
                       <p:childTnLst>
                         <p:par>
-                          <p:cTn id="160" fill="hold">
+                          <p:cTn id="159" fill="hold">
                             <p:stCondLst>
                               <p:cond delay="0"/>
                             </p:stCondLst>
                             <p:childTnLst>
                               <p:par>
-                                <p:cTn id="161" presetID="22" presetClass="entr" presetSubtype="8" fill="hold" grpId="0" nodeType="clickEffect">
+                                <p:cTn id="160" presetID="22" presetClass="entr" presetSubtype="8" fill="hold" grpId="0" nodeType="clickEffect">
                                   <p:stCondLst>
                                     <p:cond delay="0"/>
                                   </p:stCondLst>
                                   <p:childTnLst>
                                     <p:set>
                                       <p:cBhvr>
-                                        <p:cTn id="162" dur="1" fill="hold">
+                                        <p:cTn id="161" dur="1" fill="hold">
                                           <p:stCondLst>
                                             <p:cond delay="0"/>
                                           </p:stCondLst>
@@ -31675,7 +32394,7 @@
                                         <p:tgtEl>
                                           <p:spTgt spid="5">
                                             <p:txEl>
-                                              <p:pRg st="17" end="17"/>
+                                              <p:pRg st="9" end="9"/>
                                             </p:txEl>
                                           </p:spTgt>
                                         </p:tgtEl>
@@ -31689,11 +32408,11 @@
                                     </p:set>
                                     <p:animEffect transition="in" filter="wipe(left)">
                                       <p:cBhvr>
-                                        <p:cTn id="163" dur="500"/>
+                                        <p:cTn id="162" dur="500"/>
                                         <p:tgtEl>
                                           <p:spTgt spid="5">
                                             <p:txEl>
-                                              <p:pRg st="17" end="17"/>
+                                              <p:pRg st="9" end="9"/>
                                             </p:txEl>
                                           </p:spTgt>
                                         </p:tgtEl>
@@ -31709,26 +32428,26 @@
                     </p:cTn>
                   </p:par>
                   <p:par>
-                    <p:cTn id="164" fill="hold">
+                    <p:cTn id="163" fill="hold">
                       <p:stCondLst>
                         <p:cond delay="indefinite"/>
                       </p:stCondLst>
                       <p:childTnLst>
                         <p:par>
-                          <p:cTn id="165" fill="hold">
+                          <p:cTn id="164" fill="hold">
                             <p:stCondLst>
                               <p:cond delay="0"/>
                             </p:stCondLst>
                             <p:childTnLst>
                               <p:par>
-                                <p:cTn id="166" presetID="22" presetClass="entr" presetSubtype="8" fill="hold" grpId="0" nodeType="clickEffect">
+                                <p:cTn id="165" presetID="22" presetClass="entr" presetSubtype="8" fill="hold" grpId="0" nodeType="clickEffect">
                                   <p:stCondLst>
                                     <p:cond delay="0"/>
                                   </p:stCondLst>
                                   <p:childTnLst>
                                     <p:set>
                                       <p:cBhvr>
-                                        <p:cTn id="167" dur="1" fill="hold">
+                                        <p:cTn id="166" dur="1" fill="hold">
                                           <p:stCondLst>
                                             <p:cond delay="0"/>
                                           </p:stCondLst>
@@ -31736,7 +32455,7 @@
                                         <p:tgtEl>
                                           <p:spTgt spid="5">
                                             <p:txEl>
-                                              <p:pRg st="18" end="18"/>
+                                              <p:pRg st="10" end="10"/>
                                             </p:txEl>
                                           </p:spTgt>
                                         </p:tgtEl>
@@ -31750,11 +32469,54 @@
                                     </p:set>
                                     <p:animEffect transition="in" filter="wipe(left)">
                                       <p:cBhvr>
-                                        <p:cTn id="168" dur="500"/>
+                                        <p:cTn id="167" dur="500"/>
                                         <p:tgtEl>
                                           <p:spTgt spid="5">
                                             <p:txEl>
-                                              <p:pRg st="18" end="18"/>
+                                              <p:pRg st="10" end="10"/>
+                                            </p:txEl>
+                                          </p:spTgt>
+                                        </p:tgtEl>
+                                      </p:cBhvr>
+                                    </p:animEffect>
+                                  </p:childTnLst>
+                                </p:cTn>
+                              </p:par>
+                              <p:par>
+                                <p:cTn id="168" presetID="22" presetClass="entr" presetSubtype="8" fill="hold" grpId="0" nodeType="withEffect">
+                                  <p:stCondLst>
+                                    <p:cond delay="0"/>
+                                  </p:stCondLst>
+                                  <p:childTnLst>
+                                    <p:set>
+                                      <p:cBhvr>
+                                        <p:cTn id="169" dur="1" fill="hold">
+                                          <p:stCondLst>
+                                            <p:cond delay="0"/>
+                                          </p:stCondLst>
+                                        </p:cTn>
+                                        <p:tgtEl>
+                                          <p:spTgt spid="5">
+                                            <p:txEl>
+                                              <p:pRg st="11" end="11"/>
+                                            </p:txEl>
+                                          </p:spTgt>
+                                        </p:tgtEl>
+                                        <p:attrNameLst>
+                                          <p:attrName>style.visibility</p:attrName>
+                                        </p:attrNameLst>
+                                      </p:cBhvr>
+                                      <p:to>
+                                        <p:strVal val="visible"/>
+                                      </p:to>
+                                    </p:set>
+                                    <p:animEffect transition="in" filter="wipe(left)">
+                                      <p:cBhvr>
+                                        <p:cTn id="170" dur="500"/>
+                                        <p:tgtEl>
+                                          <p:spTgt spid="5">
+                                            <p:txEl>
+                                              <p:pRg st="11" end="11"/>
                                             </p:txEl>
                                           </p:spTgt>
                                         </p:tgtEl>
@@ -31770,26 +32532,26 @@
                     </p:cTn>
                   </p:par>
                   <p:par>
-                    <p:cTn id="169" fill="hold">
+                    <p:cTn id="171" fill="hold">
                       <p:stCondLst>
                         <p:cond delay="indefinite"/>
                       </p:stCondLst>
                       <p:childTnLst>
                         <p:par>
-                          <p:cTn id="170" fill="hold">
+                          <p:cTn id="172" fill="hold">
                             <p:stCondLst>
                               <p:cond delay="0"/>
                             </p:stCondLst>
                             <p:childTnLst>
                               <p:par>
-                                <p:cTn id="171" presetID="22" presetClass="entr" presetSubtype="8" fill="hold" grpId="0" nodeType="clickEffect">
+                                <p:cTn id="173" presetID="22" presetClass="entr" presetSubtype="8" fill="hold" grpId="0" nodeType="clickEffect">
                                   <p:stCondLst>
                                     <p:cond delay="0"/>
                                   </p:stCondLst>
                                   <p:childTnLst>
                                     <p:set>
                                       <p:cBhvr>
-                                        <p:cTn id="172" dur="1" fill="hold">
+                                        <p:cTn id="174" dur="1" fill="hold">
                                           <p:stCondLst>
                                             <p:cond delay="0"/>
                                           </p:stCondLst>
@@ -31797,7 +32559,7 @@
                                         <p:tgtEl>
                                           <p:spTgt spid="5">
                                             <p:txEl>
-                                              <p:pRg st="19" end="19"/>
+                                              <p:pRg st="12" end="12"/>
                                             </p:txEl>
                                           </p:spTgt>
                                         </p:tgtEl>
@@ -31811,11 +32573,11 @@
                                     </p:set>
                                     <p:animEffect transition="in" filter="wipe(left)">
                                       <p:cBhvr>
-                                        <p:cTn id="173" dur="500"/>
+                                        <p:cTn id="175" dur="500"/>
                                         <p:tgtEl>
                                           <p:spTgt spid="5">
                                             <p:txEl>
-                                              <p:pRg st="19" end="19"/>
+                                              <p:pRg st="12" end="12"/>
                                             </p:txEl>
                                           </p:spTgt>
                                         </p:tgtEl>
@@ -31831,26 +32593,26 @@
                     </p:cTn>
                   </p:par>
                   <p:par>
-                    <p:cTn id="174" fill="hold">
+                    <p:cTn id="176" fill="hold">
                       <p:stCondLst>
                         <p:cond delay="indefinite"/>
                       </p:stCondLst>
                       <p:childTnLst>
                         <p:par>
-                          <p:cTn id="175" fill="hold">
+                          <p:cTn id="177" fill="hold">
                             <p:stCondLst>
                               <p:cond delay="0"/>
                             </p:stCondLst>
                             <p:childTnLst>
                               <p:par>
-                                <p:cTn id="176" presetID="22" presetClass="entr" presetSubtype="8" fill="hold" grpId="0" nodeType="clickEffect">
+                                <p:cTn id="178" presetID="22" presetClass="entr" presetSubtype="8" fill="hold" grpId="0" nodeType="clickEffect">
                                   <p:stCondLst>
                                     <p:cond delay="0"/>
                                   </p:stCondLst>
                                   <p:childTnLst>
                                     <p:set>
                                       <p:cBhvr>
-                                        <p:cTn id="177" dur="1" fill="hold">
+                                        <p:cTn id="179" dur="1" fill="hold">
                                           <p:stCondLst>
                                             <p:cond delay="0"/>
                                           </p:stCondLst>
@@ -31858,7 +32620,7 @@
                                         <p:tgtEl>
                                           <p:spTgt spid="5">
                                             <p:txEl>
-                                              <p:pRg st="20" end="20"/>
+                                              <p:pRg st="13" end="13"/>
                                             </p:txEl>
                                           </p:spTgt>
                                         </p:tgtEl>
@@ -31872,11 +32634,255 @@
                                     </p:set>
                                     <p:animEffect transition="in" filter="wipe(left)">
                                       <p:cBhvr>
-                                        <p:cTn id="178" dur="500"/>
+                                        <p:cTn id="180" dur="500"/>
                                         <p:tgtEl>
                                           <p:spTgt spid="5">
                                             <p:txEl>
-                                              <p:pRg st="20" end="20"/>
+                                              <p:pRg st="13" end="13"/>
+                                            </p:txEl>
+                                          </p:spTgt>
+                                        </p:tgtEl>
+                                      </p:cBhvr>
+                                    </p:animEffect>
+                                  </p:childTnLst>
+                                </p:cTn>
+                              </p:par>
+                            </p:childTnLst>
+                          </p:cTn>
+                        </p:par>
+                      </p:childTnLst>
+                    </p:cTn>
+                  </p:par>
+                  <p:par>
+                    <p:cTn id="181" fill="hold">
+                      <p:stCondLst>
+                        <p:cond delay="indefinite"/>
+                      </p:stCondLst>
+                      <p:childTnLst>
+                        <p:par>
+                          <p:cTn id="182" fill="hold">
+                            <p:stCondLst>
+                              <p:cond delay="0"/>
+                            </p:stCondLst>
+                            <p:childTnLst>
+                              <p:par>
+                                <p:cTn id="183" presetID="22" presetClass="entr" presetSubtype="8" fill="hold" grpId="0" nodeType="clickEffect">
+                                  <p:stCondLst>
+                                    <p:cond delay="0"/>
+                                  </p:stCondLst>
+                                  <p:childTnLst>
+                                    <p:set>
+                                      <p:cBhvr>
+                                        <p:cTn id="184" dur="1" fill="hold">
+                                          <p:stCondLst>
+                                            <p:cond delay="0"/>
+                                          </p:stCondLst>
+                                        </p:cTn>
+                                        <p:tgtEl>
+                                          <p:spTgt spid="5">
+                                            <p:txEl>
+                                              <p:pRg st="14" end="14"/>
+                                            </p:txEl>
+                                          </p:spTgt>
+                                        </p:tgtEl>
+                                        <p:attrNameLst>
+                                          <p:attrName>style.visibility</p:attrName>
+                                        </p:attrNameLst>
+                                      </p:cBhvr>
+                                      <p:to>
+                                        <p:strVal val="visible"/>
+                                      </p:to>
+                                    </p:set>
+                                    <p:animEffect transition="in" filter="wipe(left)">
+                                      <p:cBhvr>
+                                        <p:cTn id="185" dur="500"/>
+                                        <p:tgtEl>
+                                          <p:spTgt spid="5">
+                                            <p:txEl>
+                                              <p:pRg st="14" end="14"/>
+                                            </p:txEl>
+                                          </p:spTgt>
+                                        </p:tgtEl>
+                                      </p:cBhvr>
+                                    </p:animEffect>
+                                  </p:childTnLst>
+                                </p:cTn>
+                              </p:par>
+                            </p:childTnLst>
+                          </p:cTn>
+                        </p:par>
+                      </p:childTnLst>
+                    </p:cTn>
+                  </p:par>
+                  <p:par>
+                    <p:cTn id="186" fill="hold">
+                      <p:stCondLst>
+                        <p:cond delay="indefinite"/>
+                      </p:stCondLst>
+                      <p:childTnLst>
+                        <p:par>
+                          <p:cTn id="187" fill="hold">
+                            <p:stCondLst>
+                              <p:cond delay="0"/>
+                            </p:stCondLst>
+                            <p:childTnLst>
+                              <p:par>
+                                <p:cTn id="188" presetID="22" presetClass="entr" presetSubtype="8" fill="hold" grpId="0" nodeType="clickEffect">
+                                  <p:stCondLst>
+                                    <p:cond delay="0"/>
+                                  </p:stCondLst>
+                                  <p:childTnLst>
+                                    <p:set>
+                                      <p:cBhvr>
+                                        <p:cTn id="189" dur="1" fill="hold">
+                                          <p:stCondLst>
+                                            <p:cond delay="0"/>
+                                          </p:stCondLst>
+                                        </p:cTn>
+                                        <p:tgtEl>
+                                          <p:spTgt spid="5">
+                                            <p:txEl>
+                                              <p:pRg st="15" end="15"/>
+                                            </p:txEl>
+                                          </p:spTgt>
+                                        </p:tgtEl>
+                                        <p:attrNameLst>
+                                          <p:attrName>style.visibility</p:attrName>
+                                        </p:attrNameLst>
+                                      </p:cBhvr>
+                                      <p:to>
+                                        <p:strVal val="visible"/>
+                                      </p:to>
+                                    </p:set>
+                                    <p:animEffect transition="in" filter="wipe(left)">
+                                      <p:cBhvr>
+                                        <p:cTn id="190" dur="500"/>
+                                        <p:tgtEl>
+                                          <p:spTgt spid="5">
+                                            <p:txEl>
+                                              <p:pRg st="15" end="15"/>
+                                            </p:txEl>
+                                          </p:spTgt>
+                                        </p:tgtEl>
+                                      </p:cBhvr>
+                                    </p:animEffect>
+                                  </p:childTnLst>
+                                </p:cTn>
+                              </p:par>
+                            </p:childTnLst>
+                          </p:cTn>
+                        </p:par>
+                      </p:childTnLst>
+                    </p:cTn>
+                  </p:par>
+                  <p:par>
+                    <p:cTn id="191" fill="hold">
+                      <p:stCondLst>
+                        <p:cond delay="indefinite"/>
+                      </p:stCondLst>
+                      <p:childTnLst>
+                        <p:par>
+                          <p:cTn id="192" fill="hold">
+                            <p:stCondLst>
+                              <p:cond delay="0"/>
+                            </p:stCondLst>
+                            <p:childTnLst>
+                              <p:par>
+                                <p:cTn id="193" presetID="22" presetClass="entr" presetSubtype="8" fill="hold" grpId="0" nodeType="clickEffect">
+                                  <p:stCondLst>
+                                    <p:cond delay="0"/>
+                                  </p:stCondLst>
+                                  <p:childTnLst>
+                                    <p:set>
+                                      <p:cBhvr>
+                                        <p:cTn id="194" dur="1" fill="hold">
+                                          <p:stCondLst>
+                                            <p:cond delay="0"/>
+                                          </p:stCondLst>
+                                        </p:cTn>
+                                        <p:tgtEl>
+                                          <p:spTgt spid="5">
+                                            <p:txEl>
+                                              <p:pRg st="16" end="16"/>
+                                            </p:txEl>
+                                          </p:spTgt>
+                                        </p:tgtEl>
+                                        <p:attrNameLst>
+                                          <p:attrName>style.visibility</p:attrName>
+                                        </p:attrNameLst>
+                                      </p:cBhvr>
+                                      <p:to>
+                                        <p:strVal val="visible"/>
+                                      </p:to>
+                                    </p:set>
+                                    <p:animEffect transition="in" filter="wipe(left)">
+                                      <p:cBhvr>
+                                        <p:cTn id="195" dur="500"/>
+                                        <p:tgtEl>
+                                          <p:spTgt spid="5">
+                                            <p:txEl>
+                                              <p:pRg st="16" end="16"/>
+                                            </p:txEl>
+                                          </p:spTgt>
+                                        </p:tgtEl>
+                                      </p:cBhvr>
+                                    </p:animEffect>
+                                  </p:childTnLst>
+                                </p:cTn>
+                              </p:par>
+                            </p:childTnLst>
+                          </p:cTn>
+                        </p:par>
+                      </p:childTnLst>
+                    </p:cTn>
+                  </p:par>
+                  <p:par>
+                    <p:cTn id="196" fill="hold">
+                      <p:stCondLst>
+                        <p:cond delay="indefinite"/>
+                      </p:stCondLst>
+                      <p:childTnLst>
+                        <p:par>
+                          <p:cTn id="197" fill="hold">
+                            <p:stCondLst>
+                              <p:cond delay="0"/>
+                            </p:stCondLst>
+                            <p:childTnLst>
+                              <p:par>
+                                <p:cTn id="198" presetID="22" presetClass="entr" presetSubtype="8" fill="hold" grpId="0" nodeType="clickEffect">
+                                  <p:stCondLst>
+                                    <p:cond delay="0"/>
+                                  </p:stCondLst>
+                                  <p:childTnLst>
+                                    <p:set>
+                                      <p:cBhvr>
+                                        <p:cTn id="199" dur="1" fill="hold">
+                                          <p:stCondLst>
+                                            <p:cond delay="0"/>
+                                          </p:stCondLst>
+                                        </p:cTn>
+                                        <p:tgtEl>
+                                          <p:spTgt spid="5">
+                                            <p:txEl>
+                                              <p:pRg st="17" end="17"/>
+                                            </p:txEl>
+                                          </p:spTgt>
+                                        </p:tgtEl>
+                                        <p:attrNameLst>
+                                          <p:attrName>style.visibility</p:attrName>
+                                        </p:attrNameLst>
+                                      </p:cBhvr>
+                                      <p:to>
+                                        <p:strVal val="visible"/>
+                                      </p:to>
+                                    </p:set>
+                                    <p:animEffect transition="in" filter="wipe(left)">
+                                      <p:cBhvr>
+                                        <p:cTn id="200" dur="500"/>
+                                        <p:tgtEl>
+                                          <p:spTgt spid="5">
+                                            <p:txEl>
+                                              <p:pRg st="17" end="17"/>
                                             </p:txEl>
                                           </p:spTgt>
                                         </p:tgtEl>
@@ -31913,8 +32919,10 @@
       </p:par>
     </p:tnLst>
     <p:bldLst>
+      <p:bldP spid="5" grpId="0" uiExpand="1" build="p" animBg="1"/>
       <p:bldP spid="4" grpId="0" uiExpand="1" build="p" animBg="1"/>
-      <p:bldP spid="5" grpId="0" uiExpand="1" build="p" animBg="1"/>
+      <p:bldP spid="6" grpId="0" build="p" animBg="1"/>
+      <p:bldP spid="6" grpId="1" build="allAtOnce" animBg="1"/>
     </p:bldLst>
   </p:timing>
 </p:sld>

--- a/slides/03-Closures.pptx
+++ b/slides/03-Closures.pptx
@@ -209,7 +209,7 @@
           <a:p>
             <a:fld id="{27CEEA13-23F5-194B-B1CF-CF175090CBFA}" type="datetimeFigureOut">
               <a:rPr lang="en-US" smtClean="0"/>
-              <a:t>2/9/20</a:t>
+              <a:t>2/10/20</a:t>
             </a:fld>
             <a:endParaRPr lang="en-US"/>
           </a:p>
@@ -637,7 +637,7 @@
           <a:p>
             <a:fld id="{2DD5D53E-635E-BD41-B5CC-A796D6DD661B}" type="datetimeFigureOut">
               <a:rPr lang="en-US" smtClean="0"/>
-              <a:t>2/9/20</a:t>
+              <a:t>2/10/20</a:t>
             </a:fld>
             <a:endParaRPr lang="en-US"/>
           </a:p>
@@ -967,7 +967,7 @@
           <a:p>
             <a:fld id="{2DD5D53E-635E-BD41-B5CC-A796D6DD661B}" type="datetimeFigureOut">
               <a:rPr lang="en-US" smtClean="0"/>
-              <a:t>2/9/20</a:t>
+              <a:t>2/10/20</a:t>
             </a:fld>
             <a:endParaRPr lang="en-US"/>
           </a:p>
@@ -1147,7 +1147,7 @@
           <a:p>
             <a:fld id="{2DD5D53E-635E-BD41-B5CC-A796D6DD661B}" type="datetimeFigureOut">
               <a:rPr lang="en-US" smtClean="0"/>
-              <a:t>2/9/20</a:t>
+              <a:t>2/10/20</a:t>
             </a:fld>
             <a:endParaRPr lang="en-US"/>
           </a:p>
@@ -1317,7 +1317,7 @@
           <a:p>
             <a:fld id="{2DD5D53E-635E-BD41-B5CC-A796D6DD661B}" type="datetimeFigureOut">
               <a:rPr lang="en-US" smtClean="0"/>
-              <a:t>2/9/20</a:t>
+              <a:t>2/10/20</a:t>
             </a:fld>
             <a:endParaRPr lang="en-US"/>
           </a:p>
@@ -1589,7 +1589,7 @@
           <a:p>
             <a:fld id="{2DD5D53E-635E-BD41-B5CC-A796D6DD661B}" type="datetimeFigureOut">
               <a:rPr lang="en-US" smtClean="0"/>
-              <a:t>2/9/20</a:t>
+              <a:t>2/10/20</a:t>
             </a:fld>
             <a:endParaRPr lang="en-US"/>
           </a:p>
@@ -1983,7 +1983,7 @@
           <a:p>
             <a:fld id="{2DD5D53E-635E-BD41-B5CC-A796D6DD661B}" type="datetimeFigureOut">
               <a:rPr lang="en-US" smtClean="0"/>
-              <a:t>2/9/20</a:t>
+              <a:t>2/10/20</a:t>
             </a:fld>
             <a:endParaRPr lang="en-US"/>
           </a:p>
@@ -2460,7 +2460,7 @@
           <a:p>
             <a:fld id="{2DD5D53E-635E-BD41-B5CC-A796D6DD661B}" type="datetimeFigureOut">
               <a:rPr lang="en-US" smtClean="0"/>
-              <a:t>2/9/20</a:t>
+              <a:t>2/10/20</a:t>
             </a:fld>
             <a:endParaRPr lang="en-US"/>
           </a:p>
@@ -2578,7 +2578,7 @@
           <a:p>
             <a:fld id="{2DD5D53E-635E-BD41-B5CC-A796D6DD661B}" type="datetimeFigureOut">
               <a:rPr lang="en-US" smtClean="0"/>
-              <a:t>2/9/20</a:t>
+              <a:t>2/10/20</a:t>
             </a:fld>
             <a:endParaRPr lang="en-US"/>
           </a:p>
@@ -2673,7 +2673,7 @@
           <a:p>
             <a:fld id="{2DD5D53E-635E-BD41-B5CC-A796D6DD661B}" type="datetimeFigureOut">
               <a:rPr lang="en-US" smtClean="0"/>
-              <a:t>2/9/20</a:t>
+              <a:t>2/10/20</a:t>
             </a:fld>
             <a:endParaRPr lang="en-US"/>
           </a:p>
@@ -3019,7 +3019,7 @@
           <a:p>
             <a:fld id="{2DD5D53E-635E-BD41-B5CC-A796D6DD661B}" type="datetimeFigureOut">
               <a:rPr lang="en-US" smtClean="0"/>
-              <a:t>2/9/20</a:t>
+              <a:t>2/10/20</a:t>
             </a:fld>
             <a:endParaRPr lang="en-US"/>
           </a:p>
@@ -3407,7 +3407,7 @@
           <a:p>
             <a:fld id="{2DD5D53E-635E-BD41-B5CC-A796D6DD661B}" type="datetimeFigureOut">
               <a:rPr lang="en-US" smtClean="0"/>
-              <a:t>2/9/20</a:t>
+              <a:t>2/10/20</a:t>
             </a:fld>
             <a:endParaRPr lang="en-US"/>
           </a:p>
@@ -3682,7 +3682,7 @@
           <a:p>
             <a:fld id="{2DD5D53E-635E-BD41-B5CC-A796D6DD661B}" type="datetimeFigureOut">
               <a:rPr lang="en-US" smtClean="0"/>
-              <a:t>2/9/20</a:t>
+              <a:t>2/10/20</a:t>
             </a:fld>
             <a:endParaRPr lang="en-US"/>
           </a:p>
@@ -30185,9 +30185,7 @@
           <a:prstGeom prst="rect">
             <a:avLst/>
           </a:prstGeom>
-          <a:solidFill>
-            <a:schemeClr val="bg1"/>
-          </a:solidFill>
+          <a:noFill/>
           <a:ln>
             <a:noFill/>
           </a:ln>
@@ -31083,7 +31081,9 @@
                                         </p:cTn>
                                         <p:tgtEl>
                                           <p:spTgt spid="6">
-                                            <p:bg/>
+                                            <p:txEl>
+                                              <p:pRg st="0" end="0"/>
+                                            </p:txEl>
                                           </p:spTgt>
                                         </p:tgtEl>
                                         <p:attrNameLst>
@@ -31099,7 +31099,9 @@
                                         <p:cTn id="57" dur="500"/>
                                         <p:tgtEl>
                                           <p:spTgt spid="6">
-                                            <p:bg/>
+                                            <p:txEl>
+                                              <p:pRg st="0" end="0"/>
+                                            </p:txEl>
                                           </p:spTgt>
                                         </p:tgtEl>
                                       </p:cBhvr>
@@ -31123,7 +31125,7 @@
                                         <p:tgtEl>
                                           <p:spTgt spid="6">
                                             <p:txEl>
-                                              <p:pRg st="0" end="0"/>
+                                              <p:pRg st="1" end="1"/>
                                             </p:txEl>
                                           </p:spTgt>
                                         </p:tgtEl>
@@ -31138,49 +31140,6 @@
                                     <p:animEffect transition="in" filter="wipe(left)">
                                       <p:cBhvr>
                                         <p:cTn id="60" dur="500"/>
-                                        <p:tgtEl>
-                                          <p:spTgt spid="6">
-                                            <p:txEl>
-                                              <p:pRg st="0" end="0"/>
-                                            </p:txEl>
-                                          </p:spTgt>
-                                        </p:tgtEl>
-                                      </p:cBhvr>
-                                    </p:animEffect>
-                                  </p:childTnLst>
-                                </p:cTn>
-                              </p:par>
-                              <p:par>
-                                <p:cTn id="61" presetID="22" presetClass="entr" presetSubtype="8" fill="hold" grpId="0" nodeType="withEffect">
-                                  <p:stCondLst>
-                                    <p:cond delay="0"/>
-                                  </p:stCondLst>
-                                  <p:childTnLst>
-                                    <p:set>
-                                      <p:cBhvr>
-                                        <p:cTn id="62" dur="1" fill="hold">
-                                          <p:stCondLst>
-                                            <p:cond delay="0"/>
-                                          </p:stCondLst>
-                                        </p:cTn>
-                                        <p:tgtEl>
-                                          <p:spTgt spid="6">
-                                            <p:txEl>
-                                              <p:pRg st="1" end="1"/>
-                                            </p:txEl>
-                                          </p:spTgt>
-                                        </p:tgtEl>
-                                        <p:attrNameLst>
-                                          <p:attrName>style.visibility</p:attrName>
-                                        </p:attrNameLst>
-                                      </p:cBhvr>
-                                      <p:to>
-                                        <p:strVal val="visible"/>
-                                      </p:to>
-                                    </p:set>
-                                    <p:animEffect transition="in" filter="wipe(left)">
-                                      <p:cBhvr>
-                                        <p:cTn id="63" dur="500"/>
                                         <p:tgtEl>
                                           <p:spTgt spid="6">
                                             <p:txEl>
@@ -31200,26 +31159,26 @@
                     </p:cTn>
                   </p:par>
                   <p:par>
-                    <p:cTn id="64" fill="hold">
+                    <p:cTn id="61" fill="hold">
                       <p:stCondLst>
                         <p:cond delay="indefinite"/>
                       </p:stCondLst>
                       <p:childTnLst>
                         <p:par>
-                          <p:cTn id="65" fill="hold">
+                          <p:cTn id="62" fill="hold">
                             <p:stCondLst>
                               <p:cond delay="0"/>
                             </p:stCondLst>
                             <p:childTnLst>
                               <p:par>
-                                <p:cTn id="66" presetID="22" presetClass="entr" presetSubtype="8" fill="hold" grpId="0" nodeType="clickEffect">
+                                <p:cTn id="63" presetID="22" presetClass="entr" presetSubtype="8" fill="hold" grpId="0" nodeType="clickEffect">
                                   <p:stCondLst>
                                     <p:cond delay="0"/>
                                   </p:stCondLst>
                                   <p:childTnLst>
                                     <p:set>
                                       <p:cBhvr>
-                                        <p:cTn id="67" dur="1" fill="hold">
+                                        <p:cTn id="64" dur="1" fill="hold">
                                           <p:stCondLst>
                                             <p:cond delay="0"/>
                                           </p:stCondLst>
@@ -31241,7 +31200,7 @@
                                     </p:set>
                                     <p:animEffect transition="in" filter="wipe(left)">
                                       <p:cBhvr>
-                                        <p:cTn id="68" dur="500"/>
+                                        <p:cTn id="65" dur="500"/>
                                         <p:tgtEl>
                                           <p:spTgt spid="4">
                                             <p:txEl>
@@ -31261,26 +31220,26 @@
                     </p:cTn>
                   </p:par>
                   <p:par>
-                    <p:cTn id="69" fill="hold">
+                    <p:cTn id="66" fill="hold">
                       <p:stCondLst>
                         <p:cond delay="indefinite"/>
                       </p:stCondLst>
                       <p:childTnLst>
                         <p:par>
-                          <p:cTn id="70" fill="hold">
+                          <p:cTn id="67" fill="hold">
                             <p:stCondLst>
                               <p:cond delay="0"/>
                             </p:stCondLst>
                             <p:childTnLst>
                               <p:par>
-                                <p:cTn id="71" presetID="1" presetClass="exit" presetSubtype="0" fill="hold" grpId="1" nodeType="clickEffect">
+                                <p:cTn id="68" presetID="1" presetClass="exit" presetSubtype="0" fill="hold" grpId="1" nodeType="clickEffect">
                                   <p:stCondLst>
                                     <p:cond delay="0"/>
                                   </p:stCondLst>
                                   <p:childTnLst>
                                     <p:set>
                                       <p:cBhvr>
-                                        <p:cTn id="72" dur="1" fill="hold">
+                                        <p:cTn id="69" dur="1" fill="hold">
                                           <p:stCondLst>
                                             <p:cond delay="0"/>
                                           </p:stCondLst>
@@ -31304,14 +31263,14 @@
                                 </p:cTn>
                               </p:par>
                               <p:par>
-                                <p:cTn id="73" presetID="1" presetClass="exit" presetSubtype="0" fill="hold" grpId="1" nodeType="withEffect">
+                                <p:cTn id="70" presetID="1" presetClass="exit" presetSubtype="0" fill="hold" grpId="1" nodeType="withEffect">
                                   <p:stCondLst>
                                     <p:cond delay="0"/>
                                   </p:stCondLst>
                                   <p:childTnLst>
                                     <p:set>
                                       <p:cBhvr>
-                                        <p:cTn id="74" dur="1" fill="hold">
+                                        <p:cTn id="71" dur="1" fill="hold">
                                           <p:stCondLst>
                                             <p:cond delay="0"/>
                                           </p:stCondLst>
@@ -31334,22 +31293,42 @@
                                   </p:childTnLst>
                                 </p:cTn>
                               </p:par>
+                            </p:childTnLst>
+                          </p:cTn>
+                        </p:par>
+                      </p:childTnLst>
+                    </p:cTn>
+                  </p:par>
+                  <p:par>
+                    <p:cTn id="72" fill="hold">
+                      <p:stCondLst>
+                        <p:cond delay="indefinite"/>
+                      </p:stCondLst>
+                      <p:childTnLst>
+                        <p:par>
+                          <p:cTn id="73" fill="hold">
+                            <p:stCondLst>
+                              <p:cond delay="0"/>
+                            </p:stCondLst>
+                            <p:childTnLst>
                               <p:par>
-                                <p:cTn id="75" presetID="1" presetClass="exit" presetSubtype="0" fill="hold" grpId="1" nodeType="withEffect">
+                                <p:cTn id="74" presetID="22" presetClass="entr" presetSubtype="8" fill="hold" grpId="0" nodeType="clickEffect">
                                   <p:stCondLst>
                                     <p:cond delay="0"/>
                                   </p:stCondLst>
                                   <p:childTnLst>
                                     <p:set>
                                       <p:cBhvr>
-                                        <p:cTn id="76" dur="1" fill="hold">
+                                        <p:cTn id="75" dur="1" fill="hold">
                                           <p:stCondLst>
                                             <p:cond delay="0"/>
                                           </p:stCondLst>
                                         </p:cTn>
                                         <p:tgtEl>
-                                          <p:spTgt spid="6">
-                                            <p:bg/>
+                                          <p:spTgt spid="4">
+                                            <p:txEl>
+                                              <p:pRg st="13" end="13"/>
+                                            </p:txEl>
                                           </p:spTgt>
                                         </p:tgtEl>
                                         <p:attrNameLst>
@@ -31357,9 +31336,21 @@
                                         </p:attrNameLst>
                                       </p:cBhvr>
                                       <p:to>
-                                        <p:strVal val="hidden"/>
+                                        <p:strVal val="visible"/>
                                       </p:to>
                                     </p:set>
+                                    <p:animEffect transition="in" filter="wipe(left)">
+                                      <p:cBhvr>
+                                        <p:cTn id="76" dur="500"/>
+                                        <p:tgtEl>
+                                          <p:spTgt spid="4">
+                                            <p:txEl>
+                                              <p:pRg st="13" end="13"/>
+                                            </p:txEl>
+                                          </p:spTgt>
+                                        </p:tgtEl>
+                                      </p:cBhvr>
+                                    </p:animEffect>
                                   </p:childTnLst>
                                 </p:cTn>
                               </p:par>
@@ -31397,7 +31388,7 @@
                                         <p:tgtEl>
                                           <p:spTgt spid="4">
                                             <p:txEl>
-                                              <p:pRg st="13" end="13"/>
+                                              <p:pRg st="14" end="14"/>
                                             </p:txEl>
                                           </p:spTgt>
                                         </p:tgtEl>
@@ -31415,7 +31406,7 @@
                                         <p:tgtEl>
                                           <p:spTgt spid="4">
                                             <p:txEl>
-                                              <p:pRg st="13" end="13"/>
+                                              <p:pRg st="14" end="14"/>
                                             </p:txEl>
                                           </p:spTgt>
                                         </p:tgtEl>
@@ -31458,7 +31449,7 @@
                                         <p:tgtEl>
                                           <p:spTgt spid="4">
                                             <p:txEl>
-                                              <p:pRg st="14" end="14"/>
+                                              <p:pRg st="8" end="8"/>
                                             </p:txEl>
                                           </p:spTgt>
                                         </p:tgtEl>
@@ -31476,7 +31467,7 @@
                                         <p:tgtEl>
                                           <p:spTgt spid="4">
                                             <p:txEl>
-                                              <p:pRg st="14" end="14"/>
+                                              <p:pRg st="8" end="8"/>
                                             </p:txEl>
                                           </p:spTgt>
                                         </p:tgtEl>
@@ -31519,7 +31510,7 @@
                                         <p:tgtEl>
                                           <p:spTgt spid="4">
                                             <p:txEl>
-                                              <p:pRg st="8" end="8"/>
+                                              <p:pRg st="9" end="9"/>
                                             </p:txEl>
                                           </p:spTgt>
                                         </p:tgtEl>
@@ -31537,7 +31528,7 @@
                                         <p:tgtEl>
                                           <p:spTgt spid="4">
                                             <p:txEl>
-                                              <p:pRg st="8" end="8"/>
+                                              <p:pRg st="9" end="9"/>
                                             </p:txEl>
                                           </p:spTgt>
                                         </p:tgtEl>
@@ -31580,7 +31571,7 @@
                                         <p:tgtEl>
                                           <p:spTgt spid="4">
                                             <p:txEl>
-                                              <p:pRg st="9" end="9"/>
+                                              <p:pRg st="15" end="15"/>
                                             </p:txEl>
                                           </p:spTgt>
                                         </p:tgtEl>
@@ -31598,7 +31589,7 @@
                                         <p:tgtEl>
                                           <p:spTgt spid="4">
                                             <p:txEl>
-                                              <p:pRg st="9" end="9"/>
+                                              <p:pRg st="15" end="15"/>
                                             </p:txEl>
                                           </p:spTgt>
                                         </p:tgtEl>
@@ -31641,7 +31632,7 @@
                                         <p:tgtEl>
                                           <p:spTgt spid="4">
                                             <p:txEl>
-                                              <p:pRg st="15" end="15"/>
+                                              <p:pRg st="10" end="10"/>
                                             </p:txEl>
                                           </p:spTgt>
                                         </p:tgtEl>
@@ -31659,7 +31650,7 @@
                                         <p:tgtEl>
                                           <p:spTgt spid="4">
                                             <p:txEl>
-                                              <p:pRg st="15" end="15"/>
+                                              <p:pRg st="10" end="10"/>
                                             </p:txEl>
                                           </p:spTgt>
                                         </p:tgtEl>
@@ -31702,7 +31693,7 @@
                                         <p:tgtEl>
                                           <p:spTgt spid="4">
                                             <p:txEl>
-                                              <p:pRg st="10" end="10"/>
+                                              <p:pRg st="16" end="16"/>
                                             </p:txEl>
                                           </p:spTgt>
                                         </p:tgtEl>
@@ -31720,8 +31711,47 @@
                                         <p:tgtEl>
                                           <p:spTgt spid="4">
                                             <p:txEl>
-                                              <p:pRg st="10" end="10"/>
-                                            </p:txEl>
+                                              <p:pRg st="16" end="16"/>
+                                            </p:txEl>
+                                          </p:spTgt>
+                                        </p:tgtEl>
+                                      </p:cBhvr>
+                                    </p:animEffect>
+                                  </p:childTnLst>
+                                </p:cTn>
+                              </p:par>
+                              <p:par>
+                                <p:cTn id="107" presetID="22" presetClass="entr" presetSubtype="8" fill="hold" grpId="0" nodeType="withEffect">
+                                  <p:stCondLst>
+                                    <p:cond delay="0"/>
+                                  </p:stCondLst>
+                                  <p:childTnLst>
+                                    <p:set>
+                                      <p:cBhvr>
+                                        <p:cTn id="108" dur="1" fill="hold">
+                                          <p:stCondLst>
+                                            <p:cond delay="0"/>
+                                          </p:stCondLst>
+                                        </p:cTn>
+                                        <p:tgtEl>
+                                          <p:spTgt spid="5">
+                                            <p:bg/>
+                                          </p:spTgt>
+                                        </p:tgtEl>
+                                        <p:attrNameLst>
+                                          <p:attrName>style.visibility</p:attrName>
+                                        </p:attrNameLst>
+                                      </p:cBhvr>
+                                      <p:to>
+                                        <p:strVal val="visible"/>
+                                      </p:to>
+                                    </p:set>
+                                    <p:animEffect transition="in" filter="wipe(left)">
+                                      <p:cBhvr>
+                                        <p:cTn id="109" dur="500"/>
+                                        <p:tgtEl>
+                                          <p:spTgt spid="5">
+                                            <p:bg/>
                                           </p:spTgt>
                                         </p:tgtEl>
                                       </p:cBhvr>
@@ -31736,34 +31766,34 @@
                     </p:cTn>
                   </p:par>
                   <p:par>
-                    <p:cTn id="107" fill="hold">
+                    <p:cTn id="110" fill="hold">
                       <p:stCondLst>
                         <p:cond delay="indefinite"/>
                       </p:stCondLst>
                       <p:childTnLst>
                         <p:par>
-                          <p:cTn id="108" fill="hold">
+                          <p:cTn id="111" fill="hold">
                             <p:stCondLst>
                               <p:cond delay="0"/>
                             </p:stCondLst>
                             <p:childTnLst>
                               <p:par>
-                                <p:cTn id="109" presetID="22" presetClass="entr" presetSubtype="8" fill="hold" grpId="0" nodeType="clickEffect">
+                                <p:cTn id="112" presetID="22" presetClass="entr" presetSubtype="8" fill="hold" grpId="0" nodeType="clickEffect">
                                   <p:stCondLst>
                                     <p:cond delay="0"/>
                                   </p:stCondLst>
                                   <p:childTnLst>
                                     <p:set>
                                       <p:cBhvr>
-                                        <p:cTn id="110" dur="1" fill="hold">
+                                        <p:cTn id="113" dur="1" fill="hold">
                                           <p:stCondLst>
                                             <p:cond delay="0"/>
                                           </p:stCondLst>
                                         </p:cTn>
                                         <p:tgtEl>
-                                          <p:spTgt spid="4">
-                                            <p:txEl>
-                                              <p:pRg st="16" end="16"/>
+                                          <p:spTgt spid="5">
+                                            <p:txEl>
+                                              <p:pRg st="0" end="0"/>
                                             </p:txEl>
                                           </p:spTgt>
                                         </p:tgtEl>
@@ -31777,51 +31807,12 @@
                                     </p:set>
                                     <p:animEffect transition="in" filter="wipe(left)">
                                       <p:cBhvr>
-                                        <p:cTn id="111" dur="500"/>
-                                        <p:tgtEl>
-                                          <p:spTgt spid="4">
-                                            <p:txEl>
-                                              <p:pRg st="16" end="16"/>
-                                            </p:txEl>
-                                          </p:spTgt>
-                                        </p:tgtEl>
-                                      </p:cBhvr>
-                                    </p:animEffect>
-                                  </p:childTnLst>
-                                </p:cTn>
-                              </p:par>
-                              <p:par>
-                                <p:cTn id="112" presetID="22" presetClass="entr" presetSubtype="8" fill="hold" grpId="0" nodeType="withEffect">
-                                  <p:stCondLst>
-                                    <p:cond delay="0"/>
-                                  </p:stCondLst>
-                                  <p:childTnLst>
-                                    <p:set>
-                                      <p:cBhvr>
-                                        <p:cTn id="113" dur="1" fill="hold">
-                                          <p:stCondLst>
-                                            <p:cond delay="0"/>
-                                          </p:stCondLst>
-                                        </p:cTn>
+                                        <p:cTn id="114" dur="500"/>
                                         <p:tgtEl>
                                           <p:spTgt spid="5">
-                                            <p:bg/>
-                                          </p:spTgt>
-                                        </p:tgtEl>
-                                        <p:attrNameLst>
-                                          <p:attrName>style.visibility</p:attrName>
-                                        </p:attrNameLst>
-                                      </p:cBhvr>
-                                      <p:to>
-                                        <p:strVal val="visible"/>
-                                      </p:to>
-                                    </p:set>
-                                    <p:animEffect transition="in" filter="wipe(left)">
-                                      <p:cBhvr>
-                                        <p:cTn id="114" dur="500"/>
-                                        <p:tgtEl>
-                                          <p:spTgt spid="5">
-                                            <p:bg/>
+                                            <p:txEl>
+                                              <p:pRg st="0" end="0"/>
+                                            </p:txEl>
                                           </p:spTgt>
                                         </p:tgtEl>
                                       </p:cBhvr>
@@ -31863,7 +31854,7 @@
                                         <p:tgtEl>
                                           <p:spTgt spid="5">
                                             <p:txEl>
-                                              <p:pRg st="0" end="0"/>
+                                              <p:pRg st="1" end="1"/>
                                             </p:txEl>
                                           </p:spTgt>
                                         </p:tgtEl>
@@ -31881,7 +31872,7 @@
                                         <p:tgtEl>
                                           <p:spTgt spid="5">
                                             <p:txEl>
-                                              <p:pRg st="0" end="0"/>
+                                              <p:pRg st="1" end="1"/>
                                             </p:txEl>
                                           </p:spTgt>
                                         </p:tgtEl>
@@ -31924,7 +31915,7 @@
                                         <p:tgtEl>
                                           <p:spTgt spid="5">
                                             <p:txEl>
-                                              <p:pRg st="1" end="1"/>
+                                              <p:pRg st="2" end="2"/>
                                             </p:txEl>
                                           </p:spTgt>
                                         </p:tgtEl>
@@ -31942,7 +31933,7 @@
                                         <p:tgtEl>
                                           <p:spTgt spid="5">
                                             <p:txEl>
-                                              <p:pRg st="1" end="1"/>
+                                              <p:pRg st="2" end="2"/>
                                             </p:txEl>
                                           </p:spTgt>
                                         </p:tgtEl>
@@ -31985,7 +31976,7 @@
                                         <p:tgtEl>
                                           <p:spTgt spid="5">
                                             <p:txEl>
-                                              <p:pRg st="2" end="2"/>
+                                              <p:pRg st="3" end="3"/>
                                             </p:txEl>
                                           </p:spTgt>
                                         </p:tgtEl>
@@ -32003,7 +31994,7 @@
                                         <p:tgtEl>
                                           <p:spTgt spid="5">
                                             <p:txEl>
-                                              <p:pRg st="2" end="2"/>
+                                              <p:pRg st="3" end="3"/>
                                             </p:txEl>
                                           </p:spTgt>
                                         </p:tgtEl>
@@ -32046,7 +32037,7 @@
                                         <p:tgtEl>
                                           <p:spTgt spid="5">
                                             <p:txEl>
-                                              <p:pRg st="3" end="3"/>
+                                              <p:pRg st="4" end="4"/>
                                             </p:txEl>
                                           </p:spTgt>
                                         </p:tgtEl>
@@ -32064,7 +32055,7 @@
                                         <p:tgtEl>
                                           <p:spTgt spid="5">
                                             <p:txEl>
-                                              <p:pRg st="3" end="3"/>
+                                              <p:pRg st="4" end="4"/>
                                             </p:txEl>
                                           </p:spTgt>
                                         </p:tgtEl>
@@ -32107,7 +32098,7 @@
                                         <p:tgtEl>
                                           <p:spTgt spid="5">
                                             <p:txEl>
-                                              <p:pRg st="4" end="4"/>
+                                              <p:pRg st="5" end="5"/>
                                             </p:txEl>
                                           </p:spTgt>
                                         </p:tgtEl>
@@ -32125,7 +32116,7 @@
                                         <p:tgtEl>
                                           <p:spTgt spid="5">
                                             <p:txEl>
-                                              <p:pRg st="4" end="4"/>
+                                              <p:pRg st="5" end="5"/>
                                             </p:txEl>
                                           </p:spTgt>
                                         </p:tgtEl>
@@ -32168,7 +32159,7 @@
                                         <p:tgtEl>
                                           <p:spTgt spid="5">
                                             <p:txEl>
-                                              <p:pRg st="5" end="5"/>
+                                              <p:pRg st="6" end="6"/>
                                             </p:txEl>
                                           </p:spTgt>
                                         </p:tgtEl>
@@ -32186,7 +32177,50 @@
                                         <p:tgtEl>
                                           <p:spTgt spid="5">
                                             <p:txEl>
-                                              <p:pRg st="5" end="5"/>
+                                              <p:pRg st="6" end="6"/>
+                                            </p:txEl>
+                                          </p:spTgt>
+                                        </p:tgtEl>
+                                      </p:cBhvr>
+                                    </p:animEffect>
+                                  </p:childTnLst>
+                                </p:cTn>
+                              </p:par>
+                              <p:par>
+                                <p:cTn id="145" presetID="22" presetClass="entr" presetSubtype="8" fill="hold" grpId="0" nodeType="withEffect">
+                                  <p:stCondLst>
+                                    <p:cond delay="0"/>
+                                  </p:stCondLst>
+                                  <p:childTnLst>
+                                    <p:set>
+                                      <p:cBhvr>
+                                        <p:cTn id="146" dur="1" fill="hold">
+                                          <p:stCondLst>
+                                            <p:cond delay="0"/>
+                                          </p:stCondLst>
+                                        </p:cTn>
+                                        <p:tgtEl>
+                                          <p:spTgt spid="5">
+                                            <p:txEl>
+                                              <p:pRg st="7" end="7"/>
+                                            </p:txEl>
+                                          </p:spTgt>
+                                        </p:tgtEl>
+                                        <p:attrNameLst>
+                                          <p:attrName>style.visibility</p:attrName>
+                                        </p:attrNameLst>
+                                      </p:cBhvr>
+                                      <p:to>
+                                        <p:strVal val="visible"/>
+                                      </p:to>
+                                    </p:set>
+                                    <p:animEffect transition="in" filter="wipe(left)">
+                                      <p:cBhvr>
+                                        <p:cTn id="147" dur="500"/>
+                                        <p:tgtEl>
+                                          <p:spTgt spid="5">
+                                            <p:txEl>
+                                              <p:pRg st="7" end="7"/>
                                             </p:txEl>
                                           </p:spTgt>
                                         </p:tgtEl>
@@ -32202,26 +32236,26 @@
                     </p:cTn>
                   </p:par>
                   <p:par>
-                    <p:cTn id="145" fill="hold">
+                    <p:cTn id="148" fill="hold">
                       <p:stCondLst>
                         <p:cond delay="indefinite"/>
                       </p:stCondLst>
                       <p:childTnLst>
                         <p:par>
-                          <p:cTn id="146" fill="hold">
+                          <p:cTn id="149" fill="hold">
                             <p:stCondLst>
                               <p:cond delay="0"/>
                             </p:stCondLst>
                             <p:childTnLst>
                               <p:par>
-                                <p:cTn id="147" presetID="22" presetClass="entr" presetSubtype="8" fill="hold" grpId="0" nodeType="clickEffect">
+                                <p:cTn id="150" presetID="22" presetClass="entr" presetSubtype="8" fill="hold" grpId="0" nodeType="clickEffect">
                                   <p:stCondLst>
                                     <p:cond delay="0"/>
                                   </p:stCondLst>
                                   <p:childTnLst>
                                     <p:set>
                                       <p:cBhvr>
-                                        <p:cTn id="148" dur="1" fill="hold">
+                                        <p:cTn id="151" dur="1" fill="hold">
                                           <p:stCondLst>
                                             <p:cond delay="0"/>
                                           </p:stCondLst>
@@ -32229,7 +32263,7 @@
                                         <p:tgtEl>
                                           <p:spTgt spid="5">
                                             <p:txEl>
-                                              <p:pRg st="6" end="6"/>
+                                              <p:pRg st="8" end="8"/>
                                             </p:txEl>
                                           </p:spTgt>
                                         </p:tgtEl>
@@ -32243,54 +32277,11 @@
                                     </p:set>
                                     <p:animEffect transition="in" filter="wipe(left)">
                                       <p:cBhvr>
-                                        <p:cTn id="149" dur="500"/>
+                                        <p:cTn id="152" dur="500"/>
                                         <p:tgtEl>
                                           <p:spTgt spid="5">
                                             <p:txEl>
-                                              <p:pRg st="6" end="6"/>
-                                            </p:txEl>
-                                          </p:spTgt>
-                                        </p:tgtEl>
-                                      </p:cBhvr>
-                                    </p:animEffect>
-                                  </p:childTnLst>
-                                </p:cTn>
-                              </p:par>
-                              <p:par>
-                                <p:cTn id="150" presetID="22" presetClass="entr" presetSubtype="8" fill="hold" grpId="0" nodeType="withEffect">
-                                  <p:stCondLst>
-                                    <p:cond delay="0"/>
-                                  </p:stCondLst>
-                                  <p:childTnLst>
-                                    <p:set>
-                                      <p:cBhvr>
-                                        <p:cTn id="151" dur="1" fill="hold">
-                                          <p:stCondLst>
-                                            <p:cond delay="0"/>
-                                          </p:stCondLst>
-                                        </p:cTn>
-                                        <p:tgtEl>
-                                          <p:spTgt spid="5">
-                                            <p:txEl>
-                                              <p:pRg st="7" end="7"/>
-                                            </p:txEl>
-                                          </p:spTgt>
-                                        </p:tgtEl>
-                                        <p:attrNameLst>
-                                          <p:attrName>style.visibility</p:attrName>
-                                        </p:attrNameLst>
-                                      </p:cBhvr>
-                                      <p:to>
-                                        <p:strVal val="visible"/>
-                                      </p:to>
-                                    </p:set>
-                                    <p:animEffect transition="in" filter="wipe(left)">
-                                      <p:cBhvr>
-                                        <p:cTn id="152" dur="500"/>
-                                        <p:tgtEl>
-                                          <p:spTgt spid="5">
-                                            <p:txEl>
-                                              <p:pRg st="7" end="7"/>
+                                              <p:pRg st="8" end="8"/>
                                             </p:txEl>
                                           </p:spTgt>
                                         </p:tgtEl>
@@ -32333,7 +32324,7 @@
                                         <p:tgtEl>
                                           <p:spTgt spid="5">
                                             <p:txEl>
-                                              <p:pRg st="8" end="8"/>
+                                              <p:pRg st="9" end="9"/>
                                             </p:txEl>
                                           </p:spTgt>
                                         </p:tgtEl>
@@ -32351,7 +32342,7 @@
                                         <p:tgtEl>
                                           <p:spTgt spid="5">
                                             <p:txEl>
-                                              <p:pRg st="8" end="8"/>
+                                              <p:pRg st="9" end="9"/>
                                             </p:txEl>
                                           </p:spTgt>
                                         </p:tgtEl>
@@ -32394,7 +32385,7 @@
                                         <p:tgtEl>
                                           <p:spTgt spid="5">
                                             <p:txEl>
-                                              <p:pRg st="9" end="9"/>
+                                              <p:pRg st="10" end="10"/>
                                             </p:txEl>
                                           </p:spTgt>
                                         </p:tgtEl>
@@ -32412,7 +32403,50 @@
                                         <p:tgtEl>
                                           <p:spTgt spid="5">
                                             <p:txEl>
-                                              <p:pRg st="9" end="9"/>
+                                              <p:pRg st="10" end="10"/>
+                                            </p:txEl>
+                                          </p:spTgt>
+                                        </p:tgtEl>
+                                      </p:cBhvr>
+                                    </p:animEffect>
+                                  </p:childTnLst>
+                                </p:cTn>
+                              </p:par>
+                              <p:par>
+                                <p:cTn id="163" presetID="22" presetClass="entr" presetSubtype="8" fill="hold" grpId="0" nodeType="withEffect">
+                                  <p:stCondLst>
+                                    <p:cond delay="0"/>
+                                  </p:stCondLst>
+                                  <p:childTnLst>
+                                    <p:set>
+                                      <p:cBhvr>
+                                        <p:cTn id="164" dur="1" fill="hold">
+                                          <p:stCondLst>
+                                            <p:cond delay="0"/>
+                                          </p:stCondLst>
+                                        </p:cTn>
+                                        <p:tgtEl>
+                                          <p:spTgt spid="5">
+                                            <p:txEl>
+                                              <p:pRg st="11" end="11"/>
+                                            </p:txEl>
+                                          </p:spTgt>
+                                        </p:tgtEl>
+                                        <p:attrNameLst>
+                                          <p:attrName>style.visibility</p:attrName>
+                                        </p:attrNameLst>
+                                      </p:cBhvr>
+                                      <p:to>
+                                        <p:strVal val="visible"/>
+                                      </p:to>
+                                    </p:set>
+                                    <p:animEffect transition="in" filter="wipe(left)">
+                                      <p:cBhvr>
+                                        <p:cTn id="165" dur="500"/>
+                                        <p:tgtEl>
+                                          <p:spTgt spid="5">
+                                            <p:txEl>
+                                              <p:pRg st="11" end="11"/>
                                             </p:txEl>
                                           </p:spTgt>
                                         </p:tgtEl>
@@ -32428,26 +32462,26 @@
                     </p:cTn>
                   </p:par>
                   <p:par>
-                    <p:cTn id="163" fill="hold">
+                    <p:cTn id="166" fill="hold">
                       <p:stCondLst>
                         <p:cond delay="indefinite"/>
                       </p:stCondLst>
                       <p:childTnLst>
                         <p:par>
-                          <p:cTn id="164" fill="hold">
+                          <p:cTn id="167" fill="hold">
                             <p:stCondLst>
                               <p:cond delay="0"/>
                             </p:stCondLst>
                             <p:childTnLst>
                               <p:par>
-                                <p:cTn id="165" presetID="22" presetClass="entr" presetSubtype="8" fill="hold" grpId="0" nodeType="clickEffect">
+                                <p:cTn id="168" presetID="22" presetClass="entr" presetSubtype="8" fill="hold" grpId="0" nodeType="clickEffect">
                                   <p:stCondLst>
                                     <p:cond delay="0"/>
                                   </p:stCondLst>
                                   <p:childTnLst>
                                     <p:set>
                                       <p:cBhvr>
-                                        <p:cTn id="166" dur="1" fill="hold">
+                                        <p:cTn id="169" dur="1" fill="hold">
                                           <p:stCondLst>
                                             <p:cond delay="0"/>
                                           </p:stCondLst>
@@ -32455,7 +32489,7 @@
                                         <p:tgtEl>
                                           <p:spTgt spid="5">
                                             <p:txEl>
-                                              <p:pRg st="10" end="10"/>
+                                              <p:pRg st="12" end="12"/>
                                             </p:txEl>
                                           </p:spTgt>
                                         </p:tgtEl>
@@ -32469,54 +32503,11 @@
                                     </p:set>
                                     <p:animEffect transition="in" filter="wipe(left)">
                                       <p:cBhvr>
-                                        <p:cTn id="167" dur="500"/>
+                                        <p:cTn id="170" dur="500"/>
                                         <p:tgtEl>
                                           <p:spTgt spid="5">
                                             <p:txEl>
-                                              <p:pRg st="10" end="10"/>
-                                            </p:txEl>
-                                          </p:spTgt>
-                                        </p:tgtEl>
-                                      </p:cBhvr>
-                                    </p:animEffect>
-                                  </p:childTnLst>
-                                </p:cTn>
-                              </p:par>
-                              <p:par>
-                                <p:cTn id="168" presetID="22" presetClass="entr" presetSubtype="8" fill="hold" grpId="0" nodeType="withEffect">
-                                  <p:stCondLst>
-                                    <p:cond delay="0"/>
-                                  </p:stCondLst>
-                                  <p:childTnLst>
-                                    <p:set>
-                                      <p:cBhvr>
-                                        <p:cTn id="169" dur="1" fill="hold">
-                                          <p:stCondLst>
-                                            <p:cond delay="0"/>
-                                          </p:stCondLst>
-                                        </p:cTn>
-                                        <p:tgtEl>
-                                          <p:spTgt spid="5">
-                                            <p:txEl>
-                                              <p:pRg st="11" end="11"/>
-                                            </p:txEl>
-                                          </p:spTgt>
-                                        </p:tgtEl>
-                                        <p:attrNameLst>
-                                          <p:attrName>style.visibility</p:attrName>
-                                        </p:attrNameLst>
-                                      </p:cBhvr>
-                                      <p:to>
-                                        <p:strVal val="visible"/>
-                                      </p:to>
-                                    </p:set>
-                                    <p:animEffect transition="in" filter="wipe(left)">
-                                      <p:cBhvr>
-                                        <p:cTn id="170" dur="500"/>
-                                        <p:tgtEl>
-                                          <p:spTgt spid="5">
-                                            <p:txEl>
-                                              <p:pRg st="11" end="11"/>
+                                              <p:pRg st="12" end="12"/>
                                             </p:txEl>
                                           </p:spTgt>
                                         </p:tgtEl>
@@ -32559,7 +32550,7 @@
                                         <p:tgtEl>
                                           <p:spTgt spid="5">
                                             <p:txEl>
-                                              <p:pRg st="12" end="12"/>
+                                              <p:pRg st="13" end="13"/>
                                             </p:txEl>
                                           </p:spTgt>
                                         </p:tgtEl>
@@ -32577,7 +32568,7 @@
                                         <p:tgtEl>
                                           <p:spTgt spid="5">
                                             <p:txEl>
-                                              <p:pRg st="12" end="12"/>
+                                              <p:pRg st="13" end="13"/>
                                             </p:txEl>
                                           </p:spTgt>
                                         </p:tgtEl>
@@ -32620,7 +32611,7 @@
                                         <p:tgtEl>
                                           <p:spTgt spid="5">
                                             <p:txEl>
-                                              <p:pRg st="13" end="13"/>
+                                              <p:pRg st="14" end="14"/>
                                             </p:txEl>
                                           </p:spTgt>
                                         </p:tgtEl>
@@ -32638,7 +32629,7 @@
                                         <p:tgtEl>
                                           <p:spTgt spid="5">
                                             <p:txEl>
-                                              <p:pRg st="13" end="13"/>
+                                              <p:pRg st="14" end="14"/>
                                             </p:txEl>
                                           </p:spTgt>
                                         </p:tgtEl>
@@ -32681,7 +32672,7 @@
                                         <p:tgtEl>
                                           <p:spTgt spid="5">
                                             <p:txEl>
-                                              <p:pRg st="14" end="14"/>
+                                              <p:pRg st="15" end="15"/>
                                             </p:txEl>
                                           </p:spTgt>
                                         </p:tgtEl>
@@ -32699,7 +32690,7 @@
                                         <p:tgtEl>
                                           <p:spTgt spid="5">
                                             <p:txEl>
-                                              <p:pRg st="14" end="14"/>
+                                              <p:pRg st="15" end="15"/>
                                             </p:txEl>
                                           </p:spTgt>
                                         </p:tgtEl>
@@ -32742,7 +32733,7 @@
                                         <p:tgtEl>
                                           <p:spTgt spid="5">
                                             <p:txEl>
-                                              <p:pRg st="15" end="15"/>
+                                              <p:pRg st="16" end="16"/>
                                             </p:txEl>
                                           </p:spTgt>
                                         </p:tgtEl>
@@ -32760,7 +32751,7 @@
                                         <p:tgtEl>
                                           <p:spTgt spid="5">
                                             <p:txEl>
-                                              <p:pRg st="15" end="15"/>
+                                              <p:pRg st="16" end="16"/>
                                             </p:txEl>
                                           </p:spTgt>
                                         </p:tgtEl>
@@ -32803,7 +32794,7 @@
                                         <p:tgtEl>
                                           <p:spTgt spid="5">
                                             <p:txEl>
-                                              <p:pRg st="16" end="16"/>
+                                              <p:pRg st="17" end="17"/>
                                             </p:txEl>
                                           </p:spTgt>
                                         </p:tgtEl>
@@ -32818,67 +32809,6 @@
                                     <p:animEffect transition="in" filter="wipe(left)">
                                       <p:cBhvr>
                                         <p:cTn id="195" dur="500"/>
-                                        <p:tgtEl>
-                                          <p:spTgt spid="5">
-                                            <p:txEl>
-                                              <p:pRg st="16" end="16"/>
-                                            </p:txEl>
-                                          </p:spTgt>
-                                        </p:tgtEl>
-                                      </p:cBhvr>
-                                    </p:animEffect>
-                                  </p:childTnLst>
-                                </p:cTn>
-                              </p:par>
-                            </p:childTnLst>
-                          </p:cTn>
-                        </p:par>
-                      </p:childTnLst>
-                    </p:cTn>
-                  </p:par>
-                  <p:par>
-                    <p:cTn id="196" fill="hold">
-                      <p:stCondLst>
-                        <p:cond delay="indefinite"/>
-                      </p:stCondLst>
-                      <p:childTnLst>
-                        <p:par>
-                          <p:cTn id="197" fill="hold">
-                            <p:stCondLst>
-                              <p:cond delay="0"/>
-                            </p:stCondLst>
-                            <p:childTnLst>
-                              <p:par>
-                                <p:cTn id="198" presetID="22" presetClass="entr" presetSubtype="8" fill="hold" grpId="0" nodeType="clickEffect">
-                                  <p:stCondLst>
-                                    <p:cond delay="0"/>
-                                  </p:stCondLst>
-                                  <p:childTnLst>
-                                    <p:set>
-                                      <p:cBhvr>
-                                        <p:cTn id="199" dur="1" fill="hold">
-                                          <p:stCondLst>
-                                            <p:cond delay="0"/>
-                                          </p:stCondLst>
-                                        </p:cTn>
-                                        <p:tgtEl>
-                                          <p:spTgt spid="5">
-                                            <p:txEl>
-                                              <p:pRg st="17" end="17"/>
-                                            </p:txEl>
-                                          </p:spTgt>
-                                        </p:tgtEl>
-                                        <p:attrNameLst>
-                                          <p:attrName>style.visibility</p:attrName>
-                                        </p:attrNameLst>
-                                      </p:cBhvr>
-                                      <p:to>
-                                        <p:strVal val="visible"/>
-                                      </p:to>
-                                    </p:set>
-                                    <p:animEffect transition="in" filter="wipe(left)">
-                                      <p:cBhvr>
-                                        <p:cTn id="200" dur="500"/>
                                         <p:tgtEl>
                                           <p:spTgt spid="5">
                                             <p:txEl>
@@ -32921,8 +32851,8 @@
     <p:bldLst>
       <p:bldP spid="5" grpId="0" uiExpand="1" build="p" animBg="1"/>
       <p:bldP spid="4" grpId="0" uiExpand="1" build="p" animBg="1"/>
-      <p:bldP spid="6" grpId="0" build="p" animBg="1"/>
-      <p:bldP spid="6" grpId="1" build="allAtOnce" animBg="1"/>
+      <p:bldP spid="6" grpId="0" build="p"/>
+      <p:bldP spid="6" grpId="1" build="allAtOnce"/>
     </p:bldLst>
   </p:timing>
 </p:sld>
